--- a/Resources/RustModels.pptx
+++ b/Resources/RustModels.pptx
@@ -54,7 +54,7 @@
     <p:sldId id="280" r:id="rId45"/>
   </p:sldIdLst>
   <p:sldSz cx="12192000" cy="6858000"/>
-  <p:notesSz cx="7010400" cy="9296400"/>
+  <p:notesSz cx="9296400" cy="7010400"/>
   <p:defaultTextStyle>
     <a:defPPr>
       <a:defRPr lang="en-US"/>
@@ -192,8 +192,8 @@
         </p:nvSpPr>
         <p:spPr>
           <a:xfrm>
-            <a:off x="0" y="0"/>
-            <a:ext cx="3038475" cy="466725"/>
+            <a:off x="1" y="0"/>
+            <a:ext cx="4029282" cy="351957"/>
           </a:xfrm>
           <a:prstGeom prst="rect">
             <a:avLst/>
@@ -223,8 +223,8 @@
         </p:nvSpPr>
         <p:spPr>
           <a:xfrm>
-            <a:off x="3970338" y="0"/>
-            <a:ext cx="3038475" cy="466725"/>
+            <a:off x="5265014" y="0"/>
+            <a:ext cx="4029282" cy="351957"/>
           </a:xfrm>
           <a:prstGeom prst="rect">
             <a:avLst/>
@@ -240,7 +240,7 @@
           <a:p>
             <a:fld id="{8B9DEAE6-0538-4445-AC69-E9546F37B6FF}" type="datetimeFigureOut">
               <a:rPr lang="en-US" smtClean="0"/>
-              <a:t>3/24/2020</a:t>
+              <a:t>3/25/2020</a:t>
             </a:fld>
             <a:endParaRPr lang="en-US"/>
           </a:p>
@@ -258,8 +258,8 @@
         </p:nvSpPr>
         <p:spPr>
           <a:xfrm>
-            <a:off x="717550" y="1162050"/>
-            <a:ext cx="5575300" cy="3136900"/>
+            <a:off x="2546350" y="876300"/>
+            <a:ext cx="4203700" cy="2365375"/>
           </a:xfrm>
           <a:prstGeom prst="rect">
             <a:avLst/>
@@ -291,8 +291,8 @@
         </p:nvSpPr>
         <p:spPr>
           <a:xfrm>
-            <a:off x="701675" y="4473575"/>
-            <a:ext cx="5607050" cy="3660775"/>
+            <a:off x="930482" y="3373516"/>
+            <a:ext cx="7435436" cy="2760584"/>
           </a:xfrm>
           <a:prstGeom prst="rect">
             <a:avLst/>
@@ -350,8 +350,8 @@
         </p:nvSpPr>
         <p:spPr>
           <a:xfrm>
-            <a:off x="0" y="8829675"/>
-            <a:ext cx="3038475" cy="466725"/>
+            <a:off x="1" y="6658444"/>
+            <a:ext cx="4029282" cy="351957"/>
           </a:xfrm>
           <a:prstGeom prst="rect">
             <a:avLst/>
@@ -381,8 +381,8 @@
         </p:nvSpPr>
         <p:spPr>
           <a:xfrm>
-            <a:off x="3970338" y="8829675"/>
-            <a:ext cx="3038475" cy="466725"/>
+            <a:off x="5265014" y="6658444"/>
+            <a:ext cx="4029282" cy="351957"/>
           </a:xfrm>
           <a:prstGeom prst="rect">
             <a:avLst/>
@@ -654,7 +654,7 @@
           <a:p>
             <a:fld id="{F59BA8CD-9D66-40F3-B663-5AE3FCC8E640}" type="datetime1">
               <a:rPr lang="en-US" smtClean="0"/>
-              <a:t>3/24/2020</a:t>
+              <a:t>3/25/2020</a:t>
             </a:fld>
             <a:endParaRPr lang="en-US"/>
           </a:p>
@@ -852,7 +852,7 @@
           <a:p>
             <a:fld id="{AE815081-8781-4CE2-BA8A-F30EB62592DB}" type="datetime1">
               <a:rPr lang="en-US" smtClean="0"/>
-              <a:t>3/24/2020</a:t>
+              <a:t>3/25/2020</a:t>
             </a:fld>
             <a:endParaRPr lang="en-US"/>
           </a:p>
@@ -1060,7 +1060,7 @@
           <a:p>
             <a:fld id="{1436B19E-3845-4454-9B00-81A37311B2DB}" type="datetime1">
               <a:rPr lang="en-US" smtClean="0"/>
-              <a:t>3/24/2020</a:t>
+              <a:t>3/25/2020</a:t>
             </a:fld>
             <a:endParaRPr lang="en-US"/>
           </a:p>
@@ -1258,7 +1258,7 @@
           <a:p>
             <a:fld id="{51BD0182-F02D-41FA-88F8-DAAE45FECD96}" type="datetime1">
               <a:rPr lang="en-US" smtClean="0"/>
-              <a:t>3/24/2020</a:t>
+              <a:t>3/25/2020</a:t>
             </a:fld>
             <a:endParaRPr lang="en-US"/>
           </a:p>
@@ -1533,7 +1533,7 @@
           <a:p>
             <a:fld id="{97DD5E3A-970B-45DB-AC65-C654B1C83769}" type="datetime1">
               <a:rPr lang="en-US" smtClean="0"/>
-              <a:t>3/24/2020</a:t>
+              <a:t>3/25/2020</a:t>
             </a:fld>
             <a:endParaRPr lang="en-US"/>
           </a:p>
@@ -1798,7 +1798,7 @@
           <a:p>
             <a:fld id="{A0C75F36-CE33-4D01-AEC1-8AE85EBDD5C0}" type="datetime1">
               <a:rPr lang="en-US" smtClean="0"/>
-              <a:t>3/24/2020</a:t>
+              <a:t>3/25/2020</a:t>
             </a:fld>
             <a:endParaRPr lang="en-US"/>
           </a:p>
@@ -2210,7 +2210,7 @@
           <a:p>
             <a:fld id="{2F12ED4E-FBDA-4929-861C-48D0B255396D}" type="datetime1">
               <a:rPr lang="en-US" smtClean="0"/>
-              <a:t>3/24/2020</a:t>
+              <a:t>3/25/2020</a:t>
             </a:fld>
             <a:endParaRPr lang="en-US"/>
           </a:p>
@@ -2351,7 +2351,7 @@
           <a:p>
             <a:fld id="{71274C8E-8698-45E5-8BD5-3125D835571A}" type="datetime1">
               <a:rPr lang="en-US" smtClean="0"/>
-              <a:t>3/24/2020</a:t>
+              <a:t>3/25/2020</a:t>
             </a:fld>
             <a:endParaRPr lang="en-US"/>
           </a:p>
@@ -2464,7 +2464,7 @@
           <a:p>
             <a:fld id="{EAAEADE5-9122-4DD1-9AF9-D9EE601260DA}" type="datetime1">
               <a:rPr lang="en-US" smtClean="0"/>
-              <a:t>3/24/2020</a:t>
+              <a:t>3/25/2020</a:t>
             </a:fld>
             <a:endParaRPr lang="en-US"/>
           </a:p>
@@ -2775,7 +2775,7 @@
           <a:p>
             <a:fld id="{AF0EE2CB-ACA5-4190-BF2E-27B23A7D63ED}" type="datetime1">
               <a:rPr lang="en-US" smtClean="0"/>
-              <a:t>3/24/2020</a:t>
+              <a:t>3/25/2020</a:t>
             </a:fld>
             <a:endParaRPr lang="en-US"/>
           </a:p>
@@ -3063,7 +3063,7 @@
           <a:p>
             <a:fld id="{8071D197-35A9-4BC6-A7E3-13AE8964F43E}" type="datetime1">
               <a:rPr lang="en-US" smtClean="0"/>
-              <a:t>3/24/2020</a:t>
+              <a:t>3/25/2020</a:t>
             </a:fld>
             <a:endParaRPr lang="en-US"/>
           </a:p>
@@ -3304,7 +3304,7 @@
           <a:p>
             <a:fld id="{A6174D4B-69CC-457D-9299-B97313C54882}" type="datetime1">
               <a:rPr lang="en-US" smtClean="0"/>
-              <a:t>3/24/2020</a:t>
+              <a:t>3/25/2020</a:t>
             </a:fld>
             <a:endParaRPr lang="en-US"/>
           </a:p>

--- a/Resources/RustModels.pptx
+++ b/Resources/RustModels.pptx
@@ -9,27 +9,27 @@
   </p:notesMasterIdLst>
   <p:sldIdLst>
     <p:sldId id="256" r:id="rId2"/>
-    <p:sldId id="286" r:id="rId3"/>
-    <p:sldId id="287" r:id="rId4"/>
-    <p:sldId id="282" r:id="rId5"/>
-    <p:sldId id="257" r:id="rId6"/>
+    <p:sldId id="282" r:id="rId3"/>
+    <p:sldId id="257" r:id="rId4"/>
+    <p:sldId id="286" r:id="rId5"/>
+    <p:sldId id="287" r:id="rId6"/>
     <p:sldId id="292" r:id="rId7"/>
-    <p:sldId id="260" r:id="rId8"/>
-    <p:sldId id="303" r:id="rId9"/>
-    <p:sldId id="302" r:id="rId10"/>
-    <p:sldId id="283" r:id="rId11"/>
-    <p:sldId id="262" r:id="rId12"/>
-    <p:sldId id="263" r:id="rId13"/>
-    <p:sldId id="264" r:id="rId14"/>
-    <p:sldId id="285" r:id="rId15"/>
-    <p:sldId id="293" r:id="rId16"/>
-    <p:sldId id="265" r:id="rId17"/>
-    <p:sldId id="266" r:id="rId18"/>
+    <p:sldId id="304" r:id="rId8"/>
+    <p:sldId id="305" r:id="rId9"/>
+    <p:sldId id="260" r:id="rId10"/>
+    <p:sldId id="303" r:id="rId11"/>
+    <p:sldId id="302" r:id="rId12"/>
+    <p:sldId id="283" r:id="rId13"/>
+    <p:sldId id="262" r:id="rId14"/>
+    <p:sldId id="263" r:id="rId15"/>
+    <p:sldId id="264" r:id="rId16"/>
+    <p:sldId id="293" r:id="rId17"/>
+    <p:sldId id="265" r:id="rId18"/>
     <p:sldId id="294" r:id="rId19"/>
     <p:sldId id="267" r:id="rId20"/>
-    <p:sldId id="269" r:id="rId21"/>
-    <p:sldId id="270" r:id="rId22"/>
-    <p:sldId id="295" r:id="rId23"/>
+    <p:sldId id="306" r:id="rId21"/>
+    <p:sldId id="269" r:id="rId22"/>
+    <p:sldId id="270" r:id="rId23"/>
     <p:sldId id="271" r:id="rId24"/>
     <p:sldId id="272" r:id="rId25"/>
     <p:sldId id="296" r:id="rId26"/>
@@ -240,7 +240,7 @@
           <a:p>
             <a:fld id="{8B9DEAE6-0538-4445-AC69-E9546F37B6FF}" type="datetimeFigureOut">
               <a:rPr lang="en-US" smtClean="0"/>
-              <a:t>3/25/2020</a:t>
+              <a:t>3/26/2020</a:t>
             </a:fld>
             <a:endParaRPr lang="en-US"/>
           </a:p>
@@ -654,7 +654,7 @@
           <a:p>
             <a:fld id="{F59BA8CD-9D66-40F3-B663-5AE3FCC8E640}" type="datetime1">
               <a:rPr lang="en-US" smtClean="0"/>
-              <a:t>3/25/2020</a:t>
+              <a:t>3/26/2020</a:t>
             </a:fld>
             <a:endParaRPr lang="en-US"/>
           </a:p>
@@ -852,7 +852,7 @@
           <a:p>
             <a:fld id="{AE815081-8781-4CE2-BA8A-F30EB62592DB}" type="datetime1">
               <a:rPr lang="en-US" smtClean="0"/>
-              <a:t>3/25/2020</a:t>
+              <a:t>3/26/2020</a:t>
             </a:fld>
             <a:endParaRPr lang="en-US"/>
           </a:p>
@@ -1060,7 +1060,7 @@
           <a:p>
             <a:fld id="{1436B19E-3845-4454-9B00-81A37311B2DB}" type="datetime1">
               <a:rPr lang="en-US" smtClean="0"/>
-              <a:t>3/25/2020</a:t>
+              <a:t>3/26/2020</a:t>
             </a:fld>
             <a:endParaRPr lang="en-US"/>
           </a:p>
@@ -1258,7 +1258,7 @@
           <a:p>
             <a:fld id="{51BD0182-F02D-41FA-88F8-DAAE45FECD96}" type="datetime1">
               <a:rPr lang="en-US" smtClean="0"/>
-              <a:t>3/25/2020</a:t>
+              <a:t>3/26/2020</a:t>
             </a:fld>
             <a:endParaRPr lang="en-US"/>
           </a:p>
@@ -1533,7 +1533,7 @@
           <a:p>
             <a:fld id="{97DD5E3A-970B-45DB-AC65-C654B1C83769}" type="datetime1">
               <a:rPr lang="en-US" smtClean="0"/>
-              <a:t>3/25/2020</a:t>
+              <a:t>3/26/2020</a:t>
             </a:fld>
             <a:endParaRPr lang="en-US"/>
           </a:p>
@@ -1798,7 +1798,7 @@
           <a:p>
             <a:fld id="{A0C75F36-CE33-4D01-AEC1-8AE85EBDD5C0}" type="datetime1">
               <a:rPr lang="en-US" smtClean="0"/>
-              <a:t>3/25/2020</a:t>
+              <a:t>3/26/2020</a:t>
             </a:fld>
             <a:endParaRPr lang="en-US"/>
           </a:p>
@@ -2210,7 +2210,7 @@
           <a:p>
             <a:fld id="{2F12ED4E-FBDA-4929-861C-48D0B255396D}" type="datetime1">
               <a:rPr lang="en-US" smtClean="0"/>
-              <a:t>3/25/2020</a:t>
+              <a:t>3/26/2020</a:t>
             </a:fld>
             <a:endParaRPr lang="en-US"/>
           </a:p>
@@ -2351,7 +2351,7 @@
           <a:p>
             <a:fld id="{71274C8E-8698-45E5-8BD5-3125D835571A}" type="datetime1">
               <a:rPr lang="en-US" smtClean="0"/>
-              <a:t>3/25/2020</a:t>
+              <a:t>3/26/2020</a:t>
             </a:fld>
             <a:endParaRPr lang="en-US"/>
           </a:p>
@@ -2464,7 +2464,7 @@
           <a:p>
             <a:fld id="{EAAEADE5-9122-4DD1-9AF9-D9EE601260DA}" type="datetime1">
               <a:rPr lang="en-US" smtClean="0"/>
-              <a:t>3/25/2020</a:t>
+              <a:t>3/26/2020</a:t>
             </a:fld>
             <a:endParaRPr lang="en-US"/>
           </a:p>
@@ -2775,7 +2775,7 @@
           <a:p>
             <a:fld id="{AF0EE2CB-ACA5-4190-BF2E-27B23A7D63ED}" type="datetime1">
               <a:rPr lang="en-US" smtClean="0"/>
-              <a:t>3/25/2020</a:t>
+              <a:t>3/26/2020</a:t>
             </a:fld>
             <a:endParaRPr lang="en-US"/>
           </a:p>
@@ -3063,7 +3063,7 @@
           <a:p>
             <a:fld id="{8071D197-35A9-4BC6-A7E3-13AE8964F43E}" type="datetime1">
               <a:rPr lang="en-US" smtClean="0"/>
-              <a:t>3/25/2020</a:t>
+              <a:t>3/26/2020</a:t>
             </a:fld>
             <a:endParaRPr lang="en-US"/>
           </a:p>
@@ -3304,7 +3304,7 @@
           <a:p>
             <a:fld id="{A6174D4B-69CC-457D-9299-B97313C54882}" type="datetime1">
               <a:rPr lang="en-US" smtClean="0"/>
-              <a:t>3/25/2020</a:t>
+              <a:t>3/26/2020</a:t>
             </a:fld>
             <a:endParaRPr lang="en-US"/>
           </a:p>
@@ -3843,7 +3843,7 @@
           <p:cNvPr id="2" name="Title 1">
             <a:extLst>
               <a:ext uri="{FF2B5EF4-FFF2-40B4-BE49-F238E27FC236}">
-                <a16:creationId xmlns:a16="http://schemas.microsoft.com/office/drawing/2014/main" id="{F3D87BFA-581E-4349-9BBF-0B22000129F6}"/>
+                <a16:creationId xmlns:a16="http://schemas.microsoft.com/office/drawing/2014/main" id="{93D6006B-C29C-47FA-B1CC-9E255344B14A}"/>
               </a:ext>
             </a:extLst>
           </p:cNvPr>
@@ -3856,8 +3856,8 @@
         </p:nvSpPr>
         <p:spPr>
           <a:xfrm>
-            <a:off x="838200" y="365126"/>
-            <a:ext cx="10515600" cy="711834"/>
+            <a:off x="838200" y="378005"/>
+            <a:ext cx="10515600" cy="607229"/>
           </a:xfrm>
         </p:spPr>
         <p:txBody>
@@ -3866,7 +3866,7 @@
           <a:p>
             <a:r>
               <a:rPr lang="en-US" dirty="0"/>
-              <a:t>Crate Library Construction Co-Tests</a:t>
+              <a:t>Crate</a:t>
             </a:r>
           </a:p>
         </p:txBody>
@@ -3876,7 +3876,7 @@
           <p:cNvPr id="3" name="Content Placeholder 2">
             <a:extLst>
               <a:ext uri="{FF2B5EF4-FFF2-40B4-BE49-F238E27FC236}">
-                <a16:creationId xmlns:a16="http://schemas.microsoft.com/office/drawing/2014/main" id="{BB7F4A92-7CC6-4F80-BB21-B43C15255198}"/>
+                <a16:creationId xmlns:a16="http://schemas.microsoft.com/office/drawing/2014/main" id="{A23BFFD7-95C1-4A13-B7A6-5E36757A1050}"/>
               </a:ext>
             </a:extLst>
           </p:cNvPr>
@@ -3889,91 +3889,109 @@
         </p:nvSpPr>
         <p:spPr>
           <a:xfrm>
-            <a:off x="838200" y="1268882"/>
-            <a:ext cx="10515600" cy="5091912"/>
+            <a:off x="838200" y="1275006"/>
+            <a:ext cx="10515600" cy="4861777"/>
           </a:xfrm>
         </p:spPr>
         <p:txBody>
-          <a:bodyPr>
-            <a:normAutofit/>
-          </a:bodyPr>
-          <a:lstStyle/>
-          <a:p>
-            <a:r>
-              <a:rPr lang="en-US" sz="2400" dirty="0"/>
-              <a:t>For anything other than trivial example code it’s very useful to test as we build code:</a:t>
+          <a:bodyPr/>
+          <a:lstStyle/>
+          <a:p>
+            <a:r>
+              <a:rPr lang="en-US" dirty="0"/>
+              <a:t>The source form of a crate is composed of:</a:t>
             </a:r>
           </a:p>
           <a:p>
             <a:pPr lvl="1"/>
             <a:r>
-              <a:rPr lang="en-US" sz="2000" dirty="0"/>
-              <a:t>A library crate is created with the command </a:t>
-            </a:r>
-            <a:br>
-              <a:rPr lang="en-US" sz="2000" dirty="0"/>
-            </a:br>
-            <a:r>
-              <a:rPr lang="en-US" sz="2000" dirty="0"/>
-              <a:t> 	</a:t>
-            </a:r>
-            <a:r>
-              <a:rPr lang="en-US" sz="2000" b="1" dirty="0"/>
-              <a:t>cargo new --lib [package-name].</a:t>
+              <a:rPr lang="en-US" dirty="0"/>
+              <a:t>A crate root, main.rs or lib.rs, and a set of zero or more supporting source files called modules, all found in the /</a:t>
+            </a:r>
+            <a:r>
+              <a:rPr lang="en-US" dirty="0" err="1"/>
+              <a:t>src</a:t>
+            </a:r>
+            <a:r>
+              <a:rPr lang="en-US" dirty="0"/>
+              <a:t> folder.</a:t>
             </a:r>
           </a:p>
           <a:p>
             <a:pPr lvl="1"/>
             <a:r>
-              <a:rPr lang="en-US" sz="2000" dirty="0"/>
-              <a:t>That builds a lib.rs containing a single configured test that asserts 2 + 2 = 4.</a:t>
+              <a:rPr lang="en-US" dirty="0"/>
+              <a:t>The crate root loads any modules identified with the keyword mod at the top of its source.</a:t>
             </a:r>
           </a:p>
           <a:p>
             <a:pPr lvl="2"/>
             <a:r>
-              <a:rPr lang="en-US" sz="1800" dirty="0"/>
-              <a:t>This is simply a demonstration of how to build test cases for a library.</a:t>
-            </a:r>
-          </a:p>
-          <a:p>
-            <a:pPr lvl="2"/>
-            <a:r>
-              <a:rPr lang="en-US" sz="1800" dirty="0"/>
-              <a:t>Each test passes if, and only if, there are no failed assertions.</a:t>
-            </a:r>
+              <a:rPr lang="en-US" dirty="0"/>
+              <a:t>mod </a:t>
+            </a:r>
+            <a:r>
+              <a:rPr lang="en-US" dirty="0" err="1"/>
+              <a:t>some_module</a:t>
+            </a:r>
+            <a:r>
+              <a:rPr lang="en-US" dirty="0"/>
+              <a:t>  </a:t>
+            </a:r>
+            <a:r>
+              <a:rPr lang="en-US" dirty="0">
+                <a:sym typeface="Wingdings" panose="05000000000000000000" pitchFamily="2" charset="2"/>
+              </a:rPr>
+              <a:t> loads some_module.rs</a:t>
+            </a:r>
+            <a:endParaRPr lang="en-US" dirty="0"/>
           </a:p>
           <a:p>
             <a:pPr lvl="1"/>
             <a:r>
-              <a:rPr lang="en-US" sz="2000" dirty="0"/>
-              <a:t>Every time we add a few lines of code in the lib.rs file we add small tests, each in a configured test block and then build and execute with the command:</a:t>
-            </a:r>
-            <a:br>
-              <a:rPr lang="en-US" sz="2000" dirty="0"/>
-            </a:br>
-            <a:r>
-              <a:rPr lang="en-US" sz="2000" dirty="0"/>
-              <a:t> 	</a:t>
-            </a:r>
-            <a:r>
-              <a:rPr lang="en-US" sz="2000" b="1" dirty="0"/>
-              <a:t>cargo test</a:t>
-            </a:r>
-            <a:br>
-              <a:rPr lang="en-US" sz="2000" b="1" dirty="0"/>
-            </a:br>
-            <a:r>
-              <a:rPr lang="en-US" sz="2000" dirty="0"/>
-              <a:t>in a terminal window located in the crate root folder.</a:t>
+              <a:rPr lang="en-US" dirty="0"/>
+              <a:t>Each module may also load other modules.</a:t>
             </a:r>
           </a:p>
           <a:p>
             <a:pPr lvl="1"/>
             <a:r>
-              <a:rPr lang="en-US" sz="2000" dirty="0"/>
-              <a:t>This “co-test” process allows us to very quickly find errors.  If a test fails, the problem is almost certain to be in the few lines of code we entered after the last test.</a:t>
-            </a:r>
+              <a:rPr lang="en-US" dirty="0"/>
+              <a:t>The crate may specify dependencies on other crates and import their definitions into the root or any of its modules.</a:t>
+            </a:r>
+          </a:p>
+          <a:p>
+            <a:r>
+              <a:rPr lang="en-US" dirty="0"/>
+              <a:t>The translation form of a crate is a single compiled file, e.g., one of:</a:t>
+            </a:r>
+          </a:p>
+          <a:p>
+            <a:pPr lvl="1"/>
+            <a:r>
+              <a:rPr lang="en-US" dirty="0"/>
+              <a:t>/target/debug/[package_name].exe</a:t>
+            </a:r>
+          </a:p>
+          <a:p>
+            <a:pPr lvl="1"/>
+            <a:r>
+              <a:rPr lang="en-US" dirty="0"/>
+              <a:t>/target/debug/lib[</a:t>
+            </a:r>
+            <a:r>
+              <a:rPr lang="en-US" dirty="0" err="1"/>
+              <a:t>package_name</a:t>
+            </a:r>
+            <a:r>
+              <a:rPr lang="en-US" dirty="0"/>
+              <a:t>].</a:t>
+            </a:r>
+            <a:r>
+              <a:rPr lang="en-US" dirty="0" err="1"/>
+              <a:t>rlib</a:t>
+            </a:r>
+            <a:endParaRPr lang="en-US" dirty="0"/>
           </a:p>
         </p:txBody>
       </p:sp>
@@ -3982,7 +4000,7 @@
           <p:cNvPr id="4" name="Slide Number Placeholder 3">
             <a:extLst>
               <a:ext uri="{FF2B5EF4-FFF2-40B4-BE49-F238E27FC236}">
-                <a16:creationId xmlns:a16="http://schemas.microsoft.com/office/drawing/2014/main" id="{C66251E7-3DAD-4351-98B2-DC5B66C08AE9}"/>
+                <a16:creationId xmlns:a16="http://schemas.microsoft.com/office/drawing/2014/main" id="{51062265-F495-4B04-AAAB-10AA027687E2}"/>
               </a:ext>
             </a:extLst>
           </p:cNvPr>
@@ -4009,7 +4027,7 @@
     </p:spTree>
     <p:extLst>
       <p:ext uri="{BB962C8B-B14F-4D97-AF65-F5344CB8AC3E}">
-        <p14:creationId xmlns:p14="http://schemas.microsoft.com/office/powerpoint/2010/main" val="4225677541"/>
+        <p14:creationId xmlns:p14="http://schemas.microsoft.com/office/powerpoint/2010/main" val="1866279867"/>
       </p:ext>
     </p:extLst>
   </p:cSld>
@@ -4041,7 +4059,7 @@
           <p:cNvPr id="2" name="Title 1">
             <a:extLst>
               <a:ext uri="{FF2B5EF4-FFF2-40B4-BE49-F238E27FC236}">
-                <a16:creationId xmlns:a16="http://schemas.microsoft.com/office/drawing/2014/main" id="{A7AC4C51-C20D-437E-A3A5-57C0ED108774}"/>
+                <a16:creationId xmlns:a16="http://schemas.microsoft.com/office/drawing/2014/main" id="{2C99F319-3A85-4F57-A758-EA61655F9291}"/>
               </a:ext>
             </a:extLst>
           </p:cNvPr>
@@ -4054,143 +4072,156 @@
         </p:nvSpPr>
         <p:spPr>
           <a:xfrm>
-            <a:off x="839788" y="457200"/>
-            <a:ext cx="6449654" cy="624625"/>
+            <a:off x="838200" y="365126"/>
+            <a:ext cx="10515600" cy="678064"/>
           </a:xfrm>
         </p:spPr>
         <p:txBody>
-          <a:bodyPr>
-            <a:normAutofit/>
-          </a:bodyPr>
-          <a:lstStyle/>
-          <a:p>
-            <a:r>
-              <a:rPr lang="en-US" sz="3600" dirty="0"/>
-              <a:t>Example – Crates and Packages </a:t>
-            </a:r>
-          </a:p>
-        </p:txBody>
-      </p:sp>
-      <p:sp>
-        <p:nvSpPr>
-          <p:cNvPr id="4" name="Text Placeholder 3">
-            <a:extLst>
-              <a:ext uri="{FF2B5EF4-FFF2-40B4-BE49-F238E27FC236}">
-                <a16:creationId xmlns:a16="http://schemas.microsoft.com/office/drawing/2014/main" id="{5E5F4F1D-ED77-4F93-A73D-7BB5F1C8F81B}"/>
-              </a:ext>
-            </a:extLst>
-          </p:cNvPr>
-          <p:cNvSpPr>
-            <a:spLocks noGrp="1"/>
-          </p:cNvSpPr>
-          <p:nvPr>
-            <p:ph type="body" sz="half" idx="2"/>
+          <a:bodyPr/>
+          <a:lstStyle/>
+          <a:p>
+            <a:r>
+              <a:rPr lang="en-US" dirty="0"/>
+              <a:t>Packages</a:t>
+            </a:r>
+          </a:p>
+        </p:txBody>
+      </p:sp>
+      <p:sp>
+        <p:nvSpPr>
+          <p:cNvPr id="3" name="Content Placeholder 2">
+            <a:extLst>
+              <a:ext uri="{FF2B5EF4-FFF2-40B4-BE49-F238E27FC236}">
+                <a16:creationId xmlns:a16="http://schemas.microsoft.com/office/drawing/2014/main" id="{DB7FCAD0-25F5-4E69-A0FA-54DC54141F14}"/>
+              </a:ext>
+            </a:extLst>
+          </p:cNvPr>
+          <p:cNvSpPr>
+            <a:spLocks noGrp="1"/>
+          </p:cNvSpPr>
+          <p:nvPr>
+            <p:ph idx="1"/>
           </p:nvPr>
         </p:nvSpPr>
         <p:spPr>
           <a:xfrm>
-            <a:off x="839788" y="1300767"/>
-            <a:ext cx="5168206" cy="4568222"/>
+            <a:off x="838200" y="1249250"/>
+            <a:ext cx="10515600" cy="4732987"/>
           </a:xfrm>
         </p:spPr>
         <p:txBody>
           <a:bodyPr>
-            <a:normAutofit lnSpcReduction="10000"/>
+            <a:noAutofit/>
           </a:bodyPr>
           <a:lstStyle/>
           <a:p>
-            <a:pPr marL="285750" indent="-285750">
-              <a:buFont typeface="Arial" panose="020B0604020202020204" pitchFamily="34" charset="0"/>
-              <a:buChar char="•"/>
-            </a:pPr>
-            <a:r>
-              <a:rPr lang="en-US" sz="1800" dirty="0"/>
-              <a:t>The diagram at the right shows a set of crates that work together to implement some functionality.</a:t>
-            </a:r>
-          </a:p>
-          <a:p>
-            <a:pPr marL="285750" indent="-285750">
-              <a:buFont typeface="Arial" panose="020B0604020202020204" pitchFamily="34" charset="0"/>
-              <a:buChar char="•"/>
-            </a:pPr>
-            <a:r>
-              <a:rPr lang="en-US" sz="1800" dirty="0"/>
-              <a:t>The diagram shows dependency relationships between crates.</a:t>
-            </a:r>
-            <a:endParaRPr lang="en-US" sz="1600" dirty="0"/>
-          </a:p>
-          <a:p>
-            <a:pPr marL="285750" indent="-285750">
-              <a:buFont typeface="Arial" panose="020B0604020202020204" pitchFamily="34" charset="0"/>
-              <a:buChar char="•"/>
-            </a:pPr>
-            <a:r>
-              <a:rPr lang="en-US" sz="1800" dirty="0"/>
-              <a:t>The </a:t>
-            </a:r>
-            <a:r>
-              <a:rPr lang="en-US" sz="1800" dirty="0" err="1"/>
-              <a:t>ComponentA</a:t>
-            </a:r>
-            <a:r>
-              <a:rPr lang="en-US" sz="1800" dirty="0"/>
-              <a:t> crate provides an interface and object factory to allow </a:t>
-            </a:r>
-            <a:r>
-              <a:rPr lang="en-US" sz="1800" dirty="0" err="1"/>
-              <a:t>ComponentB</a:t>
-            </a:r>
-            <a:r>
-              <a:rPr lang="en-US" sz="1800" dirty="0"/>
-              <a:t> and Executive to use it without binding to its implementation details.</a:t>
-            </a:r>
-          </a:p>
-          <a:p>
-            <a:pPr marL="285750" indent="-285750">
-              <a:buFont typeface="Arial" panose="020B0604020202020204" pitchFamily="34" charset="0"/>
-              <a:buChar char="•"/>
-            </a:pPr>
-            <a:r>
-              <a:rPr lang="en-US" sz="1800" dirty="0"/>
-              <a:t>The Executive package consists of all three of these crates.</a:t>
-            </a:r>
-          </a:p>
-          <a:p>
-            <a:pPr marL="285750" indent="-285750">
-              <a:buFont typeface="Arial" panose="020B0604020202020204" pitchFamily="34" charset="0"/>
-              <a:buChar char="•"/>
-            </a:pPr>
-            <a:r>
-              <a:rPr lang="en-US" sz="1800" dirty="0"/>
-              <a:t>Code for this example:</a:t>
-            </a:r>
-            <a:br>
-              <a:rPr lang="en-US" sz="1800" dirty="0"/>
-            </a:br>
-            <a:r>
-              <a:rPr lang="en-US" dirty="0">
-                <a:hlinkClick r:id="rId2"/>
-              </a:rPr>
-              <a:t>https://github.com/JimFawcett/RustBasicDemos/</a:t>
-            </a:r>
-            <a:r>
-              <a:rPr lang="en-US" dirty="0"/>
-              <a:t> in </a:t>
-            </a:r>
-            <a:r>
-              <a:rPr lang="en-US" dirty="0" err="1"/>
-              <a:t>code_structure_demo</a:t>
-            </a:r>
-            <a:endParaRPr lang="en-US" sz="1800" dirty="0"/>
-          </a:p>
-        </p:txBody>
-      </p:sp>
-      <p:sp>
-        <p:nvSpPr>
-          <p:cNvPr id="3" name="Slide Number Placeholder 2">
-            <a:extLst>
-              <a:ext uri="{FF2B5EF4-FFF2-40B4-BE49-F238E27FC236}">
-                <a16:creationId xmlns:a16="http://schemas.microsoft.com/office/drawing/2014/main" id="{C828145F-4F12-46B1-93B4-B88569FBF4C1}"/>
+            <a:r>
+              <a:rPr lang="en-US" sz="2400" dirty="0"/>
+              <a:t>A Package is a collection of directories and files that are the basis for builds</a:t>
+            </a:r>
+          </a:p>
+          <a:p>
+            <a:pPr lvl="1"/>
+            <a:r>
+              <a:rPr lang="en-US" sz="2000" dirty="0" err="1"/>
+              <a:t>Cargo.toml</a:t>
+            </a:r>
+            <a:r>
+              <a:rPr lang="en-US" sz="2000" dirty="0"/>
+              <a:t> – specifies package metadata, dependencies, and optional directives</a:t>
+            </a:r>
+          </a:p>
+          <a:p>
+            <a:pPr lvl="1"/>
+            <a:r>
+              <a:rPr lang="en-US" sz="2000" dirty="0"/>
+              <a:t>/</a:t>
+            </a:r>
+            <a:r>
+              <a:rPr lang="en-US" sz="2000" dirty="0" err="1"/>
+              <a:t>src</a:t>
+            </a:r>
+            <a:r>
+              <a:rPr lang="en-US" sz="2000" dirty="0"/>
+              <a:t> – directory containing a binary or library source crate</a:t>
+            </a:r>
+          </a:p>
+          <a:p>
+            <a:pPr lvl="1"/>
+            <a:r>
+              <a:rPr lang="en-US" sz="2000" dirty="0"/>
+              <a:t>/target – directory containing translated binaries or libraries</a:t>
+            </a:r>
+          </a:p>
+          <a:p>
+            <a:pPr lvl="1"/>
+            <a:r>
+              <a:rPr lang="en-US" sz="2000" dirty="0"/>
+              <a:t>/examples – directory containing example code that exercises the package library</a:t>
+            </a:r>
+          </a:p>
+          <a:p>
+            <a:r>
+              <a:rPr lang="en-US" sz="2400" dirty="0"/>
+              <a:t>The Rust build system is transitive</a:t>
+            </a:r>
+          </a:p>
+          <a:p>
+            <a:pPr lvl="1"/>
+            <a:r>
+              <a:rPr lang="en-US" sz="2000" dirty="0"/>
+              <a:t>Builds start with the package root </a:t>
+            </a:r>
+            <a:r>
+              <a:rPr lang="en-US" sz="2000" dirty="0" err="1"/>
+              <a:t>cargo.toml</a:t>
+            </a:r>
+            <a:endParaRPr lang="en-US" sz="2000" dirty="0"/>
+          </a:p>
+          <a:p>
+            <a:pPr lvl="1"/>
+            <a:r>
+              <a:rPr lang="en-US" sz="2000" dirty="0"/>
+              <a:t>Parse it to find dependencies</a:t>
+            </a:r>
+          </a:p>
+          <a:p>
+            <a:pPr lvl="1"/>
+            <a:r>
+              <a:rPr lang="en-US" sz="2000" dirty="0"/>
+              <a:t>Load the depending library and parse its </a:t>
+            </a:r>
+            <a:r>
+              <a:rPr lang="en-US" sz="2000" dirty="0" err="1"/>
+              <a:t>cargo.toml</a:t>
+            </a:r>
+            <a:endParaRPr lang="en-US" sz="2000" dirty="0"/>
+          </a:p>
+          <a:p>
+            <a:pPr lvl="1"/>
+            <a:r>
+              <a:rPr lang="en-US" sz="2000" dirty="0"/>
+              <a:t>…</a:t>
+            </a:r>
+          </a:p>
+          <a:p>
+            <a:pPr lvl="1"/>
+            <a:r>
+              <a:rPr lang="en-US" sz="2000" dirty="0"/>
+              <a:t>Build the local crate along with its dependencies</a:t>
+            </a:r>
+          </a:p>
+          <a:p>
+            <a:endParaRPr lang="en-US" dirty="0"/>
+          </a:p>
+        </p:txBody>
+      </p:sp>
+      <p:sp>
+        <p:nvSpPr>
+          <p:cNvPr id="4" name="Slide Number Placeholder 3">
+            <a:extLst>
+              <a:ext uri="{FF2B5EF4-FFF2-40B4-BE49-F238E27FC236}">
+                <a16:creationId xmlns:a16="http://schemas.microsoft.com/office/drawing/2014/main" id="{826F7309-A4E9-499F-84AB-9C80EBB2194D}"/>
               </a:ext>
             </a:extLst>
           </p:cNvPr>
@@ -4214,45 +4245,10 @@
           </a:p>
         </p:txBody>
       </p:sp>
-      <p:pic>
-        <p:nvPicPr>
-          <p:cNvPr id="11" name="Content Placeholder 10" descr="A screenshot of text&#10;&#10;Description automatically generated">
-            <a:extLst>
-              <a:ext uri="{FF2B5EF4-FFF2-40B4-BE49-F238E27FC236}">
-                <a16:creationId xmlns:a16="http://schemas.microsoft.com/office/drawing/2014/main" id="{B7F69122-985F-4D16-B71D-A7A594101109}"/>
-              </a:ext>
-            </a:extLst>
-          </p:cNvPr>
-          <p:cNvPicPr>
-            <a:picLocks noGrp="1" noChangeAspect="1"/>
-          </p:cNvPicPr>
-          <p:nvPr>
-            <p:ph idx="1"/>
-          </p:nvPr>
-        </p:nvPicPr>
-        <p:blipFill>
-          <a:blip r:embed="rId3">
-            <a:extLst>
-              <a:ext uri="{28A0092B-C50C-407E-A947-70E740481C1C}">
-                <a14:useLocalDpi xmlns:a14="http://schemas.microsoft.com/office/drawing/2010/main" val="0"/>
-              </a:ext>
-            </a:extLst>
-          </a:blip>
-          <a:stretch>
-            <a:fillRect/>
-          </a:stretch>
-        </p:blipFill>
-        <p:spPr>
-          <a:xfrm>
-            <a:off x="6478633" y="1081825"/>
-            <a:ext cx="4491561" cy="4136869"/>
-          </a:xfrm>
-        </p:spPr>
-      </p:pic>
     </p:spTree>
     <p:extLst>
       <p:ext uri="{BB962C8B-B14F-4D97-AF65-F5344CB8AC3E}">
-        <p14:creationId xmlns:p14="http://schemas.microsoft.com/office/powerpoint/2010/main" val="1677234551"/>
+        <p14:creationId xmlns:p14="http://schemas.microsoft.com/office/powerpoint/2010/main" val="1678013006"/>
       </p:ext>
     </p:extLst>
   </p:cSld>
@@ -4284,7 +4280,205 @@
           <p:cNvPr id="2" name="Title 1">
             <a:extLst>
               <a:ext uri="{FF2B5EF4-FFF2-40B4-BE49-F238E27FC236}">
-                <a16:creationId xmlns:a16="http://schemas.microsoft.com/office/drawing/2014/main" id="{7D1F4EEF-D1AD-47B0-806F-506E60C5B941}"/>
+                <a16:creationId xmlns:a16="http://schemas.microsoft.com/office/drawing/2014/main" id="{F3D87BFA-581E-4349-9BBF-0B22000129F6}"/>
+              </a:ext>
+            </a:extLst>
+          </p:cNvPr>
+          <p:cNvSpPr>
+            <a:spLocks noGrp="1"/>
+          </p:cNvSpPr>
+          <p:nvPr>
+            <p:ph type="title"/>
+          </p:nvPr>
+        </p:nvSpPr>
+        <p:spPr>
+          <a:xfrm>
+            <a:off x="838200" y="365126"/>
+            <a:ext cx="10515600" cy="711834"/>
+          </a:xfrm>
+        </p:spPr>
+        <p:txBody>
+          <a:bodyPr/>
+          <a:lstStyle/>
+          <a:p>
+            <a:r>
+              <a:rPr lang="en-US" dirty="0"/>
+              <a:t>Library Crate Construction Co-Tests</a:t>
+            </a:r>
+          </a:p>
+        </p:txBody>
+      </p:sp>
+      <p:sp>
+        <p:nvSpPr>
+          <p:cNvPr id="3" name="Content Placeholder 2">
+            <a:extLst>
+              <a:ext uri="{FF2B5EF4-FFF2-40B4-BE49-F238E27FC236}">
+                <a16:creationId xmlns:a16="http://schemas.microsoft.com/office/drawing/2014/main" id="{BB7F4A92-7CC6-4F80-BB21-B43C15255198}"/>
+              </a:ext>
+            </a:extLst>
+          </p:cNvPr>
+          <p:cNvSpPr>
+            <a:spLocks noGrp="1"/>
+          </p:cNvSpPr>
+          <p:nvPr>
+            <p:ph idx="1"/>
+          </p:nvPr>
+        </p:nvSpPr>
+        <p:spPr>
+          <a:xfrm>
+            <a:off x="838200" y="1268882"/>
+            <a:ext cx="10515600" cy="5091912"/>
+          </a:xfrm>
+        </p:spPr>
+        <p:txBody>
+          <a:bodyPr>
+            <a:normAutofit/>
+          </a:bodyPr>
+          <a:lstStyle/>
+          <a:p>
+            <a:r>
+              <a:rPr lang="en-US" sz="2400" dirty="0"/>
+              <a:t>For anything other than trivial example code it’s very useful to test as we build code:</a:t>
+            </a:r>
+          </a:p>
+          <a:p>
+            <a:pPr lvl="1"/>
+            <a:r>
+              <a:rPr lang="en-US" sz="2000" dirty="0"/>
+              <a:t>A library crate is created with the command </a:t>
+            </a:r>
+            <a:br>
+              <a:rPr lang="en-US" sz="2000" dirty="0"/>
+            </a:br>
+            <a:r>
+              <a:rPr lang="en-US" sz="2000" dirty="0"/>
+              <a:t> 	</a:t>
+            </a:r>
+            <a:r>
+              <a:rPr lang="en-US" sz="2000" b="1" dirty="0"/>
+              <a:t>cargo new --lib [package-name].</a:t>
+            </a:r>
+          </a:p>
+          <a:p>
+            <a:pPr lvl="1"/>
+            <a:r>
+              <a:rPr lang="en-US" sz="2000" dirty="0"/>
+              <a:t>That builds a lib.rs containing a single configured test that asserts 2 + 2 = 4.</a:t>
+            </a:r>
+          </a:p>
+          <a:p>
+            <a:pPr lvl="2"/>
+            <a:r>
+              <a:rPr lang="en-US" sz="1800" dirty="0"/>
+              <a:t>This is simply a demonstration of how to build test cases for a library.</a:t>
+            </a:r>
+          </a:p>
+          <a:p>
+            <a:pPr lvl="2"/>
+            <a:r>
+              <a:rPr lang="en-US" sz="1800" dirty="0"/>
+              <a:t>Each test passes if, and only if, there are no failed assertions.</a:t>
+            </a:r>
+          </a:p>
+          <a:p>
+            <a:pPr lvl="1"/>
+            <a:r>
+              <a:rPr lang="en-US" sz="2000" dirty="0"/>
+              <a:t>Every time we add a few lines of code in the lib.rs file we add small tests, each in a configured test block and then build and execute with the command:</a:t>
+            </a:r>
+            <a:br>
+              <a:rPr lang="en-US" sz="2000" dirty="0"/>
+            </a:br>
+            <a:r>
+              <a:rPr lang="en-US" sz="2000" dirty="0"/>
+              <a:t> 	</a:t>
+            </a:r>
+            <a:r>
+              <a:rPr lang="en-US" sz="2000" b="1" dirty="0"/>
+              <a:t>cargo test</a:t>
+            </a:r>
+            <a:br>
+              <a:rPr lang="en-US" sz="2000" b="1" dirty="0"/>
+            </a:br>
+            <a:r>
+              <a:rPr lang="en-US" sz="2000" dirty="0"/>
+              <a:t>in a terminal window located in the crate root folder.</a:t>
+            </a:r>
+          </a:p>
+          <a:p>
+            <a:pPr lvl="1"/>
+            <a:r>
+              <a:rPr lang="en-US" sz="2000" dirty="0"/>
+              <a:t>This “co-test” process allows us to very quickly find errors.  If a test fails, the problem is almost certain to be in the few lines of code we entered after the last test.</a:t>
+            </a:r>
+          </a:p>
+        </p:txBody>
+      </p:sp>
+      <p:sp>
+        <p:nvSpPr>
+          <p:cNvPr id="4" name="Slide Number Placeholder 3">
+            <a:extLst>
+              <a:ext uri="{FF2B5EF4-FFF2-40B4-BE49-F238E27FC236}">
+                <a16:creationId xmlns:a16="http://schemas.microsoft.com/office/drawing/2014/main" id="{C66251E7-3DAD-4351-98B2-DC5B66C08AE9}"/>
+              </a:ext>
+            </a:extLst>
+          </p:cNvPr>
+          <p:cNvSpPr>
+            <a:spLocks noGrp="1"/>
+          </p:cNvSpPr>
+          <p:nvPr>
+            <p:ph type="sldNum" sz="quarter" idx="12"/>
+          </p:nvPr>
+        </p:nvSpPr>
+        <p:spPr/>
+        <p:txBody>
+          <a:bodyPr/>
+          <a:lstStyle/>
+          <a:p>
+            <a:fld id="{519FA752-D1CF-498F-B0BD-05E47309CED3}" type="slidenum">
+              <a:rPr lang="en-US" smtClean="0"/>
+              <a:t>12</a:t>
+            </a:fld>
+            <a:endParaRPr lang="en-US"/>
+          </a:p>
+        </p:txBody>
+      </p:sp>
+    </p:spTree>
+    <p:extLst>
+      <p:ext uri="{BB962C8B-B14F-4D97-AF65-F5344CB8AC3E}">
+        <p14:creationId xmlns:p14="http://schemas.microsoft.com/office/powerpoint/2010/main" val="4225677541"/>
+      </p:ext>
+    </p:extLst>
+  </p:cSld>
+  <p:clrMapOvr>
+    <a:masterClrMapping/>
+  </p:clrMapOvr>
+</p:sld>
+</file>
+
+<file path=ppt/slides/slide13.xml><?xml version="1.0" encoding="utf-8"?>
+<p:sld xmlns:a="http://schemas.openxmlformats.org/drawingml/2006/main" xmlns:r="http://schemas.openxmlformats.org/officeDocument/2006/relationships" xmlns:p="http://schemas.openxmlformats.org/presentationml/2006/main">
+  <p:cSld>
+    <p:spTree>
+      <p:nvGrpSpPr>
+        <p:cNvPr id="1" name=""/>
+        <p:cNvGrpSpPr/>
+        <p:nvPr/>
+      </p:nvGrpSpPr>
+      <p:grpSpPr>
+        <a:xfrm>
+          <a:off x="0" y="0"/>
+          <a:ext cx="0" cy="0"/>
+          <a:chOff x="0" y="0"/>
+          <a:chExt cx="0" cy="0"/>
+        </a:xfrm>
+      </p:grpSpPr>
+      <p:sp>
+        <p:nvSpPr>
+          <p:cNvPr id="2" name="Title 1">
+            <a:extLst>
+              <a:ext uri="{FF2B5EF4-FFF2-40B4-BE49-F238E27FC236}">
+                <a16:creationId xmlns:a16="http://schemas.microsoft.com/office/drawing/2014/main" id="{A7AC4C51-C20D-437E-A3A5-57C0ED108774}"/>
               </a:ext>
             </a:extLst>
           </p:cNvPr>
@@ -4298,16 +4492,18 @@
         <p:spPr>
           <a:xfrm>
             <a:off x="839788" y="457200"/>
-            <a:ext cx="3932237" cy="656823"/>
+            <a:ext cx="6449654" cy="624625"/>
           </a:xfrm>
         </p:spPr>
         <p:txBody>
-          <a:bodyPr/>
-          <a:lstStyle/>
-          <a:p>
-            <a:r>
-              <a:rPr lang="en-US" dirty="0"/>
-              <a:t>Example - Structs</a:t>
+          <a:bodyPr>
+            <a:normAutofit/>
+          </a:bodyPr>
+          <a:lstStyle/>
+          <a:p>
+            <a:r>
+              <a:rPr lang="en-US" sz="3600" dirty="0"/>
+              <a:t>Example – Crates and Packages </a:t>
             </a:r>
           </a:p>
         </p:txBody>
@@ -4317,7 +4513,7 @@
           <p:cNvPr id="4" name="Text Placeholder 3">
             <a:extLst>
               <a:ext uri="{FF2B5EF4-FFF2-40B4-BE49-F238E27FC236}">
-                <a16:creationId xmlns:a16="http://schemas.microsoft.com/office/drawing/2014/main" id="{1A124DD7-6B16-4D94-B641-E45B9550A17B}"/>
+                <a16:creationId xmlns:a16="http://schemas.microsoft.com/office/drawing/2014/main" id="{5E5F4F1D-ED77-4F93-A73D-7BB5F1C8F81B}"/>
               </a:ext>
             </a:extLst>
           </p:cNvPr>
@@ -4330,8 +4526,249 @@
         </p:nvSpPr>
         <p:spPr>
           <a:xfrm>
-            <a:off x="839787" y="1223493"/>
-            <a:ext cx="5573891" cy="5132857"/>
+            <a:off x="839788" y="1300767"/>
+            <a:ext cx="5168206" cy="4568222"/>
+          </a:xfrm>
+        </p:spPr>
+        <p:txBody>
+          <a:bodyPr>
+            <a:normAutofit lnSpcReduction="10000"/>
+          </a:bodyPr>
+          <a:lstStyle/>
+          <a:p>
+            <a:pPr marL="285750" indent="-285750">
+              <a:buFont typeface="Arial" panose="020B0604020202020204" pitchFamily="34" charset="0"/>
+              <a:buChar char="•"/>
+            </a:pPr>
+            <a:r>
+              <a:rPr lang="en-US" sz="1800" dirty="0"/>
+              <a:t>The diagram at the right shows a set of crates that work together to implement some functionality.</a:t>
+            </a:r>
+          </a:p>
+          <a:p>
+            <a:pPr marL="285750" indent="-285750">
+              <a:buFont typeface="Arial" panose="020B0604020202020204" pitchFamily="34" charset="0"/>
+              <a:buChar char="•"/>
+            </a:pPr>
+            <a:r>
+              <a:rPr lang="en-US" sz="1800" dirty="0"/>
+              <a:t>The diagram shows dependency relationships between crates.</a:t>
+            </a:r>
+            <a:endParaRPr lang="en-US" sz="1600" dirty="0"/>
+          </a:p>
+          <a:p>
+            <a:pPr marL="285750" indent="-285750">
+              <a:buFont typeface="Arial" panose="020B0604020202020204" pitchFamily="34" charset="0"/>
+              <a:buChar char="•"/>
+            </a:pPr>
+            <a:r>
+              <a:rPr lang="en-US" sz="1800" dirty="0"/>
+              <a:t>The </a:t>
+            </a:r>
+            <a:r>
+              <a:rPr lang="en-US" sz="1800" dirty="0" err="1"/>
+              <a:t>ComponentA</a:t>
+            </a:r>
+            <a:r>
+              <a:rPr lang="en-US" sz="1800" dirty="0"/>
+              <a:t> crate provides an interface and object factory to allow </a:t>
+            </a:r>
+            <a:r>
+              <a:rPr lang="en-US" sz="1800" dirty="0" err="1"/>
+              <a:t>ComponentB</a:t>
+            </a:r>
+            <a:r>
+              <a:rPr lang="en-US" sz="1800" dirty="0"/>
+              <a:t> and Executive to use it without binding to its implementation details.</a:t>
+            </a:r>
+          </a:p>
+          <a:p>
+            <a:pPr marL="285750" indent="-285750">
+              <a:buFont typeface="Arial" panose="020B0604020202020204" pitchFamily="34" charset="0"/>
+              <a:buChar char="•"/>
+            </a:pPr>
+            <a:r>
+              <a:rPr lang="en-US" sz="1800" dirty="0"/>
+              <a:t>The Executive package consists of all three of these crates.</a:t>
+            </a:r>
+          </a:p>
+          <a:p>
+            <a:pPr marL="285750" indent="-285750">
+              <a:buFont typeface="Arial" panose="020B0604020202020204" pitchFamily="34" charset="0"/>
+              <a:buChar char="•"/>
+            </a:pPr>
+            <a:r>
+              <a:rPr lang="en-US" sz="1800" dirty="0"/>
+              <a:t>Code for this example:</a:t>
+            </a:r>
+            <a:br>
+              <a:rPr lang="en-US" sz="1800" dirty="0"/>
+            </a:br>
+            <a:r>
+              <a:rPr lang="en-US" dirty="0">
+                <a:hlinkClick r:id="rId2"/>
+              </a:rPr>
+              <a:t>https://github.com/JimFawcett/RustBasicDemos/</a:t>
+            </a:r>
+            <a:r>
+              <a:rPr lang="en-US" dirty="0"/>
+              <a:t> in </a:t>
+            </a:r>
+            <a:r>
+              <a:rPr lang="en-US" dirty="0" err="1"/>
+              <a:t>code_structure_demo</a:t>
+            </a:r>
+            <a:endParaRPr lang="en-US" sz="1800" dirty="0"/>
+          </a:p>
+        </p:txBody>
+      </p:sp>
+      <p:sp>
+        <p:nvSpPr>
+          <p:cNvPr id="3" name="Slide Number Placeholder 2">
+            <a:extLst>
+              <a:ext uri="{FF2B5EF4-FFF2-40B4-BE49-F238E27FC236}">
+                <a16:creationId xmlns:a16="http://schemas.microsoft.com/office/drawing/2014/main" id="{C828145F-4F12-46B1-93B4-B88569FBF4C1}"/>
+              </a:ext>
+            </a:extLst>
+          </p:cNvPr>
+          <p:cNvSpPr>
+            <a:spLocks noGrp="1"/>
+          </p:cNvSpPr>
+          <p:nvPr>
+            <p:ph type="sldNum" sz="quarter" idx="12"/>
+          </p:nvPr>
+        </p:nvSpPr>
+        <p:spPr/>
+        <p:txBody>
+          <a:bodyPr/>
+          <a:lstStyle/>
+          <a:p>
+            <a:fld id="{519FA752-D1CF-498F-B0BD-05E47309CED3}" type="slidenum">
+              <a:rPr lang="en-US" smtClean="0"/>
+              <a:t>13</a:t>
+            </a:fld>
+            <a:endParaRPr lang="en-US"/>
+          </a:p>
+        </p:txBody>
+      </p:sp>
+      <p:pic>
+        <p:nvPicPr>
+          <p:cNvPr id="11" name="Content Placeholder 10" descr="A screenshot of text&#10;&#10;Description automatically generated">
+            <a:extLst>
+              <a:ext uri="{FF2B5EF4-FFF2-40B4-BE49-F238E27FC236}">
+                <a16:creationId xmlns:a16="http://schemas.microsoft.com/office/drawing/2014/main" id="{B7F69122-985F-4D16-B71D-A7A594101109}"/>
+              </a:ext>
+            </a:extLst>
+          </p:cNvPr>
+          <p:cNvPicPr>
+            <a:picLocks noGrp="1" noChangeAspect="1"/>
+          </p:cNvPicPr>
+          <p:nvPr>
+            <p:ph idx="1"/>
+          </p:nvPr>
+        </p:nvPicPr>
+        <p:blipFill>
+          <a:blip r:embed="rId3">
+            <a:extLst>
+              <a:ext uri="{28A0092B-C50C-407E-A947-70E740481C1C}">
+                <a14:useLocalDpi xmlns:a14="http://schemas.microsoft.com/office/drawing/2010/main" val="0"/>
+              </a:ext>
+            </a:extLst>
+          </a:blip>
+          <a:stretch>
+            <a:fillRect/>
+          </a:stretch>
+        </p:blipFill>
+        <p:spPr>
+          <a:xfrm>
+            <a:off x="6478633" y="1081825"/>
+            <a:ext cx="4491561" cy="4136869"/>
+          </a:xfrm>
+        </p:spPr>
+      </p:pic>
+    </p:spTree>
+    <p:extLst>
+      <p:ext uri="{BB962C8B-B14F-4D97-AF65-F5344CB8AC3E}">
+        <p14:creationId xmlns:p14="http://schemas.microsoft.com/office/powerpoint/2010/main" val="1677234551"/>
+      </p:ext>
+    </p:extLst>
+  </p:cSld>
+  <p:clrMapOvr>
+    <a:masterClrMapping/>
+  </p:clrMapOvr>
+</p:sld>
+</file>
+
+<file path=ppt/slides/slide14.xml><?xml version="1.0" encoding="utf-8"?>
+<p:sld xmlns:a="http://schemas.openxmlformats.org/drawingml/2006/main" xmlns:r="http://schemas.openxmlformats.org/officeDocument/2006/relationships" xmlns:p="http://schemas.openxmlformats.org/presentationml/2006/main">
+  <p:cSld>
+    <p:spTree>
+      <p:nvGrpSpPr>
+        <p:cNvPr id="1" name=""/>
+        <p:cNvGrpSpPr/>
+        <p:nvPr/>
+      </p:nvGrpSpPr>
+      <p:grpSpPr>
+        <a:xfrm>
+          <a:off x="0" y="0"/>
+          <a:ext cx="0" cy="0"/>
+          <a:chOff x="0" y="0"/>
+          <a:chExt cx="0" cy="0"/>
+        </a:xfrm>
+      </p:grpSpPr>
+      <p:sp>
+        <p:nvSpPr>
+          <p:cNvPr id="2" name="Title 1">
+            <a:extLst>
+              <a:ext uri="{FF2B5EF4-FFF2-40B4-BE49-F238E27FC236}">
+                <a16:creationId xmlns:a16="http://schemas.microsoft.com/office/drawing/2014/main" id="{7D1F4EEF-D1AD-47B0-806F-506E60C5B941}"/>
+              </a:ext>
+            </a:extLst>
+          </p:cNvPr>
+          <p:cNvSpPr>
+            <a:spLocks noGrp="1"/>
+          </p:cNvSpPr>
+          <p:nvPr>
+            <p:ph type="title"/>
+          </p:nvPr>
+        </p:nvSpPr>
+        <p:spPr>
+          <a:xfrm>
+            <a:off x="839788" y="457200"/>
+            <a:ext cx="5412905" cy="656823"/>
+          </a:xfrm>
+        </p:spPr>
+        <p:txBody>
+          <a:bodyPr/>
+          <a:lstStyle/>
+          <a:p>
+            <a:r>
+              <a:rPr lang="en-US" dirty="0"/>
+              <a:t>Example – Traits and Structs</a:t>
+            </a:r>
+          </a:p>
+        </p:txBody>
+      </p:sp>
+      <p:sp>
+        <p:nvSpPr>
+          <p:cNvPr id="4" name="Text Placeholder 3">
+            <a:extLst>
+              <a:ext uri="{FF2B5EF4-FFF2-40B4-BE49-F238E27FC236}">
+                <a16:creationId xmlns:a16="http://schemas.microsoft.com/office/drawing/2014/main" id="{1A124DD7-6B16-4D94-B641-E45B9550A17B}"/>
+              </a:ext>
+            </a:extLst>
+          </p:cNvPr>
+          <p:cNvSpPr>
+            <a:spLocks noGrp="1"/>
+          </p:cNvSpPr>
+          <p:nvPr>
+            <p:ph type="body" sz="half" idx="2"/>
+          </p:nvPr>
+        </p:nvSpPr>
+        <p:spPr>
+          <a:xfrm>
+            <a:off x="839787" y="1339403"/>
+            <a:ext cx="5573891" cy="5016947"/>
           </a:xfrm>
         </p:spPr>
         <p:txBody>
@@ -4574,7 +5011,7 @@
           <a:p>
             <a:fld id="{519FA752-D1CF-498F-B0BD-05E47309CED3}" type="slidenum">
               <a:rPr lang="en-US" smtClean="0"/>
-              <a:t>12</a:t>
+              <a:t>14</a:t>
             </a:fld>
             <a:endParaRPr lang="en-US"/>
           </a:p>
@@ -4619,1086 +5056,6 @@
     <p:extLst>
       <p:ext uri="{BB962C8B-B14F-4D97-AF65-F5344CB8AC3E}">
         <p14:creationId xmlns:p14="http://schemas.microsoft.com/office/powerpoint/2010/main" val="817985432"/>
-      </p:ext>
-    </p:extLst>
-  </p:cSld>
-  <p:clrMapOvr>
-    <a:masterClrMapping/>
-  </p:clrMapOvr>
-</p:sld>
-</file>
-
-<file path=ppt/slides/slide13.xml><?xml version="1.0" encoding="utf-8"?>
-<p:sld xmlns:a="http://schemas.openxmlformats.org/drawingml/2006/main" xmlns:r="http://schemas.openxmlformats.org/officeDocument/2006/relationships" xmlns:p="http://schemas.openxmlformats.org/presentationml/2006/main">
-  <p:cSld>
-    <p:spTree>
-      <p:nvGrpSpPr>
-        <p:cNvPr id="1" name=""/>
-        <p:cNvGrpSpPr/>
-        <p:nvPr/>
-      </p:nvGrpSpPr>
-      <p:grpSpPr>
-        <a:xfrm>
-          <a:off x="0" y="0"/>
-          <a:ext cx="0" cy="0"/>
-          <a:chOff x="0" y="0"/>
-          <a:chExt cx="0" cy="0"/>
-        </a:xfrm>
-      </p:grpSpPr>
-      <p:sp>
-        <p:nvSpPr>
-          <p:cNvPr id="2" name="Title 1">
-            <a:extLst>
-              <a:ext uri="{FF2B5EF4-FFF2-40B4-BE49-F238E27FC236}">
-                <a16:creationId xmlns:a16="http://schemas.microsoft.com/office/drawing/2014/main" id="{10810AD1-2BA5-4C09-991C-54E03D2E7CCE}"/>
-              </a:ext>
-            </a:extLst>
-          </p:cNvPr>
-          <p:cNvSpPr>
-            <a:spLocks noGrp="1"/>
-          </p:cNvSpPr>
-          <p:nvPr>
-            <p:ph type="title"/>
-          </p:nvPr>
-        </p:nvSpPr>
-        <p:spPr>
-          <a:xfrm>
-            <a:off x="838200" y="365126"/>
-            <a:ext cx="10515600" cy="974278"/>
-          </a:xfrm>
-        </p:spPr>
-        <p:txBody>
-          <a:bodyPr>
-            <a:normAutofit/>
-          </a:bodyPr>
-          <a:lstStyle/>
-          <a:p>
-            <a:r>
-              <a:rPr lang="en-US" sz="4000" dirty="0"/>
-              <a:t>Use of Interfaces and Factories</a:t>
-            </a:r>
-          </a:p>
-        </p:txBody>
-      </p:sp>
-      <p:sp>
-        <p:nvSpPr>
-          <p:cNvPr id="3" name="Content Placeholder 2">
-            <a:extLst>
-              <a:ext uri="{FF2B5EF4-FFF2-40B4-BE49-F238E27FC236}">
-                <a16:creationId xmlns:a16="http://schemas.microsoft.com/office/drawing/2014/main" id="{D0292B98-72D9-4E6A-805A-B8BCBB7B7FB7}"/>
-              </a:ext>
-            </a:extLst>
-          </p:cNvPr>
-          <p:cNvSpPr>
-            <a:spLocks noGrp="1"/>
-          </p:cNvSpPr>
-          <p:nvPr>
-            <p:ph idx="1"/>
-          </p:nvPr>
-        </p:nvSpPr>
-        <p:spPr>
-          <a:xfrm>
-            <a:off x="838200" y="1832065"/>
-            <a:ext cx="10515600" cy="1387654"/>
-          </a:xfrm>
-        </p:spPr>
-        <p:txBody>
-          <a:bodyPr>
-            <a:noAutofit/>
-          </a:bodyPr>
-          <a:lstStyle/>
-          <a:p>
-            <a:r>
-              <a:rPr lang="en-US" sz="2400" dirty="0"/>
-              <a:t>If you look at interface trait </a:t>
-            </a:r>
-            <a:r>
-              <a:rPr lang="en-US" sz="2400" dirty="0" err="1"/>
-              <a:t>TCompA</a:t>
-            </a:r>
-            <a:r>
-              <a:rPr lang="en-US" sz="2400" dirty="0"/>
-              <a:t> you will see it has no implementation detail.</a:t>
-            </a:r>
-            <a:br>
-              <a:rPr lang="en-US" sz="2400" dirty="0"/>
-            </a:br>
-            <a:br>
-              <a:rPr lang="en-US" sz="2400" dirty="0"/>
-            </a:br>
-            <a:endParaRPr lang="en-US" sz="2400" dirty="0"/>
-          </a:p>
-        </p:txBody>
-      </p:sp>
-      <p:sp>
-        <p:nvSpPr>
-          <p:cNvPr id="4" name="TextBox 3">
-            <a:extLst>
-              <a:ext uri="{FF2B5EF4-FFF2-40B4-BE49-F238E27FC236}">
-                <a16:creationId xmlns:a16="http://schemas.microsoft.com/office/drawing/2014/main" id="{CBBF0261-2F47-4F8E-A997-0851984A79E9}"/>
-              </a:ext>
-            </a:extLst>
-          </p:cNvPr>
-          <p:cNvSpPr txBox="1"/>
-          <p:nvPr/>
-        </p:nvSpPr>
-        <p:spPr>
-          <a:xfrm>
-            <a:off x="1135488" y="2557999"/>
-            <a:ext cx="3856149" cy="1569660"/>
-          </a:xfrm>
-          <a:prstGeom prst="rect">
-            <a:avLst/>
-          </a:prstGeom>
-          <a:noFill/>
-        </p:spPr>
-        <p:txBody>
-          <a:bodyPr wrap="square" rtlCol="0">
-            <a:spAutoFit/>
-          </a:bodyPr>
-          <a:lstStyle/>
-          <a:p>
-            <a:r>
-              <a:rPr lang="en-US" sz="1600" b="1" dirty="0">
-                <a:latin typeface="Consolas" panose="020B0609020204030204" pitchFamily="49" charset="0"/>
-              </a:rPr>
-              <a:t>pub Trait </a:t>
-            </a:r>
-            <a:r>
-              <a:rPr lang="en-US" sz="1600" b="1" dirty="0" err="1">
-                <a:latin typeface="Consolas" panose="020B0609020204030204" pitchFamily="49" charset="0"/>
-              </a:rPr>
-              <a:t>TCompA</a:t>
-            </a:r>
-            <a:r>
-              <a:rPr lang="en-US" sz="1600" b="1" dirty="0">
-                <a:latin typeface="Consolas" panose="020B0609020204030204" pitchFamily="49" charset="0"/>
-              </a:rPr>
-              <a:t> {</a:t>
-            </a:r>
-          </a:p>
-          <a:p>
-            <a:r>
-              <a:rPr lang="en-US" sz="1600" b="1" dirty="0">
-                <a:latin typeface="Consolas" panose="020B0609020204030204" pitchFamily="49" charset="0"/>
-              </a:rPr>
-              <a:t>  </a:t>
-            </a:r>
-            <a:r>
-              <a:rPr lang="en-US" sz="1600" b="1" dirty="0" err="1">
-                <a:latin typeface="Consolas" panose="020B0609020204030204" pitchFamily="49" charset="0"/>
-              </a:rPr>
-              <a:t>fn</a:t>
-            </a:r>
-            <a:r>
-              <a:rPr lang="en-US" sz="1600" b="1" dirty="0">
-                <a:latin typeface="Consolas" panose="020B0609020204030204" pitchFamily="49" charset="0"/>
-              </a:rPr>
-              <a:t> </a:t>
-            </a:r>
-            <a:r>
-              <a:rPr lang="en-US" sz="1600" b="1" dirty="0" err="1">
-                <a:latin typeface="Consolas" panose="020B0609020204030204" pitchFamily="49" charset="0"/>
-              </a:rPr>
-              <a:t>do_work</a:t>
-            </a:r>
-            <a:r>
-              <a:rPr lang="en-US" sz="1600" b="1" dirty="0">
-                <a:latin typeface="Consolas" panose="020B0609020204030204" pitchFamily="49" charset="0"/>
-              </a:rPr>
-              <a:t>(&amp;self);</a:t>
-            </a:r>
-          </a:p>
-          <a:p>
-            <a:r>
-              <a:rPr lang="en-US" sz="1600" b="1" dirty="0">
-                <a:latin typeface="Consolas" panose="020B0609020204030204" pitchFamily="49" charset="0"/>
-              </a:rPr>
-              <a:t>  </a:t>
-            </a:r>
-            <a:r>
-              <a:rPr lang="en-US" sz="1600" b="1" dirty="0" err="1">
-                <a:latin typeface="Consolas" panose="020B0609020204030204" pitchFamily="49" charset="0"/>
-              </a:rPr>
-              <a:t>fn</a:t>
-            </a:r>
-            <a:r>
-              <a:rPr lang="en-US" sz="1600" b="1" dirty="0">
-                <a:latin typeface="Consolas" panose="020B0609020204030204" pitchFamily="49" charset="0"/>
-              </a:rPr>
-              <a:t> </a:t>
-            </a:r>
-            <a:r>
-              <a:rPr lang="en-US" sz="1600" b="1" dirty="0" err="1">
-                <a:latin typeface="Consolas" panose="020B0609020204030204" pitchFamily="49" charset="0"/>
-              </a:rPr>
-              <a:t>get_msg</a:t>
-            </a:r>
-            <a:r>
-              <a:rPr lang="en-US" sz="1600" b="1" dirty="0">
-                <a:latin typeface="Consolas" panose="020B0609020204030204" pitchFamily="49" charset="0"/>
-              </a:rPr>
-              <a:t>(&amp;self) -&gt; String;</a:t>
-            </a:r>
-          </a:p>
-          <a:p>
-            <a:r>
-              <a:rPr lang="en-US" sz="1600" b="1" dirty="0">
-                <a:latin typeface="Consolas" panose="020B0609020204030204" pitchFamily="49" charset="0"/>
-              </a:rPr>
-              <a:t>  </a:t>
-            </a:r>
-            <a:r>
-              <a:rPr lang="en-US" sz="1600" b="1" dirty="0" err="1">
-                <a:latin typeface="Consolas" panose="020B0609020204030204" pitchFamily="49" charset="0"/>
-              </a:rPr>
-              <a:t>fn</a:t>
-            </a:r>
-            <a:r>
-              <a:rPr lang="en-US" sz="1600" b="1" dirty="0">
-                <a:latin typeface="Consolas" panose="020B0609020204030204" pitchFamily="49" charset="0"/>
-              </a:rPr>
-              <a:t> </a:t>
-            </a:r>
-            <a:r>
-              <a:rPr lang="en-US" sz="1600" b="1" dirty="0" err="1">
-                <a:latin typeface="Consolas" panose="020B0609020204030204" pitchFamily="49" charset="0"/>
-              </a:rPr>
-              <a:t>set_msg</a:t>
-            </a:r>
-            <a:r>
-              <a:rPr lang="en-US" sz="1600" b="1" dirty="0">
-                <a:latin typeface="Consolas" panose="020B0609020204030204" pitchFamily="49" charset="0"/>
-              </a:rPr>
-              <a:t>(&amp;mut self, m:&amp;str);</a:t>
-            </a:r>
-          </a:p>
-          <a:p>
-            <a:r>
-              <a:rPr lang="en-US" sz="1600" b="1" dirty="0">
-                <a:latin typeface="Consolas" panose="020B0609020204030204" pitchFamily="49" charset="0"/>
-              </a:rPr>
-              <a:t>}</a:t>
-            </a:r>
-            <a:endParaRPr lang="en-US" sz="1600" dirty="0"/>
-          </a:p>
-          <a:p>
-            <a:endParaRPr lang="en-US" sz="1600" dirty="0"/>
-          </a:p>
-        </p:txBody>
-      </p:sp>
-      <p:sp>
-        <p:nvSpPr>
-          <p:cNvPr id="5" name="TextBox 4">
-            <a:extLst>
-              <a:ext uri="{FF2B5EF4-FFF2-40B4-BE49-F238E27FC236}">
-                <a16:creationId xmlns:a16="http://schemas.microsoft.com/office/drawing/2014/main" id="{AEE9CEC2-3588-4E34-9755-5435B597E163}"/>
-              </a:ext>
-            </a:extLst>
-          </p:cNvPr>
-          <p:cNvSpPr txBox="1"/>
-          <p:nvPr/>
-        </p:nvSpPr>
-        <p:spPr>
-          <a:xfrm>
-            <a:off x="5523963" y="2596471"/>
-            <a:ext cx="5487473" cy="1077218"/>
-          </a:xfrm>
-          <a:prstGeom prst="rect">
-            <a:avLst/>
-          </a:prstGeom>
-          <a:noFill/>
-        </p:spPr>
-        <p:txBody>
-          <a:bodyPr wrap="square" rtlCol="0">
-            <a:spAutoFit/>
-          </a:bodyPr>
-          <a:lstStyle/>
-          <a:p>
-            <a:r>
-              <a:rPr lang="en-US" sz="1600" b="1" dirty="0">
-                <a:latin typeface="Consolas" panose="020B0609020204030204" pitchFamily="49" charset="0"/>
-              </a:rPr>
-              <a:t>pub </a:t>
-            </a:r>
-            <a:r>
-              <a:rPr lang="en-US" sz="1600" b="1" dirty="0" err="1">
-                <a:latin typeface="Consolas" panose="020B0609020204030204" pitchFamily="49" charset="0"/>
-              </a:rPr>
-              <a:t>fn</a:t>
-            </a:r>
-            <a:r>
-              <a:rPr lang="en-US" sz="1600" b="1" dirty="0">
-                <a:latin typeface="Consolas" panose="020B0609020204030204" pitchFamily="49" charset="0"/>
-              </a:rPr>
-              <a:t> </a:t>
-            </a:r>
-            <a:r>
-              <a:rPr lang="en-US" sz="1600" b="1" dirty="0" err="1">
-                <a:latin typeface="Consolas" panose="020B0609020204030204" pitchFamily="49" charset="0"/>
-              </a:rPr>
-              <a:t>get_instance</a:t>
-            </a:r>
-            <a:r>
-              <a:rPr lang="en-US" sz="1600" b="1" dirty="0">
-                <a:latin typeface="Consolas" panose="020B0609020204030204" pitchFamily="49" charset="0"/>
-              </a:rPr>
-              <a:t>() -&gt; Box&lt;</a:t>
-            </a:r>
-            <a:r>
-              <a:rPr lang="en-US" sz="1600" b="1" dirty="0" err="1">
-                <a:latin typeface="Consolas" panose="020B0609020204030204" pitchFamily="49" charset="0"/>
-              </a:rPr>
-              <a:t>dyn</a:t>
-            </a:r>
-            <a:r>
-              <a:rPr lang="en-US" sz="1600" b="1" dirty="0">
-                <a:latin typeface="Consolas" panose="020B0609020204030204" pitchFamily="49" charset="0"/>
-              </a:rPr>
-              <a:t> </a:t>
-            </a:r>
-            <a:r>
-              <a:rPr lang="en-US" sz="1600" b="1" dirty="0" err="1">
-                <a:latin typeface="Consolas" panose="020B0609020204030204" pitchFamily="49" charset="0"/>
-              </a:rPr>
-              <a:t>TCompA</a:t>
-            </a:r>
-            <a:r>
-              <a:rPr lang="en-US" sz="1600" b="1" dirty="0">
-                <a:latin typeface="Consolas" panose="020B0609020204030204" pitchFamily="49" charset="0"/>
-              </a:rPr>
-              <a:t>&gt; {</a:t>
-            </a:r>
-          </a:p>
-          <a:p>
-            <a:r>
-              <a:rPr lang="en-US" sz="1600" b="1" dirty="0">
-                <a:latin typeface="Consolas" panose="020B0609020204030204" pitchFamily="49" charset="0"/>
-              </a:rPr>
-              <a:t>  Box::new(</a:t>
-            </a:r>
-            <a:r>
-              <a:rPr lang="en-US" sz="1600" b="1" dirty="0" err="1">
-                <a:latin typeface="Consolas" panose="020B0609020204030204" pitchFamily="49" charset="0"/>
-              </a:rPr>
-              <a:t>ComponentA</a:t>
-            </a:r>
-            <a:r>
-              <a:rPr lang="en-US" sz="1600" b="1" dirty="0">
-                <a:latin typeface="Consolas" panose="020B0609020204030204" pitchFamily="49" charset="0"/>
-              </a:rPr>
-              <a:t>::new())</a:t>
-            </a:r>
-          </a:p>
-          <a:p>
-            <a:r>
-              <a:rPr lang="en-US" sz="1600" b="1" dirty="0">
-                <a:latin typeface="Consolas" panose="020B0609020204030204" pitchFamily="49" charset="0"/>
-              </a:rPr>
-              <a:t>}</a:t>
-            </a:r>
-            <a:endParaRPr lang="en-US" sz="1600" dirty="0"/>
-          </a:p>
-          <a:p>
-            <a:endParaRPr lang="en-US" sz="1600" dirty="0"/>
-          </a:p>
-        </p:txBody>
-      </p:sp>
-      <p:sp>
-        <p:nvSpPr>
-          <p:cNvPr id="6" name="TextBox 5">
-            <a:extLst>
-              <a:ext uri="{FF2B5EF4-FFF2-40B4-BE49-F238E27FC236}">
-                <a16:creationId xmlns:a16="http://schemas.microsoft.com/office/drawing/2014/main" id="{79BBCBA2-F865-4B80-953B-202AB1F85CC2}"/>
-              </a:ext>
-            </a:extLst>
-          </p:cNvPr>
-          <p:cNvSpPr txBox="1"/>
-          <p:nvPr/>
-        </p:nvSpPr>
-        <p:spPr>
-          <a:xfrm>
-            <a:off x="838200" y="4435931"/>
-            <a:ext cx="10109915" cy="1569660"/>
-          </a:xfrm>
-          <a:prstGeom prst="rect">
-            <a:avLst/>
-          </a:prstGeom>
-          <a:noFill/>
-        </p:spPr>
-        <p:txBody>
-          <a:bodyPr wrap="square" rtlCol="0">
-            <a:spAutoFit/>
-          </a:bodyPr>
-          <a:lstStyle/>
-          <a:p>
-            <a:pPr marL="285750" indent="-285750">
-              <a:buFont typeface="Arial" panose="020B0604020202020204" pitchFamily="34" charset="0"/>
-              <a:buChar char="•"/>
-            </a:pPr>
-            <a:r>
-              <a:rPr lang="en-US" sz="2400" dirty="0"/>
-              <a:t>That means that Executive and </a:t>
-            </a:r>
-            <a:r>
-              <a:rPr lang="en-US" sz="2400" dirty="0" err="1"/>
-              <a:t>Component_B</a:t>
-            </a:r>
-            <a:r>
-              <a:rPr lang="en-US" sz="2400" dirty="0"/>
-              <a:t> have no build dependencies on </a:t>
-            </a:r>
-            <a:r>
-              <a:rPr lang="en-US" sz="2400" dirty="0" err="1"/>
-              <a:t>Component_A</a:t>
-            </a:r>
-            <a:r>
-              <a:rPr lang="en-US" sz="2400" dirty="0"/>
-              <a:t>.  </a:t>
-            </a:r>
-            <a:r>
-              <a:rPr lang="en-US" sz="2400" dirty="0" err="1"/>
-              <a:t>Component_A</a:t>
-            </a:r>
-            <a:r>
-              <a:rPr lang="en-US" sz="2400" dirty="0"/>
-              <a:t> can change any of its implementation without affecting Executive or </a:t>
-            </a:r>
-            <a:r>
-              <a:rPr lang="en-US" sz="2400" dirty="0" err="1"/>
-              <a:t>Component_B</a:t>
-            </a:r>
-            <a:r>
-              <a:rPr lang="en-US" sz="2400" dirty="0"/>
-              <a:t> as long as the interface, </a:t>
-            </a:r>
-            <a:r>
-              <a:rPr lang="en-US" sz="2400" dirty="0" err="1"/>
-              <a:t>IComponent_A</a:t>
-            </a:r>
-            <a:r>
-              <a:rPr lang="en-US" sz="2400" dirty="0"/>
-              <a:t> and factory function signature don’t change. </a:t>
-            </a:r>
-          </a:p>
-        </p:txBody>
-      </p:sp>
-      <p:pic>
-        <p:nvPicPr>
-          <p:cNvPr id="7" name="Content Placeholder 5" descr="A close up of a logo&#10;&#10;Description automatically generated">
-            <a:extLst>
-              <a:ext uri="{FF2B5EF4-FFF2-40B4-BE49-F238E27FC236}">
-                <a16:creationId xmlns:a16="http://schemas.microsoft.com/office/drawing/2014/main" id="{77180D06-3576-4FBE-97D6-6647FDE146AA}"/>
-              </a:ext>
-            </a:extLst>
-          </p:cNvPr>
-          <p:cNvPicPr>
-            <a:picLocks noChangeAspect="1"/>
-          </p:cNvPicPr>
-          <p:nvPr/>
-        </p:nvPicPr>
-        <p:blipFill>
-          <a:blip r:embed="rId2">
-            <a:extLst>
-              <a:ext uri="{28A0092B-C50C-407E-A947-70E740481C1C}">
-                <a14:useLocalDpi xmlns:a14="http://schemas.microsoft.com/office/drawing/2010/main" val="0"/>
-              </a:ext>
-            </a:extLst>
-          </a:blip>
-          <a:stretch>
-            <a:fillRect/>
-          </a:stretch>
-        </p:blipFill>
-        <p:spPr>
-          <a:xfrm>
-            <a:off x="8345510" y="265268"/>
-            <a:ext cx="2602605" cy="1447622"/>
-          </a:xfrm>
-          <a:prstGeom prst="rect">
-            <a:avLst/>
-          </a:prstGeom>
-        </p:spPr>
-      </p:pic>
-      <p:sp>
-        <p:nvSpPr>
-          <p:cNvPr id="8" name="Slide Number Placeholder 7">
-            <a:extLst>
-              <a:ext uri="{FF2B5EF4-FFF2-40B4-BE49-F238E27FC236}">
-                <a16:creationId xmlns:a16="http://schemas.microsoft.com/office/drawing/2014/main" id="{D1EF6AD7-D4E5-4496-A558-44C1860A1430}"/>
-              </a:ext>
-            </a:extLst>
-          </p:cNvPr>
-          <p:cNvSpPr>
-            <a:spLocks noGrp="1"/>
-          </p:cNvSpPr>
-          <p:nvPr>
-            <p:ph type="sldNum" sz="quarter" idx="12"/>
-          </p:nvPr>
-        </p:nvSpPr>
-        <p:spPr/>
-        <p:txBody>
-          <a:bodyPr/>
-          <a:lstStyle/>
-          <a:p>
-            <a:fld id="{519FA752-D1CF-498F-B0BD-05E47309CED3}" type="slidenum">
-              <a:rPr lang="en-US" smtClean="0"/>
-              <a:t>13</a:t>
-            </a:fld>
-            <a:endParaRPr lang="en-US"/>
-          </a:p>
-        </p:txBody>
-      </p:sp>
-      <p:sp>
-        <p:nvSpPr>
-          <p:cNvPr id="9" name="Rectangle 1">
-            <a:extLst>
-              <a:ext uri="{FF2B5EF4-FFF2-40B4-BE49-F238E27FC236}">
-                <a16:creationId xmlns:a16="http://schemas.microsoft.com/office/drawing/2014/main" id="{0C149E7C-9634-4480-9E6A-9B92279F8A88}"/>
-              </a:ext>
-            </a:extLst>
-          </p:cNvPr>
-          <p:cNvSpPr>
-            <a:spLocks noChangeArrowheads="1"/>
-          </p:cNvSpPr>
-          <p:nvPr/>
-        </p:nvSpPr>
-        <p:spPr bwMode="auto">
-          <a:xfrm>
-            <a:off x="0" y="0"/>
-            <a:ext cx="12192000" cy="457200"/>
-          </a:xfrm>
-          <a:prstGeom prst="rect">
-            <a:avLst/>
-          </a:prstGeom>
-          <a:noFill/>
-          <a:ln>
-            <a:noFill/>
-          </a:ln>
-          <a:effectLst/>
-          <a:extLst>
-            <a:ext uri="{909E8E84-426E-40DD-AFC4-6F175D3DCCD1}">
-              <a14:hiddenFill xmlns:a14="http://schemas.microsoft.com/office/drawing/2010/main">
-                <a:solidFill>
-                  <a:schemeClr val="accent1"/>
-                </a:solidFill>
-              </a14:hiddenFill>
-            </a:ext>
-            <a:ext uri="{91240B29-F687-4F45-9708-019B960494DF}">
-              <a14:hiddenLine xmlns:a14="http://schemas.microsoft.com/office/drawing/2010/main" w="9525">
-                <a:solidFill>
-                  <a:schemeClr val="tx1"/>
-                </a:solidFill>
-                <a:miter lim="800000"/>
-                <a:headEnd/>
-                <a:tailEnd/>
-              </a14:hiddenLine>
-            </a:ext>
-            <a:ext uri="{AF507438-7753-43E0-B8FC-AC1667EBCBE1}">
-              <a14:hiddenEffects xmlns:a14="http://schemas.microsoft.com/office/drawing/2010/main">
-                <a:effectLst>
-                  <a:outerShdw dist="35921" dir="2700000" algn="ctr" rotWithShape="0">
-                    <a:schemeClr val="bg2"/>
-                  </a:outerShdw>
-                </a:effectLst>
-              </a14:hiddenEffects>
-            </a:ext>
-          </a:extLst>
-        </p:spPr>
-        <p:txBody>
-          <a:bodyPr vert="horz" wrap="none" lIns="91440" tIns="45720" rIns="91440" bIns="45720" numCol="1" anchor="ctr" anchorCtr="0" compatLnSpc="1">
-            <a:prstTxWarp prst="textNoShape">
-              <a:avLst/>
-            </a:prstTxWarp>
-            <a:spAutoFit/>
-          </a:bodyPr>
-          <a:lstStyle/>
-          <a:p>
-            <a:pPr marL="0" marR="0" lvl="0" indent="0" algn="l" defTabSz="914400" rtl="0" eaLnBrk="0" fontAlgn="base" latinLnBrk="0" hangingPunct="0">
-              <a:lnSpc>
-                <a:spcPct val="100000"/>
-              </a:lnSpc>
-              <a:spcBef>
-                <a:spcPct val="0"/>
-              </a:spcBef>
-              <a:spcAft>
-                <a:spcPct val="0"/>
-              </a:spcAft>
-              <a:buClrTx/>
-              <a:buSzTx/>
-              <a:buFontTx/>
-              <a:buNone/>
-              <a:tabLst/>
-            </a:pPr>
-            <a:r>
-              <a:rPr kumimoji="0" lang="en-US" altLang="en-US" sz="1000" b="0" i="0" u="none" strike="noStrike" cap="none" normalizeH="0" baseline="0">
-                <a:ln>
-                  <a:noFill/>
-                </a:ln>
-                <a:solidFill>
-                  <a:schemeClr val="tx1"/>
-                </a:solidFill>
-                <a:effectLst/>
-                <a:latin typeface="Arial Unicode MS" panose="020B0604020202020204" pitchFamily="34" charset="-128"/>
-              </a:rPr>
-              <a:t>pub fn get_instance() -&gt; Box&lt;dyn TCompA&gt; { let a = ComponentA::new(); Box::new(a) }</a:t>
-            </a:r>
-            <a:r>
-              <a:rPr kumimoji="0" lang="en-US" altLang="en-US" sz="600" b="0" i="0" u="none" strike="noStrike" cap="none" normalizeH="0" baseline="0">
-                <a:ln>
-                  <a:noFill/>
-                </a:ln>
-                <a:solidFill>
-                  <a:schemeClr val="tx1"/>
-                </a:solidFill>
-                <a:effectLst/>
-              </a:rPr>
-              <a:t> </a:t>
-            </a:r>
-            <a:endParaRPr kumimoji="0" lang="en-US" altLang="en-US" sz="1800" b="0" i="0" u="none" strike="noStrike" cap="none" normalizeH="0" baseline="0">
-              <a:ln>
-                <a:noFill/>
-              </a:ln>
-              <a:solidFill>
-                <a:schemeClr val="tx1"/>
-              </a:solidFill>
-              <a:effectLst/>
-              <a:latin typeface="Arial" panose="020B0604020202020204" pitchFamily="34" charset="0"/>
-            </a:endParaRPr>
-          </a:p>
-        </p:txBody>
-      </p:sp>
-      <p:sp>
-        <p:nvSpPr>
-          <p:cNvPr id="10" name="Rectangle 2">
-            <a:extLst>
-              <a:ext uri="{FF2B5EF4-FFF2-40B4-BE49-F238E27FC236}">
-                <a16:creationId xmlns:a16="http://schemas.microsoft.com/office/drawing/2014/main" id="{30C17BDE-C375-47F6-A3F8-25FC7D9FC43F}"/>
-              </a:ext>
-            </a:extLst>
-          </p:cNvPr>
-          <p:cNvSpPr>
-            <a:spLocks noChangeArrowheads="1"/>
-          </p:cNvSpPr>
-          <p:nvPr/>
-        </p:nvSpPr>
-        <p:spPr bwMode="auto">
-          <a:xfrm>
-            <a:off x="152400" y="152400"/>
-            <a:ext cx="12192000" cy="457200"/>
-          </a:xfrm>
-          <a:prstGeom prst="rect">
-            <a:avLst/>
-          </a:prstGeom>
-          <a:noFill/>
-          <a:ln>
-            <a:noFill/>
-          </a:ln>
-          <a:effectLst/>
-          <a:extLst>
-            <a:ext uri="{909E8E84-426E-40DD-AFC4-6F175D3DCCD1}">
-              <a14:hiddenFill xmlns:a14="http://schemas.microsoft.com/office/drawing/2010/main">
-                <a:solidFill>
-                  <a:schemeClr val="accent1"/>
-                </a:solidFill>
-              </a14:hiddenFill>
-            </a:ext>
-            <a:ext uri="{91240B29-F687-4F45-9708-019B960494DF}">
-              <a14:hiddenLine xmlns:a14="http://schemas.microsoft.com/office/drawing/2010/main" w="9525">
-                <a:solidFill>
-                  <a:schemeClr val="tx1"/>
-                </a:solidFill>
-                <a:miter lim="800000"/>
-                <a:headEnd/>
-                <a:tailEnd/>
-              </a14:hiddenLine>
-            </a:ext>
-            <a:ext uri="{AF507438-7753-43E0-B8FC-AC1667EBCBE1}">
-              <a14:hiddenEffects xmlns:a14="http://schemas.microsoft.com/office/drawing/2010/main">
-                <a:effectLst>
-                  <a:outerShdw dist="35921" dir="2700000" algn="ctr" rotWithShape="0">
-                    <a:schemeClr val="bg2"/>
-                  </a:outerShdw>
-                </a:effectLst>
-              </a14:hiddenEffects>
-            </a:ext>
-          </a:extLst>
-        </p:spPr>
-        <p:txBody>
-          <a:bodyPr vert="horz" wrap="none" lIns="91440" tIns="45720" rIns="91440" bIns="45720" numCol="1" anchor="ctr" anchorCtr="0" compatLnSpc="1">
-            <a:prstTxWarp prst="textNoShape">
-              <a:avLst/>
-            </a:prstTxWarp>
-            <a:spAutoFit/>
-          </a:bodyPr>
-          <a:lstStyle/>
-          <a:p>
-            <a:pPr marL="0" marR="0" lvl="0" indent="0" algn="l" defTabSz="914400" rtl="0" eaLnBrk="0" fontAlgn="base" latinLnBrk="0" hangingPunct="0">
-              <a:lnSpc>
-                <a:spcPct val="100000"/>
-              </a:lnSpc>
-              <a:spcBef>
-                <a:spcPct val="0"/>
-              </a:spcBef>
-              <a:spcAft>
-                <a:spcPct val="0"/>
-              </a:spcAft>
-              <a:buClrTx/>
-              <a:buSzTx/>
-              <a:buFontTx/>
-              <a:buNone/>
-              <a:tabLst/>
-            </a:pPr>
-            <a:r>
-              <a:rPr kumimoji="0" lang="en-US" altLang="en-US" sz="1000" b="0" i="0" u="none" strike="noStrike" cap="none" normalizeH="0" baseline="0">
-                <a:ln>
-                  <a:noFill/>
-                </a:ln>
-                <a:solidFill>
-                  <a:schemeClr val="tx1"/>
-                </a:solidFill>
-                <a:effectLst/>
-                <a:latin typeface="Arial Unicode MS" panose="020B0604020202020204" pitchFamily="34" charset="-128"/>
-              </a:rPr>
-              <a:t>pub fn get_instance() -&gt; Box&lt;dyn TCompA&gt; { let a = ComponentA::new(); Box::new(a) }</a:t>
-            </a:r>
-            <a:r>
-              <a:rPr kumimoji="0" lang="en-US" altLang="en-US" sz="600" b="0" i="0" u="none" strike="noStrike" cap="none" normalizeH="0" baseline="0">
-                <a:ln>
-                  <a:noFill/>
-                </a:ln>
-                <a:solidFill>
-                  <a:schemeClr val="tx1"/>
-                </a:solidFill>
-                <a:effectLst/>
-              </a:rPr>
-              <a:t> </a:t>
-            </a:r>
-            <a:endParaRPr kumimoji="0" lang="en-US" altLang="en-US" sz="1800" b="0" i="0" u="none" strike="noStrike" cap="none" normalizeH="0" baseline="0">
-              <a:ln>
-                <a:noFill/>
-              </a:ln>
-              <a:solidFill>
-                <a:schemeClr val="tx1"/>
-              </a:solidFill>
-              <a:effectLst/>
-              <a:latin typeface="Arial" panose="020B0604020202020204" pitchFamily="34" charset="0"/>
-            </a:endParaRPr>
-          </a:p>
-        </p:txBody>
-      </p:sp>
-    </p:spTree>
-    <p:extLst>
-      <p:ext uri="{BB962C8B-B14F-4D97-AF65-F5344CB8AC3E}">
-        <p14:creationId xmlns:p14="http://schemas.microsoft.com/office/powerpoint/2010/main" val="775300301"/>
-      </p:ext>
-    </p:extLst>
-  </p:cSld>
-  <p:clrMapOvr>
-    <a:masterClrMapping/>
-  </p:clrMapOvr>
-</p:sld>
-</file>
-
-<file path=ppt/slides/slide14.xml><?xml version="1.0" encoding="utf-8"?>
-<p:sld xmlns:a="http://schemas.openxmlformats.org/drawingml/2006/main" xmlns:r="http://schemas.openxmlformats.org/officeDocument/2006/relationships" xmlns:p="http://schemas.openxmlformats.org/presentationml/2006/main">
-  <p:cSld>
-    <p:spTree>
-      <p:nvGrpSpPr>
-        <p:cNvPr id="1" name=""/>
-        <p:cNvGrpSpPr/>
-        <p:nvPr/>
-      </p:nvGrpSpPr>
-      <p:grpSpPr>
-        <a:xfrm>
-          <a:off x="0" y="0"/>
-          <a:ext cx="0" cy="0"/>
-          <a:chOff x="0" y="0"/>
-          <a:chExt cx="0" cy="0"/>
-        </a:xfrm>
-      </p:grpSpPr>
-      <p:pic>
-        <p:nvPicPr>
-          <p:cNvPr id="5" name="Content Placeholder 9" descr="A picture containing clock&#10;&#10;Description automatically generated">
-            <a:extLst>
-              <a:ext uri="{FF2B5EF4-FFF2-40B4-BE49-F238E27FC236}">
-                <a16:creationId xmlns:a16="http://schemas.microsoft.com/office/drawing/2014/main" id="{FE4D15CC-6E95-41D8-95BE-0DF0213783D6}"/>
-              </a:ext>
-            </a:extLst>
-          </p:cNvPr>
-          <p:cNvPicPr>
-            <a:picLocks noChangeAspect="1"/>
-          </p:cNvPicPr>
-          <p:nvPr/>
-        </p:nvPicPr>
-        <p:blipFill>
-          <a:blip r:embed="rId2">
-            <a:extLst>
-              <a:ext uri="{28A0092B-C50C-407E-A947-70E740481C1C}">
-                <a14:useLocalDpi xmlns:a14="http://schemas.microsoft.com/office/drawing/2010/main" val="0"/>
-              </a:ext>
-            </a:extLst>
-          </a:blip>
-          <a:stretch>
-            <a:fillRect/>
-          </a:stretch>
-        </p:blipFill>
-        <p:spPr>
-          <a:xfrm>
-            <a:off x="8783772" y="267303"/>
-            <a:ext cx="2396856" cy="2057333"/>
-          </a:xfrm>
-          <a:prstGeom prst="rect">
-            <a:avLst/>
-          </a:prstGeom>
-        </p:spPr>
-      </p:pic>
-      <p:sp>
-        <p:nvSpPr>
-          <p:cNvPr id="2" name="Title 1">
-            <a:extLst>
-              <a:ext uri="{FF2B5EF4-FFF2-40B4-BE49-F238E27FC236}">
-                <a16:creationId xmlns:a16="http://schemas.microsoft.com/office/drawing/2014/main" id="{150D77B0-A711-4460-9AB6-BA629F5F71D9}"/>
-              </a:ext>
-            </a:extLst>
-          </p:cNvPr>
-          <p:cNvSpPr>
-            <a:spLocks noGrp="1"/>
-          </p:cNvSpPr>
-          <p:nvPr>
-            <p:ph type="title"/>
-          </p:nvPr>
-        </p:nvSpPr>
-        <p:spPr>
-          <a:xfrm>
-            <a:off x="838200" y="365126"/>
-            <a:ext cx="10515600" cy="620108"/>
-          </a:xfrm>
-        </p:spPr>
-        <p:txBody>
-          <a:bodyPr/>
-          <a:lstStyle/>
-          <a:p>
-            <a:r>
-              <a:rPr lang="en-US" dirty="0"/>
-              <a:t>Object Factories</a:t>
-            </a:r>
-          </a:p>
-        </p:txBody>
-      </p:sp>
-      <p:sp>
-        <p:nvSpPr>
-          <p:cNvPr id="3" name="Content Placeholder 2">
-            <a:extLst>
-              <a:ext uri="{FF2B5EF4-FFF2-40B4-BE49-F238E27FC236}">
-                <a16:creationId xmlns:a16="http://schemas.microsoft.com/office/drawing/2014/main" id="{426A14C6-ACA0-4E5D-9F4F-432CC418454F}"/>
-              </a:ext>
-            </a:extLst>
-          </p:cNvPr>
-          <p:cNvSpPr>
-            <a:spLocks noGrp="1"/>
-          </p:cNvSpPr>
-          <p:nvPr>
-            <p:ph idx="1"/>
-          </p:nvPr>
-        </p:nvSpPr>
-        <p:spPr>
-          <a:xfrm>
-            <a:off x="838200" y="1043190"/>
-            <a:ext cx="10515600" cy="5133774"/>
-          </a:xfrm>
-        </p:spPr>
-        <p:txBody>
-          <a:bodyPr/>
-          <a:lstStyle/>
-          <a:p>
-            <a:pPr>
-              <a:lnSpc>
-                <a:spcPct val="150000"/>
-              </a:lnSpc>
-            </a:pPr>
-            <a:r>
-              <a:rPr lang="en-US" dirty="0"/>
-              <a:t>There are two kinds of object factories:</a:t>
-            </a:r>
-          </a:p>
-          <a:p>
-            <a:pPr marL="914400" lvl="1" indent="-457200">
-              <a:buFont typeface="+mj-lt"/>
-              <a:buAutoNum type="arabicPeriod"/>
-            </a:pPr>
-            <a:r>
-              <a:rPr lang="en-US" dirty="0"/>
-              <a:t>Factories that return a smart pointer referring to a newly </a:t>
-            </a:r>
-            <a:br>
-              <a:rPr lang="en-US" dirty="0"/>
-            </a:br>
-            <a:r>
-              <a:rPr lang="en-US" dirty="0"/>
-              <a:t>created instance of a component in the native heap.</a:t>
-            </a:r>
-            <a:br>
-              <a:rPr lang="en-US" sz="1100" dirty="0"/>
-            </a:br>
-            <a:br>
-              <a:rPr lang="en-US" sz="1100" dirty="0"/>
-            </a:br>
-            <a:r>
-              <a:rPr lang="en-US" dirty="0"/>
-              <a:t> 	std::</a:t>
-            </a:r>
-            <a:r>
-              <a:rPr lang="en-US" dirty="0" err="1"/>
-              <a:t>unique_ptr</a:t>
-            </a:r>
-            <a:r>
-              <a:rPr lang="en-US" dirty="0"/>
-              <a:t>&lt;</a:t>
-            </a:r>
-            <a:r>
-              <a:rPr lang="en-US" dirty="0" err="1"/>
-              <a:t>IComponent</a:t>
-            </a:r>
-            <a:r>
-              <a:rPr lang="en-US" dirty="0"/>
-              <a:t>&gt; </a:t>
-            </a:r>
-            <a:r>
-              <a:rPr lang="en-US" dirty="0" err="1"/>
-              <a:t>createComponent</a:t>
-            </a:r>
-            <a:r>
-              <a:rPr lang="en-US" dirty="0"/>
-              <a:t>() { … }</a:t>
-            </a:r>
-            <a:br>
-              <a:rPr lang="en-US" sz="1050" dirty="0"/>
-            </a:br>
-            <a:endParaRPr lang="en-US" sz="1050" dirty="0"/>
-          </a:p>
-          <a:p>
-            <a:pPr marL="914400" lvl="1" indent="-457200">
-              <a:buFont typeface="+mj-lt"/>
-              <a:buAutoNum type="arabicPeriod"/>
-            </a:pPr>
-            <a:r>
-              <a:rPr lang="en-US" dirty="0"/>
-              <a:t>Singleton factories that return a reference to a static component.</a:t>
-            </a:r>
-            <a:br>
-              <a:rPr lang="en-US" sz="1100" dirty="0"/>
-            </a:br>
-            <a:br>
-              <a:rPr lang="en-US" sz="1100" dirty="0"/>
-            </a:br>
-            <a:r>
-              <a:rPr lang="en-US" dirty="0"/>
-              <a:t> 	</a:t>
-            </a:r>
-            <a:r>
-              <a:rPr lang="en-US" dirty="0" err="1"/>
-              <a:t>IComponent</a:t>
-            </a:r>
-            <a:r>
-              <a:rPr lang="en-US" dirty="0"/>
-              <a:t>&amp; </a:t>
-            </a:r>
-            <a:r>
-              <a:rPr lang="en-US" dirty="0" err="1"/>
-              <a:t>getComponentInstance</a:t>
-            </a:r>
-            <a:r>
-              <a:rPr lang="en-US" dirty="0"/>
-              <a:t>() { … }</a:t>
-            </a:r>
-            <a:br>
-              <a:rPr lang="en-US" sz="600" dirty="0"/>
-            </a:br>
-            <a:endParaRPr lang="en-US" sz="600" dirty="0"/>
-          </a:p>
-          <a:p>
-            <a:pPr>
-              <a:lnSpc>
-                <a:spcPct val="150000"/>
-              </a:lnSpc>
-            </a:pPr>
-            <a:r>
-              <a:rPr lang="en-US" dirty="0"/>
-              <a:t>You can find examples of both in the Logger repository:</a:t>
-            </a:r>
-            <a:br>
-              <a:rPr lang="en-US" dirty="0"/>
-            </a:br>
-            <a:r>
-              <a:rPr lang="en-US" dirty="0"/>
-              <a:t> 	</a:t>
-            </a:r>
-            <a:r>
-              <a:rPr lang="en-US" dirty="0">
-                <a:hlinkClick r:id="rId3"/>
-              </a:rPr>
-              <a:t>https://JimFawcett.github.io/Logger.html</a:t>
-            </a:r>
-            <a:r>
-              <a:rPr lang="en-US" dirty="0"/>
-              <a:t> </a:t>
-            </a:r>
-            <a:br>
-              <a:rPr lang="en-US" dirty="0"/>
-            </a:br>
-            <a:r>
-              <a:rPr lang="en-US" dirty="0"/>
-              <a:t>in files </a:t>
-            </a:r>
-            <a:r>
-              <a:rPr lang="en-US" dirty="0" err="1"/>
-              <a:t>ITestLogger.h</a:t>
-            </a:r>
-            <a:r>
-              <a:rPr lang="en-US" dirty="0"/>
-              <a:t> and </a:t>
-            </a:r>
-            <a:r>
-              <a:rPr lang="en-US" dirty="0" err="1"/>
-              <a:t>IQTestLogger.h</a:t>
-            </a:r>
-            <a:endParaRPr lang="en-US" dirty="0"/>
-          </a:p>
-        </p:txBody>
-      </p:sp>
-      <p:sp>
-        <p:nvSpPr>
-          <p:cNvPr id="4" name="Slide Number Placeholder 3">
-            <a:extLst>
-              <a:ext uri="{FF2B5EF4-FFF2-40B4-BE49-F238E27FC236}">
-                <a16:creationId xmlns:a16="http://schemas.microsoft.com/office/drawing/2014/main" id="{1308D50C-EEAE-4DB0-9353-3269FEC604B9}"/>
-              </a:ext>
-            </a:extLst>
-          </p:cNvPr>
-          <p:cNvSpPr>
-            <a:spLocks noGrp="1"/>
-          </p:cNvSpPr>
-          <p:nvPr>
-            <p:ph type="sldNum" sz="quarter" idx="12"/>
-          </p:nvPr>
-        </p:nvSpPr>
-        <p:spPr/>
-        <p:txBody>
-          <a:bodyPr/>
-          <a:lstStyle/>
-          <a:p>
-            <a:fld id="{519FA752-D1CF-498F-B0BD-05E47309CED3}" type="slidenum">
-              <a:rPr lang="en-US" smtClean="0"/>
-              <a:t>14</a:t>
-            </a:fld>
-            <a:endParaRPr lang="en-US"/>
-          </a:p>
-        </p:txBody>
-      </p:sp>
-    </p:spTree>
-    <p:extLst>
-      <p:ext uri="{BB962C8B-B14F-4D97-AF65-F5344CB8AC3E}">
-        <p14:creationId xmlns:p14="http://schemas.microsoft.com/office/powerpoint/2010/main" val="2951981774"/>
       </p:ext>
     </p:extLst>
   </p:cSld>
@@ -5730,62 +5087,21 @@
           <p:cNvPr id="2" name="Title 1">
             <a:extLst>
               <a:ext uri="{FF2B5EF4-FFF2-40B4-BE49-F238E27FC236}">
-                <a16:creationId xmlns:a16="http://schemas.microsoft.com/office/drawing/2014/main" id="{7931F950-B483-4831-A37F-784D41C54C0E}"/>
-              </a:ext>
-            </a:extLst>
-          </p:cNvPr>
-          <p:cNvSpPr>
-            <a:spLocks noGrp="1"/>
-          </p:cNvSpPr>
-          <p:nvPr>
-            <p:ph type="ctrTitle"/>
+                <a16:creationId xmlns:a16="http://schemas.microsoft.com/office/drawing/2014/main" id="{10810AD1-2BA5-4C09-991C-54E03D2E7CCE}"/>
+              </a:ext>
+            </a:extLst>
+          </p:cNvPr>
+          <p:cNvSpPr>
+            <a:spLocks noGrp="1"/>
+          </p:cNvSpPr>
+          <p:nvPr>
+            <p:ph type="title"/>
           </p:nvPr>
         </p:nvSpPr>
         <p:spPr>
           <a:xfrm>
-            <a:off x="1524000" y="1122363"/>
-            <a:ext cx="9144000" cy="2155310"/>
-          </a:xfrm>
-        </p:spPr>
-        <p:txBody>
-          <a:bodyPr/>
-          <a:lstStyle/>
-          <a:p>
-            <a:r>
-              <a:rPr lang="en-US" dirty="0"/>
-              <a:t>C++ Models</a:t>
-            </a:r>
-            <a:br>
-              <a:rPr lang="en-US" dirty="0"/>
-            </a:br>
-            <a:r>
-              <a:rPr lang="en-US" sz="3600" dirty="0"/>
-              <a:t>Model 2 - Compilation</a:t>
-            </a:r>
-            <a:endParaRPr lang="en-US" dirty="0"/>
-          </a:p>
-        </p:txBody>
-      </p:sp>
-      <p:sp>
-        <p:nvSpPr>
-          <p:cNvPr id="3" name="Subtitle 2">
-            <a:extLst>
-              <a:ext uri="{FF2B5EF4-FFF2-40B4-BE49-F238E27FC236}">
-                <a16:creationId xmlns:a16="http://schemas.microsoft.com/office/drawing/2014/main" id="{D9CD4FAC-1FAC-470C-A1D5-392002A7D018}"/>
-              </a:ext>
-            </a:extLst>
-          </p:cNvPr>
-          <p:cNvSpPr>
-            <a:spLocks noGrp="1"/>
-          </p:cNvSpPr>
-          <p:nvPr>
-            <p:ph type="subTitle" idx="1"/>
-          </p:nvPr>
-        </p:nvSpPr>
-        <p:spPr>
-          <a:xfrm>
-            <a:off x="1524000" y="3981450"/>
-            <a:ext cx="9144000" cy="1276349"/>
+            <a:off x="838200" y="365126"/>
+            <a:ext cx="10515600" cy="974278"/>
           </a:xfrm>
         </p:spPr>
         <p:txBody>
@@ -5795,34 +5111,538 @@
           <a:lstStyle/>
           <a:p>
             <a:r>
-              <a:rPr lang="en-US" sz="2800" dirty="0"/>
-              <a:t>Jim Fawcett</a:t>
-            </a:r>
-          </a:p>
-          <a:p>
-            <a:r>
-              <a:rPr lang="en-US" sz="2800" dirty="0">
-                <a:hlinkClick r:id="rId2"/>
-              </a:rPr>
-              <a:t>https://JimFawcett.github.io</a:t>
-            </a:r>
-            <a:r>
-              <a:rPr lang="en-US" sz="2800" dirty="0"/>
+              <a:rPr lang="en-US" sz="4000" dirty="0"/>
+              <a:t>Use of Interfaces and Factories</a:t>
+            </a:r>
+          </a:p>
+        </p:txBody>
+      </p:sp>
+      <p:sp>
+        <p:nvSpPr>
+          <p:cNvPr id="3" name="Content Placeholder 2">
+            <a:extLst>
+              <a:ext uri="{FF2B5EF4-FFF2-40B4-BE49-F238E27FC236}">
+                <a16:creationId xmlns:a16="http://schemas.microsoft.com/office/drawing/2014/main" id="{D0292B98-72D9-4E6A-805A-B8BCBB7B7FB7}"/>
+              </a:ext>
+            </a:extLst>
+          </p:cNvPr>
+          <p:cNvSpPr>
+            <a:spLocks noGrp="1"/>
+          </p:cNvSpPr>
+          <p:nvPr>
+            <p:ph idx="1"/>
+          </p:nvPr>
+        </p:nvSpPr>
+        <p:spPr>
+          <a:xfrm>
+            <a:off x="838200" y="1832065"/>
+            <a:ext cx="10515600" cy="1387654"/>
+          </a:xfrm>
+        </p:spPr>
+        <p:txBody>
+          <a:bodyPr>
+            <a:noAutofit/>
+          </a:bodyPr>
+          <a:lstStyle/>
+          <a:p>
+            <a:r>
+              <a:rPr lang="en-US" sz="2400" dirty="0"/>
+              <a:t>If you look at interface trait </a:t>
+            </a:r>
+            <a:r>
+              <a:rPr lang="en-US" sz="2400" dirty="0" err="1"/>
+              <a:t>TCompA</a:t>
+            </a:r>
+            <a:r>
+              <a:rPr lang="en-US" sz="2400" dirty="0"/>
+              <a:t> you will see it has no implementation detail.</a:t>
+            </a:r>
+            <a:br>
+              <a:rPr lang="en-US" sz="2400" dirty="0"/>
+            </a:br>
+            <a:br>
+              <a:rPr lang="en-US" sz="2400" dirty="0"/>
+            </a:br>
+            <a:endParaRPr lang="en-US" sz="2400" dirty="0"/>
+          </a:p>
+        </p:txBody>
+      </p:sp>
+      <p:sp>
+        <p:nvSpPr>
+          <p:cNvPr id="4" name="TextBox 3">
+            <a:extLst>
+              <a:ext uri="{FF2B5EF4-FFF2-40B4-BE49-F238E27FC236}">
+                <a16:creationId xmlns:a16="http://schemas.microsoft.com/office/drawing/2014/main" id="{CBBF0261-2F47-4F8E-A997-0851984A79E9}"/>
+              </a:ext>
+            </a:extLst>
+          </p:cNvPr>
+          <p:cNvSpPr txBox="1"/>
+          <p:nvPr/>
+        </p:nvSpPr>
+        <p:spPr>
+          <a:xfrm>
+            <a:off x="1367306" y="2358376"/>
+            <a:ext cx="3856149" cy="1569660"/>
+          </a:xfrm>
+          <a:prstGeom prst="rect">
+            <a:avLst/>
+          </a:prstGeom>
+          <a:noFill/>
+        </p:spPr>
+        <p:txBody>
+          <a:bodyPr wrap="square" rtlCol="0">
+            <a:spAutoFit/>
+          </a:bodyPr>
+          <a:lstStyle/>
+          <a:p>
+            <a:r>
+              <a:rPr lang="en-US" sz="1600" b="1" dirty="0">
+                <a:latin typeface="Consolas" panose="020B0609020204030204" pitchFamily="49" charset="0"/>
+              </a:rPr>
+              <a:t>pub Trait </a:t>
+            </a:r>
+            <a:r>
+              <a:rPr lang="en-US" sz="1600" b="1" dirty="0" err="1">
+                <a:latin typeface="Consolas" panose="020B0609020204030204" pitchFamily="49" charset="0"/>
+              </a:rPr>
+              <a:t>TCompA</a:t>
+            </a:r>
+            <a:r>
+              <a:rPr lang="en-US" sz="1600" b="1" dirty="0">
+                <a:latin typeface="Consolas" panose="020B0609020204030204" pitchFamily="49" charset="0"/>
+              </a:rPr>
+              <a:t> {</a:t>
+            </a:r>
+          </a:p>
+          <a:p>
+            <a:r>
+              <a:rPr lang="en-US" sz="1600" b="1" dirty="0">
+                <a:latin typeface="Consolas" panose="020B0609020204030204" pitchFamily="49" charset="0"/>
+              </a:rPr>
+              <a:t>  </a:t>
+            </a:r>
+            <a:r>
+              <a:rPr lang="en-US" sz="1600" b="1" dirty="0" err="1">
+                <a:latin typeface="Consolas" panose="020B0609020204030204" pitchFamily="49" charset="0"/>
+              </a:rPr>
+              <a:t>fn</a:t>
+            </a:r>
+            <a:r>
+              <a:rPr lang="en-US" sz="1600" b="1" dirty="0">
+                <a:latin typeface="Consolas" panose="020B0609020204030204" pitchFamily="49" charset="0"/>
+              </a:rPr>
               <a:t> </a:t>
             </a:r>
-          </a:p>
-          <a:p>
-            <a:endParaRPr lang="en-US" sz="2800" dirty="0"/>
-          </a:p>
-          <a:p>
-            <a:endParaRPr lang="en-US" sz="2800" dirty="0"/>
-          </a:p>
-        </p:txBody>
-      </p:sp>
+            <a:r>
+              <a:rPr lang="en-US" sz="1600" b="1" dirty="0" err="1">
+                <a:latin typeface="Consolas" panose="020B0609020204030204" pitchFamily="49" charset="0"/>
+              </a:rPr>
+              <a:t>do_work</a:t>
+            </a:r>
+            <a:r>
+              <a:rPr lang="en-US" sz="1600" b="1" dirty="0">
+                <a:latin typeface="Consolas" panose="020B0609020204030204" pitchFamily="49" charset="0"/>
+              </a:rPr>
+              <a:t>(&amp;self);</a:t>
+            </a:r>
+          </a:p>
+          <a:p>
+            <a:r>
+              <a:rPr lang="en-US" sz="1600" b="1" dirty="0">
+                <a:latin typeface="Consolas" panose="020B0609020204030204" pitchFamily="49" charset="0"/>
+              </a:rPr>
+              <a:t>  </a:t>
+            </a:r>
+            <a:r>
+              <a:rPr lang="en-US" sz="1600" b="1" dirty="0" err="1">
+                <a:latin typeface="Consolas" panose="020B0609020204030204" pitchFamily="49" charset="0"/>
+              </a:rPr>
+              <a:t>fn</a:t>
+            </a:r>
+            <a:r>
+              <a:rPr lang="en-US" sz="1600" b="1" dirty="0">
+                <a:latin typeface="Consolas" panose="020B0609020204030204" pitchFamily="49" charset="0"/>
+              </a:rPr>
+              <a:t> </a:t>
+            </a:r>
+            <a:r>
+              <a:rPr lang="en-US" sz="1600" b="1" dirty="0" err="1">
+                <a:latin typeface="Consolas" panose="020B0609020204030204" pitchFamily="49" charset="0"/>
+              </a:rPr>
+              <a:t>get_msg</a:t>
+            </a:r>
+            <a:r>
+              <a:rPr lang="en-US" sz="1600" b="1" dirty="0">
+                <a:latin typeface="Consolas" panose="020B0609020204030204" pitchFamily="49" charset="0"/>
+              </a:rPr>
+              <a:t>(&amp;self) -&gt; String;</a:t>
+            </a:r>
+          </a:p>
+          <a:p>
+            <a:r>
+              <a:rPr lang="en-US" sz="1600" b="1" dirty="0">
+                <a:latin typeface="Consolas" panose="020B0609020204030204" pitchFamily="49" charset="0"/>
+              </a:rPr>
+              <a:t>  </a:t>
+            </a:r>
+            <a:r>
+              <a:rPr lang="en-US" sz="1600" b="1" dirty="0" err="1">
+                <a:latin typeface="Consolas" panose="020B0609020204030204" pitchFamily="49" charset="0"/>
+              </a:rPr>
+              <a:t>fn</a:t>
+            </a:r>
+            <a:r>
+              <a:rPr lang="en-US" sz="1600" b="1" dirty="0">
+                <a:latin typeface="Consolas" panose="020B0609020204030204" pitchFamily="49" charset="0"/>
+              </a:rPr>
+              <a:t> </a:t>
+            </a:r>
+            <a:r>
+              <a:rPr lang="en-US" sz="1600" b="1" dirty="0" err="1">
+                <a:latin typeface="Consolas" panose="020B0609020204030204" pitchFamily="49" charset="0"/>
+              </a:rPr>
+              <a:t>set_msg</a:t>
+            </a:r>
+            <a:r>
+              <a:rPr lang="en-US" sz="1600" b="1" dirty="0">
+                <a:latin typeface="Consolas" panose="020B0609020204030204" pitchFamily="49" charset="0"/>
+              </a:rPr>
+              <a:t>(&amp;mut self, m:&amp;str);</a:t>
+            </a:r>
+          </a:p>
+          <a:p>
+            <a:r>
+              <a:rPr lang="en-US" sz="1600" b="1" dirty="0">
+                <a:latin typeface="Consolas" panose="020B0609020204030204" pitchFamily="49" charset="0"/>
+              </a:rPr>
+              <a:t>}</a:t>
+            </a:r>
+            <a:endParaRPr lang="en-US" sz="1600" dirty="0"/>
+          </a:p>
+          <a:p>
+            <a:endParaRPr lang="en-US" sz="1600" dirty="0"/>
+          </a:p>
+        </p:txBody>
+      </p:sp>
+      <p:sp>
+        <p:nvSpPr>
+          <p:cNvPr id="5" name="TextBox 4">
+            <a:extLst>
+              <a:ext uri="{FF2B5EF4-FFF2-40B4-BE49-F238E27FC236}">
+                <a16:creationId xmlns:a16="http://schemas.microsoft.com/office/drawing/2014/main" id="{AEE9CEC2-3588-4E34-9755-5435B597E163}"/>
+              </a:ext>
+            </a:extLst>
+          </p:cNvPr>
+          <p:cNvSpPr txBox="1"/>
+          <p:nvPr/>
+        </p:nvSpPr>
+        <p:spPr>
+          <a:xfrm>
+            <a:off x="5523963" y="2338898"/>
+            <a:ext cx="5487473" cy="1077218"/>
+          </a:xfrm>
+          <a:prstGeom prst="rect">
+            <a:avLst/>
+          </a:prstGeom>
+          <a:noFill/>
+        </p:spPr>
+        <p:txBody>
+          <a:bodyPr wrap="square" rtlCol="0">
+            <a:spAutoFit/>
+          </a:bodyPr>
+          <a:lstStyle/>
+          <a:p>
+            <a:r>
+              <a:rPr lang="en-US" sz="1600" b="1" dirty="0">
+                <a:latin typeface="Consolas" panose="020B0609020204030204" pitchFamily="49" charset="0"/>
+              </a:rPr>
+              <a:t>pub </a:t>
+            </a:r>
+            <a:r>
+              <a:rPr lang="en-US" sz="1600" b="1" dirty="0" err="1">
+                <a:latin typeface="Consolas" panose="020B0609020204030204" pitchFamily="49" charset="0"/>
+              </a:rPr>
+              <a:t>fn</a:t>
+            </a:r>
+            <a:r>
+              <a:rPr lang="en-US" sz="1600" b="1" dirty="0">
+                <a:latin typeface="Consolas" panose="020B0609020204030204" pitchFamily="49" charset="0"/>
+              </a:rPr>
+              <a:t> </a:t>
+            </a:r>
+            <a:r>
+              <a:rPr lang="en-US" sz="1600" b="1" dirty="0" err="1">
+                <a:latin typeface="Consolas" panose="020B0609020204030204" pitchFamily="49" charset="0"/>
+              </a:rPr>
+              <a:t>get_instance</a:t>
+            </a:r>
+            <a:r>
+              <a:rPr lang="en-US" sz="1600" b="1" dirty="0">
+                <a:latin typeface="Consolas" panose="020B0609020204030204" pitchFamily="49" charset="0"/>
+              </a:rPr>
+              <a:t>() -&gt; Box&lt;</a:t>
+            </a:r>
+            <a:r>
+              <a:rPr lang="en-US" sz="1600" b="1" dirty="0" err="1">
+                <a:latin typeface="Consolas" panose="020B0609020204030204" pitchFamily="49" charset="0"/>
+              </a:rPr>
+              <a:t>dyn</a:t>
+            </a:r>
+            <a:r>
+              <a:rPr lang="en-US" sz="1600" b="1" dirty="0">
+                <a:latin typeface="Consolas" panose="020B0609020204030204" pitchFamily="49" charset="0"/>
+              </a:rPr>
+              <a:t> </a:t>
+            </a:r>
+            <a:r>
+              <a:rPr lang="en-US" sz="1600" b="1" dirty="0" err="1">
+                <a:latin typeface="Consolas" panose="020B0609020204030204" pitchFamily="49" charset="0"/>
+              </a:rPr>
+              <a:t>TCompA</a:t>
+            </a:r>
+            <a:r>
+              <a:rPr lang="en-US" sz="1600" b="1" dirty="0">
+                <a:latin typeface="Consolas" panose="020B0609020204030204" pitchFamily="49" charset="0"/>
+              </a:rPr>
+              <a:t>&gt; {</a:t>
+            </a:r>
+          </a:p>
+          <a:p>
+            <a:r>
+              <a:rPr lang="en-US" sz="1600" b="1" dirty="0">
+                <a:latin typeface="Consolas" panose="020B0609020204030204" pitchFamily="49" charset="0"/>
+              </a:rPr>
+              <a:t>  Box::new(</a:t>
+            </a:r>
+            <a:r>
+              <a:rPr lang="en-US" sz="1600" b="1" dirty="0" err="1">
+                <a:latin typeface="Consolas" panose="020B0609020204030204" pitchFamily="49" charset="0"/>
+              </a:rPr>
+              <a:t>ComponentA</a:t>
+            </a:r>
+            <a:r>
+              <a:rPr lang="en-US" sz="1600" b="1" dirty="0">
+                <a:latin typeface="Consolas" panose="020B0609020204030204" pitchFamily="49" charset="0"/>
+              </a:rPr>
+              <a:t>::new())</a:t>
+            </a:r>
+          </a:p>
+          <a:p>
+            <a:r>
+              <a:rPr lang="en-US" sz="1600" b="1" dirty="0">
+                <a:latin typeface="Consolas" panose="020B0609020204030204" pitchFamily="49" charset="0"/>
+              </a:rPr>
+              <a:t>}</a:t>
+            </a:r>
+            <a:endParaRPr lang="en-US" sz="1600" dirty="0"/>
+          </a:p>
+          <a:p>
+            <a:endParaRPr lang="en-US" sz="1600" dirty="0"/>
+          </a:p>
+        </p:txBody>
+      </p:sp>
+      <p:sp>
+        <p:nvSpPr>
+          <p:cNvPr id="6" name="TextBox 5">
+            <a:extLst>
+              <a:ext uri="{FF2B5EF4-FFF2-40B4-BE49-F238E27FC236}">
+                <a16:creationId xmlns:a16="http://schemas.microsoft.com/office/drawing/2014/main" id="{79BBCBA2-F865-4B80-953B-202AB1F85CC2}"/>
+              </a:ext>
+            </a:extLst>
+          </p:cNvPr>
+          <p:cNvSpPr txBox="1"/>
+          <p:nvPr/>
+        </p:nvSpPr>
+        <p:spPr>
+          <a:xfrm>
+            <a:off x="838200" y="3837067"/>
+            <a:ext cx="10109915" cy="2554545"/>
+          </a:xfrm>
+          <a:prstGeom prst="rect">
+            <a:avLst/>
+          </a:prstGeom>
+          <a:noFill/>
+        </p:spPr>
+        <p:txBody>
+          <a:bodyPr wrap="square" rtlCol="0">
+            <a:spAutoFit/>
+          </a:bodyPr>
+          <a:lstStyle/>
+          <a:p>
+            <a:pPr marL="285750" indent="-285750">
+              <a:buFont typeface="Arial" panose="020B0604020202020204" pitchFamily="34" charset="0"/>
+              <a:buChar char="•"/>
+            </a:pPr>
+            <a:r>
+              <a:rPr lang="en-US" sz="2400" dirty="0"/>
+              <a:t>Executive and </a:t>
+            </a:r>
+            <a:r>
+              <a:rPr lang="en-US" sz="2400" dirty="0" err="1"/>
+              <a:t>ComponentB</a:t>
+            </a:r>
+            <a:r>
+              <a:rPr lang="en-US" sz="2400" dirty="0"/>
+              <a:t> use </a:t>
+            </a:r>
+            <a:r>
+              <a:rPr lang="en-US" sz="2400" dirty="0" err="1"/>
+              <a:t>ComponentA’s</a:t>
+            </a:r>
+            <a:r>
+              <a:rPr lang="en-US" sz="2400" dirty="0"/>
+              <a:t> factory function, </a:t>
+            </a:r>
+            <a:r>
+              <a:rPr lang="en-US" sz="2400" dirty="0" err="1"/>
+              <a:t>get_instance</a:t>
+            </a:r>
+            <a:r>
+              <a:rPr lang="en-US" sz="2400" dirty="0"/>
+              <a:t> to avoid binding to the concrete </a:t>
+            </a:r>
+            <a:r>
+              <a:rPr lang="en-US" sz="2400" dirty="0" err="1"/>
+              <a:t>ComponentA</a:t>
+            </a:r>
+            <a:r>
+              <a:rPr lang="en-US" sz="2400" dirty="0"/>
+              <a:t> type.</a:t>
+            </a:r>
+            <a:br>
+              <a:rPr lang="en-US" sz="2400" dirty="0"/>
+            </a:br>
+            <a:endParaRPr lang="en-US" sz="1050" dirty="0"/>
+          </a:p>
+          <a:p>
+            <a:pPr marL="285750" indent="-285750">
+              <a:buFont typeface="Arial" panose="020B0604020202020204" pitchFamily="34" charset="0"/>
+              <a:buChar char="•"/>
+            </a:pPr>
+            <a:r>
+              <a:rPr lang="en-US" sz="2400" dirty="0"/>
+              <a:t>That means that Executive and </a:t>
+            </a:r>
+            <a:r>
+              <a:rPr lang="en-US" sz="2400" dirty="0" err="1"/>
+              <a:t>ComponentB</a:t>
+            </a:r>
+            <a:r>
+              <a:rPr lang="en-US" sz="2400" dirty="0"/>
+              <a:t> have no source dependencies on </a:t>
+            </a:r>
+            <a:r>
+              <a:rPr lang="en-US" sz="2400" dirty="0" err="1"/>
+              <a:t>ComponentA</a:t>
+            </a:r>
+            <a:r>
+              <a:rPr lang="en-US" sz="2400" dirty="0"/>
+              <a:t>.  </a:t>
+            </a:r>
+            <a:r>
+              <a:rPr lang="en-US" sz="2400" dirty="0" err="1"/>
+              <a:t>ComponentA</a:t>
+            </a:r>
+            <a:r>
+              <a:rPr lang="en-US" sz="2400" dirty="0"/>
+              <a:t> can change any of its implementation without affecting Executive or </a:t>
+            </a:r>
+            <a:r>
+              <a:rPr lang="en-US" sz="2400" dirty="0" err="1"/>
+              <a:t>ComponentB</a:t>
+            </a:r>
+            <a:r>
+              <a:rPr lang="en-US" sz="2400" dirty="0"/>
+              <a:t> as long as the interface, </a:t>
+            </a:r>
+            <a:r>
+              <a:rPr lang="en-US" sz="2400" dirty="0" err="1"/>
+              <a:t>TCompA</a:t>
+            </a:r>
+            <a:r>
+              <a:rPr lang="en-US" sz="2400" dirty="0"/>
+              <a:t>, and factory function signature, </a:t>
+            </a:r>
+            <a:r>
+              <a:rPr lang="en-US" sz="2400" dirty="0" err="1"/>
+              <a:t>get_instance</a:t>
+            </a:r>
+            <a:r>
+              <a:rPr lang="en-US" sz="2400" dirty="0"/>
+              <a:t>, don’t change. </a:t>
+            </a:r>
+          </a:p>
+        </p:txBody>
+      </p:sp>
+      <p:sp>
+        <p:nvSpPr>
+          <p:cNvPr id="8" name="Slide Number Placeholder 7">
+            <a:extLst>
+              <a:ext uri="{FF2B5EF4-FFF2-40B4-BE49-F238E27FC236}">
+                <a16:creationId xmlns:a16="http://schemas.microsoft.com/office/drawing/2014/main" id="{D1EF6AD7-D4E5-4496-A558-44C1860A1430}"/>
+              </a:ext>
+            </a:extLst>
+          </p:cNvPr>
+          <p:cNvSpPr>
+            <a:spLocks noGrp="1"/>
+          </p:cNvSpPr>
+          <p:nvPr>
+            <p:ph type="sldNum" sz="quarter" idx="12"/>
+          </p:nvPr>
+        </p:nvSpPr>
+        <p:spPr/>
+        <p:txBody>
+          <a:bodyPr/>
+          <a:lstStyle/>
+          <a:p>
+            <a:fld id="{519FA752-D1CF-498F-B0BD-05E47309CED3}" type="slidenum">
+              <a:rPr lang="en-US" smtClean="0"/>
+              <a:t>15</a:t>
+            </a:fld>
+            <a:endParaRPr lang="en-US"/>
+          </a:p>
+        </p:txBody>
+      </p:sp>
+      <p:pic>
+        <p:nvPicPr>
+          <p:cNvPr id="11" name="Content Placeholder 8" descr="A close up of a logo&#10;&#10;Description automatically generated">
+            <a:extLst>
+              <a:ext uri="{FF2B5EF4-FFF2-40B4-BE49-F238E27FC236}">
+                <a16:creationId xmlns:a16="http://schemas.microsoft.com/office/drawing/2014/main" id="{A56BC90A-9E97-49C2-8F39-B7F6615A3895}"/>
+              </a:ext>
+            </a:extLst>
+          </p:cNvPr>
+          <p:cNvPicPr>
+            <a:picLocks noChangeAspect="1"/>
+          </p:cNvPicPr>
+          <p:nvPr/>
+        </p:nvPicPr>
+        <p:blipFill>
+          <a:blip r:embed="rId2">
+            <a:extLst>
+              <a:ext uri="{28A0092B-C50C-407E-A947-70E740481C1C}">
+                <a14:useLocalDpi xmlns:a14="http://schemas.microsoft.com/office/drawing/2010/main" val="0"/>
+              </a:ext>
+            </a:extLst>
+          </a:blip>
+          <a:stretch>
+            <a:fillRect/>
+          </a:stretch>
+        </p:blipFill>
+        <p:spPr>
+          <a:xfrm>
+            <a:off x="8113534" y="72913"/>
+            <a:ext cx="3086058" cy="1609591"/>
+          </a:xfrm>
+          <a:prstGeom prst="rect">
+            <a:avLst/>
+          </a:prstGeom>
+        </p:spPr>
+      </p:pic>
     </p:spTree>
     <p:extLst>
       <p:ext uri="{BB962C8B-B14F-4D97-AF65-F5344CB8AC3E}">
-        <p14:creationId xmlns:p14="http://schemas.microsoft.com/office/powerpoint/2010/main" val="815323169"/>
+        <p14:creationId xmlns:p14="http://schemas.microsoft.com/office/powerpoint/2010/main" val="775300301"/>
       </p:ext>
     </p:extLst>
   </p:cSld>
@@ -5854,99 +5674,62 @@
           <p:cNvPr id="2" name="Title 1">
             <a:extLst>
               <a:ext uri="{FF2B5EF4-FFF2-40B4-BE49-F238E27FC236}">
-                <a16:creationId xmlns:a16="http://schemas.microsoft.com/office/drawing/2014/main" id="{0A6BDD1D-84E4-4B51-9C0B-4CBD78D971F2}"/>
-              </a:ext>
-            </a:extLst>
-          </p:cNvPr>
-          <p:cNvSpPr>
-            <a:spLocks noGrp="1"/>
-          </p:cNvSpPr>
-          <p:nvPr>
-            <p:ph type="title"/>
+                <a16:creationId xmlns:a16="http://schemas.microsoft.com/office/drawing/2014/main" id="{7931F950-B483-4831-A37F-784D41C54C0E}"/>
+              </a:ext>
+            </a:extLst>
+          </p:cNvPr>
+          <p:cNvSpPr>
+            <a:spLocks noGrp="1"/>
+          </p:cNvSpPr>
+          <p:nvPr>
+            <p:ph type="ctrTitle"/>
           </p:nvPr>
         </p:nvSpPr>
         <p:spPr>
           <a:xfrm>
-            <a:off x="838200" y="365126"/>
-            <a:ext cx="10515600" cy="813292"/>
+            <a:off x="1524000" y="1122363"/>
+            <a:ext cx="9144000" cy="2155310"/>
           </a:xfrm>
-          <a:solidFill>
-            <a:schemeClr val="bg2"/>
-          </a:solidFill>
         </p:spPr>
         <p:txBody>
           <a:bodyPr/>
           <a:lstStyle/>
           <a:p>
             <a:r>
-              <a:rPr lang="en-US"/>
-              <a:t>2. Compilation Model	</a:t>
-            </a:r>
-            <a:r>
-              <a:rPr lang="en-US" sz="1400">
-                <a:hlinkClick r:id="rId2"/>
-              </a:rPr>
-              <a:t>https://jimfawcett.github.io/CppStory_Models.html#compil</a:t>
+              <a:rPr lang="en-US" dirty="0" err="1"/>
+              <a:t>RustModels</a:t>
+            </a:r>
+            <a:br>
+              <a:rPr lang="en-US" dirty="0"/>
+            </a:br>
+            <a:r>
+              <a:rPr lang="en-US" sz="3600" dirty="0"/>
+              <a:t>Model 2 - Compilation</a:t>
             </a:r>
             <a:endParaRPr lang="en-US" dirty="0"/>
           </a:p>
         </p:txBody>
       </p:sp>
-      <p:pic>
-        <p:nvPicPr>
-          <p:cNvPr id="7" name="Content Placeholder 6" descr="A close up of text on a white background&#10;&#10;Description automatically generated">
-            <a:extLst>
-              <a:ext uri="{FF2B5EF4-FFF2-40B4-BE49-F238E27FC236}">
-                <a16:creationId xmlns:a16="http://schemas.microsoft.com/office/drawing/2014/main" id="{0132B857-797D-467E-BAF1-0A929EC457E2}"/>
-              </a:ext>
-            </a:extLst>
-          </p:cNvPr>
-          <p:cNvPicPr>
-            <a:picLocks noGrp="1" noChangeAspect="1"/>
-          </p:cNvPicPr>
-          <p:nvPr>
-            <p:ph sz="half" idx="2"/>
-          </p:nvPr>
-        </p:nvPicPr>
-        <p:blipFill>
-          <a:blip r:embed="rId3">
-            <a:extLst>
-              <a:ext uri="{28A0092B-C50C-407E-A947-70E740481C1C}">
-                <a14:useLocalDpi xmlns:a14="http://schemas.microsoft.com/office/drawing/2010/main" val="0"/>
-              </a:ext>
-            </a:extLst>
-          </a:blip>
-          <a:stretch>
-            <a:fillRect/>
-          </a:stretch>
-        </p:blipFill>
+      <p:sp>
+        <p:nvSpPr>
+          <p:cNvPr id="3" name="Subtitle 2">
+            <a:extLst>
+              <a:ext uri="{FF2B5EF4-FFF2-40B4-BE49-F238E27FC236}">
+                <a16:creationId xmlns:a16="http://schemas.microsoft.com/office/drawing/2014/main" id="{D9CD4FAC-1FAC-470C-A1D5-392002A7D018}"/>
+              </a:ext>
+            </a:extLst>
+          </p:cNvPr>
+          <p:cNvSpPr>
+            <a:spLocks noGrp="1"/>
+          </p:cNvSpPr>
+          <p:nvPr>
+            <p:ph type="subTitle" idx="1"/>
+          </p:nvPr>
+        </p:nvSpPr>
         <p:spPr>
           <a:xfrm>
-            <a:off x="4211392" y="1448872"/>
-            <a:ext cx="7142409" cy="4728090"/>
-          </a:xfrm>
-        </p:spPr>
-      </p:pic>
-      <p:sp>
-        <p:nvSpPr>
-          <p:cNvPr id="4" name="Content Placeholder 3">
-            <a:extLst>
-              <a:ext uri="{FF2B5EF4-FFF2-40B4-BE49-F238E27FC236}">
-                <a16:creationId xmlns:a16="http://schemas.microsoft.com/office/drawing/2014/main" id="{9E291351-442A-41FD-9F35-ADDF18925573}"/>
-              </a:ext>
-            </a:extLst>
-          </p:cNvPr>
-          <p:cNvSpPr>
-            <a:spLocks noGrp="1"/>
-          </p:cNvSpPr>
-          <p:nvPr>
-            <p:ph sz="half" idx="1"/>
-          </p:nvPr>
-        </p:nvSpPr>
-        <p:spPr>
-          <a:xfrm>
-            <a:off x="838201" y="1545465"/>
-            <a:ext cx="3682284" cy="4631498"/>
+            <a:off x="1524000" y="3981450"/>
+            <a:ext cx="9144000" cy="1276349"/>
           </a:xfrm>
         </p:spPr>
         <p:txBody>
@@ -5956,76 +5739,34 @@
           <a:lstStyle/>
           <a:p>
             <a:r>
-              <a:rPr lang="en-US" sz="1800"/>
-              <a:t>The C++ build process translates each *.cpp file independently.</a:t>
-            </a:r>
-          </a:p>
-          <a:p>
-            <a:r>
-              <a:rPr lang="en-US" sz="1800"/>
-              <a:t>We say that a *.cpp file and all its include files are a translation unit.</a:t>
-            </a:r>
-          </a:p>
-          <a:p>
-            <a:r>
-              <a:rPr lang="en-US" sz="1800"/>
-              <a:t>Translation begins by inserting the contents of each included *.h file into the *.cpp file at the site of the include.</a:t>
-            </a:r>
-          </a:p>
-          <a:p>
-            <a:r>
-              <a:rPr lang="en-US" sz="1800"/>
-              <a:t>That is then compiled into an object file, *.obj.</a:t>
-            </a:r>
-          </a:p>
-          <a:p>
-            <a:r>
-              <a:rPr lang="en-US" sz="1800"/>
-              <a:t>That process is repeated for all cpp files in the current build.</a:t>
-            </a:r>
-          </a:p>
-          <a:p>
-            <a:r>
-              <a:rPr lang="en-US" sz="1800"/>
-              <a:t>The linker then binds the obj files into an executable.</a:t>
-            </a:r>
-            <a:endParaRPr lang="en-US" sz="1800" dirty="0"/>
-          </a:p>
-        </p:txBody>
-      </p:sp>
-      <p:sp>
-        <p:nvSpPr>
-          <p:cNvPr id="3" name="Slide Number Placeholder 2">
-            <a:extLst>
-              <a:ext uri="{FF2B5EF4-FFF2-40B4-BE49-F238E27FC236}">
-                <a16:creationId xmlns:a16="http://schemas.microsoft.com/office/drawing/2014/main" id="{791E7C80-6706-4988-B78C-5468EE01D9D2}"/>
-              </a:ext>
-            </a:extLst>
-          </p:cNvPr>
-          <p:cNvSpPr>
-            <a:spLocks noGrp="1"/>
-          </p:cNvSpPr>
-          <p:nvPr>
-            <p:ph type="sldNum" sz="quarter" idx="12"/>
-          </p:nvPr>
-        </p:nvSpPr>
-        <p:spPr/>
-        <p:txBody>
-          <a:bodyPr/>
-          <a:lstStyle/>
-          <a:p>
-            <a:fld id="{519FA752-D1CF-498F-B0BD-05E47309CED3}" type="slidenum">
-              <a:rPr lang="en-US" smtClean="0"/>
-              <a:t>16</a:t>
-            </a:fld>
-            <a:endParaRPr lang="en-US"/>
+              <a:rPr lang="en-US" sz="2800" dirty="0"/>
+              <a:t>Jim Fawcett</a:t>
+            </a:r>
+          </a:p>
+          <a:p>
+            <a:r>
+              <a:rPr lang="en-US" sz="2800" dirty="0">
+                <a:hlinkClick r:id="rId2"/>
+              </a:rPr>
+              <a:t>https://JimFawcett.github.io</a:t>
+            </a:r>
+            <a:r>
+              <a:rPr lang="en-US" sz="2800" dirty="0"/>
+              <a:t> </a:t>
+            </a:r>
+          </a:p>
+          <a:p>
+            <a:endParaRPr lang="en-US" sz="2800" dirty="0"/>
+          </a:p>
+          <a:p>
+            <a:endParaRPr lang="en-US" sz="2800" dirty="0"/>
           </a:p>
         </p:txBody>
       </p:sp>
     </p:spTree>
     <p:extLst>
       <p:ext uri="{BB962C8B-B14F-4D97-AF65-F5344CB8AC3E}">
-        <p14:creationId xmlns:p14="http://schemas.microsoft.com/office/powerpoint/2010/main" val="4136815235"/>
+        <p14:creationId xmlns:p14="http://schemas.microsoft.com/office/powerpoint/2010/main" val="815323169"/>
       </p:ext>
     </p:extLst>
   </p:cSld>
@@ -6054,10 +5795,214 @@
       </p:grpSpPr>
       <p:sp>
         <p:nvSpPr>
-          <p:cNvPr id="5" name="TextBox 4">
-            <a:extLst>
-              <a:ext uri="{FF2B5EF4-FFF2-40B4-BE49-F238E27FC236}">
-                <a16:creationId xmlns:a16="http://schemas.microsoft.com/office/drawing/2014/main" id="{83E10E5D-C4ED-4F10-A9FF-06E4262F31B1}"/>
+          <p:cNvPr id="2" name="Title 1">
+            <a:extLst>
+              <a:ext uri="{FF2B5EF4-FFF2-40B4-BE49-F238E27FC236}">
+                <a16:creationId xmlns:a16="http://schemas.microsoft.com/office/drawing/2014/main" id="{0A6BDD1D-84E4-4B51-9C0B-4CBD78D971F2}"/>
+              </a:ext>
+            </a:extLst>
+          </p:cNvPr>
+          <p:cNvSpPr>
+            <a:spLocks noGrp="1"/>
+          </p:cNvSpPr>
+          <p:nvPr>
+            <p:ph type="title"/>
+          </p:nvPr>
+        </p:nvSpPr>
+        <p:spPr>
+          <a:xfrm>
+            <a:off x="838200" y="365126"/>
+            <a:ext cx="10515600" cy="813292"/>
+          </a:xfrm>
+          <a:solidFill>
+            <a:schemeClr val="bg2"/>
+          </a:solidFill>
+        </p:spPr>
+        <p:txBody>
+          <a:bodyPr/>
+          <a:lstStyle/>
+          <a:p>
+            <a:r>
+              <a:rPr lang="en-US" dirty="0"/>
+              <a:t>2. Compilation Model	</a:t>
+            </a:r>
+            <a:r>
+              <a:rPr lang="en-US" sz="1400" dirty="0">
+                <a:hlinkClick r:id="rId2"/>
+              </a:rPr>
+              <a:t>https://jimfawcett.github.io/RustStory_Models.html#build</a:t>
+            </a:r>
+            <a:endParaRPr lang="en-US" dirty="0"/>
+          </a:p>
+        </p:txBody>
+      </p:sp>
+      <p:sp>
+        <p:nvSpPr>
+          <p:cNvPr id="4" name="Content Placeholder 3">
+            <a:extLst>
+              <a:ext uri="{FF2B5EF4-FFF2-40B4-BE49-F238E27FC236}">
+                <a16:creationId xmlns:a16="http://schemas.microsoft.com/office/drawing/2014/main" id="{9E291351-442A-41FD-9F35-ADDF18925573}"/>
+              </a:ext>
+            </a:extLst>
+          </p:cNvPr>
+          <p:cNvSpPr>
+            <a:spLocks noGrp="1"/>
+          </p:cNvSpPr>
+          <p:nvPr>
+            <p:ph sz="half" idx="1"/>
+          </p:nvPr>
+        </p:nvSpPr>
+        <p:spPr>
+          <a:xfrm>
+            <a:off x="838200" y="1545465"/>
+            <a:ext cx="5257800" cy="4631498"/>
+          </a:xfrm>
+        </p:spPr>
+        <p:txBody>
+          <a:bodyPr>
+            <a:normAutofit/>
+          </a:bodyPr>
+          <a:lstStyle/>
+          <a:p>
+            <a:r>
+              <a:rPr lang="en-US" sz="1800" dirty="0"/>
+              <a:t>Rust compilation is a transitive depth first search process.</a:t>
+            </a:r>
+          </a:p>
+          <a:p>
+            <a:r>
+              <a:rPr lang="en-US" sz="1800" dirty="0"/>
+              <a:t>The cargo build tool starts by parsing the package’s </a:t>
+            </a:r>
+            <a:r>
+              <a:rPr lang="en-US" sz="1800" dirty="0" err="1"/>
+              <a:t>cargo.toml</a:t>
+            </a:r>
+            <a:r>
+              <a:rPr lang="en-US" sz="1800" dirty="0"/>
+              <a:t> file, looking for dependencies and build attribute specifications.</a:t>
+            </a:r>
+          </a:p>
+          <a:p>
+            <a:r>
+              <a:rPr lang="en-US" sz="1800" dirty="0"/>
+              <a:t>For each dependency cargo parses its dependencies transitively until it reaches a </a:t>
+            </a:r>
+            <a:r>
+              <a:rPr lang="en-US" sz="1800" dirty="0" err="1"/>
+              <a:t>cargo.toml</a:t>
+            </a:r>
+            <a:r>
+              <a:rPr lang="en-US" sz="1800" dirty="0"/>
+              <a:t> with no dependencies.</a:t>
+            </a:r>
+          </a:p>
+          <a:p>
+            <a:r>
+              <a:rPr lang="en-US" sz="1800" dirty="0"/>
+              <a:t>It then builds that crate root with its loaded modules, then returns to the previous crate in the dependency tree.</a:t>
+            </a:r>
+          </a:p>
+          <a:p>
+            <a:r>
+              <a:rPr lang="en-US" sz="1800" dirty="0"/>
+              <a:t>When it returns to the build package it builds the files in /</a:t>
+            </a:r>
+            <a:r>
+              <a:rPr lang="en-US" sz="1800" dirty="0" err="1"/>
+              <a:t>src</a:t>
+            </a:r>
+            <a:r>
+              <a:rPr lang="en-US" sz="1800" dirty="0"/>
+              <a:t> and deposits its results in /target.</a:t>
+            </a:r>
+          </a:p>
+          <a:p>
+            <a:r>
+              <a:rPr lang="en-US" sz="1800" dirty="0"/>
+              <a:t>If any of the dependencies have current builds, that library in /target is used and files in /</a:t>
+            </a:r>
+            <a:r>
+              <a:rPr lang="en-US" sz="1800" dirty="0" err="1"/>
+              <a:t>src</a:t>
+            </a:r>
+            <a:r>
+              <a:rPr lang="en-US" sz="1800" dirty="0"/>
+              <a:t> are not built.</a:t>
+            </a:r>
+          </a:p>
+        </p:txBody>
+      </p:sp>
+      <p:sp>
+        <p:nvSpPr>
+          <p:cNvPr id="3" name="Slide Number Placeholder 2">
+            <a:extLst>
+              <a:ext uri="{FF2B5EF4-FFF2-40B4-BE49-F238E27FC236}">
+                <a16:creationId xmlns:a16="http://schemas.microsoft.com/office/drawing/2014/main" id="{791E7C80-6706-4988-B78C-5468EE01D9D2}"/>
+              </a:ext>
+            </a:extLst>
+          </p:cNvPr>
+          <p:cNvSpPr>
+            <a:spLocks noGrp="1"/>
+          </p:cNvSpPr>
+          <p:nvPr>
+            <p:ph type="sldNum" sz="quarter" idx="12"/>
+          </p:nvPr>
+        </p:nvSpPr>
+        <p:spPr/>
+        <p:txBody>
+          <a:bodyPr/>
+          <a:lstStyle/>
+          <a:p>
+            <a:fld id="{519FA752-D1CF-498F-B0BD-05E47309CED3}" type="slidenum">
+              <a:rPr lang="en-US" smtClean="0"/>
+              <a:t>17</a:t>
+            </a:fld>
+            <a:endParaRPr lang="en-US"/>
+          </a:p>
+        </p:txBody>
+      </p:sp>
+      <p:pic>
+        <p:nvPicPr>
+          <p:cNvPr id="9" name="Content Placeholder 8" descr="A screenshot of a cell phone&#10;&#10;Description automatically generated">
+            <a:extLst>
+              <a:ext uri="{FF2B5EF4-FFF2-40B4-BE49-F238E27FC236}">
+                <a16:creationId xmlns:a16="http://schemas.microsoft.com/office/drawing/2014/main" id="{9E884569-E2CD-41A9-AC50-E19CB295283A}"/>
+              </a:ext>
+            </a:extLst>
+          </p:cNvPr>
+          <p:cNvPicPr>
+            <a:picLocks noGrp="1" noChangeAspect="1"/>
+          </p:cNvPicPr>
+          <p:nvPr>
+            <p:ph sz="half" idx="2"/>
+          </p:nvPr>
+        </p:nvPicPr>
+        <p:blipFill>
+          <a:blip r:embed="rId3">
+            <a:extLst>
+              <a:ext uri="{28A0092B-C50C-407E-A947-70E740481C1C}">
+                <a14:useLocalDpi xmlns:a14="http://schemas.microsoft.com/office/drawing/2010/main" val="0"/>
+              </a:ext>
+            </a:extLst>
+          </a:blip>
+          <a:stretch>
+            <a:fillRect/>
+          </a:stretch>
+        </p:blipFill>
+        <p:spPr>
+          <a:xfrm>
+            <a:off x="6096000" y="1523083"/>
+            <a:ext cx="5181600" cy="2338131"/>
+          </a:xfrm>
+        </p:spPr>
+      </p:pic>
+      <p:sp>
+        <p:nvSpPr>
+          <p:cNvPr id="11" name="TextBox 10">
+            <a:extLst>
+              <a:ext uri="{FF2B5EF4-FFF2-40B4-BE49-F238E27FC236}">
+                <a16:creationId xmlns:a16="http://schemas.microsoft.com/office/drawing/2014/main" id="{905B5F4F-FCAC-423B-A479-E1090AD83D7D}"/>
               </a:ext>
             </a:extLst>
           </p:cNvPr>
@@ -6066,20 +6011,13 @@
         </p:nvSpPr>
         <p:spPr>
           <a:xfrm>
-            <a:off x="6172201" y="1429555"/>
-            <a:ext cx="5181600" cy="1345842"/>
+            <a:off x="6529589" y="4063285"/>
+            <a:ext cx="4687910" cy="923330"/>
           </a:xfrm>
           <a:prstGeom prst="rect">
             <a:avLst/>
           </a:prstGeom>
           <a:noFill/>
-          <a:ln w="19050">
-            <a:solidFill>
-              <a:schemeClr val="accent2">
-                <a:lumMod val="75000"/>
-              </a:schemeClr>
-            </a:solidFill>
-          </a:ln>
         </p:spPr>
         <p:txBody>
           <a:bodyPr wrap="square" rtlCol="0">
@@ -6087,232 +6025,29 @@
           </a:bodyPr>
           <a:lstStyle/>
           <a:p>
-            <a:endParaRPr lang="en-US" dirty="0"/>
-          </a:p>
-        </p:txBody>
-      </p:sp>
-      <p:sp>
-        <p:nvSpPr>
-          <p:cNvPr id="2" name="Title 1">
-            <a:extLst>
-              <a:ext uri="{FF2B5EF4-FFF2-40B4-BE49-F238E27FC236}">
-                <a16:creationId xmlns:a16="http://schemas.microsoft.com/office/drawing/2014/main" id="{3A2AA5A2-4F69-4944-99A7-16218D98B2F9}"/>
-              </a:ext>
-            </a:extLst>
-          </p:cNvPr>
-          <p:cNvSpPr>
-            <a:spLocks noGrp="1"/>
-          </p:cNvSpPr>
-          <p:nvPr>
-            <p:ph type="title"/>
-          </p:nvPr>
-        </p:nvSpPr>
-        <p:spPr>
-          <a:xfrm>
-            <a:off x="838200" y="365126"/>
-            <a:ext cx="10515600" cy="652306"/>
-          </a:xfrm>
-        </p:spPr>
-        <p:txBody>
-          <a:bodyPr>
-            <a:normAutofit fontScale="90000"/>
-          </a:bodyPr>
-          <a:lstStyle/>
-          <a:p>
+            <a:pPr marL="285750" indent="-285750">
+              <a:buFont typeface="Arial" panose="020B0604020202020204" pitchFamily="34" charset="0"/>
+              <a:buChar char="•"/>
+            </a:pPr>
             <a:r>
               <a:rPr lang="en-US" dirty="0"/>
-              <a:t>Compilation Model</a:t>
-            </a:r>
-          </a:p>
-        </p:txBody>
-      </p:sp>
-      <p:sp>
-        <p:nvSpPr>
-          <p:cNvPr id="3" name="Content Placeholder 2">
-            <a:extLst>
-              <a:ext uri="{FF2B5EF4-FFF2-40B4-BE49-F238E27FC236}">
-                <a16:creationId xmlns:a16="http://schemas.microsoft.com/office/drawing/2014/main" id="{7E666038-E66B-4091-ACBD-B320942C2C48}"/>
-              </a:ext>
-            </a:extLst>
-          </p:cNvPr>
-          <p:cNvSpPr>
-            <a:spLocks noGrp="1"/>
-          </p:cNvSpPr>
-          <p:nvPr>
-            <p:ph sz="half" idx="1"/>
-          </p:nvPr>
-        </p:nvSpPr>
-        <p:spPr>
-          <a:xfrm>
-            <a:off x="838200" y="1429555"/>
-            <a:ext cx="5181600" cy="4747408"/>
-          </a:xfrm>
-        </p:spPr>
-        <p:txBody>
-          <a:bodyPr>
-            <a:noAutofit/>
-          </a:bodyPr>
-          <a:lstStyle/>
-          <a:p>
-            <a:r>
-              <a:rPr lang="en-US" sz="2000" dirty="0"/>
-              <a:t>One consequence of this build process is the definition first rule.</a:t>
-            </a:r>
-          </a:p>
-          <a:p>
-            <a:r>
-              <a:rPr lang="en-US" sz="2000" dirty="0"/>
-              <a:t>The C++ language was designed to support one-pass compilation.</a:t>
-            </a:r>
-          </a:p>
-          <a:p>
-            <a:r>
-              <a:rPr lang="en-US" sz="2000" dirty="0"/>
-              <a:t>The compiler can’t layout code for an instance until it knows the instance’s size.</a:t>
-            </a:r>
-          </a:p>
-          <a:p>
-            <a:r>
-              <a:rPr lang="en-US" sz="2000" dirty="0"/>
-              <a:t>That comes from seeing the class, struct, or </a:t>
-            </a:r>
-            <a:r>
-              <a:rPr lang="en-US" sz="2000" dirty="0" err="1"/>
-              <a:t>enum</a:t>
-            </a:r>
-            <a:r>
-              <a:rPr lang="en-US" sz="2000" dirty="0"/>
-              <a:t> declaration.</a:t>
-            </a:r>
-          </a:p>
-          <a:p>
-            <a:r>
-              <a:rPr lang="en-US" sz="2000" dirty="0"/>
-              <a:t>You can create a pointer to an incomplete type, e.g., forward declaration like </a:t>
-            </a:r>
-            <a:r>
-              <a:rPr lang="en-US" sz="1800" dirty="0">
-                <a:latin typeface="Consolas" panose="020B0609020204030204" pitchFamily="49" charset="0"/>
-              </a:rPr>
-              <a:t>class A; </a:t>
-            </a:r>
-            <a:r>
-              <a:rPr lang="en-US" sz="2000" dirty="0"/>
-              <a:t>but you can’t use it until after the type is completed with a declaration.</a:t>
-            </a:r>
-          </a:p>
-        </p:txBody>
-      </p:sp>
-      <p:sp>
-        <p:nvSpPr>
-          <p:cNvPr id="4" name="Content Placeholder 3">
-            <a:extLst>
-              <a:ext uri="{FF2B5EF4-FFF2-40B4-BE49-F238E27FC236}">
-                <a16:creationId xmlns:a16="http://schemas.microsoft.com/office/drawing/2014/main" id="{35860E51-CCE5-4479-AEB8-275956A96B3E}"/>
-              </a:ext>
-            </a:extLst>
-          </p:cNvPr>
-          <p:cNvSpPr>
-            <a:spLocks noGrp="1"/>
-          </p:cNvSpPr>
-          <p:nvPr>
-            <p:ph sz="half" idx="2"/>
-          </p:nvPr>
-        </p:nvSpPr>
-        <p:spPr>
-          <a:xfrm>
-            <a:off x="6172200" y="1429555"/>
-            <a:ext cx="5181600" cy="4747408"/>
-          </a:xfrm>
-        </p:spPr>
-        <p:txBody>
-          <a:bodyPr>
-            <a:normAutofit/>
-          </a:bodyPr>
-          <a:lstStyle/>
-          <a:p>
-            <a:r>
-              <a:rPr lang="en-US" sz="2000" dirty="0"/>
-              <a:t>Definition First Rule</a:t>
-            </a:r>
-          </a:p>
-          <a:p>
-            <a:pPr lvl="1"/>
-            <a:r>
-              <a:rPr lang="en-US" sz="1800" dirty="0"/>
-              <a:t>Instances of classes, structs, and </a:t>
-            </a:r>
-            <a:r>
-              <a:rPr lang="en-US" sz="1800" dirty="0" err="1"/>
-              <a:t>enums</a:t>
-            </a:r>
-            <a:r>
-              <a:rPr lang="en-US" sz="1800" dirty="0"/>
-              <a:t> can be created only after those entities are declared.</a:t>
-            </a:r>
-            <a:br>
-              <a:rPr lang="en-US" sz="1800" dirty="0"/>
-            </a:br>
-            <a:br>
-              <a:rPr lang="en-US" sz="1800" dirty="0"/>
-            </a:br>
-            <a:endParaRPr lang="en-US" sz="1050" dirty="0"/>
-          </a:p>
-          <a:p>
-            <a:r>
-              <a:rPr lang="en-US" sz="2200" dirty="0"/>
-              <a:t>If you think of a </a:t>
-            </a:r>
-            <a:r>
-              <a:rPr lang="en-US" sz="2200" dirty="0" err="1"/>
-              <a:t>cpp</a:t>
-            </a:r>
-            <a:r>
-              <a:rPr lang="en-US" sz="2200" dirty="0"/>
-              <a:t> file as an ocean of syntax and its include files as syntax tributaries filling the ocean, then the entity declarations must be upstream from the point of entity creation.  Here, upstream simply means compiler scan order.</a:t>
-            </a:r>
-          </a:p>
-          <a:p>
-            <a:pPr marL="457200" lvl="1" indent="0">
-              <a:buNone/>
-            </a:pPr>
-            <a:endParaRPr lang="en-US" sz="1800" dirty="0"/>
-          </a:p>
-        </p:txBody>
-      </p:sp>
-      <p:sp>
-        <p:nvSpPr>
-          <p:cNvPr id="6" name="Slide Number Placeholder 5">
-            <a:extLst>
-              <a:ext uri="{FF2B5EF4-FFF2-40B4-BE49-F238E27FC236}">
-                <a16:creationId xmlns:a16="http://schemas.microsoft.com/office/drawing/2014/main" id="{C9289F08-BA92-44A1-BB05-482824E74D3A}"/>
-              </a:ext>
-            </a:extLst>
-          </p:cNvPr>
-          <p:cNvSpPr>
-            <a:spLocks noGrp="1"/>
-          </p:cNvSpPr>
-          <p:nvPr>
-            <p:ph type="sldNum" sz="quarter" idx="12"/>
-          </p:nvPr>
-        </p:nvSpPr>
-        <p:spPr/>
-        <p:txBody>
-          <a:bodyPr/>
-          <a:lstStyle/>
-          <a:p>
-            <a:fld id="{519FA752-D1CF-498F-B0BD-05E47309CED3}" type="slidenum">
-              <a:rPr lang="en-US" smtClean="0"/>
-              <a:t>17</a:t>
-            </a:fld>
-            <a:endParaRPr lang="en-US"/>
+              <a:t>Note that </a:t>
+            </a:r>
+            <a:r>
+              <a:rPr lang="en-US" dirty="0" err="1"/>
+              <a:t>cargo.toml</a:t>
+            </a:r>
+            <a:r>
+              <a:rPr lang="en-US" dirty="0"/>
+              <a:t> files may list zero or more dependencies, so the dependency structure is a tree, not a list.</a:t>
+            </a:r>
           </a:p>
         </p:txBody>
       </p:sp>
     </p:spTree>
     <p:extLst>
       <p:ext uri="{BB962C8B-B14F-4D97-AF65-F5344CB8AC3E}">
-        <p14:creationId xmlns:p14="http://schemas.microsoft.com/office/powerpoint/2010/main" val="2096409903"/>
+        <p14:creationId xmlns:p14="http://schemas.microsoft.com/office/powerpoint/2010/main" val="4136815235"/>
       </p:ext>
     </p:extLst>
   </p:cSld>
@@ -6366,8 +6101,8 @@
           <a:lstStyle/>
           <a:p>
             <a:r>
-              <a:rPr lang="en-US" dirty="0"/>
-              <a:t>C++ Models</a:t>
+              <a:rPr lang="en-US" dirty="0" err="1"/>
+              <a:t>RustModels</a:t>
             </a:r>
             <a:br>
               <a:rPr lang="en-US" dirty="0"/>
@@ -6500,7 +6235,7 @@
               <a:rPr lang="en-US" sz="1400" dirty="0">
                 <a:hlinkClick r:id="rId2"/>
               </a:rPr>
-              <a:t>https://jimfawcett.github.io/CppStory_Models.html#execute</a:t>
+              <a:t>https://jimfawcett.github.io/RustStory_Models.html#execution</a:t>
             </a:r>
             <a:endParaRPr lang="en-US" dirty="0"/>
           </a:p>
@@ -6525,7 +6260,7 @@
         <p:spPr>
           <a:xfrm>
             <a:off x="838200" y="1532586"/>
-            <a:ext cx="4435699" cy="4644377"/>
+            <a:ext cx="10463011" cy="4644377"/>
           </a:xfrm>
         </p:spPr>
         <p:txBody>
@@ -6536,85 +6271,111 @@
           <a:p>
             <a:r>
               <a:rPr lang="en-US" sz="2400" dirty="0"/>
-              <a:t>When the executable for a program is loaded:</a:t>
+              <a:t>There are three ways to execute code in a fully formed crate, using cargo:</a:t>
             </a:r>
           </a:p>
           <a:p>
             <a:pPr lvl="1"/>
             <a:r>
               <a:rPr lang="en-US" sz="2000" dirty="0"/>
-              <a:t>Initialization code provided by the compiler executes</a:t>
+              <a:t>Execution of binaries:</a:t>
+            </a:r>
+            <a:br>
+              <a:rPr lang="en-US" sz="2000" dirty="0"/>
+            </a:br>
+            <a:r>
+              <a:rPr lang="en-US" sz="2000" dirty="0"/>
+              <a:t>If the crate root is a binary, e.g., main.rs, the command</a:t>
+            </a:r>
+            <a:br>
+              <a:rPr lang="en-US" sz="2000" dirty="0"/>
+            </a:br>
+            <a:r>
+              <a:rPr lang="en-US" sz="2000" dirty="0"/>
+              <a:t>	</a:t>
+            </a:r>
+            <a:r>
+              <a:rPr lang="en-US" sz="2000" b="1" dirty="0"/>
+              <a:t>cargo run</a:t>
+            </a:r>
+            <a:br>
+              <a:rPr lang="en-US" sz="2000" b="1" dirty="0"/>
+            </a:br>
+            <a:r>
+              <a:rPr lang="en-US" sz="2000" dirty="0"/>
+              <a:t>will execute the program</a:t>
             </a:r>
           </a:p>
           <a:p>
             <a:pPr lvl="1"/>
             <a:r>
               <a:rPr lang="en-US" sz="2000" dirty="0"/>
-              <a:t>Then the function main is entered.</a:t>
-            </a:r>
-          </a:p>
-          <a:p>
-            <a:pPr lvl="2"/>
-            <a:r>
-              <a:rPr lang="en-US" sz="1800" dirty="0"/>
-              <a:t>main is just a function that is defined to the linker as the entry point for processing.</a:t>
-            </a:r>
-          </a:p>
-          <a:p>
-            <a:pPr lvl="2"/>
-            <a:r>
-              <a:rPr lang="en-US" sz="1800" dirty="0"/>
-              <a:t>Some project types will use other names, e.g., </a:t>
-            </a:r>
-            <a:r>
-              <a:rPr lang="en-US" sz="1800" dirty="0" err="1"/>
-              <a:t>WinMain</a:t>
-            </a:r>
-            <a:endParaRPr lang="en-US" sz="1800" dirty="0"/>
-          </a:p>
-          <a:p>
-            <a:r>
-              <a:rPr lang="en-US" sz="2600" dirty="0"/>
-              <a:t>Any function may call other functions within the executable.</a:t>
-            </a:r>
-          </a:p>
-        </p:txBody>
-      </p:sp>
-      <p:pic>
-        <p:nvPicPr>
-          <p:cNvPr id="7" name="Content Placeholder 6" descr="A screenshot of a cell phone&#10;&#10;Description automatically generated">
-            <a:extLst>
-              <a:ext uri="{FF2B5EF4-FFF2-40B4-BE49-F238E27FC236}">
-                <a16:creationId xmlns:a16="http://schemas.microsoft.com/office/drawing/2014/main" id="{4DF14073-DB4A-431C-9637-5BB24AD6D833}"/>
-              </a:ext>
-            </a:extLst>
-          </p:cNvPr>
-          <p:cNvPicPr>
-            <a:picLocks noGrp="1" noChangeAspect="1"/>
-          </p:cNvPicPr>
-          <p:nvPr>
-            <p:ph sz="half" idx="2"/>
-          </p:nvPr>
-        </p:nvPicPr>
-        <p:blipFill>
-          <a:blip r:embed="rId3">
-            <a:extLst>
-              <a:ext uri="{28A0092B-C50C-407E-A947-70E740481C1C}">
-                <a14:useLocalDpi xmlns:a14="http://schemas.microsoft.com/office/drawing/2010/main" val="0"/>
-              </a:ext>
-            </a:extLst>
-          </a:blip>
-          <a:stretch>
-            <a:fillRect/>
-          </a:stretch>
-        </p:blipFill>
-        <p:spPr>
-          <a:xfrm>
-            <a:off x="5981865" y="1531938"/>
-            <a:ext cx="4908219" cy="4645025"/>
-          </a:xfrm>
-        </p:spPr>
-      </p:pic>
+              <a:t>Testing libraries:</a:t>
+            </a:r>
+            <a:br>
+              <a:rPr lang="en-US" sz="2000" dirty="0"/>
+            </a:br>
+            <a:r>
+              <a:rPr lang="en-US" sz="2000" dirty="0"/>
+              <a:t>If the crate root is a library, e.g., lib.rs, the command</a:t>
+            </a:r>
+            <a:br>
+              <a:rPr lang="en-US" sz="2000" dirty="0"/>
+            </a:br>
+            <a:r>
+              <a:rPr lang="en-US" sz="2000" dirty="0"/>
+              <a:t> 	</a:t>
+            </a:r>
+            <a:r>
+              <a:rPr lang="en-US" sz="2000" b="1" dirty="0"/>
+              <a:t>cargo test</a:t>
+            </a:r>
+            <a:br>
+              <a:rPr lang="en-US" sz="2000" b="1" dirty="0"/>
+            </a:br>
+            <a:r>
+              <a:rPr lang="en-US" sz="2000" dirty="0"/>
+              <a:t>will run any tests configured at the end of the library.  Tests pass if there are no assertions in the test code, and fail if there are.</a:t>
+            </a:r>
+          </a:p>
+          <a:p>
+            <a:pPr lvl="1"/>
+            <a:r>
+              <a:rPr lang="en-US" sz="2000" dirty="0"/>
+              <a:t>Running examples:</a:t>
+            </a:r>
+            <a:br>
+              <a:rPr lang="en-US" sz="2000" dirty="0"/>
+            </a:br>
+            <a:r>
+              <a:rPr lang="en-US" sz="2000" dirty="0"/>
+              <a:t>For library crates, if you create a /examples folder and put demonstration modules there, then the command</a:t>
+            </a:r>
+            <a:br>
+              <a:rPr lang="en-US" sz="2000" dirty="0"/>
+            </a:br>
+            <a:r>
+              <a:rPr lang="en-US" sz="2000" dirty="0"/>
+              <a:t> 	</a:t>
+            </a:r>
+            <a:r>
+              <a:rPr lang="en-US" sz="2000" b="1" dirty="0"/>
+              <a:t>cargo run –example </a:t>
+            </a:r>
+            <a:r>
+              <a:rPr lang="en-US" sz="2000" b="1" dirty="0" err="1"/>
+              <a:t>an_example</a:t>
+            </a:r>
+            <a:br>
+              <a:rPr lang="en-US" sz="2000" b="1" dirty="0"/>
+            </a:br>
+            <a:r>
+              <a:rPr lang="en-US" sz="2000" dirty="0"/>
+              <a:t>will run the code in an_example.rs, assuming that you’ve supplied a main function for that module. The user expects that this code will demonstrate use of library functionality.</a:t>
+            </a:r>
+          </a:p>
+        </p:txBody>
+      </p:sp>
       <p:sp>
         <p:nvSpPr>
           <p:cNvPr id="3" name="Slide Number Placeholder 2">
@@ -6679,7 +6440,7 @@
           <p:cNvPr id="2" name="Title 1">
             <a:extLst>
               <a:ext uri="{FF2B5EF4-FFF2-40B4-BE49-F238E27FC236}">
-                <a16:creationId xmlns:a16="http://schemas.microsoft.com/office/drawing/2014/main" id="{B7C530C3-134A-4DEF-B53D-18FBE75E9767}"/>
+                <a16:creationId xmlns:a16="http://schemas.microsoft.com/office/drawing/2014/main" id="{5D569161-EBD9-48DC-ABCC-6F0F71A6E502}"/>
               </a:ext>
             </a:extLst>
           </p:cNvPr>
@@ -6690,14 +6451,19 @@
             <p:ph type="title"/>
           </p:nvPr>
         </p:nvSpPr>
-        <p:spPr/>
+        <p:spPr>
+          <a:xfrm>
+            <a:off x="838200" y="365126"/>
+            <a:ext cx="10515600" cy="967838"/>
+          </a:xfrm>
+        </p:spPr>
         <p:txBody>
           <a:bodyPr/>
           <a:lstStyle/>
           <a:p>
             <a:r>
               <a:rPr lang="en-US" dirty="0"/>
-              <a:t>Model</a:t>
+              <a:t>Background</a:t>
             </a:r>
           </a:p>
         </p:txBody>
@@ -6707,7 +6473,7 @@
           <p:cNvPr id="3" name="Content Placeholder 2">
             <a:extLst>
               <a:ext uri="{FF2B5EF4-FFF2-40B4-BE49-F238E27FC236}">
-                <a16:creationId xmlns:a16="http://schemas.microsoft.com/office/drawing/2014/main" id="{68C9AAC8-C9A5-4DB1-98A6-DA7E40FF746E}"/>
+                <a16:creationId xmlns:a16="http://schemas.microsoft.com/office/drawing/2014/main" id="{FD515C14-773F-4136-9CA3-6874C6634792}"/>
               </a:ext>
             </a:extLst>
           </p:cNvPr>
@@ -6718,46 +6484,108 @@
             <p:ph idx="1"/>
           </p:nvPr>
         </p:nvSpPr>
-        <p:spPr/>
-        <p:txBody>
-          <a:bodyPr/>
+        <p:spPr>
+          <a:xfrm>
+            <a:off x="838200" y="1384479"/>
+            <a:ext cx="10515600" cy="4792484"/>
+          </a:xfrm>
+        </p:spPr>
+        <p:txBody>
+          <a:bodyPr>
+            <a:normAutofit/>
+          </a:bodyPr>
           <a:lstStyle/>
           <a:p>
             <a:r>
               <a:rPr lang="en-US" dirty="0"/>
-              <a:t>“A model of a system or process is a theoretical description that can help you understand how the system or process works, or how it might work.”</a:t>
-            </a:r>
-            <a:br>
+              <a:t>The material for this presentation comes from the </a:t>
+            </a:r>
+            <a:r>
+              <a:rPr lang="en-US" dirty="0" err="1"/>
+              <a:t>github</a:t>
+            </a:r>
+            <a:r>
               <a:rPr lang="en-US" dirty="0"/>
-            </a:br>
+              <a:t> website:</a:t>
+            </a:r>
+          </a:p>
+          <a:p>
+            <a:pPr lvl="1"/>
+            <a:r>
+              <a:rPr lang="en-US" dirty="0">
+                <a:hlinkClick r:id="rId2"/>
+              </a:rPr>
+              <a:t>https://JimFawcett.github.io</a:t>
+            </a:r>
             <a:r>
               <a:rPr lang="en-US" dirty="0"/>
-              <a:t>- collinsdictionary.com</a:t>
-            </a:r>
-            <a:br>
+              <a:t>, </a:t>
+            </a:r>
+            <a:r>
+              <a:rPr lang="en-US" dirty="0">
+                <a:hlinkClick r:id="rId3"/>
+              </a:rPr>
+              <a:t>https://JimFawcett.github.io/Resources/RustModel.pdf</a:t>
+            </a:r>
+            <a:r>
               <a:rPr lang="en-US" dirty="0"/>
-            </a:br>
+              <a:t> </a:t>
+            </a:r>
+          </a:p>
+          <a:p>
+            <a:r>
+              <a:rPr lang="en-US" dirty="0"/>
+              <a:t>The site provides a curated selection of code developed for graduate software design courses at Syracuse University</a:t>
+            </a:r>
+          </a:p>
+          <a:p>
+            <a:r>
+              <a:rPr lang="en-US" dirty="0"/>
+              <a:t>It also contains tutorial and reference materials related to that code.</a:t>
+            </a:r>
+          </a:p>
+          <a:p>
+            <a:r>
+              <a:rPr lang="en-US" dirty="0"/>
+              <a:t>Some of that is presented in the form of “stories”</a:t>
+            </a:r>
+          </a:p>
+          <a:p>
+            <a:r>
+              <a:rPr lang="en-US" dirty="0"/>
+              <a:t>Rust Models is the title of the first chapter of a “</a:t>
+            </a:r>
+            <a:r>
+              <a:rPr lang="en-US" dirty="0">
+                <a:hlinkClick r:id="rId4"/>
+              </a:rPr>
+              <a:t>Rust Story</a:t>
+            </a:r>
+            <a:r>
+              <a:rPr lang="en-US" dirty="0"/>
+              <a:t>”</a:t>
+            </a:r>
+          </a:p>
+          <a:p>
+            <a:pPr lvl="1"/>
+            <a:r>
+              <a:rPr lang="en-US" dirty="0"/>
+              <a:t>The story is a detailed walk-through of the Rust programming language.  It provides reference material for a set of </a:t>
+            </a:r>
+            <a:r>
+              <a:rPr lang="en-US" dirty="0">
+                <a:hlinkClick r:id="rId5"/>
+              </a:rPr>
+              <a:t>repositories</a:t>
+            </a:r>
+            <a:r>
+              <a:rPr lang="en-US" dirty="0"/>
+              <a:t> that hold source code for utilities, tools, components, and demonstrations.</a:t>
+            </a:r>
+          </a:p>
+          <a:p>
             <a:endParaRPr lang="en-US" dirty="0"/>
           </a:p>
-          <a:p>
-            <a:r>
-              <a:rPr lang="en-US" dirty="0"/>
-              <a:t>“A system or thing used as an example to follow or imitate.”</a:t>
-            </a:r>
-            <a:br>
-              <a:rPr lang="en-US" dirty="0"/>
-            </a:br>
-            <a:r>
-              <a:rPr lang="en-US" dirty="0"/>
-              <a:t>  - Merriam-Webster Dictionary</a:t>
-            </a:r>
-          </a:p>
-          <a:p>
-            <a:pPr marL="0" indent="0">
-              <a:buNone/>
-            </a:pPr>
-            <a:endParaRPr lang="en-US" dirty="0"/>
-          </a:p>
         </p:txBody>
       </p:sp>
       <p:sp>
@@ -6765,7 +6593,7 @@
           <p:cNvPr id="4" name="Slide Number Placeholder 3">
             <a:extLst>
               <a:ext uri="{FF2B5EF4-FFF2-40B4-BE49-F238E27FC236}">
-                <a16:creationId xmlns:a16="http://schemas.microsoft.com/office/drawing/2014/main" id="{FD692D15-2CE5-4FD1-B97A-85166CB39B91}"/>
+                <a16:creationId xmlns:a16="http://schemas.microsoft.com/office/drawing/2014/main" id="{A735D70F-936F-44E6-B768-ED85D723DCF8}"/>
               </a:ext>
             </a:extLst>
           </p:cNvPr>
@@ -6792,7 +6620,7 @@
     </p:spTree>
     <p:extLst>
       <p:ext uri="{BB962C8B-B14F-4D97-AF65-F5344CB8AC3E}">
-        <p14:creationId xmlns:p14="http://schemas.microsoft.com/office/powerpoint/2010/main" val="2497349256"/>
+        <p14:creationId xmlns:p14="http://schemas.microsoft.com/office/powerpoint/2010/main" val="3387348113"/>
       </p:ext>
     </p:extLst>
   </p:cSld>
@@ -6824,7 +6652,7 @@
           <p:cNvPr id="2" name="Title 1">
             <a:extLst>
               <a:ext uri="{FF2B5EF4-FFF2-40B4-BE49-F238E27FC236}">
-                <a16:creationId xmlns:a16="http://schemas.microsoft.com/office/drawing/2014/main" id="{034F8C90-58C4-4DF1-86E7-6F50F6D967EA}"/>
+                <a16:creationId xmlns:a16="http://schemas.microsoft.com/office/drawing/2014/main" id="{0B150BC5-9B8A-41C1-B718-6852A96A3C68}"/>
               </a:ext>
             </a:extLst>
           </p:cNvPr>
@@ -6838,8 +6666,11 @@
         <p:spPr>
           <a:xfrm>
             <a:off x="838200" y="365125"/>
-            <a:ext cx="10515600" cy="871247"/>
+            <a:ext cx="10515600" cy="897005"/>
           </a:xfrm>
+          <a:solidFill>
+            <a:schemeClr val="bg1"/>
+          </a:solidFill>
         </p:spPr>
         <p:txBody>
           <a:bodyPr/>
@@ -6847,31 +6678,31 @@
           <a:p>
             <a:r>
               <a:rPr lang="en-US" dirty="0"/>
-              <a:t>Use of program memory</a:t>
-            </a:r>
-          </a:p>
-        </p:txBody>
-      </p:sp>
-      <p:sp>
-        <p:nvSpPr>
-          <p:cNvPr id="3" name="Content Placeholder 2">
-            <a:extLst>
-              <a:ext uri="{FF2B5EF4-FFF2-40B4-BE49-F238E27FC236}">
-                <a16:creationId xmlns:a16="http://schemas.microsoft.com/office/drawing/2014/main" id="{599F4EC4-F4D3-4EC0-A22A-40DCBD634039}"/>
-              </a:ext>
-            </a:extLst>
-          </p:cNvPr>
-          <p:cNvSpPr>
-            <a:spLocks noGrp="1"/>
-          </p:cNvSpPr>
-          <p:nvPr>
-            <p:ph idx="1"/>
+              <a:t>Program Execution </a:t>
+            </a:r>
+          </a:p>
+        </p:txBody>
+      </p:sp>
+      <p:sp>
+        <p:nvSpPr>
+          <p:cNvPr id="4" name="Content Placeholder 3">
+            <a:extLst>
+              <a:ext uri="{FF2B5EF4-FFF2-40B4-BE49-F238E27FC236}">
+                <a16:creationId xmlns:a16="http://schemas.microsoft.com/office/drawing/2014/main" id="{DA4175C2-9639-4A84-8DA1-CAEF5DCF0D5A}"/>
+              </a:ext>
+            </a:extLst>
+          </p:cNvPr>
+          <p:cNvSpPr>
+            <a:spLocks noGrp="1"/>
+          </p:cNvSpPr>
+          <p:nvPr>
+            <p:ph sz="half" idx="1"/>
           </p:nvPr>
         </p:nvSpPr>
         <p:spPr>
           <a:xfrm>
-            <a:off x="838200" y="1371600"/>
-            <a:ext cx="7404279" cy="4805363"/>
+            <a:off x="838200" y="1532586"/>
+            <a:ext cx="4435699" cy="4644377"/>
           </a:xfrm>
         </p:spPr>
         <p:txBody>
@@ -6882,43 +6713,82 @@
           <a:p>
             <a:r>
               <a:rPr lang="en-US" sz="2400" dirty="0"/>
-              <a:t>When the thread of execution enters a function an allocation of stack memory is used to store function parameters and any local data defined in the function.</a:t>
+              <a:t>When the executable for a program is loaded:</a:t>
             </a:r>
           </a:p>
           <a:p>
             <a:pPr lvl="1"/>
             <a:r>
               <a:rPr lang="en-US" sz="2000" dirty="0"/>
-              <a:t>The same thing happens for every scope, defined by a matching pair of braces, { and }.  For example, an if statement, using braces, allocates stack memory to hold data local to its scope.</a:t>
-            </a:r>
-          </a:p>
-          <a:p>
-            <a:r>
-              <a:rPr lang="en-US" sz="2400" dirty="0"/>
-              <a:t>A program may place any of its entities, e.g., an instance of a user-defined class, into static memory, stack memory, or heap memory.</a:t>
-            </a:r>
-          </a:p>
-          <a:p>
-            <a:r>
-              <a:rPr lang="en-US" sz="2400" dirty="0"/>
-              <a:t>We will discuss the consequences of that in the next section.</a:t>
-            </a:r>
+              <a:t>Initialization code provided by the compiler executes</a:t>
+            </a:r>
+          </a:p>
+          <a:p>
+            <a:pPr lvl="1"/>
+            <a:r>
+              <a:rPr lang="en-US" sz="2000" dirty="0"/>
+              <a:t>Then the function main is entered.</a:t>
+            </a:r>
+          </a:p>
+          <a:p>
+            <a:pPr lvl="2"/>
+            <a:r>
+              <a:rPr lang="en-US" sz="1800" dirty="0"/>
+              <a:t>main is just a function that is defined to the linker as the entry point for processing.</a:t>
+            </a:r>
+          </a:p>
+          <a:p>
+            <a:r>
+              <a:rPr lang="en-US" sz="2600" dirty="0"/>
+              <a:t>Any function may call other functions within the executable.</a:t>
+            </a:r>
+          </a:p>
+        </p:txBody>
+      </p:sp>
+      <p:sp>
+        <p:nvSpPr>
+          <p:cNvPr id="3" name="Slide Number Placeholder 2">
+            <a:extLst>
+              <a:ext uri="{FF2B5EF4-FFF2-40B4-BE49-F238E27FC236}">
+                <a16:creationId xmlns:a16="http://schemas.microsoft.com/office/drawing/2014/main" id="{FAF681EF-8EC8-4290-A82D-F30E65913CC3}"/>
+              </a:ext>
+            </a:extLst>
+          </p:cNvPr>
+          <p:cNvSpPr>
+            <a:spLocks noGrp="1"/>
+          </p:cNvSpPr>
+          <p:nvPr>
+            <p:ph type="sldNum" sz="quarter" idx="12"/>
+          </p:nvPr>
+        </p:nvSpPr>
+        <p:spPr/>
+        <p:txBody>
+          <a:bodyPr/>
+          <a:lstStyle/>
+          <a:p>
+            <a:fld id="{519FA752-D1CF-498F-B0BD-05E47309CED3}" type="slidenum">
+              <a:rPr lang="en-US" smtClean="0"/>
+              <a:t>20</a:t>
+            </a:fld>
+            <a:endParaRPr lang="en-US"/>
           </a:p>
         </p:txBody>
       </p:sp>
       <p:pic>
         <p:nvPicPr>
-          <p:cNvPr id="4" name="Content Placeholder 6" descr="A screenshot of a cell phone&#10;&#10;Description automatically generated">
-            <a:extLst>
-              <a:ext uri="{FF2B5EF4-FFF2-40B4-BE49-F238E27FC236}">
-                <a16:creationId xmlns:a16="http://schemas.microsoft.com/office/drawing/2014/main" id="{6CBC9AEC-17C1-43C1-86A4-236512BE3684}"/>
+          <p:cNvPr id="9" name="Content Placeholder 8" descr="A screenshot of a cell phone&#10;&#10;Description automatically generated">
+            <a:extLst>
+              <a:ext uri="{FF2B5EF4-FFF2-40B4-BE49-F238E27FC236}">
+                <a16:creationId xmlns:a16="http://schemas.microsoft.com/office/drawing/2014/main" id="{CF6A22A4-491B-4A80-BE37-435088515301}"/>
               </a:ext>
             </a:extLst>
           </p:cNvPr>
           <p:cNvPicPr>
-            <a:picLocks noChangeAspect="1"/>
+            <a:picLocks noGrp="1" noChangeAspect="1"/>
           </p:cNvPicPr>
-          <p:nvPr/>
+          <p:nvPr>
+            <p:ph sz="half" idx="2"/>
+          </p:nvPr>
         </p:nvPicPr>
         <p:blipFill>
           <a:blip r:embed="rId2">
@@ -6934,47 +6804,15 @@
         </p:blipFill>
         <p:spPr>
           <a:xfrm>
-            <a:off x="8390586" y="662616"/>
-            <a:ext cx="3027535" cy="3155970"/>
+            <a:off x="6390842" y="1633571"/>
+            <a:ext cx="4757196" cy="4351338"/>
           </a:xfrm>
-          <a:prstGeom prst="rect">
-            <a:avLst/>
-          </a:prstGeom>
         </p:spPr>
       </p:pic>
-      <p:sp>
-        <p:nvSpPr>
-          <p:cNvPr id="5" name="Slide Number Placeholder 4">
-            <a:extLst>
-              <a:ext uri="{FF2B5EF4-FFF2-40B4-BE49-F238E27FC236}">
-                <a16:creationId xmlns:a16="http://schemas.microsoft.com/office/drawing/2014/main" id="{875AB5E6-D8C6-4D56-B820-5B5F967A6F21}"/>
-              </a:ext>
-            </a:extLst>
-          </p:cNvPr>
-          <p:cNvSpPr>
-            <a:spLocks noGrp="1"/>
-          </p:cNvSpPr>
-          <p:nvPr>
-            <p:ph type="sldNum" sz="quarter" idx="12"/>
-          </p:nvPr>
-        </p:nvSpPr>
-        <p:spPr/>
-        <p:txBody>
-          <a:bodyPr/>
-          <a:lstStyle/>
-          <a:p>
-            <a:fld id="{519FA752-D1CF-498F-B0BD-05E47309CED3}" type="slidenum">
-              <a:rPr lang="en-US" smtClean="0"/>
-              <a:t>20</a:t>
-            </a:fld>
-            <a:endParaRPr lang="en-US"/>
-          </a:p>
-        </p:txBody>
-      </p:sp>
     </p:spTree>
     <p:extLst>
       <p:ext uri="{BB962C8B-B14F-4D97-AF65-F5344CB8AC3E}">
-        <p14:creationId xmlns:p14="http://schemas.microsoft.com/office/powerpoint/2010/main" val="2832929853"/>
+        <p14:creationId xmlns:p14="http://schemas.microsoft.com/office/powerpoint/2010/main" val="1595780000"/>
       </p:ext>
     </p:extLst>
   </p:cSld>
@@ -7006,7 +6844,7 @@
           <p:cNvPr id="2" name="Title 1">
             <a:extLst>
               <a:ext uri="{FF2B5EF4-FFF2-40B4-BE49-F238E27FC236}">
-                <a16:creationId xmlns:a16="http://schemas.microsoft.com/office/drawing/2014/main" id="{65BA8DDB-82EF-4379-9AB3-D04250CD7A2E}"/>
+                <a16:creationId xmlns:a16="http://schemas.microsoft.com/office/drawing/2014/main" id="{034F8C90-58C4-4DF1-86E7-6F50F6D967EA}"/>
               </a:ext>
             </a:extLst>
           </p:cNvPr>
@@ -7019,8 +6857,8 @@
         </p:nvSpPr>
         <p:spPr>
           <a:xfrm>
-            <a:off x="838200" y="365126"/>
-            <a:ext cx="10515600" cy="884126"/>
+            <a:off x="838200" y="365125"/>
+            <a:ext cx="10515600" cy="871247"/>
           </a:xfrm>
         </p:spPr>
         <p:txBody>
@@ -7029,7 +6867,7 @@
           <a:p>
             <a:r>
               <a:rPr lang="en-US" dirty="0"/>
-              <a:t>Interaction with the Execution Environment</a:t>
+              <a:t>Use of program memory</a:t>
             </a:r>
           </a:p>
         </p:txBody>
@@ -7039,7 +6877,7 @@
           <p:cNvPr id="3" name="Content Placeholder 2">
             <a:extLst>
               <a:ext uri="{FF2B5EF4-FFF2-40B4-BE49-F238E27FC236}">
-                <a16:creationId xmlns:a16="http://schemas.microsoft.com/office/drawing/2014/main" id="{BF951431-D3CC-4373-A547-45FFBC0D9540}"/>
+                <a16:creationId xmlns:a16="http://schemas.microsoft.com/office/drawing/2014/main" id="{599F4EC4-F4D3-4EC0-A22A-40DCBD634039}"/>
               </a:ext>
             </a:extLst>
           </p:cNvPr>
@@ -7052,135 +6890,77 @@
         </p:nvSpPr>
         <p:spPr>
           <a:xfrm>
-            <a:off x="838199" y="1532586"/>
-            <a:ext cx="7912999" cy="4644377"/>
+            <a:off x="838200" y="1371600"/>
+            <a:ext cx="7223975" cy="4805363"/>
           </a:xfrm>
         </p:spPr>
         <p:txBody>
+          <a:bodyPr>
+            <a:normAutofit/>
+          </a:bodyPr>
+          <a:lstStyle/>
+          <a:p>
+            <a:r>
+              <a:rPr lang="en-US" sz="2400" dirty="0"/>
+              <a:t>When the thread of execution enters a function an allocation of stack memory is used to store function parameters and any local data defined in the function.</a:t>
+            </a:r>
+          </a:p>
+          <a:p>
+            <a:pPr lvl="1"/>
+            <a:r>
+              <a:rPr lang="en-US" sz="2000" dirty="0"/>
+              <a:t>The same thing happens for every scope, defined by a matching pair of braces, { and }.  For example, an if statement, using braces, allocates stack memory to hold data local to its scope.</a:t>
+            </a:r>
+          </a:p>
+          <a:p>
+            <a:r>
+              <a:rPr lang="en-US" sz="2400" dirty="0"/>
+              <a:t>A program may place any of its entities, e.g., an instance of a user-defined type, into static memory, stack memory, or heap memory.</a:t>
+            </a:r>
+          </a:p>
+          <a:p>
+            <a:r>
+              <a:rPr lang="en-US" sz="2400" dirty="0"/>
+              <a:t>We will discuss consequences of that later in this section.</a:t>
+            </a:r>
+          </a:p>
+        </p:txBody>
+      </p:sp>
+      <p:sp>
+        <p:nvSpPr>
+          <p:cNvPr id="5" name="Slide Number Placeholder 4">
+            <a:extLst>
+              <a:ext uri="{FF2B5EF4-FFF2-40B4-BE49-F238E27FC236}">
+                <a16:creationId xmlns:a16="http://schemas.microsoft.com/office/drawing/2014/main" id="{875AB5E6-D8C6-4D56-B820-5B5F967A6F21}"/>
+              </a:ext>
+            </a:extLst>
+          </p:cNvPr>
+          <p:cNvSpPr>
+            <a:spLocks noGrp="1"/>
+          </p:cNvSpPr>
+          <p:nvPr>
+            <p:ph type="sldNum" sz="quarter" idx="12"/>
+          </p:nvPr>
+        </p:nvSpPr>
+        <p:spPr/>
+        <p:txBody>
           <a:bodyPr/>
           <a:lstStyle/>
           <a:p>
-            <a:r>
-              <a:rPr lang="en-US" dirty="0"/>
-              <a:t>There are two primary ways for a C++ program to observe and use its execution environment:</a:t>
-            </a:r>
-          </a:p>
-          <a:p>
-            <a:pPr lvl="1"/>
-            <a:r>
-              <a:rPr lang="en-US" dirty="0"/>
-              <a:t>Use a stream object like std::</a:t>
-            </a:r>
-            <a:r>
-              <a:rPr lang="en-US" dirty="0" err="1"/>
-              <a:t>cout</a:t>
-            </a:r>
-            <a:r>
-              <a:rPr lang="en-US" dirty="0"/>
-              <a:t> or std::</a:t>
-            </a:r>
-            <a:r>
-              <a:rPr lang="en-US" dirty="0" err="1"/>
-              <a:t>cin</a:t>
-            </a:r>
-            <a:r>
-              <a:rPr lang="en-US" dirty="0"/>
-              <a:t>.</a:t>
-            </a:r>
-          </a:p>
-          <a:p>
-            <a:pPr lvl="1"/>
-            <a:r>
-              <a:rPr lang="en-US" dirty="0"/>
-              <a:t>Classes for streams are provided by the standard library, via include statements:</a:t>
-            </a:r>
-            <a:br>
-              <a:rPr lang="en-US" dirty="0"/>
-            </a:br>
-            <a:r>
-              <a:rPr lang="en-US" dirty="0"/>
-              <a:t>	#include&lt;iostream&gt;, #include&lt;</a:t>
-            </a:r>
-            <a:r>
-              <a:rPr lang="en-US" dirty="0" err="1"/>
-              <a:t>fstream</a:t>
-            </a:r>
-            <a:r>
-              <a:rPr lang="en-US" dirty="0"/>
-              <a:t>&gt;, …</a:t>
-            </a:r>
-          </a:p>
-          <a:p>
-            <a:pPr lvl="1"/>
-            <a:r>
-              <a:rPr lang="en-US" dirty="0"/>
-              <a:t>The std::iostream library defines global objects:</a:t>
-            </a:r>
-            <a:br>
-              <a:rPr lang="en-US" dirty="0"/>
-            </a:br>
-            <a:r>
-              <a:rPr lang="en-US" dirty="0"/>
-              <a:t>	std::</a:t>
-            </a:r>
-            <a:r>
-              <a:rPr lang="en-US" dirty="0" err="1"/>
-              <a:t>cout</a:t>
-            </a:r>
-            <a:r>
-              <a:rPr lang="en-US" dirty="0"/>
-              <a:t>, std::</a:t>
-            </a:r>
-            <a:r>
-              <a:rPr lang="en-US" dirty="0" err="1"/>
-              <a:t>cin</a:t>
-            </a:r>
-            <a:r>
-              <a:rPr lang="en-US" dirty="0"/>
-              <a:t>, std::</a:t>
-            </a:r>
-            <a:r>
-              <a:rPr lang="en-US" dirty="0" err="1"/>
-              <a:t>cerr</a:t>
-            </a:r>
-            <a:r>
-              <a:rPr lang="en-US" dirty="0"/>
-              <a:t>, std::clog</a:t>
-            </a:r>
-            <a:br>
-              <a:rPr lang="en-US" dirty="0"/>
-            </a:br>
-            <a:r>
-              <a:rPr lang="en-US" dirty="0"/>
-              <a:t>that are always accessible to a program.</a:t>
-            </a:r>
-          </a:p>
-          <a:p>
-            <a:r>
-              <a:rPr lang="en-US" dirty="0"/>
-              <a:t>The program may use services of its platform API by including certain header files specific to each platform, e.g., windows, </a:t>
-            </a:r>
-            <a:r>
-              <a:rPr lang="en-US" dirty="0" err="1"/>
-              <a:t>linux</a:t>
-            </a:r>
-            <a:r>
-              <a:rPr lang="en-US" dirty="0"/>
-              <a:t>, …</a:t>
-            </a:r>
-          </a:p>
-          <a:p>
-            <a:pPr lvl="1"/>
-            <a:endParaRPr lang="en-US" dirty="0"/>
+            <a:fld id="{519FA752-D1CF-498F-B0BD-05E47309CED3}" type="slidenum">
+              <a:rPr lang="en-US" smtClean="0"/>
+              <a:t>21</a:t>
+            </a:fld>
+            <a:endParaRPr lang="en-US"/>
           </a:p>
         </p:txBody>
       </p:sp>
       <p:pic>
         <p:nvPicPr>
-          <p:cNvPr id="4" name="Content Placeholder 6" descr="A screenshot of a cell phone&#10;&#10;Description automatically generated">
-            <a:extLst>
-              <a:ext uri="{FF2B5EF4-FFF2-40B4-BE49-F238E27FC236}">
-                <a16:creationId xmlns:a16="http://schemas.microsoft.com/office/drawing/2014/main" id="{F4752681-D8B4-47C2-9AAE-90331CD790C8}"/>
+          <p:cNvPr id="6" name="Content Placeholder 8" descr="A screenshot of a cell phone&#10;&#10;Description automatically generated">
+            <a:extLst>
+              <a:ext uri="{FF2B5EF4-FFF2-40B4-BE49-F238E27FC236}">
+                <a16:creationId xmlns:a16="http://schemas.microsoft.com/office/drawing/2014/main" id="{542A9C13-6A92-4226-8FC3-8F97E9EFAA7E}"/>
               </a:ext>
             </a:extLst>
           </p:cNvPr>
@@ -7203,47 +6983,18 @@
         </p:blipFill>
         <p:spPr>
           <a:xfrm>
-            <a:off x="8751198" y="1506828"/>
-            <a:ext cx="2782833" cy="2853318"/>
+            <a:off x="8242479" y="1150613"/>
+            <a:ext cx="3170261" cy="2899792"/>
           </a:xfrm>
           <a:prstGeom prst="rect">
             <a:avLst/>
           </a:prstGeom>
         </p:spPr>
       </p:pic>
-      <p:sp>
-        <p:nvSpPr>
-          <p:cNvPr id="5" name="Slide Number Placeholder 4">
-            <a:extLst>
-              <a:ext uri="{FF2B5EF4-FFF2-40B4-BE49-F238E27FC236}">
-                <a16:creationId xmlns:a16="http://schemas.microsoft.com/office/drawing/2014/main" id="{DE6FE833-F984-4947-9CF1-6E81F42838AA}"/>
-              </a:ext>
-            </a:extLst>
-          </p:cNvPr>
-          <p:cNvSpPr>
-            <a:spLocks noGrp="1"/>
-          </p:cNvSpPr>
-          <p:nvPr>
-            <p:ph type="sldNum" sz="quarter" idx="12"/>
-          </p:nvPr>
-        </p:nvSpPr>
-        <p:spPr/>
-        <p:txBody>
-          <a:bodyPr/>
-          <a:lstStyle/>
-          <a:p>
-            <a:fld id="{519FA752-D1CF-498F-B0BD-05E47309CED3}" type="slidenum">
-              <a:rPr lang="en-US" smtClean="0"/>
-              <a:t>21</a:t>
-            </a:fld>
-            <a:endParaRPr lang="en-US"/>
-          </a:p>
-        </p:txBody>
-      </p:sp>
     </p:spTree>
     <p:extLst>
       <p:ext uri="{BB962C8B-B14F-4D97-AF65-F5344CB8AC3E}">
-        <p14:creationId xmlns:p14="http://schemas.microsoft.com/office/powerpoint/2010/main" val="2495484186"/>
+        <p14:creationId xmlns:p14="http://schemas.microsoft.com/office/powerpoint/2010/main" val="2832929853"/>
       </p:ext>
     </p:extLst>
   </p:cSld>
@@ -7275,21 +7026,21 @@
           <p:cNvPr id="2" name="Title 1">
             <a:extLst>
               <a:ext uri="{FF2B5EF4-FFF2-40B4-BE49-F238E27FC236}">
-                <a16:creationId xmlns:a16="http://schemas.microsoft.com/office/drawing/2014/main" id="{7931F950-B483-4831-A37F-784D41C54C0E}"/>
-              </a:ext>
-            </a:extLst>
-          </p:cNvPr>
-          <p:cNvSpPr>
-            <a:spLocks noGrp="1"/>
-          </p:cNvSpPr>
-          <p:nvPr>
-            <p:ph type="ctrTitle"/>
+                <a16:creationId xmlns:a16="http://schemas.microsoft.com/office/drawing/2014/main" id="{65BA8DDB-82EF-4379-9AB3-D04250CD7A2E}"/>
+              </a:ext>
+            </a:extLst>
+          </p:cNvPr>
+          <p:cNvSpPr>
+            <a:spLocks noGrp="1"/>
+          </p:cNvSpPr>
+          <p:nvPr>
+            <p:ph type="title"/>
           </p:nvPr>
         </p:nvSpPr>
         <p:spPr>
           <a:xfrm>
-            <a:off x="1524000" y="1122363"/>
-            <a:ext cx="9144000" cy="2155310"/>
+            <a:off x="838200" y="365126"/>
+            <a:ext cx="10515600" cy="884126"/>
           </a:xfrm>
         </p:spPr>
         <p:txBody>
@@ -7298,76 +7049,175 @@
           <a:p>
             <a:r>
               <a:rPr lang="en-US" dirty="0"/>
-              <a:t>C++ Models</a:t>
+              <a:t>Interaction with the Execution Environment</a:t>
+            </a:r>
+          </a:p>
+        </p:txBody>
+      </p:sp>
+      <p:sp>
+        <p:nvSpPr>
+          <p:cNvPr id="3" name="Content Placeholder 2">
+            <a:extLst>
+              <a:ext uri="{FF2B5EF4-FFF2-40B4-BE49-F238E27FC236}">
+                <a16:creationId xmlns:a16="http://schemas.microsoft.com/office/drawing/2014/main" id="{BF951431-D3CC-4373-A547-45FFBC0D9540}"/>
+              </a:ext>
+            </a:extLst>
+          </p:cNvPr>
+          <p:cNvSpPr>
+            <a:spLocks noGrp="1"/>
+          </p:cNvSpPr>
+          <p:nvPr>
+            <p:ph idx="1"/>
+          </p:nvPr>
+        </p:nvSpPr>
+        <p:spPr>
+          <a:xfrm>
+            <a:off x="838200" y="1532586"/>
+            <a:ext cx="7500872" cy="4644377"/>
+          </a:xfrm>
+        </p:spPr>
+        <p:txBody>
+          <a:bodyPr/>
+          <a:lstStyle/>
+          <a:p>
+            <a:r>
+              <a:rPr lang="en-US" dirty="0"/>
+              <a:t>There are two primary ways for a Rust program to observe and use its execution environment:</a:t>
+            </a:r>
+          </a:p>
+          <a:p>
+            <a:pPr lvl="1"/>
+            <a:r>
+              <a:rPr lang="en-US" dirty="0"/>
+              <a:t>Use a stream object like std::stdin or std::</a:t>
+            </a:r>
+            <a:r>
+              <a:rPr lang="en-US" dirty="0" err="1"/>
+              <a:t>stdout</a:t>
+            </a:r>
+            <a:r>
+              <a:rPr lang="en-US" dirty="0"/>
+              <a:t>.</a:t>
+            </a:r>
+          </a:p>
+          <a:p>
+            <a:pPr lvl="1"/>
+            <a:r>
+              <a:rPr lang="en-US" dirty="0"/>
+              <a:t>Types for streams are provided by the standard library, via import statements:</a:t>
             </a:r>
             <a:br>
               <a:rPr lang="en-US" dirty="0"/>
             </a:br>
             <a:r>
-              <a:rPr lang="en-US" sz="3600" dirty="0"/>
-              <a:t>Model 4 - Memory</a:t>
-            </a:r>
+              <a:rPr lang="en-US" dirty="0"/>
+              <a:t>	use std::</a:t>
+            </a:r>
+            <a:r>
+              <a:rPr lang="en-US" dirty="0" err="1"/>
+              <a:t>io</a:t>
+            </a:r>
+            <a:r>
+              <a:rPr lang="en-US" dirty="0"/>
+              <a:t>::prelude::{*}, use std::fs::File, …</a:t>
+            </a:r>
+          </a:p>
+          <a:p>
+            <a:r>
+              <a:rPr lang="en-US" dirty="0"/>
+              <a:t>The program may use services of its platform API by using std::</a:t>
+            </a:r>
+            <a:r>
+              <a:rPr lang="en-US" dirty="0" err="1"/>
+              <a:t>ffi</a:t>
+            </a:r>
+            <a:r>
+              <a:rPr lang="en-US" dirty="0"/>
+              <a:t> (Foreign Function Interface) in an unsafe block or by using a crate that wraps that:</a:t>
+            </a:r>
+          </a:p>
+          <a:p>
+            <a:pPr lvl="1"/>
+            <a:r>
+              <a:rPr lang="en-US" dirty="0"/>
+              <a:t>https://github.com/retep998/winapi-rs</a:t>
+            </a:r>
+          </a:p>
+          <a:p>
+            <a:pPr lvl="1"/>
             <a:endParaRPr lang="en-US" dirty="0"/>
           </a:p>
         </p:txBody>
       </p:sp>
       <p:sp>
         <p:nvSpPr>
-          <p:cNvPr id="3" name="Subtitle 2">
-            <a:extLst>
-              <a:ext uri="{FF2B5EF4-FFF2-40B4-BE49-F238E27FC236}">
-                <a16:creationId xmlns:a16="http://schemas.microsoft.com/office/drawing/2014/main" id="{D9CD4FAC-1FAC-470C-A1D5-392002A7D018}"/>
-              </a:ext>
-            </a:extLst>
-          </p:cNvPr>
-          <p:cNvSpPr>
-            <a:spLocks noGrp="1"/>
-          </p:cNvSpPr>
-          <p:nvPr>
-            <p:ph type="subTitle" idx="1"/>
-          </p:nvPr>
-        </p:nvSpPr>
+          <p:cNvPr id="5" name="Slide Number Placeholder 4">
+            <a:extLst>
+              <a:ext uri="{FF2B5EF4-FFF2-40B4-BE49-F238E27FC236}">
+                <a16:creationId xmlns:a16="http://schemas.microsoft.com/office/drawing/2014/main" id="{DE6FE833-F984-4947-9CF1-6E81F42838AA}"/>
+              </a:ext>
+            </a:extLst>
+          </p:cNvPr>
+          <p:cNvSpPr>
+            <a:spLocks noGrp="1"/>
+          </p:cNvSpPr>
+          <p:nvPr>
+            <p:ph type="sldNum" sz="quarter" idx="12"/>
+          </p:nvPr>
+        </p:nvSpPr>
+        <p:spPr/>
+        <p:txBody>
+          <a:bodyPr/>
+          <a:lstStyle/>
+          <a:p>
+            <a:fld id="{519FA752-D1CF-498F-B0BD-05E47309CED3}" type="slidenum">
+              <a:rPr lang="en-US" smtClean="0"/>
+              <a:t>22</a:t>
+            </a:fld>
+            <a:endParaRPr lang="en-US"/>
+          </a:p>
+        </p:txBody>
+      </p:sp>
+      <p:pic>
+        <p:nvPicPr>
+          <p:cNvPr id="6" name="Content Placeholder 8" descr="A screenshot of a cell phone&#10;&#10;Description automatically generated">
+            <a:extLst>
+              <a:ext uri="{FF2B5EF4-FFF2-40B4-BE49-F238E27FC236}">
+                <a16:creationId xmlns:a16="http://schemas.microsoft.com/office/drawing/2014/main" id="{8A720E05-E31B-4EB5-8933-0A6E1968CEA1}"/>
+              </a:ext>
+            </a:extLst>
+          </p:cNvPr>
+          <p:cNvPicPr>
+            <a:picLocks noChangeAspect="1"/>
+          </p:cNvPicPr>
+          <p:nvPr/>
+        </p:nvPicPr>
+        <p:blipFill>
+          <a:blip r:embed="rId2">
+            <a:extLst>
+              <a:ext uri="{28A0092B-C50C-407E-A947-70E740481C1C}">
+                <a14:useLocalDpi xmlns:a14="http://schemas.microsoft.com/office/drawing/2010/main" val="0"/>
+              </a:ext>
+            </a:extLst>
+          </a:blip>
+          <a:stretch>
+            <a:fillRect/>
+          </a:stretch>
+        </p:blipFill>
         <p:spPr>
           <a:xfrm>
-            <a:off x="1524000" y="3981450"/>
-            <a:ext cx="9144000" cy="1276349"/>
+            <a:off x="8339071" y="1249252"/>
+            <a:ext cx="3170261" cy="2899792"/>
           </a:xfrm>
+          <a:prstGeom prst="rect">
+            <a:avLst/>
+          </a:prstGeom>
         </p:spPr>
-        <p:txBody>
-          <a:bodyPr>
-            <a:normAutofit/>
-          </a:bodyPr>
-          <a:lstStyle/>
-          <a:p>
-            <a:r>
-              <a:rPr lang="en-US" sz="2800" dirty="0"/>
-              <a:t>Jim Fawcett</a:t>
-            </a:r>
-          </a:p>
-          <a:p>
-            <a:r>
-              <a:rPr lang="en-US" sz="2800" dirty="0">
-                <a:hlinkClick r:id="rId2"/>
-              </a:rPr>
-              <a:t>https://JimFawcett.github.io</a:t>
-            </a:r>
-            <a:r>
-              <a:rPr lang="en-US" sz="2800" dirty="0"/>
-              <a:t> </a:t>
-            </a:r>
-          </a:p>
-          <a:p>
-            <a:endParaRPr lang="en-US" sz="2800" dirty="0"/>
-          </a:p>
-          <a:p>
-            <a:endParaRPr lang="en-US" sz="2800" dirty="0"/>
-          </a:p>
-        </p:txBody>
-      </p:sp>
+      </p:pic>
     </p:spTree>
     <p:extLst>
       <p:ext uri="{BB962C8B-B14F-4D97-AF65-F5344CB8AC3E}">
-        <p14:creationId xmlns:p14="http://schemas.microsoft.com/office/powerpoint/2010/main" val="1606166527"/>
+        <p14:creationId xmlns:p14="http://schemas.microsoft.com/office/powerpoint/2010/main" val="2495484186"/>
       </p:ext>
     </p:extLst>
   </p:cSld>
@@ -7416,7 +7266,7 @@
             <a:ext cx="10515600" cy="890565"/>
           </a:xfrm>
           <a:solidFill>
-            <a:schemeClr val="bg2"/>
+            <a:schemeClr val="bg1"/>
           </a:solidFill>
         </p:spPr>
         <p:txBody>
@@ -7425,15 +7275,8 @@
           <a:p>
             <a:r>
               <a:rPr lang="en-US" dirty="0"/>
-              <a:t>4. Memory Model	</a:t>
-            </a:r>
-            <a:r>
-              <a:rPr lang="en-US" sz="1600" dirty="0">
-                <a:hlinkClick r:id="rId2"/>
-              </a:rPr>
-              <a:t>https://JimFawcett.github.io/CppStory_Models.html#memory</a:t>
-            </a:r>
-            <a:endParaRPr lang="en-US" dirty="0"/>
+              <a:t>Use of Memory	</a:t>
+            </a:r>
           </a:p>
         </p:txBody>
       </p:sp>
@@ -7501,7 +7344,7 @@
           </p:nvPr>
         </p:nvPicPr>
         <p:blipFill>
-          <a:blip r:embed="rId3">
+          <a:blip r:embed="rId2">
             <a:extLst>
               <a:ext uri="{28A0092B-C50C-407E-A947-70E740481C1C}">
                 <a14:useLocalDpi xmlns:a14="http://schemas.microsoft.com/office/drawing/2010/main" val="0"/>
@@ -7514,7 +7357,7 @@
         </p:blipFill>
         <p:spPr>
           <a:xfrm>
-            <a:off x="6172200" y="1663634"/>
+            <a:off x="6172200" y="1695832"/>
             <a:ext cx="5181600" cy="4414969"/>
           </a:xfrm>
         </p:spPr>
@@ -7653,7 +7496,7 @@
           <a:p>
             <a:r>
               <a:rPr lang="en-US" sz="2400" dirty="0"/>
-              <a:t>C++ code also places entities in stack memory by calling a function, placing function parameters and local data in its stack frame.</a:t>
+              <a:t>Rust code also places entities in stack memory by calling a function, placing function parameters and local data in its stack frame.</a:t>
             </a:r>
           </a:p>
           <a:p>
@@ -7665,7 +7508,7 @@
           <a:p>
             <a:r>
               <a:rPr lang="en-US" sz="2400" dirty="0"/>
-              <a:t>An entity instance is placed in heap memory by a call to new and removed with a call to delete.</a:t>
+              <a:t>An entity instance is placed in heap memory by wrapping the entity with Box::new(entity).</a:t>
             </a:r>
           </a:p>
         </p:txBody>
@@ -7793,14 +7636,14 @@
           <a:p>
             <a:r>
               <a:rPr lang="en-US" dirty="0"/>
-              <a:t>C++ Models</a:t>
+              <a:t>Rust Models</a:t>
             </a:r>
             <a:br>
               <a:rPr lang="en-US" dirty="0"/>
             </a:br>
             <a:r>
               <a:rPr lang="en-US" sz="3600" dirty="0"/>
-              <a:t>Model 5 - Classes</a:t>
+              <a:t>Model 5 - Structs</a:t>
             </a:r>
             <a:endParaRPr lang="en-US" dirty="0"/>
           </a:p>
@@ -7920,7 +7763,15 @@
           <a:p>
             <a:r>
               <a:rPr lang="en-US" dirty="0"/>
-              <a:t>5. Classes		</a:t>
+              <a:t>5. </a:t>
+            </a:r>
+            <a:r>
+              <a:rPr lang="en-US"/>
+              <a:t>Structs</a:t>
+            </a:r>
+            <a:r>
+              <a:rPr lang="en-US" dirty="0"/>
+              <a:t>		</a:t>
             </a:r>
             <a:r>
               <a:rPr lang="en-US" sz="2000" dirty="0">
@@ -9114,7 +8965,7 @@
           <p:cNvPr id="2" name="Title 1">
             <a:extLst>
               <a:ext uri="{FF2B5EF4-FFF2-40B4-BE49-F238E27FC236}">
-                <a16:creationId xmlns:a16="http://schemas.microsoft.com/office/drawing/2014/main" id="{430D5FB1-CB62-4DF7-A64F-E69C13644DED}"/>
+                <a16:creationId xmlns:a16="http://schemas.microsoft.com/office/drawing/2014/main" id="{53AF5B7A-EC51-42C0-A3AF-C7C47F8C51C1}"/>
               </a:ext>
             </a:extLst>
           </p:cNvPr>
@@ -9132,7 +8983,7 @@
           <a:p>
             <a:r>
               <a:rPr lang="en-US" dirty="0"/>
-              <a:t>Rust Models – Chapter 1 of Rust Story</a:t>
+              <a:t>Prologue</a:t>
             </a:r>
           </a:p>
         </p:txBody>
@@ -9142,7 +8993,7 @@
           <p:cNvPr id="3" name="Content Placeholder 2">
             <a:extLst>
               <a:ext uri="{FF2B5EF4-FFF2-40B4-BE49-F238E27FC236}">
-                <a16:creationId xmlns:a16="http://schemas.microsoft.com/office/drawing/2014/main" id="{93E56527-BFCE-4F83-A100-EE028572F035}"/>
+                <a16:creationId xmlns:a16="http://schemas.microsoft.com/office/drawing/2014/main" id="{775408D7-1F39-4741-A3DF-76D9A3074AE8}"/>
               </a:ext>
             </a:extLst>
           </p:cNvPr>
@@ -9153,52 +9004,78 @@
             <p:ph idx="1"/>
           </p:nvPr>
         </p:nvSpPr>
-        <p:spPr/>
+        <p:spPr>
+          <a:xfrm>
+            <a:off x="838200" y="1635617"/>
+            <a:ext cx="10515600" cy="4541346"/>
+          </a:xfrm>
+        </p:spPr>
         <p:txBody>
           <a:bodyPr/>
           <a:lstStyle/>
           <a:p>
             <a:r>
               <a:rPr lang="en-US" dirty="0"/>
-              <a:t>Code Structure</a:t>
+              <a:t>Rust is an interesting and ambitious language.</a:t>
             </a:r>
           </a:p>
           <a:p>
             <a:r>
               <a:rPr lang="en-US" dirty="0"/>
-              <a:t>Build Model</a:t>
-            </a:r>
-          </a:p>
-          <a:p>
+              <a:t>Models help us understand important features of the language</a:t>
+            </a:r>
+          </a:p>
+          <a:p>
+            <a:pPr lvl="1"/>
             <a:r>
               <a:rPr lang="en-US" dirty="0"/>
-              <a:t>Execution Model</a:t>
+              <a:t>Help us understand and use it effectively</a:t>
             </a:r>
           </a:p>
           <a:p>
             <a:r>
               <a:rPr lang="en-US" dirty="0"/>
-              <a:t>Ownership model</a:t>
-            </a:r>
-          </a:p>
-          <a:p>
+              <a:t>We will consider:</a:t>
+            </a:r>
+          </a:p>
+          <a:p>
+            <a:pPr lvl="1"/>
             <a:r>
               <a:rPr lang="en-US" dirty="0"/>
-              <a:t>Object Model</a:t>
-            </a:r>
-          </a:p>
-          <a:p>
+              <a:t>Type Safety</a:t>
+            </a:r>
+          </a:p>
+          <a:p>
+            <a:pPr lvl="1"/>
             <a:r>
               <a:rPr lang="en-US" dirty="0"/>
-              <a:t>User Defined Types</a:t>
-            </a:r>
-          </a:p>
-          <a:p>
+              <a:t>Code Structure, Compilation, and Execution</a:t>
+            </a:r>
+          </a:p>
+          <a:p>
+            <a:pPr lvl="1"/>
+            <a:r>
+              <a:rPr lang="en-US" dirty="0"/>
+              <a:t>Ownership – a key feature of Rust</a:t>
+            </a:r>
+          </a:p>
+          <a:p>
+            <a:pPr lvl="1"/>
+            <a:r>
+              <a:rPr lang="en-US" dirty="0"/>
+              <a:t>Structs and the Rust object model</a:t>
+            </a:r>
+          </a:p>
+          <a:p>
+            <a:pPr lvl="1"/>
             <a:r>
               <a:rPr lang="en-US" dirty="0"/>
               <a:t>Generics</a:t>
             </a:r>
           </a:p>
+          <a:p>
+            <a:endParaRPr lang="en-US" dirty="0"/>
+          </a:p>
         </p:txBody>
       </p:sp>
       <p:sp>
@@ -9206,7 +9083,7 @@
           <p:cNvPr id="4" name="Slide Number Placeholder 3">
             <a:extLst>
               <a:ext uri="{FF2B5EF4-FFF2-40B4-BE49-F238E27FC236}">
-                <a16:creationId xmlns:a16="http://schemas.microsoft.com/office/drawing/2014/main" id="{CFADB812-9F13-4D4E-B4D0-BFDCAE2E940B}"/>
+                <a16:creationId xmlns:a16="http://schemas.microsoft.com/office/drawing/2014/main" id="{AE5D9997-749D-445C-8B8A-50325F941DD9}"/>
               </a:ext>
             </a:extLst>
           </p:cNvPr>
@@ -9230,98 +9107,10 @@
           </a:p>
         </p:txBody>
       </p:sp>
-      <p:sp>
-        <p:nvSpPr>
-          <p:cNvPr id="5" name="Arrow: Right 4">
-            <a:extLst>
-              <a:ext uri="{FF2B5EF4-FFF2-40B4-BE49-F238E27FC236}">
-                <a16:creationId xmlns:a16="http://schemas.microsoft.com/office/drawing/2014/main" id="{EE690463-0F48-4409-9489-B1A10B1B95AF}"/>
-              </a:ext>
-            </a:extLst>
-          </p:cNvPr>
-          <p:cNvSpPr/>
-          <p:nvPr/>
-        </p:nvSpPr>
-        <p:spPr>
-          <a:xfrm rot="10800000">
-            <a:off x="4784505" y="1922210"/>
-            <a:ext cx="963769" cy="286510"/>
-          </a:xfrm>
-          <a:prstGeom prst="rightArrow">
-            <a:avLst/>
-          </a:prstGeom>
-          <a:solidFill>
-            <a:schemeClr val="accent4"/>
-          </a:solidFill>
-        </p:spPr>
-        <p:style>
-          <a:lnRef idx="2">
-            <a:schemeClr val="accent1">
-              <a:shade val="50000"/>
-            </a:schemeClr>
-          </a:lnRef>
-          <a:fillRef idx="1">
-            <a:schemeClr val="accent1"/>
-          </a:fillRef>
-          <a:effectRef idx="0">
-            <a:schemeClr val="accent1"/>
-          </a:effectRef>
-          <a:fontRef idx="minor">
-            <a:schemeClr val="lt1"/>
-          </a:fontRef>
-        </p:style>
-        <p:txBody>
-          <a:bodyPr rtlCol="0" anchor="ctr"/>
-          <a:lstStyle/>
-          <a:p>
-            <a:pPr algn="ctr"/>
-            <a:endParaRPr lang="en-US"/>
-          </a:p>
-        </p:txBody>
-      </p:sp>
-      <p:sp>
-        <p:nvSpPr>
-          <p:cNvPr id="6" name="TextBox 5">
-            <a:extLst>
-              <a:ext uri="{FF2B5EF4-FFF2-40B4-BE49-F238E27FC236}">
-                <a16:creationId xmlns:a16="http://schemas.microsoft.com/office/drawing/2014/main" id="{BF46B29D-5CA3-4CB9-86DE-1FB9D4F0B1B5}"/>
-              </a:ext>
-            </a:extLst>
-          </p:cNvPr>
-          <p:cNvSpPr txBox="1"/>
-          <p:nvPr/>
-        </p:nvSpPr>
-        <p:spPr>
-          <a:xfrm>
-            <a:off x="6007997" y="1812746"/>
-            <a:ext cx="963769" cy="461665"/>
-          </a:xfrm>
-          <a:prstGeom prst="rect">
-            <a:avLst/>
-          </a:prstGeom>
-          <a:noFill/>
-        </p:spPr>
-        <p:txBody>
-          <a:bodyPr wrap="square" rtlCol="0">
-            <a:spAutoFit/>
-          </a:bodyPr>
-          <a:lstStyle/>
-          <a:p>
-            <a:r>
-              <a:rPr lang="en-US" sz="2400" dirty="0"/>
-              <a:t>Part</a:t>
-            </a:r>
-            <a:r>
-              <a:rPr lang="en-US" dirty="0"/>
-              <a:t> 1.</a:t>
-            </a:r>
-          </a:p>
-        </p:txBody>
-      </p:sp>
     </p:spTree>
     <p:extLst>
       <p:ext uri="{BB962C8B-B14F-4D97-AF65-F5344CB8AC3E}">
-        <p14:creationId xmlns:p14="http://schemas.microsoft.com/office/powerpoint/2010/main" val="4051206534"/>
+        <p14:creationId xmlns:p14="http://schemas.microsoft.com/office/powerpoint/2010/main" val="2658096989"/>
       </p:ext>
     </p:extLst>
   </p:cSld>
@@ -13066,7 +12855,7 @@
           <p:cNvPr id="2" name="Title 1">
             <a:extLst>
               <a:ext uri="{FF2B5EF4-FFF2-40B4-BE49-F238E27FC236}">
-                <a16:creationId xmlns:a16="http://schemas.microsoft.com/office/drawing/2014/main" id="{5D569161-EBD9-48DC-ABCC-6F0F71A6E502}"/>
+                <a16:creationId xmlns:a16="http://schemas.microsoft.com/office/drawing/2014/main" id="{B7C530C3-134A-4DEF-B53D-18FBE75E9767}"/>
               </a:ext>
             </a:extLst>
           </p:cNvPr>
@@ -13077,19 +12866,14 @@
             <p:ph type="title"/>
           </p:nvPr>
         </p:nvSpPr>
-        <p:spPr>
-          <a:xfrm>
-            <a:off x="838200" y="365126"/>
-            <a:ext cx="10515600" cy="967838"/>
-          </a:xfrm>
-        </p:spPr>
+        <p:spPr/>
         <p:txBody>
           <a:bodyPr/>
           <a:lstStyle/>
           <a:p>
             <a:r>
               <a:rPr lang="en-US" dirty="0"/>
-              <a:t>Background</a:t>
+              <a:t>Model</a:t>
             </a:r>
           </a:p>
         </p:txBody>
@@ -13099,7 +12883,7 @@
           <p:cNvPr id="3" name="Content Placeholder 2">
             <a:extLst>
               <a:ext uri="{FF2B5EF4-FFF2-40B4-BE49-F238E27FC236}">
-                <a16:creationId xmlns:a16="http://schemas.microsoft.com/office/drawing/2014/main" id="{FD515C14-773F-4136-9CA3-6874C6634792}"/>
+                <a16:creationId xmlns:a16="http://schemas.microsoft.com/office/drawing/2014/main" id="{68C9AAC8-C9A5-4DB1-98A6-DA7E40FF746E}"/>
               </a:ext>
             </a:extLst>
           </p:cNvPr>
@@ -13110,106 +12894,44 @@
             <p:ph idx="1"/>
           </p:nvPr>
         </p:nvSpPr>
-        <p:spPr>
-          <a:xfrm>
-            <a:off x="838200" y="1384479"/>
-            <a:ext cx="10515600" cy="4792484"/>
-          </a:xfrm>
-        </p:spPr>
-        <p:txBody>
-          <a:bodyPr>
-            <a:normAutofit/>
-          </a:bodyPr>
+        <p:spPr/>
+        <p:txBody>
+          <a:bodyPr/>
           <a:lstStyle/>
           <a:p>
             <a:r>
               <a:rPr lang="en-US" dirty="0"/>
-              <a:t>The material for this presentation comes from the </a:t>
-            </a:r>
-            <a:r>
-              <a:rPr lang="en-US" dirty="0" err="1"/>
-              <a:t>github</a:t>
-            </a:r>
-            <a:r>
+              <a:t>“A model of a system or process is a theoretical description that can help you understand how the system or process works, or how it might work.”</a:t>
+            </a:r>
+            <a:br>
               <a:rPr lang="en-US" dirty="0"/>
-              <a:t> website:</a:t>
-            </a:r>
-          </a:p>
-          <a:p>
-            <a:pPr lvl="1"/>
-            <a:r>
-              <a:rPr lang="en-US" dirty="0">
-                <a:hlinkClick r:id="rId2"/>
-              </a:rPr>
-              <a:t>https://JimFawcett.github.io</a:t>
-            </a:r>
+            </a:br>
             <a:r>
               <a:rPr lang="en-US" dirty="0"/>
-              <a:t>, </a:t>
-            </a:r>
-            <a:r>
-              <a:rPr lang="en-US" dirty="0">
-                <a:hlinkClick r:id="rId3"/>
-              </a:rPr>
-              <a:t>https://JimFawcett.github.io/Resources/RustModel.pdf</a:t>
-            </a:r>
-            <a:r>
+              <a:t>- collinsdictionary.com</a:t>
+            </a:r>
+            <a:br>
               <a:rPr lang="en-US" dirty="0"/>
-              <a:t> </a:t>
-            </a:r>
+            </a:br>
+            <a:endParaRPr lang="en-US" dirty="0"/>
           </a:p>
           <a:p>
             <a:r>
               <a:rPr lang="en-US" dirty="0"/>
-              <a:t>The site provides a curated selection of code developed for graduate software design courses at Syracuse University</a:t>
-            </a:r>
-          </a:p>
-          <a:p>
-            <a:r>
+              <a:t>“A system or thing used as an example to follow or imitate.”</a:t>
+            </a:r>
+            <a:br>
               <a:rPr lang="en-US" dirty="0"/>
-              <a:t>It also contains tutorial and reference materials related to that code.</a:t>
-            </a:r>
-          </a:p>
-          <a:p>
+            </a:br>
             <a:r>
               <a:rPr lang="en-US" dirty="0"/>
-              <a:t>Some of that is presented in the form of “stories”</a:t>
-            </a:r>
-          </a:p>
-          <a:p>
-            <a:r>
-              <a:rPr lang="en-US" dirty="0"/>
-              <a:t>Rust Models is the title of the first chapter of a “</a:t>
-            </a:r>
-            <a:r>
-              <a:rPr lang="en-US" dirty="0">
-                <a:hlinkClick r:id="rId4"/>
-              </a:rPr>
-              <a:t>Rust Story</a:t>
-            </a:r>
-            <a:r>
-              <a:rPr lang="en-US" dirty="0"/>
-              <a:t>”</a:t>
-            </a:r>
-          </a:p>
-          <a:p>
-            <a:pPr lvl="1"/>
-            <a:r>
-              <a:rPr lang="en-US" dirty="0"/>
-              <a:t>The story is a detailed walk-through of the Rust programming language.  It provides reference material for a set of </a:t>
-            </a:r>
-            <a:r>
-              <a:rPr lang="en-US" dirty="0">
-                <a:hlinkClick r:id="rId5"/>
-              </a:rPr>
-              <a:t>repositories</a:t>
-            </a:r>
-            <a:r>
-              <a:rPr lang="en-US" dirty="0"/>
-              <a:t> that hold source code for utilities, tools, components, and demonstrations.</a:t>
-            </a:r>
-          </a:p>
-          <a:p>
+              <a:t>  - Merriam-Webster Dictionary</a:t>
+            </a:r>
+          </a:p>
+          <a:p>
+            <a:pPr marL="0" indent="0">
+              <a:buNone/>
+            </a:pPr>
             <a:endParaRPr lang="en-US" dirty="0"/>
           </a:p>
         </p:txBody>
@@ -13219,7 +12941,7 @@
           <p:cNvPr id="4" name="Slide Number Placeholder 3">
             <a:extLst>
               <a:ext uri="{FF2B5EF4-FFF2-40B4-BE49-F238E27FC236}">
-                <a16:creationId xmlns:a16="http://schemas.microsoft.com/office/drawing/2014/main" id="{A735D70F-936F-44E6-B768-ED85D723DCF8}"/>
+                <a16:creationId xmlns:a16="http://schemas.microsoft.com/office/drawing/2014/main" id="{FD692D15-2CE5-4FD1-B97A-85166CB39B91}"/>
               </a:ext>
             </a:extLst>
           </p:cNvPr>
@@ -13246,7 +12968,7 @@
     </p:spTree>
     <p:extLst>
       <p:ext uri="{BB962C8B-B14F-4D97-AF65-F5344CB8AC3E}">
-        <p14:creationId xmlns:p14="http://schemas.microsoft.com/office/powerpoint/2010/main" val="3387348113"/>
+        <p14:creationId xmlns:p14="http://schemas.microsoft.com/office/powerpoint/2010/main" val="2497349256"/>
       </p:ext>
     </p:extLst>
   </p:cSld>
@@ -14252,7 +13974,7 @@
           <p:cNvPr id="2" name="Title 1">
             <a:extLst>
               <a:ext uri="{FF2B5EF4-FFF2-40B4-BE49-F238E27FC236}">
-                <a16:creationId xmlns:a16="http://schemas.microsoft.com/office/drawing/2014/main" id="{53AF5B7A-EC51-42C0-A3AF-C7C47F8C51C1}"/>
+                <a16:creationId xmlns:a16="http://schemas.microsoft.com/office/drawing/2014/main" id="{430D5FB1-CB62-4DF7-A64F-E69C13644DED}"/>
               </a:ext>
             </a:extLst>
           </p:cNvPr>
@@ -14270,7 +13992,7 @@
           <a:p>
             <a:r>
               <a:rPr lang="en-US" dirty="0"/>
-              <a:t>Prologue</a:t>
+              <a:t>Rust Models – Chapter 1 of Rust Story</a:t>
             </a:r>
           </a:p>
         </p:txBody>
@@ -14280,7 +14002,7 @@
           <p:cNvPr id="3" name="Content Placeholder 2">
             <a:extLst>
               <a:ext uri="{FF2B5EF4-FFF2-40B4-BE49-F238E27FC236}">
-                <a16:creationId xmlns:a16="http://schemas.microsoft.com/office/drawing/2014/main" id="{775408D7-1F39-4741-A3DF-76D9A3074AE8}"/>
+                <a16:creationId xmlns:a16="http://schemas.microsoft.com/office/drawing/2014/main" id="{93E56527-BFCE-4F83-A100-EE028572F035}"/>
               </a:ext>
             </a:extLst>
           </p:cNvPr>
@@ -14291,78 +14013,58 @@
             <p:ph idx="1"/>
           </p:nvPr>
         </p:nvSpPr>
-        <p:spPr>
-          <a:xfrm>
-            <a:off x="838200" y="1635617"/>
-            <a:ext cx="10515600" cy="4541346"/>
-          </a:xfrm>
-        </p:spPr>
+        <p:spPr/>
         <p:txBody>
           <a:bodyPr/>
           <a:lstStyle/>
           <a:p>
             <a:r>
               <a:rPr lang="en-US" dirty="0"/>
-              <a:t>Rust is an interesting and ambitious language.</a:t>
+              <a:t>Type Safety</a:t>
             </a:r>
           </a:p>
           <a:p>
             <a:r>
               <a:rPr lang="en-US" dirty="0"/>
-              <a:t>Models help us understand important features of the language</a:t>
-            </a:r>
-          </a:p>
-          <a:p>
-            <a:pPr lvl="1"/>
+              <a:t>Code Structure</a:t>
+            </a:r>
+          </a:p>
+          <a:p>
             <a:r>
               <a:rPr lang="en-US" dirty="0"/>
-              <a:t>Show the language’s internal consistency</a:t>
-            </a:r>
-          </a:p>
-          <a:p>
-            <a:pPr lvl="1"/>
+              <a:t>Build Model</a:t>
+            </a:r>
+          </a:p>
+          <a:p>
             <a:r>
               <a:rPr lang="en-US" dirty="0"/>
-              <a:t>Help us understand and use it effectively</a:t>
+              <a:t>Execution Model</a:t>
             </a:r>
           </a:p>
           <a:p>
             <a:r>
               <a:rPr lang="en-US" dirty="0"/>
-              <a:t>We will consider:</a:t>
-            </a:r>
-          </a:p>
-          <a:p>
-            <a:pPr lvl="1"/>
+              <a:t>Ownership model</a:t>
+            </a:r>
+          </a:p>
+          <a:p>
             <a:r>
               <a:rPr lang="en-US" dirty="0"/>
-              <a:t>Code Structure, Compilation, and Execution</a:t>
-            </a:r>
-          </a:p>
-          <a:p>
-            <a:pPr lvl="1"/>
+              <a:t>Object Model</a:t>
+            </a:r>
+          </a:p>
+          <a:p>
             <a:r>
               <a:rPr lang="en-US" dirty="0"/>
-              <a:t>Ownership – a key feature of Rust</a:t>
-            </a:r>
-          </a:p>
-          <a:p>
-            <a:pPr lvl="1"/>
-            <a:r>
-              <a:rPr lang="en-US" dirty="0"/>
-              <a:t>Structs and the Rust object model</a:t>
-            </a:r>
-          </a:p>
-          <a:p>
-            <a:pPr lvl="1"/>
+              <a:t>User Defined Types</a:t>
+            </a:r>
+          </a:p>
+          <a:p>
             <a:r>
               <a:rPr lang="en-US" dirty="0"/>
               <a:t>Generics</a:t>
             </a:r>
           </a:p>
-          <a:p>
-            <a:endParaRPr lang="en-US" dirty="0"/>
-          </a:p>
         </p:txBody>
       </p:sp>
       <p:sp>
@@ -14370,7 +14072,7 @@
           <p:cNvPr id="4" name="Slide Number Placeholder 3">
             <a:extLst>
               <a:ext uri="{FF2B5EF4-FFF2-40B4-BE49-F238E27FC236}">
-                <a16:creationId xmlns:a16="http://schemas.microsoft.com/office/drawing/2014/main" id="{AE5D9997-749D-445C-8B8A-50325F941DD9}"/>
+                <a16:creationId xmlns:a16="http://schemas.microsoft.com/office/drawing/2014/main" id="{CFADB812-9F13-4D4E-B4D0-BFDCAE2E940B}"/>
               </a:ext>
             </a:extLst>
           </p:cNvPr>
@@ -14397,7 +14099,7 @@
     </p:spTree>
     <p:extLst>
       <p:ext uri="{BB962C8B-B14F-4D97-AF65-F5344CB8AC3E}">
-        <p14:creationId xmlns:p14="http://schemas.microsoft.com/office/powerpoint/2010/main" val="2658096989"/>
+        <p14:creationId xmlns:p14="http://schemas.microsoft.com/office/powerpoint/2010/main" val="4051206534"/>
       </p:ext>
     </p:extLst>
   </p:cSld>
@@ -14459,7 +14161,7 @@
             </a:br>
             <a:r>
               <a:rPr lang="en-US" sz="3600" dirty="0"/>
-              <a:t>Model 1 – Code Structure</a:t>
+              <a:t>Model 1 – Type Safety</a:t>
             </a:r>
             <a:endParaRPr lang="en-US" dirty="0"/>
           </a:p>
@@ -14550,208 +14252,180 @@
       </p:grpSpPr>
       <p:sp>
         <p:nvSpPr>
-          <p:cNvPr id="2" name="Title 1">
-            <a:extLst>
-              <a:ext uri="{FF2B5EF4-FFF2-40B4-BE49-F238E27FC236}">
-                <a16:creationId xmlns:a16="http://schemas.microsoft.com/office/drawing/2014/main" id="{2DA78C8E-1405-43D4-B5DC-3299EBEFBF83}"/>
-              </a:ext>
-            </a:extLst>
-          </p:cNvPr>
-          <p:cNvSpPr>
-            <a:spLocks noGrp="1"/>
-          </p:cNvSpPr>
-          <p:nvPr>
-            <p:ph type="title"/>
-          </p:nvPr>
+          <p:cNvPr id="3" name="Content Placeholder 2">
+            <a:extLst>
+              <a:ext uri="{FF2B5EF4-FFF2-40B4-BE49-F238E27FC236}">
+                <a16:creationId xmlns:a16="http://schemas.microsoft.com/office/drawing/2014/main" id="{DA6C7AA0-849A-46D3-9084-A9B3B65B0F42}"/>
+              </a:ext>
+            </a:extLst>
+          </p:cNvPr>
+          <p:cNvSpPr>
+            <a:spLocks noGrp="1"/>
+          </p:cNvSpPr>
+          <p:nvPr>
+            <p:ph idx="1"/>
+          </p:nvPr>
+        </p:nvSpPr>
+        <p:spPr>
+          <a:xfrm>
+            <a:off x="838200" y="1378048"/>
+            <a:ext cx="10515600" cy="4830204"/>
+          </a:xfrm>
+        </p:spPr>
+        <p:txBody>
+          <a:bodyPr>
+            <a:normAutofit/>
+          </a:bodyPr>
+          <a:lstStyle/>
+          <a:p>
+            <a:r>
+              <a:rPr lang="en-US" sz="3200" dirty="0"/>
+              <a:t>Rust is type safe</a:t>
+            </a:r>
+          </a:p>
+          <a:p>
+            <a:pPr lvl="1"/>
+            <a:r>
+              <a:rPr lang="en-US" sz="2800" dirty="0"/>
+              <a:t>A program is well defined if no execution can exhibit undefined behavior.</a:t>
+            </a:r>
+          </a:p>
+          <a:p>
+            <a:pPr lvl="1"/>
+            <a:r>
+              <a:rPr lang="en-US" sz="2800" dirty="0"/>
+              <a:t>A language is type safe if its type system ensures that every program is well defined.</a:t>
+            </a:r>
+          </a:p>
+          <a:p>
+            <a:pPr lvl="1"/>
+            <a:r>
+              <a:rPr lang="en-US" sz="2800" dirty="0"/>
+              <a:t>Rust is a type safe language, avoiding undefined behavior.</a:t>
+            </a:r>
+          </a:p>
+          <a:p>
+            <a:pPr lvl="1"/>
+            <a:r>
+              <a:rPr lang="en-US" sz="2800" dirty="0"/>
+              <a:t>Rust’s type system prevents data races in multi-threaded programs.</a:t>
+            </a:r>
+          </a:p>
+          <a:p>
+            <a:pPr lvl="1"/>
+            <a:r>
+              <a:rPr lang="en-US" sz="2800" dirty="0"/>
+              <a:t>It provides the level of performance and access to machine resources needed for system programming.</a:t>
+            </a:r>
+          </a:p>
+          <a:p>
+            <a:r>
+              <a:rPr lang="en-US" sz="3200" dirty="0"/>
+              <a:t>This type safe model is the basis for the other Rust models</a:t>
+            </a:r>
+          </a:p>
+          <a:p>
+            <a:endParaRPr lang="en-US" sz="3200" dirty="0"/>
+          </a:p>
+        </p:txBody>
+      </p:sp>
+      <p:sp>
+        <p:nvSpPr>
+          <p:cNvPr id="4" name="Slide Number Placeholder 3">
+            <a:extLst>
+              <a:ext uri="{FF2B5EF4-FFF2-40B4-BE49-F238E27FC236}">
+                <a16:creationId xmlns:a16="http://schemas.microsoft.com/office/drawing/2014/main" id="{8B6ABC81-EF6D-4585-A81B-B0BFC98DB572}"/>
+              </a:ext>
+            </a:extLst>
+          </p:cNvPr>
+          <p:cNvSpPr>
+            <a:spLocks noGrp="1"/>
+          </p:cNvSpPr>
+          <p:nvPr>
+            <p:ph type="sldNum" sz="quarter" idx="12"/>
+          </p:nvPr>
+        </p:nvSpPr>
+        <p:spPr/>
+        <p:txBody>
+          <a:bodyPr/>
+          <a:lstStyle/>
+          <a:p>
+            <a:fld id="{519FA752-D1CF-498F-B0BD-05E47309CED3}" type="slidenum">
+              <a:rPr lang="en-US" smtClean="0"/>
+              <a:t>7</a:t>
+            </a:fld>
+            <a:endParaRPr lang="en-US"/>
+          </a:p>
+        </p:txBody>
+      </p:sp>
+      <p:sp>
+        <p:nvSpPr>
+          <p:cNvPr id="8" name="Title 1">
+            <a:extLst>
+              <a:ext uri="{FF2B5EF4-FFF2-40B4-BE49-F238E27FC236}">
+                <a16:creationId xmlns:a16="http://schemas.microsoft.com/office/drawing/2014/main" id="{69F629D5-24C0-49BF-B9D3-2AB393C38C9B}"/>
+              </a:ext>
+            </a:extLst>
+          </p:cNvPr>
+          <p:cNvSpPr txBox="1">
+            <a:spLocks/>
+          </p:cNvSpPr>
+          <p:nvPr/>
         </p:nvSpPr>
         <p:spPr>
           <a:xfrm>
             <a:off x="838200" y="429519"/>
             <a:ext cx="10515600" cy="858369"/>
           </a:xfrm>
+          <a:prstGeom prst="rect">
+            <a:avLst/>
+          </a:prstGeom>
           <a:solidFill>
             <a:schemeClr val="bg2"/>
           </a:solidFill>
         </p:spPr>
         <p:txBody>
-          <a:bodyPr/>
-          <a:lstStyle/>
+          <a:bodyPr vert="horz" lIns="91440" tIns="45720" rIns="91440" bIns="45720" rtlCol="0" anchor="ctr">
+            <a:normAutofit/>
+          </a:bodyPr>
+          <a:lstStyle>
+            <a:lvl1pPr algn="l" defTabSz="914400" rtl="0" eaLnBrk="1" latinLnBrk="0" hangingPunct="1">
+              <a:lnSpc>
+                <a:spcPct val="90000"/>
+              </a:lnSpc>
+              <a:spcBef>
+                <a:spcPct val="0"/>
+              </a:spcBef>
+              <a:buNone/>
+              <a:defRPr sz="4400" kern="1200">
+                <a:solidFill>
+                  <a:schemeClr val="tx1"/>
+                </a:solidFill>
+                <a:latin typeface="+mj-lt"/>
+                <a:ea typeface="+mj-ea"/>
+                <a:cs typeface="+mj-cs"/>
+              </a:defRPr>
+            </a:lvl1pPr>
+          </a:lstStyle>
           <a:p>
             <a:r>
               <a:rPr lang="en-US" dirty="0"/>
-              <a:t>1. Code Structure	</a:t>
+              <a:t>1. Type Safety	</a:t>
             </a:r>
             <a:r>
               <a:rPr lang="en-US" sz="1600" dirty="0">
                 <a:hlinkClick r:id="rId2"/>
               </a:rPr>
-              <a:t>https://jimfawcett.github.io/RustStory_Models.html#structure</a:t>
+              <a:t>https://jimfawcett.github.io/RustStory_Models.html</a:t>
             </a:r>
             <a:endParaRPr lang="en-US" dirty="0"/>
-          </a:p>
-        </p:txBody>
-      </p:sp>
-      <p:sp>
-        <p:nvSpPr>
-          <p:cNvPr id="3" name="Content Placeholder 2">
-            <a:extLst>
-              <a:ext uri="{FF2B5EF4-FFF2-40B4-BE49-F238E27FC236}">
-                <a16:creationId xmlns:a16="http://schemas.microsoft.com/office/drawing/2014/main" id="{E4E7F0BC-9530-4956-975C-BA4069BB6C8A}"/>
-              </a:ext>
-            </a:extLst>
-          </p:cNvPr>
-          <p:cNvSpPr>
-            <a:spLocks noGrp="1"/>
-          </p:cNvSpPr>
-          <p:nvPr>
-            <p:ph idx="1"/>
-          </p:nvPr>
-        </p:nvSpPr>
-        <p:spPr>
-          <a:xfrm>
-            <a:off x="838200" y="1564783"/>
-            <a:ext cx="10515600" cy="4612180"/>
-          </a:xfrm>
-        </p:spPr>
-        <p:txBody>
-          <a:bodyPr>
-            <a:normAutofit/>
-          </a:bodyPr>
-          <a:lstStyle/>
-          <a:p>
-            <a:r>
-              <a:rPr lang="en-US" sz="2400" dirty="0"/>
-              <a:t>Source code is written in files</a:t>
-            </a:r>
-          </a:p>
-          <a:p>
-            <a:r>
-              <a:rPr lang="en-US" sz="2400" dirty="0"/>
-              <a:t>For many software systems file structures become large and hard to understand.</a:t>
-            </a:r>
-          </a:p>
-          <a:p>
-            <a:r>
-              <a:rPr lang="en-US" sz="2400" dirty="0"/>
-              <a:t>To support readability and maintenance, we create packages that consist of a few files with a single purpose and document the purpose and design in comments.</a:t>
-            </a:r>
-          </a:p>
-          <a:p>
-            <a:pPr lvl="1"/>
-            <a:r>
-              <a:rPr lang="en-US" sz="2000" dirty="0"/>
-              <a:t>Source files are units of construction</a:t>
-            </a:r>
-          </a:p>
-          <a:p>
-            <a:pPr lvl="2"/>
-            <a:r>
-              <a:rPr lang="en-US" sz="1600" dirty="0"/>
-              <a:t>Binaries	    - /src/main.rs – has main function, builds to an executable</a:t>
-            </a:r>
-          </a:p>
-          <a:p>
-            <a:pPr lvl="2"/>
-            <a:r>
-              <a:rPr lang="en-US" sz="1600" dirty="0"/>
-              <a:t>Libraries    - /src/lib.rs     – builds to library</a:t>
-            </a:r>
-          </a:p>
-          <a:p>
-            <a:pPr lvl="2"/>
-            <a:r>
-              <a:rPr lang="en-US" sz="1600" dirty="0"/>
-              <a:t>Modules    - /src/*.rs       – loaded when building binaries and libraries </a:t>
-            </a:r>
-          </a:p>
-          <a:p>
-            <a:pPr lvl="1"/>
-            <a:r>
-              <a:rPr lang="en-US" sz="2000" dirty="0"/>
-              <a:t>A Crate is a unit of translation</a:t>
-            </a:r>
-          </a:p>
-          <a:p>
-            <a:pPr lvl="1"/>
-            <a:r>
-              <a:rPr lang="en-US" sz="2000" dirty="0"/>
-              <a:t>Crates start as a set of source files in the /</a:t>
-            </a:r>
-            <a:r>
-              <a:rPr lang="en-US" sz="2000" dirty="0" err="1"/>
-              <a:t>src</a:t>
-            </a:r>
-            <a:r>
-              <a:rPr lang="en-US" sz="2000" dirty="0"/>
-              <a:t> directory and compile to a single file:</a:t>
-            </a:r>
-          </a:p>
-          <a:p>
-            <a:pPr lvl="2"/>
-            <a:r>
-              <a:rPr lang="en-US" sz="1600" dirty="0"/>
-              <a:t>Binaries    - /target/debug/[package_name].exe on windows</a:t>
-            </a:r>
-          </a:p>
-          <a:p>
-            <a:pPr lvl="2"/>
-            <a:r>
-              <a:rPr lang="en-US" sz="1600" dirty="0"/>
-              <a:t>Libraries   - /target/debug/lib[</a:t>
-            </a:r>
-            <a:r>
-              <a:rPr lang="en-US" sz="1600" dirty="0" err="1"/>
-              <a:t>package_name</a:t>
-            </a:r>
-            <a:r>
-              <a:rPr lang="en-US" sz="1600" dirty="0"/>
-              <a:t>].</a:t>
-            </a:r>
-            <a:r>
-              <a:rPr lang="en-US" sz="1600" dirty="0" err="1"/>
-              <a:t>rlib</a:t>
-            </a:r>
-            <a:r>
-              <a:rPr lang="en-US" sz="1600" dirty="0"/>
-              <a:t> </a:t>
-            </a:r>
-            <a:endParaRPr lang="en-US" dirty="0"/>
-          </a:p>
-        </p:txBody>
-      </p:sp>
-      <p:sp>
-        <p:nvSpPr>
-          <p:cNvPr id="4" name="Slide Number Placeholder 3">
-            <a:extLst>
-              <a:ext uri="{FF2B5EF4-FFF2-40B4-BE49-F238E27FC236}">
-                <a16:creationId xmlns:a16="http://schemas.microsoft.com/office/drawing/2014/main" id="{FB86EBC9-38EB-45E0-888F-00C85D25B659}"/>
-              </a:ext>
-            </a:extLst>
-          </p:cNvPr>
-          <p:cNvSpPr>
-            <a:spLocks noGrp="1"/>
-          </p:cNvSpPr>
-          <p:nvPr>
-            <p:ph type="sldNum" sz="quarter" idx="12"/>
-          </p:nvPr>
-        </p:nvSpPr>
-        <p:spPr/>
-        <p:txBody>
-          <a:bodyPr/>
-          <a:lstStyle/>
-          <a:p>
-            <a:fld id="{519FA752-D1CF-498F-B0BD-05E47309CED3}" type="slidenum">
-              <a:rPr lang="en-US" smtClean="0"/>
-              <a:t>7</a:t>
-            </a:fld>
-            <a:endParaRPr lang="en-US"/>
           </a:p>
         </p:txBody>
       </p:sp>
     </p:spTree>
     <p:extLst>
       <p:ext uri="{BB962C8B-B14F-4D97-AF65-F5344CB8AC3E}">
-        <p14:creationId xmlns:p14="http://schemas.microsoft.com/office/powerpoint/2010/main" val="3230229704"/>
+        <p14:creationId xmlns:p14="http://schemas.microsoft.com/office/powerpoint/2010/main" val="874193107"/>
       </p:ext>
     </p:extLst>
   </p:cSld>
@@ -14783,21 +14457,21 @@
           <p:cNvPr id="2" name="Title 1">
             <a:extLst>
               <a:ext uri="{FF2B5EF4-FFF2-40B4-BE49-F238E27FC236}">
-                <a16:creationId xmlns:a16="http://schemas.microsoft.com/office/drawing/2014/main" id="{93D6006B-C29C-47FA-B1CC-9E255344B14A}"/>
-              </a:ext>
-            </a:extLst>
-          </p:cNvPr>
-          <p:cNvSpPr>
-            <a:spLocks noGrp="1"/>
-          </p:cNvSpPr>
-          <p:nvPr>
-            <p:ph type="title"/>
+                <a16:creationId xmlns:a16="http://schemas.microsoft.com/office/drawing/2014/main" id="{7931F950-B483-4831-A37F-784D41C54C0E}"/>
+              </a:ext>
+            </a:extLst>
+          </p:cNvPr>
+          <p:cNvSpPr>
+            <a:spLocks noGrp="1"/>
+          </p:cNvSpPr>
+          <p:nvPr>
+            <p:ph type="ctrTitle"/>
           </p:nvPr>
         </p:nvSpPr>
         <p:spPr>
           <a:xfrm>
-            <a:off x="838200" y="365126"/>
-            <a:ext cx="10515600" cy="787534"/>
+            <a:off x="1524000" y="1122363"/>
+            <a:ext cx="9144000" cy="2155310"/>
           </a:xfrm>
         </p:spPr>
         <p:txBody>
@@ -14806,168 +14480,76 @@
           <a:p>
             <a:r>
               <a:rPr lang="en-US" dirty="0"/>
-              <a:t>Crate</a:t>
-            </a:r>
-          </a:p>
-        </p:txBody>
-      </p:sp>
-      <p:sp>
-        <p:nvSpPr>
-          <p:cNvPr id="3" name="Content Placeholder 2">
-            <a:extLst>
-              <a:ext uri="{FF2B5EF4-FFF2-40B4-BE49-F238E27FC236}">
-                <a16:creationId xmlns:a16="http://schemas.microsoft.com/office/drawing/2014/main" id="{A23BFFD7-95C1-4A13-B7A6-5E36757A1050}"/>
-              </a:ext>
-            </a:extLst>
-          </p:cNvPr>
-          <p:cNvSpPr>
-            <a:spLocks noGrp="1"/>
-          </p:cNvSpPr>
-          <p:nvPr>
-            <p:ph idx="1"/>
+              <a:t>Rust Models</a:t>
+            </a:r>
+            <a:br>
+              <a:rPr lang="en-US" dirty="0"/>
+            </a:br>
+            <a:r>
+              <a:rPr lang="en-US" sz="3600" dirty="0"/>
+              <a:t>Model 2 – Code Structure</a:t>
+            </a:r>
+            <a:endParaRPr lang="en-US" dirty="0"/>
+          </a:p>
+        </p:txBody>
+      </p:sp>
+      <p:sp>
+        <p:nvSpPr>
+          <p:cNvPr id="3" name="Subtitle 2">
+            <a:extLst>
+              <a:ext uri="{FF2B5EF4-FFF2-40B4-BE49-F238E27FC236}">
+                <a16:creationId xmlns:a16="http://schemas.microsoft.com/office/drawing/2014/main" id="{D9CD4FAC-1FAC-470C-A1D5-392002A7D018}"/>
+              </a:ext>
+            </a:extLst>
+          </p:cNvPr>
+          <p:cNvSpPr>
+            <a:spLocks noGrp="1"/>
+          </p:cNvSpPr>
+          <p:nvPr>
+            <p:ph type="subTitle" idx="1"/>
           </p:nvPr>
         </p:nvSpPr>
         <p:spPr>
           <a:xfrm>
-            <a:off x="838200" y="1332964"/>
-            <a:ext cx="10515600" cy="4844000"/>
+            <a:off x="1524000" y="3981450"/>
+            <a:ext cx="9144000" cy="1276349"/>
           </a:xfrm>
         </p:spPr>
         <p:txBody>
-          <a:bodyPr/>
-          <a:lstStyle/>
-          <a:p>
-            <a:r>
-              <a:rPr lang="en-US" dirty="0"/>
-              <a:t>The source form of a crate is composed of:</a:t>
-            </a:r>
-          </a:p>
-          <a:p>
-            <a:pPr lvl="1"/>
-            <a:r>
-              <a:rPr lang="en-US" dirty="0"/>
-              <a:t>A crate root, main.rs or lib.rs, and a set of zero or more supporting source files called modules, all found in the /</a:t>
-            </a:r>
-            <a:r>
-              <a:rPr lang="en-US" dirty="0" err="1"/>
-              <a:t>src</a:t>
-            </a:r>
-            <a:r>
-              <a:rPr lang="en-US" dirty="0"/>
-              <a:t> folder.</a:t>
-            </a:r>
-          </a:p>
-          <a:p>
-            <a:pPr lvl="1"/>
-            <a:r>
-              <a:rPr lang="en-US" dirty="0"/>
-              <a:t>The crate root loads any modules identified with the keyword mod at the top of its source.</a:t>
-            </a:r>
-          </a:p>
-          <a:p>
-            <a:pPr lvl="2"/>
-            <a:r>
-              <a:rPr lang="en-US" dirty="0"/>
-              <a:t>mod </a:t>
-            </a:r>
-            <a:r>
-              <a:rPr lang="en-US" dirty="0" err="1"/>
-              <a:t>some_module</a:t>
-            </a:r>
-            <a:r>
-              <a:rPr lang="en-US" dirty="0"/>
-              <a:t>  </a:t>
-            </a:r>
-            <a:r>
-              <a:rPr lang="en-US" dirty="0">
-                <a:sym typeface="Wingdings" panose="05000000000000000000" pitchFamily="2" charset="2"/>
-              </a:rPr>
-              <a:t> loads some_module.rs</a:t>
-            </a:r>
-            <a:endParaRPr lang="en-US" dirty="0"/>
-          </a:p>
-          <a:p>
-            <a:pPr lvl="1"/>
-            <a:r>
-              <a:rPr lang="en-US" dirty="0"/>
-              <a:t>Each module may also load other modules.</a:t>
-            </a:r>
-          </a:p>
-          <a:p>
-            <a:pPr lvl="1"/>
-            <a:r>
-              <a:rPr lang="en-US" dirty="0"/>
-              <a:t>So the source form of a crate is the crate root and a tree of modules</a:t>
-            </a:r>
-          </a:p>
-          <a:p>
-            <a:r>
-              <a:rPr lang="en-US" dirty="0"/>
-              <a:t>The translation form of a crate is a single compiled file, e.g., one of:</a:t>
-            </a:r>
-          </a:p>
-          <a:p>
-            <a:pPr lvl="1"/>
-            <a:r>
-              <a:rPr lang="en-US" dirty="0"/>
-              <a:t>/target/debug/[package_name].exe</a:t>
-            </a:r>
-          </a:p>
-          <a:p>
-            <a:pPr lvl="1"/>
-            <a:r>
-              <a:rPr lang="en-US" dirty="0"/>
-              <a:t>/target/debug/lib[</a:t>
-            </a:r>
-            <a:r>
-              <a:rPr lang="en-US" dirty="0" err="1"/>
-              <a:t>package_name</a:t>
-            </a:r>
-            <a:r>
-              <a:rPr lang="en-US" dirty="0"/>
-              <a:t>].</a:t>
-            </a:r>
-            <a:r>
-              <a:rPr lang="en-US" dirty="0" err="1"/>
-              <a:t>rlib</a:t>
-            </a:r>
-            <a:endParaRPr lang="en-US" dirty="0"/>
-          </a:p>
-        </p:txBody>
-      </p:sp>
-      <p:sp>
-        <p:nvSpPr>
-          <p:cNvPr id="4" name="Slide Number Placeholder 3">
-            <a:extLst>
-              <a:ext uri="{FF2B5EF4-FFF2-40B4-BE49-F238E27FC236}">
-                <a16:creationId xmlns:a16="http://schemas.microsoft.com/office/drawing/2014/main" id="{51062265-F495-4B04-AAAB-10AA027687E2}"/>
-              </a:ext>
-            </a:extLst>
-          </p:cNvPr>
-          <p:cNvSpPr>
-            <a:spLocks noGrp="1"/>
-          </p:cNvSpPr>
-          <p:nvPr>
-            <p:ph type="sldNum" sz="quarter" idx="12"/>
-          </p:nvPr>
-        </p:nvSpPr>
-        <p:spPr/>
-        <p:txBody>
-          <a:bodyPr/>
-          <a:lstStyle/>
-          <a:p>
-            <a:fld id="{519FA752-D1CF-498F-B0BD-05E47309CED3}" type="slidenum">
-              <a:rPr lang="en-US" smtClean="0"/>
-              <a:t>8</a:t>
-            </a:fld>
-            <a:endParaRPr lang="en-US"/>
+          <a:bodyPr>
+            <a:normAutofit/>
+          </a:bodyPr>
+          <a:lstStyle/>
+          <a:p>
+            <a:r>
+              <a:rPr lang="en-US" sz="2800" dirty="0"/>
+              <a:t>Jim Fawcett</a:t>
+            </a:r>
+          </a:p>
+          <a:p>
+            <a:r>
+              <a:rPr lang="en-US" sz="2800" dirty="0">
+                <a:hlinkClick r:id="rId2"/>
+              </a:rPr>
+              <a:t>https://JimFawcett.github.io</a:t>
+            </a:r>
+            <a:r>
+              <a:rPr lang="en-US" sz="2800" dirty="0"/>
+              <a:t> </a:t>
+            </a:r>
+          </a:p>
+          <a:p>
+            <a:endParaRPr lang="en-US" sz="2800" dirty="0"/>
+          </a:p>
+          <a:p>
+            <a:endParaRPr lang="en-US" sz="2800" dirty="0"/>
           </a:p>
         </p:txBody>
       </p:sp>
     </p:spTree>
     <p:extLst>
       <p:ext uri="{BB962C8B-B14F-4D97-AF65-F5344CB8AC3E}">
-        <p14:creationId xmlns:p14="http://schemas.microsoft.com/office/powerpoint/2010/main" val="1866279867"/>
+        <p14:creationId xmlns:p14="http://schemas.microsoft.com/office/powerpoint/2010/main" val="3326469671"/>
       </p:ext>
     </p:extLst>
   </p:cSld>
@@ -14999,7 +14581,7 @@
           <p:cNvPr id="2" name="Title 1">
             <a:extLst>
               <a:ext uri="{FF2B5EF4-FFF2-40B4-BE49-F238E27FC236}">
-                <a16:creationId xmlns:a16="http://schemas.microsoft.com/office/drawing/2014/main" id="{2C99F319-3A85-4F57-A758-EA61655F9291}"/>
+                <a16:creationId xmlns:a16="http://schemas.microsoft.com/office/drawing/2014/main" id="{2DA78C8E-1405-43D4-B5DC-3299EBEFBF83}"/>
               </a:ext>
             </a:extLst>
           </p:cNvPr>
@@ -15012,70 +14594,116 @@
         </p:nvSpPr>
         <p:spPr>
           <a:xfrm>
-            <a:off x="838200" y="365126"/>
-            <a:ext cx="10515600" cy="678064"/>
+            <a:off x="838200" y="429519"/>
+            <a:ext cx="10515600" cy="858369"/>
+          </a:xfrm>
+          <a:solidFill>
+            <a:schemeClr val="bg2"/>
+          </a:solidFill>
+        </p:spPr>
+        <p:txBody>
+          <a:bodyPr/>
+          <a:lstStyle/>
+          <a:p>
+            <a:r>
+              <a:rPr lang="en-US" dirty="0"/>
+              <a:t>2. Code Structure	</a:t>
+            </a:r>
+            <a:r>
+              <a:rPr lang="en-US" sz="1600" dirty="0">
+                <a:hlinkClick r:id="rId2"/>
+              </a:rPr>
+              <a:t>https://jimfawcett.github.io/RustStory_Models.html#structure</a:t>
+            </a:r>
+            <a:endParaRPr lang="en-US" dirty="0"/>
+          </a:p>
+        </p:txBody>
+      </p:sp>
+      <p:sp>
+        <p:nvSpPr>
+          <p:cNvPr id="3" name="Content Placeholder 2">
+            <a:extLst>
+              <a:ext uri="{FF2B5EF4-FFF2-40B4-BE49-F238E27FC236}">
+                <a16:creationId xmlns:a16="http://schemas.microsoft.com/office/drawing/2014/main" id="{E4E7F0BC-9530-4956-975C-BA4069BB6C8A}"/>
+              </a:ext>
+            </a:extLst>
+          </p:cNvPr>
+          <p:cNvSpPr>
+            <a:spLocks noGrp="1"/>
+          </p:cNvSpPr>
+          <p:nvPr>
+            <p:ph idx="1"/>
+          </p:nvPr>
+        </p:nvSpPr>
+        <p:spPr>
+          <a:xfrm>
+            <a:off x="838200" y="1564783"/>
+            <a:ext cx="10515600" cy="4612180"/>
           </a:xfrm>
         </p:spPr>
         <p:txBody>
-          <a:bodyPr/>
-          <a:lstStyle/>
-          <a:p>
-            <a:r>
-              <a:rPr lang="en-US" dirty="0"/>
-              <a:t>Packages</a:t>
-            </a:r>
-          </a:p>
-        </p:txBody>
-      </p:sp>
-      <p:sp>
-        <p:nvSpPr>
-          <p:cNvPr id="3" name="Content Placeholder 2">
-            <a:extLst>
-              <a:ext uri="{FF2B5EF4-FFF2-40B4-BE49-F238E27FC236}">
-                <a16:creationId xmlns:a16="http://schemas.microsoft.com/office/drawing/2014/main" id="{DB7FCAD0-25F5-4E69-A0FA-54DC54141F14}"/>
-              </a:ext>
-            </a:extLst>
-          </p:cNvPr>
-          <p:cNvSpPr>
-            <a:spLocks noGrp="1"/>
-          </p:cNvSpPr>
-          <p:nvPr>
-            <p:ph idx="1"/>
-          </p:nvPr>
-        </p:nvSpPr>
-        <p:spPr>
-          <a:xfrm>
-            <a:off x="838200" y="1249250"/>
-            <a:ext cx="10515600" cy="4732987"/>
-          </a:xfrm>
-        </p:spPr>
-        <p:txBody>
           <a:bodyPr>
-            <a:noAutofit/>
+            <a:normAutofit/>
           </a:bodyPr>
           <a:lstStyle/>
           <a:p>
             <a:r>
               <a:rPr lang="en-US" sz="2400" dirty="0"/>
-              <a:t>A Package is a collection of directories and files that are the basis for builds</a:t>
+              <a:t>Source code is written in files</a:t>
+            </a:r>
+          </a:p>
+          <a:p>
+            <a:r>
+              <a:rPr lang="en-US" sz="2400" dirty="0"/>
+              <a:t>For many software systems file structures become large and hard to understand.</a:t>
+            </a:r>
+          </a:p>
+          <a:p>
+            <a:r>
+              <a:rPr lang="en-US" sz="2400" dirty="0"/>
+              <a:t>To support readability and maintenance, we create packages that consist of a few files with a single purpose and document the purpose and design in comments.</a:t>
             </a:r>
           </a:p>
           <a:p>
             <a:pPr lvl="1"/>
             <a:r>
-              <a:rPr lang="en-US" sz="2000" dirty="0" err="1"/>
-              <a:t>Cargo.toml</a:t>
-            </a:r>
-            <a:r>
               <a:rPr lang="en-US" sz="2000" dirty="0"/>
-              <a:t> – specifies package metadata, dependencies, and optional directives</a:t>
+              <a:t>Source files are units of construction</a:t>
+            </a:r>
+          </a:p>
+          <a:p>
+            <a:pPr lvl="2"/>
+            <a:r>
+              <a:rPr lang="en-US" sz="1600" dirty="0"/>
+              <a:t>Binaries	    - /src/main.rs – has main function, builds to an executable</a:t>
+            </a:r>
+          </a:p>
+          <a:p>
+            <a:pPr lvl="2"/>
+            <a:r>
+              <a:rPr lang="en-US" sz="1600" dirty="0"/>
+              <a:t>Libraries    - /src/lib.rs     – builds to library</a:t>
+            </a:r>
+          </a:p>
+          <a:p>
+            <a:pPr lvl="2"/>
+            <a:r>
+              <a:rPr lang="en-US" sz="1600" dirty="0"/>
+              <a:t>Modules    - /src/*.rs       – loaded when building binaries and libraries </a:t>
             </a:r>
           </a:p>
           <a:p>
             <a:pPr lvl="1"/>
             <a:r>
               <a:rPr lang="en-US" sz="2000" dirty="0"/>
-              <a:t>/</a:t>
+              <a:t>A Crate is a unit of translation</a:t>
+            </a:r>
+          </a:p>
+          <a:p>
+            <a:pPr lvl="1"/>
+            <a:r>
+              <a:rPr lang="en-US" sz="2000" dirty="0"/>
+              <a:t>Crates start as a set of source files in the /</a:t>
             </a:r>
             <a:r>
               <a:rPr lang="en-US" sz="2000" dirty="0" err="1"/>
@@ -15083,75 +14711,38 @@
             </a:r>
             <a:r>
               <a:rPr lang="en-US" sz="2000" dirty="0"/>
-              <a:t> – directory containing a binary or library source crate</a:t>
-            </a:r>
-          </a:p>
-          <a:p>
-            <a:pPr lvl="1"/>
-            <a:r>
-              <a:rPr lang="en-US" sz="2000" dirty="0"/>
-              <a:t>/target – directory containing translated binaries or libraries</a:t>
-            </a:r>
-          </a:p>
-          <a:p>
-            <a:pPr lvl="1"/>
-            <a:r>
-              <a:rPr lang="en-US" sz="2000" dirty="0"/>
-              <a:t>/examples – directory containing example code that exercises the package library</a:t>
-            </a:r>
-          </a:p>
-          <a:p>
-            <a:r>
-              <a:rPr lang="en-US" sz="2400" dirty="0"/>
-              <a:t>The Rust build system is transitive</a:t>
-            </a:r>
-          </a:p>
-          <a:p>
-            <a:pPr lvl="1"/>
-            <a:r>
-              <a:rPr lang="en-US" sz="2000" dirty="0"/>
-              <a:t>Builds start with the package root </a:t>
-            </a:r>
-            <a:r>
-              <a:rPr lang="en-US" sz="2000" dirty="0" err="1"/>
-              <a:t>cargo.toml</a:t>
-            </a:r>
-            <a:endParaRPr lang="en-US" sz="2000" dirty="0"/>
-          </a:p>
-          <a:p>
-            <a:pPr lvl="1"/>
-            <a:r>
-              <a:rPr lang="en-US" sz="2000" dirty="0"/>
-              <a:t>Parse it to find dependencies</a:t>
-            </a:r>
-          </a:p>
-          <a:p>
-            <a:pPr lvl="1"/>
-            <a:r>
-              <a:rPr lang="en-US" sz="2000" dirty="0"/>
-              <a:t>Load the depending library and parse its </a:t>
-            </a:r>
-            <a:r>
-              <a:rPr lang="en-US" sz="2000" dirty="0" err="1"/>
-              <a:t>cargo.toml</a:t>
-            </a:r>
-            <a:endParaRPr lang="en-US" sz="2000" dirty="0"/>
-          </a:p>
-          <a:p>
-            <a:pPr lvl="1"/>
-            <a:r>
-              <a:rPr lang="en-US" sz="2000" dirty="0"/>
-              <a:t>…</a:t>
-            </a:r>
-          </a:p>
-          <a:p>
-            <a:pPr lvl="1"/>
-            <a:r>
-              <a:rPr lang="en-US" sz="2000" dirty="0"/>
-              <a:t>Build the local crate along with its dependencies</a:t>
-            </a:r>
-          </a:p>
-          <a:p>
+              <a:t> directory and compile to a single file:</a:t>
+            </a:r>
+          </a:p>
+          <a:p>
+            <a:pPr lvl="2"/>
+            <a:r>
+              <a:rPr lang="en-US" sz="1600" dirty="0"/>
+              <a:t>Binaries    - /target/debug/[package_name].exe on windows</a:t>
+            </a:r>
+          </a:p>
+          <a:p>
+            <a:pPr lvl="2"/>
+            <a:r>
+              <a:rPr lang="en-US" sz="1600" dirty="0"/>
+              <a:t>Libraries   - /target/debug/lib[</a:t>
+            </a:r>
+            <a:r>
+              <a:rPr lang="en-US" sz="1600" dirty="0" err="1"/>
+              <a:t>package_name</a:t>
+            </a:r>
+            <a:r>
+              <a:rPr lang="en-US" sz="1600" dirty="0"/>
+              <a:t>].</a:t>
+            </a:r>
+            <a:r>
+              <a:rPr lang="en-US" sz="1600" dirty="0" err="1"/>
+              <a:t>rlib</a:t>
+            </a:r>
+            <a:r>
+              <a:rPr lang="en-US" sz="1600" dirty="0"/>
+              <a:t> </a:t>
+            </a:r>
             <a:endParaRPr lang="en-US" dirty="0"/>
           </a:p>
         </p:txBody>
@@ -15161,7 +14752,7 @@
           <p:cNvPr id="4" name="Slide Number Placeholder 3">
             <a:extLst>
               <a:ext uri="{FF2B5EF4-FFF2-40B4-BE49-F238E27FC236}">
-                <a16:creationId xmlns:a16="http://schemas.microsoft.com/office/drawing/2014/main" id="{826F7309-A4E9-499F-84AB-9C80EBB2194D}"/>
+                <a16:creationId xmlns:a16="http://schemas.microsoft.com/office/drawing/2014/main" id="{FB86EBC9-38EB-45E0-888F-00C85D25B659}"/>
               </a:ext>
             </a:extLst>
           </p:cNvPr>
@@ -15188,7 +14779,7 @@
     </p:spTree>
     <p:extLst>
       <p:ext uri="{BB962C8B-B14F-4D97-AF65-F5344CB8AC3E}">
-        <p14:creationId xmlns:p14="http://schemas.microsoft.com/office/powerpoint/2010/main" val="1678013006"/>
+        <p14:creationId xmlns:p14="http://schemas.microsoft.com/office/powerpoint/2010/main" val="3230229704"/>
       </p:ext>
     </p:extLst>
   </p:cSld>

--- a/Resources/RustModels.pptx
+++ b/Resources/RustModels.pptx
@@ -8850,19 +8850,20 @@
               <a:t>https://JimFawcett.github.io</a:t>
             </a:r>
             <a:r>
-              <a:rPr lang="en-US" dirty="0"/>
+              <a:rPr lang="en-US"/>
               <a:t>, </a:t>
             </a:r>
             <a:r>
-              <a:rPr lang="en-US" dirty="0">
+              <a:rPr lang="en-US">
                 <a:hlinkClick r:id="rId3"/>
               </a:rPr>
-              <a:t>https://JimFawcett.github.io/Resources/RustModel.pdf</a:t>
-            </a:r>
-            <a:r>
-              <a:rPr lang="en-US" dirty="0"/>
+              <a:t>https://jimfawcett.github.io/Resources/RustModels.pdf</a:t>
+            </a:r>
+            <a:r>
+              <a:rPr lang="en-US"/>
               <a:t> </a:t>
             </a:r>
+            <a:endParaRPr lang="en-US" dirty="0"/>
           </a:p>
           <a:p>
             <a:r>

--- a/Resources/RustModels.pptx
+++ b/Resources/RustModels.pptx
@@ -266,7 +266,7 @@
           <a:p>
             <a:fld id="{8B9DEAE6-0538-4445-AC69-E9546F37B6FF}" type="datetimeFigureOut">
               <a:rPr lang="en-US" smtClean="0"/>
-              <a:t>3/30/2020</a:t>
+              <a:t>3/31/2020</a:t>
             </a:fld>
             <a:endParaRPr lang="en-US"/>
           </a:p>
@@ -680,7 +680,7 @@
           <a:p>
             <a:fld id="{F59BA8CD-9D66-40F3-B663-5AE3FCC8E640}" type="datetime1">
               <a:rPr lang="en-US" smtClean="0"/>
-              <a:t>3/30/2020</a:t>
+              <a:t>3/31/2020</a:t>
             </a:fld>
             <a:endParaRPr lang="en-US"/>
           </a:p>
@@ -878,7 +878,7 @@
           <a:p>
             <a:fld id="{AE815081-8781-4CE2-BA8A-F30EB62592DB}" type="datetime1">
               <a:rPr lang="en-US" smtClean="0"/>
-              <a:t>3/30/2020</a:t>
+              <a:t>3/31/2020</a:t>
             </a:fld>
             <a:endParaRPr lang="en-US"/>
           </a:p>
@@ -1086,7 +1086,7 @@
           <a:p>
             <a:fld id="{1436B19E-3845-4454-9B00-81A37311B2DB}" type="datetime1">
               <a:rPr lang="en-US" smtClean="0"/>
-              <a:t>3/30/2020</a:t>
+              <a:t>3/31/2020</a:t>
             </a:fld>
             <a:endParaRPr lang="en-US"/>
           </a:p>
@@ -1294,7 +1294,7 @@
           <a:p>
             <a:fld id="{51BD0182-F02D-41FA-88F8-DAAE45FECD96}" type="datetime1">
               <a:rPr lang="en-US" smtClean="0"/>
-              <a:t>3/30/2020</a:t>
+              <a:t>3/31/2020</a:t>
             </a:fld>
             <a:endParaRPr lang="en-US"/>
           </a:p>
@@ -1574,7 +1574,7 @@
           <a:p>
             <a:fld id="{97DD5E3A-970B-45DB-AC65-C654B1C83769}" type="datetime1">
               <a:rPr lang="en-US" smtClean="0"/>
-              <a:t>3/30/2020</a:t>
+              <a:t>3/31/2020</a:t>
             </a:fld>
             <a:endParaRPr lang="en-US"/>
           </a:p>
@@ -1844,7 +1844,7 @@
           <a:p>
             <a:fld id="{A0C75F36-CE33-4D01-AEC1-8AE85EBDD5C0}" type="datetime1">
               <a:rPr lang="en-US" smtClean="0"/>
-              <a:t>3/30/2020</a:t>
+              <a:t>3/31/2020</a:t>
             </a:fld>
             <a:endParaRPr lang="en-US"/>
           </a:p>
@@ -2261,7 +2261,7 @@
           <a:p>
             <a:fld id="{2F12ED4E-FBDA-4929-861C-48D0B255396D}" type="datetime1">
               <a:rPr lang="en-US" smtClean="0"/>
-              <a:t>3/30/2020</a:t>
+              <a:t>3/31/2020</a:t>
             </a:fld>
             <a:endParaRPr lang="en-US"/>
           </a:p>
@@ -2407,7 +2407,7 @@
           <a:p>
             <a:fld id="{71274C8E-8698-45E5-8BD5-3125D835571A}" type="datetime1">
               <a:rPr lang="en-US" smtClean="0"/>
-              <a:t>3/30/2020</a:t>
+              <a:t>3/31/2020</a:t>
             </a:fld>
             <a:endParaRPr lang="en-US"/>
           </a:p>
@@ -2525,7 +2525,7 @@
           <a:p>
             <a:fld id="{EAAEADE5-9122-4DD1-9AF9-D9EE601260DA}" type="datetime1">
               <a:rPr lang="en-US" smtClean="0"/>
-              <a:t>3/30/2020</a:t>
+              <a:t>3/31/2020</a:t>
             </a:fld>
             <a:endParaRPr lang="en-US"/>
           </a:p>
@@ -2836,7 +2836,7 @@
           <a:p>
             <a:fld id="{AF0EE2CB-ACA5-4190-BF2E-27B23A7D63ED}" type="datetime1">
               <a:rPr lang="en-US" smtClean="0"/>
-              <a:t>3/30/2020</a:t>
+              <a:t>3/31/2020</a:t>
             </a:fld>
             <a:endParaRPr lang="en-US"/>
           </a:p>
@@ -3124,7 +3124,7 @@
           <a:p>
             <a:fld id="{8071D197-35A9-4BC6-A7E3-13AE8964F43E}" type="datetime1">
               <a:rPr lang="en-US" smtClean="0"/>
-              <a:t>3/30/2020</a:t>
+              <a:t>3/31/2020</a:t>
             </a:fld>
             <a:endParaRPr lang="en-US"/>
           </a:p>
@@ -3365,7 +3365,7 @@
           <a:p>
             <a:fld id="{A6174D4B-69CC-457D-9299-B97313C54882}" type="datetime1">
               <a:rPr lang="en-US" smtClean="0"/>
-              <a:t>3/30/2020</a:t>
+              <a:t>3/31/2020</a:t>
             </a:fld>
             <a:endParaRPr lang="en-US"/>
           </a:p>

--- a/Resources/RustModels.pptx
+++ b/Resources/RustModels.pptx
@@ -5,7 +5,7 @@
     <p:sldMasterId id="2147483648" r:id="rId1"/>
   </p:sldMasterIdLst>
   <p:notesMasterIdLst>
-    <p:notesMasterId r:id="rId65"/>
+    <p:notesMasterId r:id="rId63"/>
   </p:notesMasterIdLst>
   <p:sldIdLst>
     <p:sldId id="256" r:id="rId2"/>
@@ -53,24 +53,22 @@
     <p:sldId id="359" r:id="rId44"/>
     <p:sldId id="260" r:id="rId45"/>
     <p:sldId id="303" r:id="rId46"/>
-    <p:sldId id="302" r:id="rId47"/>
-    <p:sldId id="283" r:id="rId48"/>
-    <p:sldId id="262" r:id="rId49"/>
-    <p:sldId id="263" r:id="rId50"/>
-    <p:sldId id="264" r:id="rId51"/>
-    <p:sldId id="265" r:id="rId52"/>
-    <p:sldId id="361" r:id="rId53"/>
-    <p:sldId id="267" r:id="rId54"/>
-    <p:sldId id="306" r:id="rId55"/>
-    <p:sldId id="269" r:id="rId56"/>
-    <p:sldId id="270" r:id="rId57"/>
-    <p:sldId id="316" r:id="rId58"/>
-    <p:sldId id="281" r:id="rId59"/>
-    <p:sldId id="268" r:id="rId60"/>
-    <p:sldId id="282" r:id="rId61"/>
-    <p:sldId id="321" r:id="rId62"/>
-    <p:sldId id="322" r:id="rId63"/>
-    <p:sldId id="320" r:id="rId64"/>
+    <p:sldId id="362" r:id="rId47"/>
+    <p:sldId id="302" r:id="rId48"/>
+    <p:sldId id="283" r:id="rId49"/>
+    <p:sldId id="262" r:id="rId50"/>
+    <p:sldId id="263" r:id="rId51"/>
+    <p:sldId id="264" r:id="rId52"/>
+    <p:sldId id="265" r:id="rId53"/>
+    <p:sldId id="361" r:id="rId54"/>
+    <p:sldId id="267" r:id="rId55"/>
+    <p:sldId id="306" r:id="rId56"/>
+    <p:sldId id="269" r:id="rId57"/>
+    <p:sldId id="270" r:id="rId58"/>
+    <p:sldId id="316" r:id="rId59"/>
+    <p:sldId id="281" r:id="rId60"/>
+    <p:sldId id="268" r:id="rId61"/>
+    <p:sldId id="282" r:id="rId62"/>
   </p:sldIdLst>
   <p:sldSz cx="12192000" cy="6858000"/>
   <p:notesSz cx="9296400" cy="7010400"/>
@@ -259,7 +257,7 @@
           <a:p>
             <a:fld id="{8B9DEAE6-0538-4445-AC69-E9546F37B6FF}" type="datetimeFigureOut">
               <a:rPr lang="en-US" smtClean="0"/>
-              <a:t>4/3/2020</a:t>
+              <a:t>4/4/2020</a:t>
             </a:fld>
             <a:endParaRPr lang="en-US"/>
           </a:p>
@@ -673,7 +671,7 @@
           <a:p>
             <a:fld id="{F59BA8CD-9D66-40F3-B663-5AE3FCC8E640}" type="datetime1">
               <a:rPr lang="en-US" smtClean="0"/>
-              <a:t>4/3/2020</a:t>
+              <a:t>4/4/2020</a:t>
             </a:fld>
             <a:endParaRPr lang="en-US"/>
           </a:p>
@@ -871,7 +869,7 @@
           <a:p>
             <a:fld id="{AE815081-8781-4CE2-BA8A-F30EB62592DB}" type="datetime1">
               <a:rPr lang="en-US" smtClean="0"/>
-              <a:t>4/3/2020</a:t>
+              <a:t>4/4/2020</a:t>
             </a:fld>
             <a:endParaRPr lang="en-US"/>
           </a:p>
@@ -1079,7 +1077,7 @@
           <a:p>
             <a:fld id="{1436B19E-3845-4454-9B00-81A37311B2DB}" type="datetime1">
               <a:rPr lang="en-US" smtClean="0"/>
-              <a:t>4/3/2020</a:t>
+              <a:t>4/4/2020</a:t>
             </a:fld>
             <a:endParaRPr lang="en-US"/>
           </a:p>
@@ -1287,7 +1285,7 @@
           <a:p>
             <a:fld id="{51BD0182-F02D-41FA-88F8-DAAE45FECD96}" type="datetime1">
               <a:rPr lang="en-US" smtClean="0"/>
-              <a:t>4/3/2020</a:t>
+              <a:t>4/4/2020</a:t>
             </a:fld>
             <a:endParaRPr lang="en-US"/>
           </a:p>
@@ -1567,7 +1565,7 @@
           <a:p>
             <a:fld id="{97DD5E3A-970B-45DB-AC65-C654B1C83769}" type="datetime1">
               <a:rPr lang="en-US" smtClean="0"/>
-              <a:t>4/3/2020</a:t>
+              <a:t>4/4/2020</a:t>
             </a:fld>
             <a:endParaRPr lang="en-US"/>
           </a:p>
@@ -1837,7 +1835,7 @@
           <a:p>
             <a:fld id="{A0C75F36-CE33-4D01-AEC1-8AE85EBDD5C0}" type="datetime1">
               <a:rPr lang="en-US" smtClean="0"/>
-              <a:t>4/3/2020</a:t>
+              <a:t>4/4/2020</a:t>
             </a:fld>
             <a:endParaRPr lang="en-US"/>
           </a:p>
@@ -2254,7 +2252,7 @@
           <a:p>
             <a:fld id="{2F12ED4E-FBDA-4929-861C-48D0B255396D}" type="datetime1">
               <a:rPr lang="en-US" smtClean="0"/>
-              <a:t>4/3/2020</a:t>
+              <a:t>4/4/2020</a:t>
             </a:fld>
             <a:endParaRPr lang="en-US"/>
           </a:p>
@@ -2400,7 +2398,7 @@
           <a:p>
             <a:fld id="{71274C8E-8698-45E5-8BD5-3125D835571A}" type="datetime1">
               <a:rPr lang="en-US" smtClean="0"/>
-              <a:t>4/3/2020</a:t>
+              <a:t>4/4/2020</a:t>
             </a:fld>
             <a:endParaRPr lang="en-US"/>
           </a:p>
@@ -2518,7 +2516,7 @@
           <a:p>
             <a:fld id="{EAAEADE5-9122-4DD1-9AF9-D9EE601260DA}" type="datetime1">
               <a:rPr lang="en-US" smtClean="0"/>
-              <a:t>4/3/2020</a:t>
+              <a:t>4/4/2020</a:t>
             </a:fld>
             <a:endParaRPr lang="en-US"/>
           </a:p>
@@ -2829,7 +2827,7 @@
           <a:p>
             <a:fld id="{AF0EE2CB-ACA5-4190-BF2E-27B23A7D63ED}" type="datetime1">
               <a:rPr lang="en-US" smtClean="0"/>
-              <a:t>4/3/2020</a:t>
+              <a:t>4/4/2020</a:t>
             </a:fld>
             <a:endParaRPr lang="en-US"/>
           </a:p>
@@ -3117,7 +3115,7 @@
           <a:p>
             <a:fld id="{8071D197-35A9-4BC6-A7E3-13AE8964F43E}" type="datetime1">
               <a:rPr lang="en-US" smtClean="0"/>
-              <a:t>4/3/2020</a:t>
+              <a:t>4/4/2020</a:t>
             </a:fld>
             <a:endParaRPr lang="en-US"/>
           </a:p>
@@ -3358,7 +3356,7 @@
           <a:p>
             <a:fld id="{A6174D4B-69CC-457D-9299-B97313C54882}" type="datetime1">
               <a:rPr lang="en-US" smtClean="0"/>
-              <a:t>4/3/2020</a:t>
+              <a:t>4/4/2020</a:t>
             </a:fld>
             <a:endParaRPr lang="en-US"/>
           </a:p>
@@ -9700,7 +9698,7 @@
                 </a:solidFill>
                 <a:latin typeface="Consolas" panose="020B0609020204030204" pitchFamily="49" charset="0"/>
               </a:rPr>
-              <a:t> Show : Debug {</a:t>
+              <a:t> Show for Test {}  </a:t>
             </a:r>
             <a:br>
               <a:rPr lang="en-US" sz="1800" dirty="0">
@@ -9717,7 +9715,7 @@
                 </a:solidFill>
                 <a:latin typeface="Consolas" panose="020B0609020204030204" pitchFamily="49" charset="0"/>
               </a:rPr>
-              <a:t>    </a:t>
+              <a:t>// using default </a:t>
             </a:r>
             <a:r>
               <a:rPr lang="en-US" sz="1800" dirty="0" err="1">
@@ -9726,7 +9724,24 @@
                 </a:solidFill>
                 <a:latin typeface="Consolas" panose="020B0609020204030204" pitchFamily="49" charset="0"/>
               </a:rPr>
-              <a:t>fn</a:t>
+              <a:t>impl</a:t>
+            </a:r>
+            <a:endParaRPr lang="en-US" sz="1800" dirty="0">
+              <a:solidFill>
+                <a:srgbClr val="C00000"/>
+              </a:solidFill>
+              <a:latin typeface="Consolas" panose="020B0609020204030204" pitchFamily="49" charset="0"/>
+            </a:endParaRPr>
+          </a:p>
+          <a:p>
+            <a:r>
+              <a:rPr lang="en-US" sz="1800" dirty="0" err="1">
+                <a:solidFill>
+                  <a:srgbClr val="C00000"/>
+                </a:solidFill>
+                <a:latin typeface="Consolas" panose="020B0609020204030204" pitchFamily="49" charset="0"/>
+              </a:rPr>
+              <a:t>impl</a:t>
             </a:r>
             <a:r>
               <a:rPr lang="en-US" sz="1800" dirty="0">
@@ -9735,7 +9750,7 @@
                 </a:solidFill>
                 <a:latin typeface="Consolas" panose="020B0609020204030204" pitchFamily="49" charset="0"/>
               </a:rPr>
-              <a:t> show(&amp;self) {</a:t>
+              <a:t> Test {</a:t>
             </a:r>
             <a:br>
               <a:rPr lang="en-US" sz="1800" dirty="0">
@@ -9752,7 +9767,25 @@
                 </a:solidFill>
                 <a:latin typeface="Consolas" panose="020B0609020204030204" pitchFamily="49" charset="0"/>
               </a:rPr>
-              <a:t>        print!(“\n  {:?}”, &amp;self);</a:t>
+              <a:t>    pub </a:t>
+            </a:r>
+            <a:r>
+              <a:rPr lang="en-US" sz="1800" dirty="0" err="1">
+                <a:solidFill>
+                  <a:srgbClr val="C00000"/>
+                </a:solidFill>
+                <a:latin typeface="Consolas" panose="020B0609020204030204" pitchFamily="49" charset="0"/>
+              </a:rPr>
+              <a:t>fn</a:t>
+            </a:r>
+            <a:r>
+              <a:rPr lang="en-US" sz="1800" dirty="0">
+                <a:solidFill>
+                  <a:srgbClr val="C00000"/>
+                </a:solidFill>
+                <a:latin typeface="Consolas" panose="020B0609020204030204" pitchFamily="49" charset="0"/>
+              </a:rPr>
+              <a:t> new() -&gt; Self {</a:t>
             </a:r>
             <a:br>
               <a:rPr lang="en-US" sz="1800" dirty="0">
@@ -9769,7 +9802,7 @@
                 </a:solidFill>
                 <a:latin typeface="Consolas" panose="020B0609020204030204" pitchFamily="49" charset="0"/>
               </a:rPr>
-              <a:t>    }</a:t>
+              <a:t>        Self { x:42, y:1.5, }</a:t>
             </a:r>
             <a:br>
               <a:rPr lang="en-US" sz="1800" dirty="0">
@@ -9786,27 +9819,7 @@
                 </a:solidFill>
                 <a:latin typeface="Consolas" panose="020B0609020204030204" pitchFamily="49" charset="0"/>
               </a:rPr>
-              <a:t>}</a:t>
-            </a:r>
-          </a:p>
-          <a:p>
-            <a:r>
-              <a:rPr lang="en-US" sz="1800" dirty="0" err="1">
-                <a:solidFill>
-                  <a:srgbClr val="C00000"/>
-                </a:solidFill>
-                <a:latin typeface="Consolas" panose="020B0609020204030204" pitchFamily="49" charset="0"/>
-              </a:rPr>
-              <a:t>impl</a:t>
-            </a:r>
-            <a:r>
-              <a:rPr lang="en-US" sz="1800" dirty="0">
-                <a:solidFill>
-                  <a:srgbClr val="C00000"/>
-                </a:solidFill>
-                <a:latin typeface="Consolas" panose="020B0609020204030204" pitchFamily="49" charset="0"/>
-              </a:rPr>
-              <a:t> Test {</a:t>
+              <a:t>    }</a:t>
             </a:r>
             <a:br>
               <a:rPr lang="en-US" sz="1800" dirty="0">
@@ -9823,25 +9836,7 @@
                 </a:solidFill>
                 <a:latin typeface="Consolas" panose="020B0609020204030204" pitchFamily="49" charset="0"/>
               </a:rPr>
-              <a:t>    pub </a:t>
-            </a:r>
-            <a:r>
-              <a:rPr lang="en-US" sz="1800" dirty="0" err="1">
-                <a:solidFill>
-                  <a:srgbClr val="C00000"/>
-                </a:solidFill>
-                <a:latin typeface="Consolas" panose="020B0609020204030204" pitchFamily="49" charset="0"/>
-              </a:rPr>
-              <a:t>fn</a:t>
-            </a:r>
-            <a:r>
-              <a:rPr lang="en-US" sz="1800" dirty="0">
-                <a:solidFill>
-                  <a:srgbClr val="C00000"/>
-                </a:solidFill>
-                <a:latin typeface="Consolas" panose="020B0609020204030204" pitchFamily="49" charset="0"/>
-              </a:rPr>
-              <a:t> new() -&gt; Self {</a:t>
+              <a:t>    ...</a:t>
             </a:r>
             <a:br>
               <a:rPr lang="en-US" sz="1800" dirty="0">
@@ -9858,42 +9853,19 @@
                 </a:solidFill>
                 <a:latin typeface="Consolas" panose="020B0609020204030204" pitchFamily="49" charset="0"/>
               </a:rPr>
-              <a:t>        Self { x:42, y:1.5, }</a:t>
-            </a:r>
-            <a:br>
-              <a:rPr lang="en-US" sz="1800" dirty="0">
-                <a:solidFill>
-                  <a:srgbClr val="C00000"/>
-                </a:solidFill>
-                <a:latin typeface="Consolas" panose="020B0609020204030204" pitchFamily="49" charset="0"/>
-              </a:rPr>
-            </a:br>
-            <a:r>
-              <a:rPr lang="en-US" sz="1800" dirty="0">
-                <a:solidFill>
-                  <a:srgbClr val="C00000"/>
-                </a:solidFill>
-                <a:latin typeface="Consolas" panose="020B0609020204030204" pitchFamily="49" charset="0"/>
-              </a:rPr>
-              <a:t>    }</a:t>
-            </a:r>
-            <a:br>
-              <a:rPr lang="en-US" sz="1800" dirty="0">
-                <a:solidFill>
-                  <a:srgbClr val="C00000"/>
-                </a:solidFill>
-                <a:latin typeface="Consolas" panose="020B0609020204030204" pitchFamily="49" charset="0"/>
-              </a:rPr>
-            </a:br>
-            <a:r>
-              <a:rPr lang="en-US" sz="1800" dirty="0">
-                <a:solidFill>
-                  <a:srgbClr val="C00000"/>
-                </a:solidFill>
-                <a:latin typeface="Consolas" panose="020B0609020204030204" pitchFamily="49" charset="0"/>
-              </a:rPr>
               <a:t>}</a:t>
             </a:r>
+          </a:p>
+          <a:p>
+            <a:pPr marL="0" indent="0">
+              <a:buNone/>
+            </a:pPr>
+            <a:endParaRPr lang="en-US" sz="1800" dirty="0">
+              <a:solidFill>
+                <a:srgbClr val="C00000"/>
+              </a:solidFill>
+              <a:latin typeface="Consolas" panose="020B0609020204030204" pitchFamily="49" charset="0"/>
+            </a:endParaRPr>
           </a:p>
         </p:txBody>
       </p:sp>
@@ -12028,7 +12000,7 @@
                 </a:solidFill>
                 <a:latin typeface="Consolas" panose="020B0609020204030204" pitchFamily="49" charset="0"/>
               </a:rPr>
-              <a:t> Show : Debug {</a:t>
+              <a:t> Show for Test {}  </a:t>
             </a:r>
             <a:br>
               <a:rPr lang="en-US" sz="1200" dirty="0">
@@ -12045,7 +12017,7 @@
                 </a:solidFill>
                 <a:latin typeface="Consolas" panose="020B0609020204030204" pitchFamily="49" charset="0"/>
               </a:rPr>
-              <a:t>    </a:t>
+              <a:t>// using default </a:t>
             </a:r>
             <a:r>
               <a:rPr lang="en-US" sz="1200" dirty="0" err="1">
@@ -12054,68 +12026,14 @@
                 </a:solidFill>
                 <a:latin typeface="Consolas" panose="020B0609020204030204" pitchFamily="49" charset="0"/>
               </a:rPr>
-              <a:t>fn</a:t>
-            </a:r>
-            <a:r>
-              <a:rPr lang="en-US" sz="1200" dirty="0">
-                <a:solidFill>
-                  <a:srgbClr val="C00000"/>
-                </a:solidFill>
-                <a:latin typeface="Consolas" panose="020B0609020204030204" pitchFamily="49" charset="0"/>
-              </a:rPr>
-              <a:t> show(&amp;self) {</a:t>
-            </a:r>
-            <a:br>
-              <a:rPr lang="en-US" sz="1200" dirty="0">
-                <a:solidFill>
-                  <a:srgbClr val="C00000"/>
-                </a:solidFill>
-                <a:latin typeface="Consolas" panose="020B0609020204030204" pitchFamily="49" charset="0"/>
-              </a:rPr>
-            </a:br>
-            <a:r>
-              <a:rPr lang="en-US" sz="1200" dirty="0">
-                <a:solidFill>
-                  <a:srgbClr val="C00000"/>
-                </a:solidFill>
-                <a:latin typeface="Consolas" panose="020B0609020204030204" pitchFamily="49" charset="0"/>
-              </a:rPr>
-              <a:t>        print!(“\n  {:?}”, &amp;self);</a:t>
-            </a:r>
-            <a:br>
-              <a:rPr lang="en-US" sz="1200" dirty="0">
-                <a:solidFill>
-                  <a:srgbClr val="C00000"/>
-                </a:solidFill>
-                <a:latin typeface="Consolas" panose="020B0609020204030204" pitchFamily="49" charset="0"/>
-              </a:rPr>
-            </a:br>
-            <a:r>
-              <a:rPr lang="en-US" sz="1200" dirty="0">
-                <a:solidFill>
-                  <a:srgbClr val="C00000"/>
-                </a:solidFill>
-                <a:latin typeface="Consolas" panose="020B0609020204030204" pitchFamily="49" charset="0"/>
-              </a:rPr>
-              <a:t>    }</a:t>
-            </a:r>
-            <a:br>
-              <a:rPr lang="en-US" sz="1200" dirty="0">
-                <a:solidFill>
-                  <a:srgbClr val="C00000"/>
-                </a:solidFill>
-                <a:latin typeface="Consolas" panose="020B0609020204030204" pitchFamily="49" charset="0"/>
-              </a:rPr>
-            </a:br>
-            <a:r>
-              <a:rPr lang="en-US" sz="1200" dirty="0">
-                <a:solidFill>
-                  <a:srgbClr val="C00000"/>
-                </a:solidFill>
-                <a:latin typeface="Consolas" panose="020B0609020204030204" pitchFamily="49" charset="0"/>
-              </a:rPr>
-              <a:t>}</a:t>
-            </a:r>
+              <a:t>impl</a:t>
+            </a:r>
+            <a:endParaRPr lang="en-US" sz="1200" dirty="0">
+              <a:solidFill>
+                <a:srgbClr val="C00000"/>
+              </a:solidFill>
+              <a:latin typeface="Consolas" panose="020B0609020204030204" pitchFamily="49" charset="0"/>
+            </a:endParaRPr>
           </a:p>
           <a:p>
             <a:r>
@@ -15406,8 +15324,8 @@
         </p:nvSpPr>
         <p:spPr>
           <a:xfrm>
-            <a:off x="838200" y="1275006"/>
-            <a:ext cx="10515600" cy="4861777"/>
+            <a:off x="838200" y="1170710"/>
+            <a:ext cx="10515600" cy="4966074"/>
           </a:xfrm>
         </p:spPr>
         <p:txBody>
@@ -15475,6 +15393,21 @@
             <a:r>
               <a:rPr lang="en-US" dirty="0"/>
               <a:t>The crate may specify dependencies on other crates and import their definitions into the root or any of its modules.</a:t>
+            </a:r>
+          </a:p>
+          <a:p>
+            <a:pPr lvl="2"/>
+            <a:r>
+              <a:rPr lang="en-US" dirty="0"/>
+              <a:t>Dependencies are specified in the [dependencies] section of the </a:t>
+            </a:r>
+            <a:r>
+              <a:rPr lang="en-US" dirty="0" err="1"/>
+              <a:t>cargo.toml</a:t>
+            </a:r>
+            <a:r>
+              <a:rPr lang="en-US" dirty="0"/>
+              <a:t> file.</a:t>
             </a:r>
           </a:p>
           <a:p>
@@ -15576,7 +15509,7 @@
           <p:cNvPr id="2" name="Title 1">
             <a:extLst>
               <a:ext uri="{FF2B5EF4-FFF2-40B4-BE49-F238E27FC236}">
-                <a16:creationId xmlns:a16="http://schemas.microsoft.com/office/drawing/2014/main" id="{2C99F319-3A85-4F57-A758-EA61655F9291}"/>
+                <a16:creationId xmlns:a16="http://schemas.microsoft.com/office/drawing/2014/main" id="{F25D1935-EA4F-403E-A82D-CFD5F97A21AD}"/>
               </a:ext>
             </a:extLst>
           </p:cNvPr>
@@ -15585,151 +15518,246 @@
           </p:cNvSpPr>
           <p:nvPr>
             <p:ph type="title"/>
+          </p:nvPr>
+        </p:nvSpPr>
+        <p:spPr/>
+        <p:txBody>
+          <a:bodyPr/>
+          <a:lstStyle/>
+          <a:p>
+            <a:r>
+              <a:rPr lang="en-US" dirty="0"/>
+              <a:t>External Dependencies</a:t>
+            </a:r>
+          </a:p>
+        </p:txBody>
+      </p:sp>
+      <p:sp>
+        <p:nvSpPr>
+          <p:cNvPr id="3" name="Content Placeholder 2">
+            <a:extLst>
+              <a:ext uri="{FF2B5EF4-FFF2-40B4-BE49-F238E27FC236}">
+                <a16:creationId xmlns:a16="http://schemas.microsoft.com/office/drawing/2014/main" id="{C5F0ED92-2E2C-450A-B328-37C54C0D4504}"/>
+              </a:ext>
+            </a:extLst>
+          </p:cNvPr>
+          <p:cNvSpPr>
+            <a:spLocks noGrp="1"/>
+          </p:cNvSpPr>
+          <p:nvPr>
+            <p:ph idx="1"/>
           </p:nvPr>
         </p:nvSpPr>
         <p:spPr>
           <a:xfrm>
-            <a:off x="838200" y="365126"/>
-            <a:ext cx="10515600" cy="678064"/>
+            <a:off x="838200" y="1219200"/>
+            <a:ext cx="10515600" cy="4970919"/>
           </a:xfrm>
         </p:spPr>
         <p:txBody>
-          <a:bodyPr/>
-          <a:lstStyle/>
-          <a:p>
-            <a:r>
-              <a:rPr lang="en-US" dirty="0"/>
-              <a:t>Packages</a:t>
-            </a:r>
-          </a:p>
-        </p:txBody>
-      </p:sp>
-      <p:sp>
-        <p:nvSpPr>
-          <p:cNvPr id="3" name="Content Placeholder 2">
-            <a:extLst>
-              <a:ext uri="{FF2B5EF4-FFF2-40B4-BE49-F238E27FC236}">
-                <a16:creationId xmlns:a16="http://schemas.microsoft.com/office/drawing/2014/main" id="{DB7FCAD0-25F5-4E69-A0FA-54DC54141F14}"/>
-              </a:ext>
-            </a:extLst>
-          </p:cNvPr>
-          <p:cNvSpPr>
-            <a:spLocks noGrp="1"/>
-          </p:cNvSpPr>
-          <p:nvPr>
-            <p:ph idx="1"/>
-          </p:nvPr>
-        </p:nvSpPr>
-        <p:spPr>
-          <a:xfrm>
-            <a:off x="838200" y="1249250"/>
-            <a:ext cx="10515600" cy="4732987"/>
-          </a:xfrm>
-        </p:spPr>
-        <p:txBody>
           <a:bodyPr>
-            <a:noAutofit/>
+            <a:normAutofit/>
           </a:bodyPr>
           <a:lstStyle/>
           <a:p>
             <a:r>
               <a:rPr lang="en-US" sz="2400" dirty="0"/>
-              <a:t>A Package is a collection of directories and files that are the basis for builds</a:t>
-            </a:r>
-          </a:p>
-          <a:p>
-            <a:pPr lvl="1"/>
-            <a:r>
-              <a:rPr lang="en-US" sz="2000" dirty="0" err="1"/>
-              <a:t>Cargo.toml</a:t>
-            </a:r>
+              <a:t>External dependencies may be local or remote:</a:t>
+            </a:r>
+          </a:p>
+          <a:p>
+            <a:pPr marL="457200" lvl="1" indent="0">
+              <a:buNone/>
+            </a:pPr>
             <a:r>
               <a:rPr lang="en-US" sz="2000" dirty="0"/>
-              <a:t> – specifies package metadata, dependencies, and optional directives</a:t>
-            </a:r>
-          </a:p>
-          <a:p>
-            <a:pPr lvl="1"/>
-            <a:r>
-              <a:rPr lang="en-US" sz="2000" dirty="0"/>
-              <a:t>/</a:t>
-            </a:r>
-            <a:r>
-              <a:rPr lang="en-US" sz="2000" dirty="0" err="1"/>
-              <a:t>src</a:t>
-            </a:r>
-            <a:r>
-              <a:rPr lang="en-US" sz="2000" dirty="0"/>
-              <a:t> – directory containing a binary or library source crate</a:t>
-            </a:r>
-          </a:p>
-          <a:p>
-            <a:pPr lvl="1"/>
-            <a:r>
-              <a:rPr lang="en-US" sz="2000" dirty="0"/>
-              <a:t>/target – directory containing translated binaries or libraries</a:t>
-            </a:r>
-          </a:p>
-          <a:p>
-            <a:pPr lvl="1"/>
-            <a:r>
-              <a:rPr lang="en-US" sz="2000" dirty="0"/>
-              <a:t>/examples – directory containing example code that exercises the package library</a:t>
-            </a:r>
-          </a:p>
-          <a:p>
-            <a:r>
-              <a:rPr lang="en-US" sz="2400" dirty="0"/>
-              <a:t>The Rust build system is transitive</a:t>
-            </a:r>
-          </a:p>
-          <a:p>
-            <a:pPr lvl="1"/>
-            <a:r>
-              <a:rPr lang="en-US" sz="2000" dirty="0"/>
-              <a:t>Builds start with the package root </a:t>
+              <a:t>In </a:t>
             </a:r>
             <a:r>
               <a:rPr lang="en-US" sz="2000" dirty="0" err="1"/>
               <a:t>cargo.toml</a:t>
             </a:r>
-            <a:endParaRPr lang="en-US" sz="2000" dirty="0"/>
-          </a:p>
-          <a:p>
-            <a:pPr lvl="1"/>
             <a:r>
               <a:rPr lang="en-US" sz="2000" dirty="0"/>
-              <a:t>Parse it to find dependencies</a:t>
-            </a:r>
-          </a:p>
-          <a:p>
-            <a:pPr lvl="1"/>
-            <a:r>
+              <a:t>:</a:t>
+            </a:r>
+            <a:br>
               <a:rPr lang="en-US" sz="2000" dirty="0"/>
-              <a:t>Load the depending library and parse its </a:t>
-            </a:r>
-            <a:r>
-              <a:rPr lang="en-US" sz="2000" dirty="0" err="1"/>
-              <a:t>cargo.toml</a:t>
-            </a:r>
-            <a:endParaRPr lang="en-US" sz="2000" dirty="0"/>
-          </a:p>
-          <a:p>
-            <a:pPr lvl="1"/>
-            <a:r>
-              <a:rPr lang="en-US" sz="2000" dirty="0"/>
-              <a:t>…</a:t>
-            </a:r>
-          </a:p>
-          <a:p>
-            <a:pPr lvl="1"/>
-            <a:r>
-              <a:rPr lang="en-US" sz="2000" dirty="0"/>
-              <a:t>Build the local crate along with its dependencies</a:t>
-            </a:r>
-          </a:p>
-          <a:p>
-            <a:endParaRPr lang="en-US" dirty="0"/>
+            </a:br>
+            <a:br>
+              <a:rPr lang="en-US" sz="900" dirty="0"/>
+            </a:br>
+            <a:r>
+              <a:rPr lang="en-US" sz="1800" dirty="0">
+                <a:latin typeface="Consolas" panose="020B0609020204030204" pitchFamily="49" charset="0"/>
+              </a:rPr>
+              <a:t>[package]</a:t>
+            </a:r>
+          </a:p>
+          <a:p>
+            <a:pPr marL="457200" lvl="1" indent="0">
+              <a:buNone/>
+            </a:pPr>
+            <a:r>
+              <a:rPr lang="en-US" sz="1800" dirty="0">
+                <a:latin typeface="Consolas" panose="020B0609020204030204" pitchFamily="49" charset="0"/>
+              </a:rPr>
+              <a:t>name = "</a:t>
+            </a:r>
+            <a:r>
+              <a:rPr lang="en-US" sz="1800" dirty="0" err="1">
+                <a:latin typeface="Consolas" panose="020B0609020204030204" pitchFamily="49" charset="0"/>
+              </a:rPr>
+              <a:t>test_rust</a:t>
+            </a:r>
+            <a:r>
+              <a:rPr lang="en-US" sz="1800" dirty="0">
+                <a:latin typeface="Consolas" panose="020B0609020204030204" pitchFamily="49" charset="0"/>
+              </a:rPr>
+              <a:t>"</a:t>
+            </a:r>
+          </a:p>
+          <a:p>
+            <a:pPr marL="457200" lvl="1" indent="0">
+              <a:buNone/>
+            </a:pPr>
+            <a:r>
+              <a:rPr lang="en-US" sz="1800" dirty="0">
+                <a:latin typeface="Consolas" panose="020B0609020204030204" pitchFamily="49" charset="0"/>
+              </a:rPr>
+              <a:t>version = "0.1.0"</a:t>
+            </a:r>
+          </a:p>
+          <a:p>
+            <a:pPr marL="457200" lvl="1" indent="0">
+              <a:buNone/>
+            </a:pPr>
+            <a:r>
+              <a:rPr lang="en-US" sz="1800" dirty="0">
+                <a:latin typeface="Consolas" panose="020B0609020204030204" pitchFamily="49" charset="0"/>
+              </a:rPr>
+              <a:t>authors = ["James W. Fawcett &lt;jfawcett@twcny.rr.com&gt;"]</a:t>
+            </a:r>
+          </a:p>
+          <a:p>
+            <a:pPr marL="457200" lvl="1" indent="0">
+              <a:buNone/>
+            </a:pPr>
+            <a:r>
+              <a:rPr lang="en-US" sz="1800" dirty="0">
+                <a:latin typeface="Consolas" panose="020B0609020204030204" pitchFamily="49" charset="0"/>
+              </a:rPr>
+              <a:t>edition = "2018"</a:t>
+            </a:r>
+          </a:p>
+          <a:p>
+            <a:pPr marL="457200" lvl="1" indent="0">
+              <a:buNone/>
+            </a:pPr>
+            <a:br>
+              <a:rPr lang="en-US" sz="1800" dirty="0">
+                <a:latin typeface="Consolas" panose="020B0609020204030204" pitchFamily="49" charset="0"/>
+              </a:rPr>
+            </a:br>
+            <a:r>
+              <a:rPr lang="en-US" sz="1800" dirty="0">
+                <a:latin typeface="Consolas" panose="020B0609020204030204" pitchFamily="49" charset="0"/>
+              </a:rPr>
+              <a:t>[dependencies]</a:t>
+            </a:r>
+            <a:br>
+              <a:rPr lang="en-US" sz="1800" dirty="0">
+                <a:latin typeface="Consolas" panose="020B0609020204030204" pitchFamily="49" charset="0"/>
+              </a:rPr>
+            </a:br>
+            <a:r>
+              <a:rPr lang="en-US" sz="1800" dirty="0" err="1">
+                <a:latin typeface="Consolas" panose="020B0609020204030204" pitchFamily="49" charset="0"/>
+              </a:rPr>
+              <a:t>my_lib</a:t>
+            </a:r>
+            <a:r>
+              <a:rPr lang="en-US" sz="1800" dirty="0">
+                <a:latin typeface="Consolas" panose="020B0609020204030204" pitchFamily="49" charset="0"/>
+              </a:rPr>
+              <a:t> = { path = “../</a:t>
+            </a:r>
+            <a:r>
+              <a:rPr lang="en-US" sz="1800" dirty="0" err="1">
+                <a:latin typeface="Consolas" panose="020B0609020204030204" pitchFamily="49" charset="0"/>
+              </a:rPr>
+              <a:t>my_lib</a:t>
+            </a:r>
+            <a:r>
+              <a:rPr lang="en-US" sz="1800" dirty="0">
+                <a:latin typeface="Consolas" panose="020B0609020204030204" pitchFamily="49" charset="0"/>
+              </a:rPr>
+              <a:t>” }  // from local drive</a:t>
+            </a:r>
+            <a:br>
+              <a:rPr lang="en-US" sz="1800" dirty="0">
+                <a:latin typeface="Consolas" panose="020B0609020204030204" pitchFamily="49" charset="0"/>
+              </a:rPr>
+            </a:br>
+            <a:r>
+              <a:rPr lang="en-US" sz="1800" dirty="0" err="1">
+                <a:latin typeface="Consolas" panose="020B0609020204030204" pitchFamily="49" charset="0"/>
+              </a:rPr>
+              <a:t>serde</a:t>
+            </a:r>
+            <a:r>
+              <a:rPr lang="en-US" sz="1800" dirty="0">
+                <a:latin typeface="Consolas" panose="020B0609020204030204" pitchFamily="49" charset="0"/>
+              </a:rPr>
+              <a:t> = “1.0.104”                // from </a:t>
+            </a:r>
+            <a:r>
+              <a:rPr lang="en-US" sz="1800" dirty="0">
+                <a:latin typeface="Consolas" panose="020B0609020204030204" pitchFamily="49" charset="0"/>
+                <a:hlinkClick r:id="rId2"/>
+              </a:rPr>
+              <a:t>https://crates.io</a:t>
+            </a:r>
+            <a:br>
+              <a:rPr lang="en-US" sz="1800" dirty="0">
+                <a:latin typeface="Consolas" panose="020B0609020204030204" pitchFamily="49" charset="0"/>
+              </a:rPr>
+            </a:br>
+            <a:endParaRPr lang="en-US" sz="1800" dirty="0">
+              <a:latin typeface="Consolas" panose="020B0609020204030204" pitchFamily="49" charset="0"/>
+            </a:endParaRPr>
+          </a:p>
+          <a:p>
+            <a:r>
+              <a:rPr lang="en-US" sz="2400" dirty="0">
+                <a:latin typeface="Consolas" panose="020B0609020204030204" pitchFamily="49" charset="0"/>
+              </a:rPr>
+              <a:t>The cargo build process will load </a:t>
+            </a:r>
+            <a:r>
+              <a:rPr lang="en-US" sz="2400" dirty="0" err="1">
+                <a:latin typeface="Consolas" panose="020B0609020204030204" pitchFamily="49" charset="0"/>
+              </a:rPr>
+              <a:t>my_lib</a:t>
+            </a:r>
+            <a:r>
+              <a:rPr lang="en-US" sz="2400" dirty="0">
+                <a:latin typeface="Consolas" panose="020B0609020204030204" pitchFamily="49" charset="0"/>
+              </a:rPr>
+              <a:t> and </a:t>
+            </a:r>
+            <a:r>
+              <a:rPr lang="en-US" sz="2400" dirty="0" err="1">
+                <a:latin typeface="Consolas" panose="020B0609020204030204" pitchFamily="49" charset="0"/>
+              </a:rPr>
+              <a:t>serde</a:t>
+            </a:r>
+            <a:r>
+              <a:rPr lang="en-US" sz="2400" dirty="0">
+                <a:latin typeface="Consolas" panose="020B0609020204030204" pitchFamily="49" charset="0"/>
+              </a:rPr>
+              <a:t> crates before building this crate.</a:t>
+            </a:r>
           </a:p>
         </p:txBody>
       </p:sp>
@@ -15738,7 +15766,7 @@
           <p:cNvPr id="4" name="Slide Number Placeholder 3">
             <a:extLst>
               <a:ext uri="{FF2B5EF4-FFF2-40B4-BE49-F238E27FC236}">
-                <a16:creationId xmlns:a16="http://schemas.microsoft.com/office/drawing/2014/main" id="{826F7309-A4E9-499F-84AB-9C80EBB2194D}"/>
+                <a16:creationId xmlns:a16="http://schemas.microsoft.com/office/drawing/2014/main" id="{E07F04B8-C949-43C9-BF80-AA4B4260AF4D}"/>
               </a:ext>
             </a:extLst>
           </p:cNvPr>
@@ -15756,6 +15784,7 @@
           <a:p>
             <a:fld id="{519FA752-D1CF-498F-B0BD-05E47309CED3}" type="slidenum">
               <a:rPr lang="en-US" smtClean="0"/>
+              <a:pPr/>
               <a:t>46</a:t>
             </a:fld>
             <a:endParaRPr lang="en-US"/>
@@ -15765,7 +15794,7 @@
     </p:spTree>
     <p:extLst>
       <p:ext uri="{BB962C8B-B14F-4D97-AF65-F5344CB8AC3E}">
-        <p14:creationId xmlns:p14="http://schemas.microsoft.com/office/powerpoint/2010/main" val="1678013006"/>
+        <p14:creationId xmlns:p14="http://schemas.microsoft.com/office/powerpoint/2010/main" val="589158731"/>
       </p:ext>
     </p:extLst>
   </p:cSld>
@@ -15797,7 +15826,7 @@
           <p:cNvPr id="2" name="Title 1">
             <a:extLst>
               <a:ext uri="{FF2B5EF4-FFF2-40B4-BE49-F238E27FC236}">
-                <a16:creationId xmlns:a16="http://schemas.microsoft.com/office/drawing/2014/main" id="{F3D87BFA-581E-4349-9BBF-0B22000129F6}"/>
+                <a16:creationId xmlns:a16="http://schemas.microsoft.com/office/drawing/2014/main" id="{2C99F319-3A85-4F57-A758-EA61655F9291}"/>
               </a:ext>
             </a:extLst>
           </p:cNvPr>
@@ -15811,7 +15840,7 @@
         <p:spPr>
           <a:xfrm>
             <a:off x="838200" y="365126"/>
-            <a:ext cx="10515600" cy="711834"/>
+            <a:ext cx="10515600" cy="678064"/>
           </a:xfrm>
         </p:spPr>
         <p:txBody>
@@ -15820,7 +15849,7 @@
           <a:p>
             <a:r>
               <a:rPr lang="en-US" dirty="0"/>
-              <a:t>Library Crate Construction Co-Tests</a:t>
+              <a:t>Packages</a:t>
             </a:r>
           </a:p>
         </p:txBody>
@@ -15830,7 +15859,7 @@
           <p:cNvPr id="3" name="Content Placeholder 2">
             <a:extLst>
               <a:ext uri="{FF2B5EF4-FFF2-40B4-BE49-F238E27FC236}">
-                <a16:creationId xmlns:a16="http://schemas.microsoft.com/office/drawing/2014/main" id="{BB7F4A92-7CC6-4F80-BB21-B43C15255198}"/>
+                <a16:creationId xmlns:a16="http://schemas.microsoft.com/office/drawing/2014/main" id="{DB7FCAD0-25F5-4E69-A0FA-54DC54141F14}"/>
               </a:ext>
             </a:extLst>
           </p:cNvPr>
@@ -15843,91 +15872,114 @@
         </p:nvSpPr>
         <p:spPr>
           <a:xfrm>
-            <a:off x="838200" y="1268882"/>
-            <a:ext cx="10515600" cy="5091912"/>
+            <a:off x="838200" y="1249250"/>
+            <a:ext cx="10515600" cy="4732987"/>
           </a:xfrm>
         </p:spPr>
         <p:txBody>
           <a:bodyPr>
-            <a:normAutofit/>
+            <a:noAutofit/>
           </a:bodyPr>
           <a:lstStyle/>
           <a:p>
             <a:r>
               <a:rPr lang="en-US" sz="2400" dirty="0"/>
-              <a:t>For anything other than trivial example code it’s very useful to test as we build code:</a:t>
+              <a:t>A Package is a collection of directories and files that are the basis for builds</a:t>
             </a:r>
           </a:p>
           <a:p>
             <a:pPr lvl="1"/>
             <a:r>
+              <a:rPr lang="en-US" sz="2000" dirty="0" err="1"/>
+              <a:t>Cargo.toml</a:t>
+            </a:r>
+            <a:r>
               <a:rPr lang="en-US" sz="2000" dirty="0"/>
-              <a:t>A library crate is created with the command </a:t>
-            </a:r>
-            <a:br>
+              <a:t> – specifies package metadata, dependencies, and optional directives</a:t>
+            </a:r>
+          </a:p>
+          <a:p>
+            <a:pPr lvl="1"/>
+            <a:r>
               <a:rPr lang="en-US" sz="2000" dirty="0"/>
-            </a:br>
+              <a:t>/</a:t>
+            </a:r>
+            <a:r>
+              <a:rPr lang="en-US" sz="2000" dirty="0" err="1"/>
+              <a:t>src</a:t>
+            </a:r>
             <a:r>
               <a:rPr lang="en-US" sz="2000" dirty="0"/>
-              <a:t> 	</a:t>
-            </a:r>
-            <a:r>
-              <a:rPr lang="en-US" sz="2000" b="1" dirty="0"/>
-              <a:t>cargo new --lib [package-name].</a:t>
+              <a:t> – directory containing a binary or library source crate</a:t>
             </a:r>
           </a:p>
           <a:p>
             <a:pPr lvl="1"/>
             <a:r>
               <a:rPr lang="en-US" sz="2000" dirty="0"/>
-              <a:t>That builds a lib.rs containing a single configured test that asserts 2 + 2 = 4.</a:t>
-            </a:r>
-          </a:p>
-          <a:p>
-            <a:pPr lvl="2"/>
-            <a:r>
-              <a:rPr lang="en-US" sz="1800" dirty="0"/>
-              <a:t>This is simply a demonstration of how to build test cases for a library.</a:t>
-            </a:r>
-          </a:p>
-          <a:p>
-            <a:pPr lvl="2"/>
-            <a:r>
-              <a:rPr lang="en-US" sz="1800" dirty="0"/>
-              <a:t>Each test passes if, and only if, there are no failed assertions.</a:t>
+              <a:t>/target – directory containing translated binaries or libraries</a:t>
             </a:r>
           </a:p>
           <a:p>
             <a:pPr lvl="1"/>
             <a:r>
               <a:rPr lang="en-US" sz="2000" dirty="0"/>
-              <a:t>Every time we add a few lines of code in the lib.rs file we add small tests, each in a configured test block and then build and execute with the command:</a:t>
-            </a:r>
-            <a:br>
+              <a:t>/examples – directory containing example code that exercises the package library</a:t>
+            </a:r>
+          </a:p>
+          <a:p>
+            <a:r>
+              <a:rPr lang="en-US" sz="2400" dirty="0"/>
+              <a:t>The Rust build system is transitive</a:t>
+            </a:r>
+          </a:p>
+          <a:p>
+            <a:pPr lvl="1"/>
+            <a:r>
               <a:rPr lang="en-US" sz="2000" dirty="0"/>
-            </a:br>
+              <a:t>Builds start with the package root </a:t>
+            </a:r>
+            <a:r>
+              <a:rPr lang="en-US" sz="2000" dirty="0" err="1"/>
+              <a:t>cargo.toml</a:t>
+            </a:r>
+            <a:endParaRPr lang="en-US" sz="2000" dirty="0"/>
+          </a:p>
+          <a:p>
+            <a:pPr lvl="1"/>
             <a:r>
               <a:rPr lang="en-US" sz="2000" dirty="0"/>
-              <a:t> 	</a:t>
-            </a:r>
-            <a:r>
-              <a:rPr lang="en-US" sz="2000" b="1" dirty="0"/>
-              <a:t>cargo test</a:t>
-            </a:r>
-            <a:br>
-              <a:rPr lang="en-US" sz="2000" b="1" dirty="0"/>
-            </a:br>
+              <a:t>Parse it to find dependencies</a:t>
+            </a:r>
+          </a:p>
+          <a:p>
+            <a:pPr lvl="1"/>
             <a:r>
               <a:rPr lang="en-US" sz="2000" dirty="0"/>
-              <a:t>in a terminal window located in the crate root folder.</a:t>
-            </a:r>
+              <a:t>Load the depending library and parse its </a:t>
+            </a:r>
+            <a:r>
+              <a:rPr lang="en-US" sz="2000" dirty="0" err="1"/>
+              <a:t>cargo.toml</a:t>
+            </a:r>
+            <a:endParaRPr lang="en-US" sz="2000" dirty="0"/>
           </a:p>
           <a:p>
             <a:pPr lvl="1"/>
             <a:r>
               <a:rPr lang="en-US" sz="2000" dirty="0"/>
-              <a:t>This “co-test” process allows us to very quickly find errors.  If a test fails, the problem is almost certain to be in the few lines of code we entered after the last test.</a:t>
-            </a:r>
+              <a:t>…</a:t>
+            </a:r>
+          </a:p>
+          <a:p>
+            <a:pPr lvl="1"/>
+            <a:r>
+              <a:rPr lang="en-US" sz="2000" dirty="0"/>
+              <a:t>Build the local crate along with its dependencies</a:t>
+            </a:r>
+          </a:p>
+          <a:p>
+            <a:endParaRPr lang="en-US" dirty="0"/>
           </a:p>
         </p:txBody>
       </p:sp>
@@ -15936,7 +15988,7 @@
           <p:cNvPr id="4" name="Slide Number Placeholder 3">
             <a:extLst>
               <a:ext uri="{FF2B5EF4-FFF2-40B4-BE49-F238E27FC236}">
-                <a16:creationId xmlns:a16="http://schemas.microsoft.com/office/drawing/2014/main" id="{C66251E7-3DAD-4351-98B2-DC5B66C08AE9}"/>
+                <a16:creationId xmlns:a16="http://schemas.microsoft.com/office/drawing/2014/main" id="{826F7309-A4E9-499F-84AB-9C80EBB2194D}"/>
               </a:ext>
             </a:extLst>
           </p:cNvPr>
@@ -15963,7 +16015,7 @@
     </p:spTree>
     <p:extLst>
       <p:ext uri="{BB962C8B-B14F-4D97-AF65-F5344CB8AC3E}">
-        <p14:creationId xmlns:p14="http://schemas.microsoft.com/office/powerpoint/2010/main" val="4225677541"/>
+        <p14:creationId xmlns:p14="http://schemas.microsoft.com/office/powerpoint/2010/main" val="1678013006"/>
       </p:ext>
     </p:extLst>
   </p:cSld>
@@ -15995,7 +16047,7 @@
           <p:cNvPr id="2" name="Title 1">
             <a:extLst>
               <a:ext uri="{FF2B5EF4-FFF2-40B4-BE49-F238E27FC236}">
-                <a16:creationId xmlns:a16="http://schemas.microsoft.com/office/drawing/2014/main" id="{A7AC4C51-C20D-437E-A3A5-57C0ED108774}"/>
+                <a16:creationId xmlns:a16="http://schemas.microsoft.com/office/drawing/2014/main" id="{F3D87BFA-581E-4349-9BBF-0B22000129F6}"/>
               </a:ext>
             </a:extLst>
           </p:cNvPr>
@@ -16008,8 +16060,41 @@
         </p:nvSpPr>
         <p:spPr>
           <a:xfrm>
-            <a:off x="839788" y="457200"/>
-            <a:ext cx="6449654" cy="624625"/>
+            <a:off x="838200" y="365126"/>
+            <a:ext cx="10515600" cy="711834"/>
+          </a:xfrm>
+        </p:spPr>
+        <p:txBody>
+          <a:bodyPr/>
+          <a:lstStyle/>
+          <a:p>
+            <a:r>
+              <a:rPr lang="en-US" dirty="0"/>
+              <a:t>Library Crate Construction Co-Tests</a:t>
+            </a:r>
+          </a:p>
+        </p:txBody>
+      </p:sp>
+      <p:sp>
+        <p:nvSpPr>
+          <p:cNvPr id="3" name="Content Placeholder 2">
+            <a:extLst>
+              <a:ext uri="{FF2B5EF4-FFF2-40B4-BE49-F238E27FC236}">
+                <a16:creationId xmlns:a16="http://schemas.microsoft.com/office/drawing/2014/main" id="{BB7F4A92-7CC6-4F80-BB21-B43C15255198}"/>
+              </a:ext>
+            </a:extLst>
+          </p:cNvPr>
+          <p:cNvSpPr>
+            <a:spLocks noGrp="1"/>
+          </p:cNvSpPr>
+          <p:nvPr>
+            <p:ph idx="1"/>
+          </p:nvPr>
+        </p:nvSpPr>
+        <p:spPr>
+          <a:xfrm>
+            <a:off x="838200" y="1268882"/>
+            <a:ext cx="10515600" cy="5091912"/>
           </a:xfrm>
         </p:spPr>
         <p:txBody>
@@ -16019,132 +16104,89 @@
           <a:lstStyle/>
           <a:p>
             <a:r>
-              <a:rPr lang="en-US" sz="3600" dirty="0"/>
-              <a:t>Example – Crates and Packages </a:t>
-            </a:r>
-          </a:p>
-        </p:txBody>
-      </p:sp>
-      <p:sp>
-        <p:nvSpPr>
-          <p:cNvPr id="4" name="Text Placeholder 3">
-            <a:extLst>
-              <a:ext uri="{FF2B5EF4-FFF2-40B4-BE49-F238E27FC236}">
-                <a16:creationId xmlns:a16="http://schemas.microsoft.com/office/drawing/2014/main" id="{5E5F4F1D-ED77-4F93-A73D-7BB5F1C8F81B}"/>
-              </a:ext>
-            </a:extLst>
-          </p:cNvPr>
-          <p:cNvSpPr>
-            <a:spLocks noGrp="1"/>
-          </p:cNvSpPr>
-          <p:nvPr>
-            <p:ph type="body" sz="half" idx="2"/>
-          </p:nvPr>
-        </p:nvSpPr>
-        <p:spPr>
-          <a:xfrm>
-            <a:off x="839788" y="1300767"/>
-            <a:ext cx="5168206" cy="4568222"/>
-          </a:xfrm>
-        </p:spPr>
-        <p:txBody>
-          <a:bodyPr>
-            <a:normAutofit lnSpcReduction="10000"/>
-          </a:bodyPr>
-          <a:lstStyle/>
-          <a:p>
-            <a:pPr marL="285750" indent="-285750">
-              <a:buFont typeface="Arial" panose="020B0604020202020204" pitchFamily="34" charset="0"/>
-              <a:buChar char="•"/>
-            </a:pPr>
+              <a:rPr lang="en-US" sz="2400" dirty="0"/>
+              <a:t>For anything other than trivial example code it’s very useful to test as we build code:</a:t>
+            </a:r>
+          </a:p>
+          <a:p>
+            <a:pPr lvl="1"/>
+            <a:r>
+              <a:rPr lang="en-US" sz="2000" dirty="0"/>
+              <a:t>A library crate is created with the command </a:t>
+            </a:r>
+            <a:br>
+              <a:rPr lang="en-US" sz="2000" dirty="0"/>
+            </a:br>
+            <a:r>
+              <a:rPr lang="en-US" sz="2000" dirty="0"/>
+              <a:t> 	</a:t>
+            </a:r>
+            <a:r>
+              <a:rPr lang="en-US" sz="2000" b="1" dirty="0"/>
+              <a:t>cargo new --lib [package-name].</a:t>
+            </a:r>
+          </a:p>
+          <a:p>
+            <a:pPr lvl="1"/>
+            <a:r>
+              <a:rPr lang="en-US" sz="2000" dirty="0"/>
+              <a:t>That builds a lib.rs containing a single configured test that asserts 2 + 2 = 4.</a:t>
+            </a:r>
+          </a:p>
+          <a:p>
+            <a:pPr lvl="2"/>
             <a:r>
               <a:rPr lang="en-US" sz="1800" dirty="0"/>
-              <a:t>The diagram at the right shows a set of crates that work together to implement some functionality.</a:t>
-            </a:r>
-          </a:p>
-          <a:p>
-            <a:pPr marL="285750" indent="-285750">
-              <a:buFont typeface="Arial" panose="020B0604020202020204" pitchFamily="34" charset="0"/>
-              <a:buChar char="•"/>
-            </a:pPr>
+              <a:t>This is simply a demonstration of how to build test cases for a library.</a:t>
+            </a:r>
+          </a:p>
+          <a:p>
+            <a:pPr lvl="2"/>
             <a:r>
               <a:rPr lang="en-US" sz="1800" dirty="0"/>
-              <a:t>The diagram shows dependency relationships between crates.</a:t>
-            </a:r>
-            <a:endParaRPr lang="en-US" sz="1600" dirty="0"/>
-          </a:p>
-          <a:p>
-            <a:pPr marL="285750" indent="-285750">
-              <a:buFont typeface="Arial" panose="020B0604020202020204" pitchFamily="34" charset="0"/>
-              <a:buChar char="•"/>
-            </a:pPr>
-            <a:r>
-              <a:rPr lang="en-US" sz="1800" dirty="0"/>
-              <a:t>The </a:t>
-            </a:r>
-            <a:r>
-              <a:rPr lang="en-US" sz="1800" dirty="0" err="1"/>
-              <a:t>ComponentA</a:t>
-            </a:r>
-            <a:r>
-              <a:rPr lang="en-US" sz="1800" dirty="0"/>
-              <a:t> crate provides an interface and object factory to allow </a:t>
-            </a:r>
-            <a:r>
-              <a:rPr lang="en-US" sz="1800" dirty="0" err="1"/>
-              <a:t>ComponentB</a:t>
-            </a:r>
-            <a:r>
-              <a:rPr lang="en-US" sz="1800" dirty="0"/>
-              <a:t> and Executive to use it without binding to its implementation details.</a:t>
-            </a:r>
-          </a:p>
-          <a:p>
-            <a:pPr marL="285750" indent="-285750">
-              <a:buFont typeface="Arial" panose="020B0604020202020204" pitchFamily="34" charset="0"/>
-              <a:buChar char="•"/>
-            </a:pPr>
-            <a:r>
-              <a:rPr lang="en-US" sz="1800" dirty="0"/>
-              <a:t>The Executive package consists of all three of these crates.</a:t>
-            </a:r>
-          </a:p>
-          <a:p>
-            <a:pPr marL="285750" indent="-285750">
-              <a:buFont typeface="Arial" panose="020B0604020202020204" pitchFamily="34" charset="0"/>
-              <a:buChar char="•"/>
-            </a:pPr>
-            <a:r>
-              <a:rPr lang="en-US" sz="1800" dirty="0"/>
-              <a:t>Code for this example:</a:t>
+              <a:t>Each test passes if, and only if, there are no failed assertions.</a:t>
+            </a:r>
+          </a:p>
+          <a:p>
+            <a:pPr lvl="1"/>
+            <a:r>
+              <a:rPr lang="en-US" sz="2000" dirty="0"/>
+              <a:t>Every time we add a few lines of code in the lib.rs file we add small tests, each in a configured test block and then build and execute with the command:</a:t>
             </a:r>
             <a:br>
-              <a:rPr lang="en-US" sz="1800" dirty="0"/>
+              <a:rPr lang="en-US" sz="2000" dirty="0"/>
             </a:br>
             <a:r>
-              <a:rPr lang="en-US" dirty="0">
-                <a:hlinkClick r:id="rId2"/>
-              </a:rPr>
-              <a:t>https://github.com/JimFawcett/RustBasicDemos/</a:t>
-            </a:r>
-            <a:r>
-              <a:rPr lang="en-US" dirty="0"/>
-              <a:t> in </a:t>
-            </a:r>
-            <a:r>
-              <a:rPr lang="en-US" dirty="0" err="1"/>
-              <a:t>code_structure_demo</a:t>
-            </a:r>
-            <a:endParaRPr lang="en-US" sz="1800" dirty="0"/>
-          </a:p>
-        </p:txBody>
-      </p:sp>
-      <p:sp>
-        <p:nvSpPr>
-          <p:cNvPr id="3" name="Slide Number Placeholder 2">
-            <a:extLst>
-              <a:ext uri="{FF2B5EF4-FFF2-40B4-BE49-F238E27FC236}">
-                <a16:creationId xmlns:a16="http://schemas.microsoft.com/office/drawing/2014/main" id="{C828145F-4F12-46B1-93B4-B88569FBF4C1}"/>
+              <a:rPr lang="en-US" sz="2000" dirty="0"/>
+              <a:t> 	</a:t>
+            </a:r>
+            <a:r>
+              <a:rPr lang="en-US" sz="2000" b="1" dirty="0"/>
+              <a:t>cargo test</a:t>
+            </a:r>
+            <a:br>
+              <a:rPr lang="en-US" sz="2000" b="1" dirty="0"/>
+            </a:br>
+            <a:r>
+              <a:rPr lang="en-US" sz="2000" dirty="0"/>
+              <a:t>in a terminal window located in the crate root folder.</a:t>
+            </a:r>
+          </a:p>
+          <a:p>
+            <a:pPr lvl="1"/>
+            <a:r>
+              <a:rPr lang="en-US" sz="2000" dirty="0"/>
+              <a:t>This “co-test” process allows us to very quickly find errors.  If a test fails, the problem is almost certain to be in the few lines of code we entered after the last test.</a:t>
+            </a:r>
+          </a:p>
+        </p:txBody>
+      </p:sp>
+      <p:sp>
+        <p:nvSpPr>
+          <p:cNvPr id="4" name="Slide Number Placeholder 3">
+            <a:extLst>
+              <a:ext uri="{FF2B5EF4-FFF2-40B4-BE49-F238E27FC236}">
+                <a16:creationId xmlns:a16="http://schemas.microsoft.com/office/drawing/2014/main" id="{C66251E7-3DAD-4351-98B2-DC5B66C08AE9}"/>
               </a:ext>
             </a:extLst>
           </p:cNvPr>
@@ -16168,45 +16210,10 @@
           </a:p>
         </p:txBody>
       </p:sp>
-      <p:pic>
-        <p:nvPicPr>
-          <p:cNvPr id="11" name="Content Placeholder 10" descr="A screenshot of text&#10;&#10;Description automatically generated">
-            <a:extLst>
-              <a:ext uri="{FF2B5EF4-FFF2-40B4-BE49-F238E27FC236}">
-                <a16:creationId xmlns:a16="http://schemas.microsoft.com/office/drawing/2014/main" id="{B7F69122-985F-4D16-B71D-A7A594101109}"/>
-              </a:ext>
-            </a:extLst>
-          </p:cNvPr>
-          <p:cNvPicPr>
-            <a:picLocks noGrp="1" noChangeAspect="1"/>
-          </p:cNvPicPr>
-          <p:nvPr>
-            <p:ph idx="1"/>
-          </p:nvPr>
-        </p:nvPicPr>
-        <p:blipFill>
-          <a:blip r:embed="rId3">
-            <a:extLst>
-              <a:ext uri="{28A0092B-C50C-407E-A947-70E740481C1C}">
-                <a14:useLocalDpi xmlns:a14="http://schemas.microsoft.com/office/drawing/2010/main" val="0"/>
-              </a:ext>
-            </a:extLst>
-          </a:blip>
-          <a:stretch>
-            <a:fillRect/>
-          </a:stretch>
-        </p:blipFill>
-        <p:spPr>
-          <a:xfrm>
-            <a:off x="6478633" y="1081825"/>
-            <a:ext cx="4491561" cy="4136869"/>
-          </a:xfrm>
-        </p:spPr>
-      </p:pic>
     </p:spTree>
     <p:extLst>
       <p:ext uri="{BB962C8B-B14F-4D97-AF65-F5344CB8AC3E}">
-        <p14:creationId xmlns:p14="http://schemas.microsoft.com/office/powerpoint/2010/main" val="1677234551"/>
+        <p14:creationId xmlns:p14="http://schemas.microsoft.com/office/powerpoint/2010/main" val="4225677541"/>
       </p:ext>
     </p:extLst>
   </p:cSld>
@@ -16238,7 +16245,7 @@
           <p:cNvPr id="2" name="Title 1">
             <a:extLst>
               <a:ext uri="{FF2B5EF4-FFF2-40B4-BE49-F238E27FC236}">
-                <a16:creationId xmlns:a16="http://schemas.microsoft.com/office/drawing/2014/main" id="{7D1F4EEF-D1AD-47B0-806F-506E60C5B941}"/>
+                <a16:creationId xmlns:a16="http://schemas.microsoft.com/office/drawing/2014/main" id="{A7AC4C51-C20D-437E-A3A5-57C0ED108774}"/>
               </a:ext>
             </a:extLst>
           </p:cNvPr>
@@ -16252,16 +16259,18 @@
         <p:spPr>
           <a:xfrm>
             <a:off x="839788" y="457200"/>
-            <a:ext cx="5412905" cy="656823"/>
+            <a:ext cx="6449654" cy="624625"/>
           </a:xfrm>
         </p:spPr>
         <p:txBody>
-          <a:bodyPr/>
-          <a:lstStyle/>
-          <a:p>
-            <a:r>
-              <a:rPr lang="en-US" dirty="0"/>
-              <a:t>Example – Traits and Structs</a:t>
+          <a:bodyPr>
+            <a:normAutofit/>
+          </a:bodyPr>
+          <a:lstStyle/>
+          <a:p>
+            <a:r>
+              <a:rPr lang="en-US" sz="3600" dirty="0"/>
+              <a:t>Example – Crates and Packages </a:t>
             </a:r>
           </a:p>
         </p:txBody>
@@ -16271,7 +16280,7 @@
           <p:cNvPr id="4" name="Text Placeholder 3">
             <a:extLst>
               <a:ext uri="{FF2B5EF4-FFF2-40B4-BE49-F238E27FC236}">
-                <a16:creationId xmlns:a16="http://schemas.microsoft.com/office/drawing/2014/main" id="{1A124DD7-6B16-4D94-B641-E45B9550A17B}"/>
+                <a16:creationId xmlns:a16="http://schemas.microsoft.com/office/drawing/2014/main" id="{5E5F4F1D-ED77-4F93-A73D-7BB5F1C8F81B}"/>
               </a:ext>
             </a:extLst>
           </p:cNvPr>
@@ -16284,13 +16293,13 @@
         </p:nvSpPr>
         <p:spPr>
           <a:xfrm>
-            <a:off x="839787" y="1339403"/>
-            <a:ext cx="5573891" cy="5016947"/>
+            <a:off x="839788" y="1300767"/>
+            <a:ext cx="5168206" cy="4568222"/>
           </a:xfrm>
         </p:spPr>
         <p:txBody>
           <a:bodyPr>
-            <a:normAutofit/>
+            <a:normAutofit lnSpcReduction="10000"/>
           </a:bodyPr>
           <a:lstStyle/>
           <a:p>
@@ -16299,218 +16308,93 @@
               <a:buChar char="•"/>
             </a:pPr>
             <a:r>
-              <a:rPr lang="en-US" sz="2000" dirty="0"/>
-              <a:t>This diagram shows structs that are defined in each of the files from the previous slide.</a:t>
-            </a:r>
-          </a:p>
-          <a:p>
-            <a:pPr marL="742950" lvl="1" indent="-285750">
+              <a:rPr lang="en-US" sz="1800" dirty="0"/>
+              <a:t>The diagram at the right shows a set of crates that work together to implement some functionality.</a:t>
+            </a:r>
+          </a:p>
+          <a:p>
+            <a:pPr marL="285750" indent="-285750">
               <a:buFont typeface="Arial" panose="020B0604020202020204" pitchFamily="34" charset="0"/>
               <a:buChar char="•"/>
             </a:pPr>
             <a:r>
-              <a:rPr lang="en-US" sz="1800" dirty="0" err="1"/>
-              <a:t>TCompA</a:t>
-            </a:r>
-            <a:r>
               <a:rPr lang="en-US" sz="1800" dirty="0"/>
-              <a:t> is an interface</a:t>
-            </a:r>
-            <a:r>
-              <a:rPr lang="en-US" sz="1800" baseline="30000" dirty="0"/>
-              <a:t>1</a:t>
-            </a:r>
-            <a:r>
-              <a:rPr lang="en-US" sz="1800" dirty="0"/>
-              <a:t> trait for </a:t>
-            </a:r>
-            <a:r>
-              <a:rPr lang="en-US" sz="1800" dirty="0" err="1"/>
-              <a:t>ComponentA</a:t>
-            </a:r>
-            <a:endParaRPr lang="en-US" sz="1800" dirty="0"/>
-          </a:p>
-          <a:p>
-            <a:pPr marL="742950" lvl="1" indent="-285750">
+              <a:t>The diagram shows dependency relationships between crates.</a:t>
+            </a:r>
+            <a:endParaRPr lang="en-US" sz="1600" dirty="0"/>
+          </a:p>
+          <a:p>
+            <a:pPr marL="285750" indent="-285750">
               <a:buFont typeface="Arial" panose="020B0604020202020204" pitchFamily="34" charset="0"/>
               <a:buChar char="•"/>
             </a:pPr>
             <a:r>
+              <a:rPr lang="en-US" sz="1800" dirty="0"/>
+              <a:t>The </a:t>
+            </a:r>
+            <a:r>
               <a:rPr lang="en-US" sz="1800" dirty="0" err="1"/>
               <a:t>ComponentA</a:t>
             </a:r>
             <a:r>
               <a:rPr lang="en-US" sz="1800" dirty="0"/>
-              <a:t> implements the trait to provide exported services</a:t>
-            </a:r>
-          </a:p>
-          <a:p>
-            <a:pPr marL="742950" lvl="1" indent="-285750">
+              <a:t> crate provides an interface and object factory to allow </a:t>
+            </a:r>
+            <a:r>
+              <a:rPr lang="en-US" sz="1800" dirty="0" err="1"/>
+              <a:t>ComponentB</a:t>
+            </a:r>
+            <a:r>
+              <a:rPr lang="en-US" sz="1800" dirty="0"/>
+              <a:t> and Executive to use it without binding to its implementation details.</a:t>
+            </a:r>
+          </a:p>
+          <a:p>
+            <a:pPr marL="285750" indent="-285750">
               <a:buFont typeface="Arial" panose="020B0604020202020204" pitchFamily="34" charset="0"/>
               <a:buChar char="•"/>
             </a:pPr>
             <a:r>
-              <a:rPr lang="en-US" sz="1800" dirty="0" err="1"/>
-              <a:t>ComponentB</a:t>
-            </a:r>
-            <a:r>
               <a:rPr lang="en-US" sz="1800" dirty="0"/>
-              <a:t> doesn’t provide an interface</a:t>
-            </a:r>
-          </a:p>
-          <a:p>
-            <a:pPr marL="742950" lvl="1" indent="-285750">
+              <a:t>The Executive package consists of all three of these crates.</a:t>
+            </a:r>
+          </a:p>
+          <a:p>
+            <a:pPr marL="285750" indent="-285750">
               <a:buFont typeface="Arial" panose="020B0604020202020204" pitchFamily="34" charset="0"/>
               <a:buChar char="•"/>
             </a:pPr>
             <a:r>
-              <a:rPr lang="en-US" sz="1800" dirty="0" err="1"/>
-              <a:t>ComponentB</a:t>
-            </a:r>
-            <a:r>
               <a:rPr lang="en-US" sz="1800" dirty="0"/>
-              <a:t> uses </a:t>
-            </a:r>
-            <a:r>
-              <a:rPr lang="en-US" sz="1800" dirty="0" err="1"/>
-              <a:t>ComponentA</a:t>
-            </a:r>
-            <a:r>
-              <a:rPr lang="en-US" sz="1800" dirty="0"/>
-              <a:t> through its interface trait and factory</a:t>
-            </a:r>
-            <a:r>
-              <a:rPr lang="en-US" sz="1800" baseline="30000" dirty="0"/>
-              <a:t>2</a:t>
-            </a:r>
-          </a:p>
-          <a:p>
-            <a:pPr marL="742950" lvl="1" indent="-285750">
-              <a:buFont typeface="Arial" panose="020B0604020202020204" pitchFamily="34" charset="0"/>
-              <a:buChar char="•"/>
-            </a:pPr>
-            <a:r>
-              <a:rPr lang="en-US" sz="1800" dirty="0"/>
-              <a:t>Executive composes </a:t>
-            </a:r>
-            <a:r>
-              <a:rPr lang="en-US" sz="1800" dirty="0" err="1"/>
-              <a:t>ComponentB</a:t>
-            </a:r>
-            <a:r>
-              <a:rPr lang="en-US" sz="1800" dirty="0"/>
-              <a:t> and uses </a:t>
-            </a:r>
-            <a:r>
-              <a:rPr lang="en-US" sz="1800" dirty="0" err="1"/>
-              <a:t>ComponentA</a:t>
-            </a:r>
-            <a:r>
-              <a:rPr lang="en-US" sz="1800" dirty="0"/>
-              <a:t> through its trait and factory</a:t>
+              <a:t>Code for this example:</a:t>
             </a:r>
             <a:br>
               <a:rPr lang="en-US" sz="1800" dirty="0"/>
             </a:br>
-            <a:endParaRPr lang="en-US" sz="300" dirty="0"/>
-          </a:p>
-          <a:p>
-            <a:pPr lvl="1"/>
-            <a:br>
-              <a:rPr lang="en-US" sz="300" dirty="0"/>
-            </a:br>
-            <a:br>
-              <a:rPr lang="en-US" sz="300" dirty="0"/>
-            </a:br>
-            <a:br>
-              <a:rPr lang="en-US" sz="300" dirty="0"/>
-            </a:br>
-            <a:br>
-              <a:rPr lang="en-US" sz="300" dirty="0"/>
-            </a:br>
-            <a:br>
-              <a:rPr lang="en-US" sz="300" dirty="0"/>
-            </a:br>
-            <a:endParaRPr lang="en-US" sz="300" dirty="0"/>
-          </a:p>
-          <a:p>
-            <a:pPr marL="800100" lvl="1" indent="-342900">
-              <a:buFont typeface="+mj-lt"/>
-              <a:buAutoNum type="arabicPeriod"/>
-            </a:pPr>
-            <a:r>
-              <a:rPr lang="en-US" dirty="0"/>
-              <a:t>Rust does not have an interface construct.  We use traits with virtual functions for that purpose.</a:t>
-            </a:r>
-          </a:p>
-          <a:p>
-            <a:pPr marL="800100" lvl="1" indent="-342900">
-              <a:buFont typeface="+mj-lt"/>
-              <a:buAutoNum type="arabicPeriod"/>
-            </a:pPr>
+            <a:r>
+              <a:rPr lang="en-US" dirty="0">
+                <a:hlinkClick r:id="rId2"/>
+              </a:rPr>
+              <a:t>https://github.com/JimFawcett/RustBasicDemos/</a:t>
+            </a:r>
+            <a:r>
+              <a:rPr lang="en-US" dirty="0"/>
+              <a:t> in </a:t>
+            </a:r>
             <a:r>
               <a:rPr lang="en-US" dirty="0" err="1"/>
-              <a:t>ComponentA’s</a:t>
-            </a:r>
-            <a:r>
-              <a:rPr lang="en-US" dirty="0"/>
-              <a:t> factory is implemented with a function, declared and implemented in </a:t>
-            </a:r>
-            <a:r>
-              <a:rPr lang="en-US" dirty="0" err="1"/>
-              <a:t>ComponentA</a:t>
-            </a:r>
-            <a:r>
-              <a:rPr lang="en-US" dirty="0"/>
-              <a:t>.</a:t>
-            </a:r>
-          </a:p>
-        </p:txBody>
-      </p:sp>
-      <p:cxnSp>
-        <p:nvCxnSpPr>
-          <p:cNvPr id="8" name="Straight Connector 7">
-            <a:extLst>
-              <a:ext uri="{FF2B5EF4-FFF2-40B4-BE49-F238E27FC236}">
-                <a16:creationId xmlns:a16="http://schemas.microsoft.com/office/drawing/2014/main" id="{A0AA847F-98E5-435C-A972-EA49111218B1}"/>
-              </a:ext>
-            </a:extLst>
-          </p:cNvPr>
-          <p:cNvCxnSpPr>
-            <a:cxnSpLocks/>
-          </p:cNvCxnSpPr>
-          <p:nvPr/>
-        </p:nvCxnSpPr>
-        <p:spPr>
-          <a:xfrm>
-            <a:off x="1378039" y="4456091"/>
-            <a:ext cx="4623516" cy="0"/>
-          </a:xfrm>
-          <a:prstGeom prst="line">
-            <a:avLst/>
-          </a:prstGeom>
-        </p:spPr>
-        <p:style>
-          <a:lnRef idx="2">
-            <a:schemeClr val="dk1"/>
-          </a:lnRef>
-          <a:fillRef idx="0">
-            <a:schemeClr val="dk1"/>
-          </a:fillRef>
-          <a:effectRef idx="1">
-            <a:schemeClr val="dk1"/>
-          </a:effectRef>
-          <a:fontRef idx="minor">
-            <a:schemeClr val="tx1"/>
-          </a:fontRef>
-        </p:style>
-      </p:cxnSp>
+              <a:t>code_structure_demo</a:t>
+            </a:r>
+            <a:endParaRPr lang="en-US" sz="1800" dirty="0"/>
+          </a:p>
+        </p:txBody>
+      </p:sp>
       <p:sp>
         <p:nvSpPr>
           <p:cNvPr id="3" name="Slide Number Placeholder 2">
             <a:extLst>
               <a:ext uri="{FF2B5EF4-FFF2-40B4-BE49-F238E27FC236}">
-                <a16:creationId xmlns:a16="http://schemas.microsoft.com/office/drawing/2014/main" id="{1A154B2B-84CC-4FF9-9CDB-FCD2FFACAB41}"/>
+                <a16:creationId xmlns:a16="http://schemas.microsoft.com/office/drawing/2014/main" id="{C828145F-4F12-46B1-93B4-B88569FBF4C1}"/>
               </a:ext>
             </a:extLst>
           </p:cNvPr>
@@ -16536,10 +16420,10 @@
       </p:sp>
       <p:pic>
         <p:nvPicPr>
-          <p:cNvPr id="9" name="Content Placeholder 8" descr="A close up of a logo&#10;&#10;Description automatically generated">
-            <a:extLst>
-              <a:ext uri="{FF2B5EF4-FFF2-40B4-BE49-F238E27FC236}">
-                <a16:creationId xmlns:a16="http://schemas.microsoft.com/office/drawing/2014/main" id="{2BF4BDB3-7423-4208-B6B0-AD1AB0D30CCE}"/>
+          <p:cNvPr id="11" name="Content Placeholder 10" descr="A screenshot of text&#10;&#10;Description automatically generated">
+            <a:extLst>
+              <a:ext uri="{FF2B5EF4-FFF2-40B4-BE49-F238E27FC236}">
+                <a16:creationId xmlns:a16="http://schemas.microsoft.com/office/drawing/2014/main" id="{B7F69122-985F-4D16-B71D-A7A594101109}"/>
               </a:ext>
             </a:extLst>
           </p:cNvPr>
@@ -16551,7 +16435,7 @@
           </p:nvPr>
         </p:nvPicPr>
         <p:blipFill>
-          <a:blip r:embed="rId2">
+          <a:blip r:embed="rId3">
             <a:extLst>
               <a:ext uri="{28A0092B-C50C-407E-A947-70E740481C1C}">
                 <a14:useLocalDpi xmlns:a14="http://schemas.microsoft.com/office/drawing/2010/main" val="0"/>
@@ -16564,15 +16448,15 @@
         </p:blipFill>
         <p:spPr>
           <a:xfrm>
-            <a:off x="6613145" y="895350"/>
-            <a:ext cx="4857750" cy="2533650"/>
+            <a:off x="6478633" y="1081825"/>
+            <a:ext cx="4491561" cy="4136869"/>
           </a:xfrm>
         </p:spPr>
       </p:pic>
     </p:spTree>
     <p:extLst>
       <p:ext uri="{BB962C8B-B14F-4D97-AF65-F5344CB8AC3E}">
-        <p14:creationId xmlns:p14="http://schemas.microsoft.com/office/powerpoint/2010/main" val="817985432"/>
+        <p14:creationId xmlns:p14="http://schemas.microsoft.com/office/powerpoint/2010/main" val="1677234551"/>
       </p:ext>
     </p:extLst>
   </p:cSld>
@@ -16802,6 +16686,372 @@
           <p:cNvPr id="2" name="Title 1">
             <a:extLst>
               <a:ext uri="{FF2B5EF4-FFF2-40B4-BE49-F238E27FC236}">
+                <a16:creationId xmlns:a16="http://schemas.microsoft.com/office/drawing/2014/main" id="{7D1F4EEF-D1AD-47B0-806F-506E60C5B941}"/>
+              </a:ext>
+            </a:extLst>
+          </p:cNvPr>
+          <p:cNvSpPr>
+            <a:spLocks noGrp="1"/>
+          </p:cNvSpPr>
+          <p:nvPr>
+            <p:ph type="title"/>
+          </p:nvPr>
+        </p:nvSpPr>
+        <p:spPr>
+          <a:xfrm>
+            <a:off x="839788" y="457200"/>
+            <a:ext cx="5412905" cy="656823"/>
+          </a:xfrm>
+        </p:spPr>
+        <p:txBody>
+          <a:bodyPr/>
+          <a:lstStyle/>
+          <a:p>
+            <a:r>
+              <a:rPr lang="en-US" dirty="0"/>
+              <a:t>Example – Traits and Structs</a:t>
+            </a:r>
+          </a:p>
+        </p:txBody>
+      </p:sp>
+      <p:sp>
+        <p:nvSpPr>
+          <p:cNvPr id="4" name="Text Placeholder 3">
+            <a:extLst>
+              <a:ext uri="{FF2B5EF4-FFF2-40B4-BE49-F238E27FC236}">
+                <a16:creationId xmlns:a16="http://schemas.microsoft.com/office/drawing/2014/main" id="{1A124DD7-6B16-4D94-B641-E45B9550A17B}"/>
+              </a:ext>
+            </a:extLst>
+          </p:cNvPr>
+          <p:cNvSpPr>
+            <a:spLocks noGrp="1"/>
+          </p:cNvSpPr>
+          <p:nvPr>
+            <p:ph type="body" sz="half" idx="2"/>
+          </p:nvPr>
+        </p:nvSpPr>
+        <p:spPr>
+          <a:xfrm>
+            <a:off x="839787" y="1339403"/>
+            <a:ext cx="5573891" cy="5016947"/>
+          </a:xfrm>
+        </p:spPr>
+        <p:txBody>
+          <a:bodyPr>
+            <a:normAutofit/>
+          </a:bodyPr>
+          <a:lstStyle/>
+          <a:p>
+            <a:pPr marL="285750" indent="-285750">
+              <a:buFont typeface="Arial" panose="020B0604020202020204" pitchFamily="34" charset="0"/>
+              <a:buChar char="•"/>
+            </a:pPr>
+            <a:r>
+              <a:rPr lang="en-US" sz="2000" dirty="0"/>
+              <a:t>This diagram shows structs that are defined in each of the files from the previous slide.</a:t>
+            </a:r>
+          </a:p>
+          <a:p>
+            <a:pPr marL="742950" lvl="1" indent="-285750">
+              <a:buFont typeface="Arial" panose="020B0604020202020204" pitchFamily="34" charset="0"/>
+              <a:buChar char="•"/>
+            </a:pPr>
+            <a:r>
+              <a:rPr lang="en-US" sz="1800" dirty="0" err="1"/>
+              <a:t>TCompA</a:t>
+            </a:r>
+            <a:r>
+              <a:rPr lang="en-US" sz="1800" dirty="0"/>
+              <a:t> is an interface</a:t>
+            </a:r>
+            <a:r>
+              <a:rPr lang="en-US" sz="1800" baseline="30000" dirty="0"/>
+              <a:t>1</a:t>
+            </a:r>
+            <a:r>
+              <a:rPr lang="en-US" sz="1800" dirty="0"/>
+              <a:t> trait for </a:t>
+            </a:r>
+            <a:r>
+              <a:rPr lang="en-US" sz="1800" dirty="0" err="1"/>
+              <a:t>ComponentA</a:t>
+            </a:r>
+            <a:endParaRPr lang="en-US" sz="1800" dirty="0"/>
+          </a:p>
+          <a:p>
+            <a:pPr marL="742950" lvl="1" indent="-285750">
+              <a:buFont typeface="Arial" panose="020B0604020202020204" pitchFamily="34" charset="0"/>
+              <a:buChar char="•"/>
+            </a:pPr>
+            <a:r>
+              <a:rPr lang="en-US" sz="1800" dirty="0" err="1"/>
+              <a:t>ComponentA</a:t>
+            </a:r>
+            <a:r>
+              <a:rPr lang="en-US" sz="1800" dirty="0"/>
+              <a:t> implements the trait to provide exported services</a:t>
+            </a:r>
+          </a:p>
+          <a:p>
+            <a:pPr marL="742950" lvl="1" indent="-285750">
+              <a:buFont typeface="Arial" panose="020B0604020202020204" pitchFamily="34" charset="0"/>
+              <a:buChar char="•"/>
+            </a:pPr>
+            <a:r>
+              <a:rPr lang="en-US" sz="1800" dirty="0" err="1"/>
+              <a:t>ComponentB</a:t>
+            </a:r>
+            <a:r>
+              <a:rPr lang="en-US" sz="1800" dirty="0"/>
+              <a:t> doesn’t provide an interface</a:t>
+            </a:r>
+          </a:p>
+          <a:p>
+            <a:pPr marL="742950" lvl="1" indent="-285750">
+              <a:buFont typeface="Arial" panose="020B0604020202020204" pitchFamily="34" charset="0"/>
+              <a:buChar char="•"/>
+            </a:pPr>
+            <a:r>
+              <a:rPr lang="en-US" sz="1800" dirty="0" err="1"/>
+              <a:t>ComponentB</a:t>
+            </a:r>
+            <a:r>
+              <a:rPr lang="en-US" sz="1800" dirty="0"/>
+              <a:t> uses </a:t>
+            </a:r>
+            <a:r>
+              <a:rPr lang="en-US" sz="1800" dirty="0" err="1"/>
+              <a:t>ComponentA</a:t>
+            </a:r>
+            <a:r>
+              <a:rPr lang="en-US" sz="1800" dirty="0"/>
+              <a:t> through its interface trait and factory</a:t>
+            </a:r>
+            <a:r>
+              <a:rPr lang="en-US" sz="1800" baseline="30000" dirty="0"/>
+              <a:t>2</a:t>
+            </a:r>
+          </a:p>
+          <a:p>
+            <a:pPr marL="742950" lvl="1" indent="-285750">
+              <a:buFont typeface="Arial" panose="020B0604020202020204" pitchFamily="34" charset="0"/>
+              <a:buChar char="•"/>
+            </a:pPr>
+            <a:r>
+              <a:rPr lang="en-US" sz="1800" dirty="0"/>
+              <a:t>Executive composes </a:t>
+            </a:r>
+            <a:r>
+              <a:rPr lang="en-US" sz="1800" dirty="0" err="1"/>
+              <a:t>ComponentB</a:t>
+            </a:r>
+            <a:r>
+              <a:rPr lang="en-US" sz="1800" dirty="0"/>
+              <a:t> and uses </a:t>
+            </a:r>
+            <a:r>
+              <a:rPr lang="en-US" sz="1800" dirty="0" err="1"/>
+              <a:t>ComponentA</a:t>
+            </a:r>
+            <a:r>
+              <a:rPr lang="en-US" sz="1800" dirty="0"/>
+              <a:t> through its trait and factory</a:t>
+            </a:r>
+            <a:br>
+              <a:rPr lang="en-US" sz="1800" dirty="0"/>
+            </a:br>
+            <a:endParaRPr lang="en-US" sz="300" dirty="0"/>
+          </a:p>
+          <a:p>
+            <a:pPr lvl="1"/>
+            <a:br>
+              <a:rPr lang="en-US" sz="300" dirty="0"/>
+            </a:br>
+            <a:br>
+              <a:rPr lang="en-US" sz="300" dirty="0"/>
+            </a:br>
+            <a:br>
+              <a:rPr lang="en-US" sz="300" dirty="0"/>
+            </a:br>
+            <a:br>
+              <a:rPr lang="en-US" sz="300" dirty="0"/>
+            </a:br>
+            <a:br>
+              <a:rPr lang="en-US" sz="300" dirty="0"/>
+            </a:br>
+            <a:endParaRPr lang="en-US" sz="300" dirty="0"/>
+          </a:p>
+          <a:p>
+            <a:pPr marL="800100" lvl="1" indent="-342900">
+              <a:buFont typeface="+mj-lt"/>
+              <a:buAutoNum type="arabicPeriod"/>
+            </a:pPr>
+            <a:r>
+              <a:rPr lang="en-US" dirty="0"/>
+              <a:t>Rust does not have an interface construct.  We use traits with virtual functions for that purpose.</a:t>
+            </a:r>
+          </a:p>
+          <a:p>
+            <a:pPr marL="800100" lvl="1" indent="-342900">
+              <a:buFont typeface="+mj-lt"/>
+              <a:buAutoNum type="arabicPeriod"/>
+            </a:pPr>
+            <a:r>
+              <a:rPr lang="en-US" dirty="0" err="1"/>
+              <a:t>ComponentA’s</a:t>
+            </a:r>
+            <a:r>
+              <a:rPr lang="en-US" dirty="0"/>
+              <a:t> factory is implemented with a function, declared and implemented in </a:t>
+            </a:r>
+            <a:r>
+              <a:rPr lang="en-US" dirty="0" err="1"/>
+              <a:t>ComponentA</a:t>
+            </a:r>
+            <a:r>
+              <a:rPr lang="en-US" dirty="0"/>
+              <a:t>.</a:t>
+            </a:r>
+          </a:p>
+        </p:txBody>
+      </p:sp>
+      <p:cxnSp>
+        <p:nvCxnSpPr>
+          <p:cNvPr id="8" name="Straight Connector 7">
+            <a:extLst>
+              <a:ext uri="{FF2B5EF4-FFF2-40B4-BE49-F238E27FC236}">
+                <a16:creationId xmlns:a16="http://schemas.microsoft.com/office/drawing/2014/main" id="{A0AA847F-98E5-435C-A972-EA49111218B1}"/>
+              </a:ext>
+            </a:extLst>
+          </p:cNvPr>
+          <p:cNvCxnSpPr>
+            <a:cxnSpLocks/>
+          </p:cNvCxnSpPr>
+          <p:nvPr/>
+        </p:nvCxnSpPr>
+        <p:spPr>
+          <a:xfrm>
+            <a:off x="1378039" y="4456091"/>
+            <a:ext cx="4623516" cy="0"/>
+          </a:xfrm>
+          <a:prstGeom prst="line">
+            <a:avLst/>
+          </a:prstGeom>
+        </p:spPr>
+        <p:style>
+          <a:lnRef idx="2">
+            <a:schemeClr val="dk1"/>
+          </a:lnRef>
+          <a:fillRef idx="0">
+            <a:schemeClr val="dk1"/>
+          </a:fillRef>
+          <a:effectRef idx="1">
+            <a:schemeClr val="dk1"/>
+          </a:effectRef>
+          <a:fontRef idx="minor">
+            <a:schemeClr val="tx1"/>
+          </a:fontRef>
+        </p:style>
+      </p:cxnSp>
+      <p:sp>
+        <p:nvSpPr>
+          <p:cNvPr id="3" name="Slide Number Placeholder 2">
+            <a:extLst>
+              <a:ext uri="{FF2B5EF4-FFF2-40B4-BE49-F238E27FC236}">
+                <a16:creationId xmlns:a16="http://schemas.microsoft.com/office/drawing/2014/main" id="{1A154B2B-84CC-4FF9-9CDB-FCD2FFACAB41}"/>
+              </a:ext>
+            </a:extLst>
+          </p:cNvPr>
+          <p:cNvSpPr>
+            <a:spLocks noGrp="1"/>
+          </p:cNvSpPr>
+          <p:nvPr>
+            <p:ph type="sldNum" sz="quarter" idx="12"/>
+          </p:nvPr>
+        </p:nvSpPr>
+        <p:spPr/>
+        <p:txBody>
+          <a:bodyPr/>
+          <a:lstStyle/>
+          <a:p>
+            <a:fld id="{519FA752-D1CF-498F-B0BD-05E47309CED3}" type="slidenum">
+              <a:rPr lang="en-US" smtClean="0"/>
+              <a:t>50</a:t>
+            </a:fld>
+            <a:endParaRPr lang="en-US"/>
+          </a:p>
+        </p:txBody>
+      </p:sp>
+      <p:pic>
+        <p:nvPicPr>
+          <p:cNvPr id="9" name="Content Placeholder 8" descr="A close up of a logo&#10;&#10;Description automatically generated">
+            <a:extLst>
+              <a:ext uri="{FF2B5EF4-FFF2-40B4-BE49-F238E27FC236}">
+                <a16:creationId xmlns:a16="http://schemas.microsoft.com/office/drawing/2014/main" id="{2BF4BDB3-7423-4208-B6B0-AD1AB0D30CCE}"/>
+              </a:ext>
+            </a:extLst>
+          </p:cNvPr>
+          <p:cNvPicPr>
+            <a:picLocks noGrp="1" noChangeAspect="1"/>
+          </p:cNvPicPr>
+          <p:nvPr>
+            <p:ph idx="1"/>
+          </p:nvPr>
+        </p:nvPicPr>
+        <p:blipFill>
+          <a:blip r:embed="rId2">
+            <a:extLst>
+              <a:ext uri="{28A0092B-C50C-407E-A947-70E740481C1C}">
+                <a14:useLocalDpi xmlns:a14="http://schemas.microsoft.com/office/drawing/2010/main" val="0"/>
+              </a:ext>
+            </a:extLst>
+          </a:blip>
+          <a:stretch>
+            <a:fillRect/>
+          </a:stretch>
+        </p:blipFill>
+        <p:spPr>
+          <a:xfrm>
+            <a:off x="6613145" y="895350"/>
+            <a:ext cx="4857750" cy="2533650"/>
+          </a:xfrm>
+        </p:spPr>
+      </p:pic>
+    </p:spTree>
+    <p:extLst>
+      <p:ext uri="{BB962C8B-B14F-4D97-AF65-F5344CB8AC3E}">
+        <p14:creationId xmlns:p14="http://schemas.microsoft.com/office/powerpoint/2010/main" val="817985432"/>
+      </p:ext>
+    </p:extLst>
+  </p:cSld>
+  <p:clrMapOvr>
+    <a:masterClrMapping/>
+  </p:clrMapOvr>
+</p:sld>
+</file>
+
+<file path=ppt/slides/slide51.xml><?xml version="1.0" encoding="utf-8"?>
+<p:sld xmlns:a="http://schemas.openxmlformats.org/drawingml/2006/main" xmlns:r="http://schemas.openxmlformats.org/officeDocument/2006/relationships" xmlns:p="http://schemas.openxmlformats.org/presentationml/2006/main">
+  <p:cSld>
+    <p:spTree>
+      <p:nvGrpSpPr>
+        <p:cNvPr id="1" name=""/>
+        <p:cNvGrpSpPr/>
+        <p:nvPr/>
+      </p:nvGrpSpPr>
+      <p:grpSpPr>
+        <a:xfrm>
+          <a:off x="0" y="0"/>
+          <a:ext cx="0" cy="0"/>
+          <a:chOff x="0" y="0"/>
+          <a:chExt cx="0" cy="0"/>
+        </a:xfrm>
+      </p:grpSpPr>
+      <p:sp>
+        <p:nvSpPr>
+          <p:cNvPr id="2" name="Title 1">
+            <a:extLst>
+              <a:ext uri="{FF2B5EF4-FFF2-40B4-BE49-F238E27FC236}">
                 <a16:creationId xmlns:a16="http://schemas.microsoft.com/office/drawing/2014/main" id="{10810AD1-2BA5-4C09-991C-54E03D2E7CCE}"/>
               </a:ext>
             </a:extLst>
@@ -17418,7 +17668,7 @@
           <a:p>
             <a:fld id="{519FA752-D1CF-498F-B0BD-05E47309CED3}" type="slidenum">
               <a:rPr lang="en-US" smtClean="0"/>
-              <a:t>50</a:t>
+              <a:t>51</a:t>
             </a:fld>
             <a:endParaRPr lang="en-US"/>
           </a:p>
@@ -17473,280 +17723,6 @@
 </p:sld>
 </file>
 
-<file path=ppt/slides/slide51.xml><?xml version="1.0" encoding="utf-8"?>
-<p:sld xmlns:a="http://schemas.openxmlformats.org/drawingml/2006/main" xmlns:r="http://schemas.openxmlformats.org/officeDocument/2006/relationships" xmlns:p="http://schemas.openxmlformats.org/presentationml/2006/main">
-  <p:cSld>
-    <p:spTree>
-      <p:nvGrpSpPr>
-        <p:cNvPr id="1" name=""/>
-        <p:cNvGrpSpPr/>
-        <p:nvPr/>
-      </p:nvGrpSpPr>
-      <p:grpSpPr>
-        <a:xfrm>
-          <a:off x="0" y="0"/>
-          <a:ext cx="0" cy="0"/>
-          <a:chOff x="0" y="0"/>
-          <a:chExt cx="0" cy="0"/>
-        </a:xfrm>
-      </p:grpSpPr>
-      <p:sp>
-        <p:nvSpPr>
-          <p:cNvPr id="2" name="Title 1">
-            <a:extLst>
-              <a:ext uri="{FF2B5EF4-FFF2-40B4-BE49-F238E27FC236}">
-                <a16:creationId xmlns:a16="http://schemas.microsoft.com/office/drawing/2014/main" id="{0A6BDD1D-84E4-4B51-9C0B-4CBD78D971F2}"/>
-              </a:ext>
-            </a:extLst>
-          </p:cNvPr>
-          <p:cNvSpPr>
-            <a:spLocks noGrp="1"/>
-          </p:cNvSpPr>
-          <p:nvPr>
-            <p:ph type="title"/>
-          </p:nvPr>
-        </p:nvSpPr>
-        <p:spPr>
-          <a:xfrm>
-            <a:off x="838200" y="365126"/>
-            <a:ext cx="10515600" cy="813292"/>
-          </a:xfrm>
-          <a:solidFill>
-            <a:schemeClr val="bg2"/>
-          </a:solidFill>
-        </p:spPr>
-        <p:txBody>
-          <a:bodyPr/>
-          <a:lstStyle/>
-          <a:p>
-            <a:r>
-              <a:rPr lang="en-US" dirty="0"/>
-              <a:t>Compilation Model	</a:t>
-            </a:r>
-          </a:p>
-        </p:txBody>
-      </p:sp>
-      <p:sp>
-        <p:nvSpPr>
-          <p:cNvPr id="4" name="Content Placeholder 3">
-            <a:extLst>
-              <a:ext uri="{FF2B5EF4-FFF2-40B4-BE49-F238E27FC236}">
-                <a16:creationId xmlns:a16="http://schemas.microsoft.com/office/drawing/2014/main" id="{9E291351-442A-41FD-9F35-ADDF18925573}"/>
-              </a:ext>
-            </a:extLst>
-          </p:cNvPr>
-          <p:cNvSpPr>
-            <a:spLocks noGrp="1"/>
-          </p:cNvSpPr>
-          <p:nvPr>
-            <p:ph sz="half" idx="1"/>
-          </p:nvPr>
-        </p:nvSpPr>
-        <p:spPr>
-          <a:xfrm>
-            <a:off x="838200" y="1545465"/>
-            <a:ext cx="5257800" cy="4631498"/>
-          </a:xfrm>
-        </p:spPr>
-        <p:txBody>
-          <a:bodyPr>
-            <a:normAutofit/>
-          </a:bodyPr>
-          <a:lstStyle/>
-          <a:p>
-            <a:r>
-              <a:rPr lang="en-US" sz="1800" dirty="0"/>
-              <a:t>Rust compilation is a transitive depth first search process.</a:t>
-            </a:r>
-          </a:p>
-          <a:p>
-            <a:r>
-              <a:rPr lang="en-US" sz="1800" dirty="0"/>
-              <a:t>The cargo build tool starts by parsing the package’s </a:t>
-            </a:r>
-            <a:r>
-              <a:rPr lang="en-US" sz="1800" dirty="0" err="1"/>
-              <a:t>cargo.toml</a:t>
-            </a:r>
-            <a:r>
-              <a:rPr lang="en-US" sz="1800" dirty="0"/>
-              <a:t> file, looking for dependencies and build attribute specifications.</a:t>
-            </a:r>
-          </a:p>
-          <a:p>
-            <a:r>
-              <a:rPr lang="en-US" sz="1800" dirty="0"/>
-              <a:t>For each dependency cargo parses its dependencies transitively until it reaches a </a:t>
-            </a:r>
-            <a:r>
-              <a:rPr lang="en-US" sz="1800" dirty="0" err="1"/>
-              <a:t>cargo.toml</a:t>
-            </a:r>
-            <a:r>
-              <a:rPr lang="en-US" sz="1800" dirty="0"/>
-              <a:t> with no dependencies.</a:t>
-            </a:r>
-          </a:p>
-          <a:p>
-            <a:r>
-              <a:rPr lang="en-US" sz="1800" dirty="0"/>
-              <a:t>It then builds that crate root with its loaded modules, then returns to the previous crate in the dependency tree.</a:t>
-            </a:r>
-          </a:p>
-          <a:p>
-            <a:r>
-              <a:rPr lang="en-US" sz="1800" dirty="0"/>
-              <a:t>When it returns to the build package it builds the files in /</a:t>
-            </a:r>
-            <a:r>
-              <a:rPr lang="en-US" sz="1800" dirty="0" err="1"/>
-              <a:t>src</a:t>
-            </a:r>
-            <a:r>
-              <a:rPr lang="en-US" sz="1800" dirty="0"/>
-              <a:t> and deposits its results in /target.</a:t>
-            </a:r>
-          </a:p>
-          <a:p>
-            <a:r>
-              <a:rPr lang="en-US" sz="1800" dirty="0"/>
-              <a:t>If any of the dependencies have current builds, that library in /target is used and files in /</a:t>
-            </a:r>
-            <a:r>
-              <a:rPr lang="en-US" sz="1800" dirty="0" err="1"/>
-              <a:t>src</a:t>
-            </a:r>
-            <a:r>
-              <a:rPr lang="en-US" sz="1800" dirty="0"/>
-              <a:t> are not built.</a:t>
-            </a:r>
-          </a:p>
-        </p:txBody>
-      </p:sp>
-      <p:sp>
-        <p:nvSpPr>
-          <p:cNvPr id="3" name="Slide Number Placeholder 2">
-            <a:extLst>
-              <a:ext uri="{FF2B5EF4-FFF2-40B4-BE49-F238E27FC236}">
-                <a16:creationId xmlns:a16="http://schemas.microsoft.com/office/drawing/2014/main" id="{791E7C80-6706-4988-B78C-5468EE01D9D2}"/>
-              </a:ext>
-            </a:extLst>
-          </p:cNvPr>
-          <p:cNvSpPr>
-            <a:spLocks noGrp="1"/>
-          </p:cNvSpPr>
-          <p:nvPr>
-            <p:ph type="sldNum" sz="quarter" idx="12"/>
-          </p:nvPr>
-        </p:nvSpPr>
-        <p:spPr/>
-        <p:txBody>
-          <a:bodyPr/>
-          <a:lstStyle/>
-          <a:p>
-            <a:fld id="{519FA752-D1CF-498F-B0BD-05E47309CED3}" type="slidenum">
-              <a:rPr lang="en-US" smtClean="0"/>
-              <a:t>51</a:t>
-            </a:fld>
-            <a:endParaRPr lang="en-US"/>
-          </a:p>
-        </p:txBody>
-      </p:sp>
-      <p:pic>
-        <p:nvPicPr>
-          <p:cNvPr id="9" name="Content Placeholder 8" descr="A screenshot of a cell phone&#10;&#10;Description automatically generated">
-            <a:extLst>
-              <a:ext uri="{FF2B5EF4-FFF2-40B4-BE49-F238E27FC236}">
-                <a16:creationId xmlns:a16="http://schemas.microsoft.com/office/drawing/2014/main" id="{9E884569-E2CD-41A9-AC50-E19CB295283A}"/>
-              </a:ext>
-            </a:extLst>
-          </p:cNvPr>
-          <p:cNvPicPr>
-            <a:picLocks noGrp="1" noChangeAspect="1"/>
-          </p:cNvPicPr>
-          <p:nvPr>
-            <p:ph sz="half" idx="2"/>
-          </p:nvPr>
-        </p:nvPicPr>
-        <p:blipFill>
-          <a:blip r:embed="rId2">
-            <a:extLst>
-              <a:ext uri="{28A0092B-C50C-407E-A947-70E740481C1C}">
-                <a14:useLocalDpi xmlns:a14="http://schemas.microsoft.com/office/drawing/2010/main" val="0"/>
-              </a:ext>
-            </a:extLst>
-          </a:blip>
-          <a:stretch>
-            <a:fillRect/>
-          </a:stretch>
-        </p:blipFill>
-        <p:spPr>
-          <a:xfrm>
-            <a:off x="6096000" y="1523083"/>
-            <a:ext cx="5181600" cy="2338131"/>
-          </a:xfrm>
-        </p:spPr>
-      </p:pic>
-      <p:sp>
-        <p:nvSpPr>
-          <p:cNvPr id="11" name="TextBox 10">
-            <a:extLst>
-              <a:ext uri="{FF2B5EF4-FFF2-40B4-BE49-F238E27FC236}">
-                <a16:creationId xmlns:a16="http://schemas.microsoft.com/office/drawing/2014/main" id="{905B5F4F-FCAC-423B-A479-E1090AD83D7D}"/>
-              </a:ext>
-            </a:extLst>
-          </p:cNvPr>
-          <p:cNvSpPr txBox="1"/>
-          <p:nvPr/>
-        </p:nvSpPr>
-        <p:spPr>
-          <a:xfrm>
-            <a:off x="6529589" y="4063285"/>
-            <a:ext cx="4687910" cy="923330"/>
-          </a:xfrm>
-          <a:prstGeom prst="rect">
-            <a:avLst/>
-          </a:prstGeom>
-          <a:noFill/>
-        </p:spPr>
-        <p:txBody>
-          <a:bodyPr wrap="square" rtlCol="0">
-            <a:spAutoFit/>
-          </a:bodyPr>
-          <a:lstStyle/>
-          <a:p>
-            <a:pPr marL="285750" indent="-285750">
-              <a:buFont typeface="Arial" panose="020B0604020202020204" pitchFamily="34" charset="0"/>
-              <a:buChar char="•"/>
-            </a:pPr>
-            <a:r>
-              <a:rPr lang="en-US" dirty="0"/>
-              <a:t>Note that </a:t>
-            </a:r>
-            <a:r>
-              <a:rPr lang="en-US" dirty="0" err="1"/>
-              <a:t>cargo.toml</a:t>
-            </a:r>
-            <a:r>
-              <a:rPr lang="en-US" dirty="0"/>
-              <a:t> files may list zero or more dependencies, so the dependency structure is a tree, not a list.</a:t>
-            </a:r>
-          </a:p>
-        </p:txBody>
-      </p:sp>
-    </p:spTree>
-    <p:extLst>
-      <p:ext uri="{BB962C8B-B14F-4D97-AF65-F5344CB8AC3E}">
-        <p14:creationId xmlns:p14="http://schemas.microsoft.com/office/powerpoint/2010/main" val="4136815235"/>
-      </p:ext>
-    </p:extLst>
-  </p:cSld>
-  <p:clrMapOvr>
-    <a:masterClrMapping/>
-  </p:clrMapOvr>
-</p:sld>
-</file>
-
 <file path=ppt/slides/slide52.xml><?xml version="1.0" encoding="utf-8"?>
 <p:sld xmlns:a="http://schemas.openxmlformats.org/drawingml/2006/main" xmlns:r="http://schemas.openxmlformats.org/officeDocument/2006/relationships" xmlns:p="http://schemas.openxmlformats.org/presentationml/2006/main">
   <p:cSld>
@@ -17769,7 +17745,7 @@
           <p:cNvPr id="2" name="Title 1">
             <a:extLst>
               <a:ext uri="{FF2B5EF4-FFF2-40B4-BE49-F238E27FC236}">
-                <a16:creationId xmlns:a16="http://schemas.microsoft.com/office/drawing/2014/main" id="{23415001-3425-4483-AC1D-D6776F34FAF7}"/>
+                <a16:creationId xmlns:a16="http://schemas.microsoft.com/office/drawing/2014/main" id="{0A6BDD1D-84E4-4B51-9C0B-4CBD78D971F2}"/>
               </a:ext>
             </a:extLst>
           </p:cNvPr>
@@ -17778,67 +17754,99 @@
           </p:cNvSpPr>
           <p:nvPr>
             <p:ph type="title"/>
-          </p:nvPr>
-        </p:nvSpPr>
-        <p:spPr/>
-        <p:txBody>
-          <a:bodyPr/>
-          <a:lstStyle/>
-          <a:p>
-            <a:r>
-              <a:rPr lang="en-US" dirty="0"/>
-              <a:t>Cargo Builds</a:t>
-            </a:r>
-          </a:p>
-        </p:txBody>
-      </p:sp>
-      <p:sp>
-        <p:nvSpPr>
-          <p:cNvPr id="7" name="Content Placeholder 6">
-            <a:extLst>
-              <a:ext uri="{FF2B5EF4-FFF2-40B4-BE49-F238E27FC236}">
-                <a16:creationId xmlns:a16="http://schemas.microsoft.com/office/drawing/2014/main" id="{B19B8A35-79F0-4F2F-9BB6-4519DEE23A9B}"/>
-              </a:ext>
-            </a:extLst>
-          </p:cNvPr>
-          <p:cNvSpPr>
-            <a:spLocks noGrp="1"/>
-          </p:cNvSpPr>
-          <p:nvPr>
-            <p:ph sz="half" idx="1"/>
           </p:nvPr>
         </p:nvSpPr>
         <p:spPr>
           <a:xfrm>
-            <a:off x="6283036" y="1268230"/>
-            <a:ext cx="5181600" cy="4957763"/>
+            <a:off x="838200" y="365126"/>
+            <a:ext cx="10515600" cy="813292"/>
+          </a:xfrm>
+          <a:solidFill>
+            <a:schemeClr val="bg2"/>
+          </a:solidFill>
+        </p:spPr>
+        <p:txBody>
+          <a:bodyPr/>
+          <a:lstStyle/>
+          <a:p>
+            <a:r>
+              <a:rPr lang="en-US" dirty="0"/>
+              <a:t>Compilation Model	</a:t>
+            </a:r>
+          </a:p>
+        </p:txBody>
+      </p:sp>
+      <p:sp>
+        <p:nvSpPr>
+          <p:cNvPr id="4" name="Content Placeholder 3">
+            <a:extLst>
+              <a:ext uri="{FF2B5EF4-FFF2-40B4-BE49-F238E27FC236}">
+                <a16:creationId xmlns:a16="http://schemas.microsoft.com/office/drawing/2014/main" id="{9E291351-442A-41FD-9F35-ADDF18925573}"/>
+              </a:ext>
+            </a:extLst>
+          </p:cNvPr>
+          <p:cNvSpPr>
+            <a:spLocks noGrp="1"/>
+          </p:cNvSpPr>
+          <p:nvPr>
+            <p:ph sz="half" idx="1"/>
+          </p:nvPr>
+        </p:nvSpPr>
+        <p:spPr>
+          <a:xfrm>
+            <a:off x="838200" y="1545465"/>
+            <a:ext cx="5257800" cy="4631498"/>
           </a:xfrm>
         </p:spPr>
         <p:txBody>
           <a:bodyPr>
-            <a:noAutofit/>
+            <a:normAutofit/>
           </a:bodyPr>
           <a:lstStyle/>
           <a:p>
-            <a:pPr marL="0" indent="0">
-              <a:buNone/>
-            </a:pPr>
-            <a:r>
-              <a:rPr lang="en-US" sz="2000" b="1" dirty="0"/>
-              <a:t>Compilation of local sources</a:t>
-            </a:r>
-          </a:p>
-          <a:p>
-            <a:r>
-              <a:rPr lang="en-US" sz="2000" dirty="0"/>
-              <a:t>When external library dependencies are resolved cargo builds:</a:t>
-            </a:r>
-          </a:p>
-          <a:p>
-            <a:pPr lvl="1"/>
             <a:r>
               <a:rPr lang="en-US" sz="1800" dirty="0"/>
-              <a:t>The crate root in /</a:t>
+              <a:t>Rust compilation is a transitive depth first search process.</a:t>
+            </a:r>
+          </a:p>
+          <a:p>
+            <a:r>
+              <a:rPr lang="en-US" sz="1800" dirty="0"/>
+              <a:t>The cargo build tool starts by parsing the package’s </a:t>
+            </a:r>
+            <a:r>
+              <a:rPr lang="en-US" sz="1800" dirty="0" err="1"/>
+              <a:t>cargo.toml</a:t>
+            </a:r>
+            <a:r>
+              <a:rPr lang="en-US" sz="1800" dirty="0"/>
+              <a:t> file, looking for dependencies and build attribute specifications.</a:t>
+            </a:r>
+          </a:p>
+          <a:p>
+            <a:r>
+              <a:rPr lang="en-US" sz="1800" dirty="0"/>
+              <a:t>For each dependency cargo parses its dependencies transitively until it reaches a </a:t>
+            </a:r>
+            <a:r>
+              <a:rPr lang="en-US" sz="1800" dirty="0" err="1"/>
+              <a:t>cargo.toml</a:t>
+            </a:r>
+            <a:r>
+              <a:rPr lang="en-US" sz="1800" dirty="0"/>
+              <a:t> with no dependencies.</a:t>
+            </a:r>
+          </a:p>
+          <a:p>
+            <a:r>
+              <a:rPr lang="en-US" sz="1800" dirty="0"/>
+              <a:t>It then builds that crate root with its loaded modules, then returns to the previous crate in the dependency tree.</a:t>
+            </a:r>
+          </a:p>
+          <a:p>
+            <a:r>
+              <a:rPr lang="en-US" sz="1800" dirty="0"/>
+              <a:t>When it returns to the build package it builds the files in /</a:t>
             </a:r>
             <a:r>
               <a:rPr lang="en-US" sz="1800" dirty="0" err="1"/>
@@ -17846,14 +17854,13 @@
             </a:r>
             <a:r>
               <a:rPr lang="en-US" sz="1800" dirty="0"/>
-              <a:t>, main.rs or lib.rs</a:t>
-            </a:r>
-          </a:p>
-          <a:p>
-            <a:pPr lvl="1"/>
+              <a:t> and deposits its results in /target.</a:t>
+            </a:r>
+          </a:p>
+          <a:p>
             <a:r>
               <a:rPr lang="en-US" sz="1800" dirty="0"/>
-              <a:t>Any modules that the crate root depends on – they reside in the same /</a:t>
+              <a:t>If any of the dependencies have current builds, that library in /target is used and files in /</a:t>
             </a:r>
             <a:r>
               <a:rPr lang="en-US" sz="1800" dirty="0" err="1"/>
@@ -17861,52 +17868,46 @@
             </a:r>
             <a:r>
               <a:rPr lang="en-US" sz="1800" dirty="0"/>
-              <a:t> directory.</a:t>
-            </a:r>
-          </a:p>
-          <a:p>
-            <a:r>
-              <a:rPr lang="en-US" sz="2000" dirty="0"/>
-              <a:t>Cargo knows about these module dependencies:</a:t>
-            </a:r>
-          </a:p>
-          <a:p>
-            <a:pPr lvl="1"/>
-            <a:r>
-              <a:rPr lang="en-US" sz="1800" dirty="0"/>
-              <a:t>The crate root file declares modules it depends on with a</a:t>
-            </a:r>
-            <a:br>
-              <a:rPr lang="en-US" sz="1800" dirty="0"/>
-            </a:br>
-            <a:r>
-              <a:rPr lang="en-US" sz="1800" dirty="0"/>
-              <a:t>mod </a:t>
-            </a:r>
-            <a:r>
-              <a:rPr lang="en-US" sz="1800" dirty="0" err="1"/>
-              <a:t>file_name</a:t>
-            </a:r>
-            <a:r>
-              <a:rPr lang="en-US" sz="1800" dirty="0"/>
-              <a:t> declaration.</a:t>
-            </a:r>
-          </a:p>
-          <a:p>
-            <a:pPr lvl="1"/>
-            <a:r>
-              <a:rPr lang="en-US" sz="1800" dirty="0"/>
-              <a:t>Modules may declare dependencies on other modules in the same way.</a:t>
-            </a:r>
+              <a:t> are not built.</a:t>
+            </a:r>
+          </a:p>
+        </p:txBody>
+      </p:sp>
+      <p:sp>
+        <p:nvSpPr>
+          <p:cNvPr id="3" name="Slide Number Placeholder 2">
+            <a:extLst>
+              <a:ext uri="{FF2B5EF4-FFF2-40B4-BE49-F238E27FC236}">
+                <a16:creationId xmlns:a16="http://schemas.microsoft.com/office/drawing/2014/main" id="{791E7C80-6706-4988-B78C-5468EE01D9D2}"/>
+              </a:ext>
+            </a:extLst>
+          </p:cNvPr>
+          <p:cNvSpPr>
+            <a:spLocks noGrp="1"/>
+          </p:cNvSpPr>
+          <p:nvPr>
+            <p:ph type="sldNum" sz="quarter" idx="12"/>
+          </p:nvPr>
+        </p:nvSpPr>
+        <p:spPr/>
+        <p:txBody>
+          <a:bodyPr/>
+          <a:lstStyle/>
+          <a:p>
+            <a:fld id="{519FA752-D1CF-498F-B0BD-05E47309CED3}" type="slidenum">
+              <a:rPr lang="en-US" smtClean="0"/>
+              <a:t>52</a:t>
+            </a:fld>
+            <a:endParaRPr lang="en-US"/>
           </a:p>
         </p:txBody>
       </p:sp>
       <p:pic>
         <p:nvPicPr>
-          <p:cNvPr id="6" name="Content Placeholder 8" descr="A screenshot of a cell phone&#10;&#10;Description automatically generated">
-            <a:extLst>
-              <a:ext uri="{FF2B5EF4-FFF2-40B4-BE49-F238E27FC236}">
-                <a16:creationId xmlns:a16="http://schemas.microsoft.com/office/drawing/2014/main" id="{382411A1-A149-4ABD-8802-80C87EBBABE7}"/>
+          <p:cNvPr id="9" name="Content Placeholder 8" descr="A screenshot of a cell phone&#10;&#10;Description automatically generated">
+            <a:extLst>
+              <a:ext uri="{FF2B5EF4-FFF2-40B4-BE49-F238E27FC236}">
+                <a16:creationId xmlns:a16="http://schemas.microsoft.com/office/drawing/2014/main" id="{9E884569-E2CD-41A9-AC50-E19CB295283A}"/>
               </a:ext>
             </a:extLst>
           </p:cNvPr>
@@ -17931,256 +17932,54 @@
         </p:blipFill>
         <p:spPr>
           <a:xfrm>
-            <a:off x="630382" y="3470563"/>
+            <a:off x="6096000" y="1523083"/>
             <a:ext cx="5181600" cy="2338131"/>
           </a:xfrm>
         </p:spPr>
       </p:pic>
       <p:sp>
         <p:nvSpPr>
-          <p:cNvPr id="5" name="Slide Number Placeholder 4">
-            <a:extLst>
-              <a:ext uri="{FF2B5EF4-FFF2-40B4-BE49-F238E27FC236}">
-                <a16:creationId xmlns:a16="http://schemas.microsoft.com/office/drawing/2014/main" id="{AAA88135-5CD4-4E72-8AE8-0A5A2BCE5D0A}"/>
-              </a:ext>
-            </a:extLst>
-          </p:cNvPr>
-          <p:cNvSpPr>
-            <a:spLocks noGrp="1"/>
-          </p:cNvSpPr>
-          <p:nvPr>
-            <p:ph type="sldNum" sz="quarter" idx="12"/>
-          </p:nvPr>
-        </p:nvSpPr>
-        <p:spPr/>
-        <p:txBody>
-          <a:bodyPr/>
-          <a:lstStyle/>
-          <a:p>
-            <a:fld id="{519FA752-D1CF-498F-B0BD-05E47309CED3}" type="slidenum">
-              <a:rPr lang="en-US" smtClean="0"/>
-              <a:pPr/>
-              <a:t>52</a:t>
-            </a:fld>
-            <a:endParaRPr lang="en-US"/>
-          </a:p>
-        </p:txBody>
-      </p:sp>
-      <p:sp>
-        <p:nvSpPr>
-          <p:cNvPr id="16" name="Content Placeholder 6">
-            <a:extLst>
-              <a:ext uri="{FF2B5EF4-FFF2-40B4-BE49-F238E27FC236}">
-                <a16:creationId xmlns:a16="http://schemas.microsoft.com/office/drawing/2014/main" id="{430C642C-FDD3-4C4E-8BC7-FA2075707F87}"/>
-              </a:ext>
-            </a:extLst>
-          </p:cNvPr>
-          <p:cNvSpPr txBox="1">
-            <a:spLocks/>
-          </p:cNvSpPr>
+          <p:cNvPr id="11" name="TextBox 10">
+            <a:extLst>
+              <a:ext uri="{FF2B5EF4-FFF2-40B4-BE49-F238E27FC236}">
+                <a16:creationId xmlns:a16="http://schemas.microsoft.com/office/drawing/2014/main" id="{905B5F4F-FCAC-423B-A479-E1090AD83D7D}"/>
+              </a:ext>
+            </a:extLst>
+          </p:cNvPr>
+          <p:cNvSpPr txBox="1"/>
           <p:nvPr/>
         </p:nvSpPr>
         <p:spPr>
           <a:xfrm>
-            <a:off x="838200" y="1344974"/>
-            <a:ext cx="5181600" cy="4821809"/>
+            <a:off x="6529589" y="4063285"/>
+            <a:ext cx="4687910" cy="923330"/>
           </a:xfrm>
           <a:prstGeom prst="rect">
             <a:avLst/>
           </a:prstGeom>
+          <a:noFill/>
         </p:spPr>
         <p:txBody>
-          <a:bodyPr vert="horz" lIns="91440" tIns="45720" rIns="91440" bIns="45720" rtlCol="0">
-            <a:noAutofit/>
+          <a:bodyPr wrap="square" rtlCol="0">
+            <a:spAutoFit/>
           </a:bodyPr>
-          <a:lstStyle>
-            <a:lvl1pPr marL="228600" indent="-228600" algn="l" defTabSz="914400" rtl="0" eaLnBrk="1" latinLnBrk="0" hangingPunct="1">
-              <a:lnSpc>
-                <a:spcPct val="90000"/>
-              </a:lnSpc>
-              <a:spcBef>
-                <a:spcPts val="1000"/>
-              </a:spcBef>
+          <a:lstStyle/>
+          <a:p>
+            <a:pPr marL="285750" indent="-285750">
               <a:buFont typeface="Arial" panose="020B0604020202020204" pitchFamily="34" charset="0"/>
               <a:buChar char="•"/>
-              <a:defRPr sz="2800" kern="1200">
-                <a:solidFill>
-                  <a:schemeClr val="tx1"/>
-                </a:solidFill>
-                <a:latin typeface="+mn-lt"/>
-                <a:ea typeface="+mn-ea"/>
-                <a:cs typeface="+mn-cs"/>
-              </a:defRPr>
-            </a:lvl1pPr>
-            <a:lvl2pPr marL="685800" indent="-228600" algn="l" defTabSz="914400" rtl="0" eaLnBrk="1" latinLnBrk="0" hangingPunct="1">
-              <a:lnSpc>
-                <a:spcPct val="90000"/>
-              </a:lnSpc>
-              <a:spcBef>
-                <a:spcPts val="500"/>
-              </a:spcBef>
-              <a:buFont typeface="Arial" panose="020B0604020202020204" pitchFamily="34" charset="0"/>
-              <a:buChar char="•"/>
-              <a:defRPr sz="2400" kern="1200">
-                <a:solidFill>
-                  <a:schemeClr val="tx1"/>
-                </a:solidFill>
-                <a:latin typeface="+mn-lt"/>
-                <a:ea typeface="+mn-ea"/>
-                <a:cs typeface="+mn-cs"/>
-              </a:defRPr>
-            </a:lvl2pPr>
-            <a:lvl3pPr marL="1143000" indent="-228600" algn="l" defTabSz="914400" rtl="0" eaLnBrk="1" latinLnBrk="0" hangingPunct="1">
-              <a:lnSpc>
-                <a:spcPct val="90000"/>
-              </a:lnSpc>
-              <a:spcBef>
-                <a:spcPts val="500"/>
-              </a:spcBef>
-              <a:buFont typeface="Arial" panose="020B0604020202020204" pitchFamily="34" charset="0"/>
-              <a:buChar char="•"/>
-              <a:defRPr sz="2000" kern="1200">
-                <a:solidFill>
-                  <a:schemeClr val="tx1"/>
-                </a:solidFill>
-                <a:latin typeface="+mn-lt"/>
-                <a:ea typeface="+mn-ea"/>
-                <a:cs typeface="+mn-cs"/>
-              </a:defRPr>
-            </a:lvl3pPr>
-            <a:lvl4pPr marL="1600200" indent="-228600" algn="l" defTabSz="914400" rtl="0" eaLnBrk="1" latinLnBrk="0" hangingPunct="1">
-              <a:lnSpc>
-                <a:spcPct val="90000"/>
-              </a:lnSpc>
-              <a:spcBef>
-                <a:spcPts val="500"/>
-              </a:spcBef>
-              <a:buFont typeface="Arial" panose="020B0604020202020204" pitchFamily="34" charset="0"/>
-              <a:buChar char="•"/>
-              <a:defRPr sz="1800" kern="1200">
-                <a:solidFill>
-                  <a:schemeClr val="tx1"/>
-                </a:solidFill>
-                <a:latin typeface="+mn-lt"/>
-                <a:ea typeface="+mn-ea"/>
-                <a:cs typeface="+mn-cs"/>
-              </a:defRPr>
-            </a:lvl4pPr>
-            <a:lvl5pPr marL="2057400" indent="-228600" algn="l" defTabSz="914400" rtl="0" eaLnBrk="1" latinLnBrk="0" hangingPunct="1">
-              <a:lnSpc>
-                <a:spcPct val="90000"/>
-              </a:lnSpc>
-              <a:spcBef>
-                <a:spcPts val="500"/>
-              </a:spcBef>
-              <a:buFont typeface="Arial" panose="020B0604020202020204" pitchFamily="34" charset="0"/>
-              <a:buChar char="•"/>
-              <a:defRPr sz="1800" kern="1200">
-                <a:solidFill>
-                  <a:schemeClr val="tx1"/>
-                </a:solidFill>
-                <a:latin typeface="+mn-lt"/>
-                <a:ea typeface="+mn-ea"/>
-                <a:cs typeface="+mn-cs"/>
-              </a:defRPr>
-            </a:lvl5pPr>
-            <a:lvl6pPr marL="2514600" indent="-228600" algn="l" defTabSz="914400" rtl="0" eaLnBrk="1" latinLnBrk="0" hangingPunct="1">
-              <a:lnSpc>
-                <a:spcPct val="90000"/>
-              </a:lnSpc>
-              <a:spcBef>
-                <a:spcPts val="500"/>
-              </a:spcBef>
-              <a:buFont typeface="Arial" panose="020B0604020202020204" pitchFamily="34" charset="0"/>
-              <a:buChar char="•"/>
-              <a:defRPr sz="1800" kern="1200">
-                <a:solidFill>
-                  <a:schemeClr val="tx1"/>
-                </a:solidFill>
-                <a:latin typeface="+mn-lt"/>
-                <a:ea typeface="+mn-ea"/>
-                <a:cs typeface="+mn-cs"/>
-              </a:defRPr>
-            </a:lvl6pPr>
-            <a:lvl7pPr marL="2971800" indent="-228600" algn="l" defTabSz="914400" rtl="0" eaLnBrk="1" latinLnBrk="0" hangingPunct="1">
-              <a:lnSpc>
-                <a:spcPct val="90000"/>
-              </a:lnSpc>
-              <a:spcBef>
-                <a:spcPts val="500"/>
-              </a:spcBef>
-              <a:buFont typeface="Arial" panose="020B0604020202020204" pitchFamily="34" charset="0"/>
-              <a:buChar char="•"/>
-              <a:defRPr sz="1800" kern="1200">
-                <a:solidFill>
-                  <a:schemeClr val="tx1"/>
-                </a:solidFill>
-                <a:latin typeface="+mn-lt"/>
-                <a:ea typeface="+mn-ea"/>
-                <a:cs typeface="+mn-cs"/>
-              </a:defRPr>
-            </a:lvl7pPr>
-            <a:lvl8pPr marL="3429000" indent="-228600" algn="l" defTabSz="914400" rtl="0" eaLnBrk="1" latinLnBrk="0" hangingPunct="1">
-              <a:lnSpc>
-                <a:spcPct val="90000"/>
-              </a:lnSpc>
-              <a:spcBef>
-                <a:spcPts val="500"/>
-              </a:spcBef>
-              <a:buFont typeface="Arial" panose="020B0604020202020204" pitchFamily="34" charset="0"/>
-              <a:buChar char="•"/>
-              <a:defRPr sz="1800" kern="1200">
-                <a:solidFill>
-                  <a:schemeClr val="tx1"/>
-                </a:solidFill>
-                <a:latin typeface="+mn-lt"/>
-                <a:ea typeface="+mn-ea"/>
-                <a:cs typeface="+mn-cs"/>
-              </a:defRPr>
-            </a:lvl8pPr>
-            <a:lvl9pPr marL="3886200" indent="-228600" algn="l" defTabSz="914400" rtl="0" eaLnBrk="1" latinLnBrk="0" hangingPunct="1">
-              <a:lnSpc>
-                <a:spcPct val="90000"/>
-              </a:lnSpc>
-              <a:spcBef>
-                <a:spcPts val="500"/>
-              </a:spcBef>
-              <a:buFont typeface="Arial" panose="020B0604020202020204" pitchFamily="34" charset="0"/>
-              <a:buChar char="•"/>
-              <a:defRPr sz="1800" kern="1200">
-                <a:solidFill>
-                  <a:schemeClr val="tx1"/>
-                </a:solidFill>
-                <a:latin typeface="+mn-lt"/>
-                <a:ea typeface="+mn-ea"/>
-                <a:cs typeface="+mn-cs"/>
-              </a:defRPr>
-            </a:lvl9pPr>
-          </a:lstStyle>
-          <a:p>
-            <a:pPr marL="0" indent="0">
-              <a:buFont typeface="Arial" panose="020B0604020202020204" pitchFamily="34" charset="0"/>
-              <a:buNone/>
             </a:pPr>
             <a:r>
-              <a:rPr lang="en-US" sz="2000" b="1" dirty="0"/>
-              <a:t>Compilation of external libraries</a:t>
-            </a:r>
-          </a:p>
-          <a:p>
-            <a:r>
-              <a:rPr lang="en-US" sz="2000" dirty="0" err="1"/>
-              <a:t>Cargo.toml</a:t>
-            </a:r>
-            <a:r>
-              <a:rPr lang="en-US" sz="2000" dirty="0"/>
-              <a:t> lists dependencies on external libraries.  These are loaded and built or retrieved from the build cache.</a:t>
-            </a:r>
-          </a:p>
-          <a:p>
-            <a:r>
-              <a:rPr lang="en-US" sz="2000" dirty="0"/>
-              <a:t>This is a transitive process, that walks the crate’s dependency tree.</a:t>
+              <a:rPr lang="en-US" dirty="0"/>
+              <a:t>Note that </a:t>
+            </a:r>
+            <a:r>
+              <a:rPr lang="en-US" dirty="0" err="1"/>
+              <a:t>cargo.toml</a:t>
+            </a:r>
+            <a:r>
+              <a:rPr lang="en-US" dirty="0"/>
+              <a:t> files may list zero or more dependencies, so the dependency structure is a tree, not a list.</a:t>
             </a:r>
           </a:p>
         </p:txBody>
@@ -18188,7 +17987,7 @@
     </p:spTree>
     <p:extLst>
       <p:ext uri="{BB962C8B-B14F-4D97-AF65-F5344CB8AC3E}">
-        <p14:creationId xmlns:p14="http://schemas.microsoft.com/office/powerpoint/2010/main" val="2788948145"/>
+        <p14:creationId xmlns:p14="http://schemas.microsoft.com/office/powerpoint/2010/main" val="4136815235"/>
       </p:ext>
     </p:extLst>
   </p:cSld>
@@ -18220,7 +18019,7 @@
           <p:cNvPr id="2" name="Title 1">
             <a:extLst>
               <a:ext uri="{FF2B5EF4-FFF2-40B4-BE49-F238E27FC236}">
-                <a16:creationId xmlns:a16="http://schemas.microsoft.com/office/drawing/2014/main" id="{0B150BC5-9B8A-41C1-B718-6852A96A3C68}"/>
+                <a16:creationId xmlns:a16="http://schemas.microsoft.com/office/drawing/2014/main" id="{23415001-3425-4483-AC1D-D6776F34FAF7}"/>
               </a:ext>
             </a:extLst>
           </p:cNvPr>
@@ -18229,169 +18028,170 @@
           </p:cNvSpPr>
           <p:nvPr>
             <p:ph type="title"/>
+          </p:nvPr>
+        </p:nvSpPr>
+        <p:spPr/>
+        <p:txBody>
+          <a:bodyPr/>
+          <a:lstStyle/>
+          <a:p>
+            <a:r>
+              <a:rPr lang="en-US" dirty="0"/>
+              <a:t>Cargo Builds</a:t>
+            </a:r>
+          </a:p>
+        </p:txBody>
+      </p:sp>
+      <p:sp>
+        <p:nvSpPr>
+          <p:cNvPr id="7" name="Content Placeholder 6">
+            <a:extLst>
+              <a:ext uri="{FF2B5EF4-FFF2-40B4-BE49-F238E27FC236}">
+                <a16:creationId xmlns:a16="http://schemas.microsoft.com/office/drawing/2014/main" id="{B19B8A35-79F0-4F2F-9BB6-4519DEE23A9B}"/>
+              </a:ext>
+            </a:extLst>
+          </p:cNvPr>
+          <p:cNvSpPr>
+            <a:spLocks noGrp="1"/>
+          </p:cNvSpPr>
+          <p:nvPr>
+            <p:ph sz="half" idx="1"/>
           </p:nvPr>
         </p:nvSpPr>
         <p:spPr>
           <a:xfrm>
-            <a:off x="838200" y="337416"/>
-            <a:ext cx="10515600" cy="897005"/>
+            <a:off x="6283036" y="1268230"/>
+            <a:ext cx="5181600" cy="4957763"/>
           </a:xfrm>
-          <a:solidFill>
-            <a:schemeClr val="bg2"/>
-          </a:solidFill>
         </p:spPr>
         <p:txBody>
-          <a:bodyPr/>
-          <a:lstStyle/>
-          <a:p>
-            <a:r>
-              <a:rPr lang="en-US" dirty="0"/>
-              <a:t>Program Execution	</a:t>
-            </a:r>
-          </a:p>
-        </p:txBody>
-      </p:sp>
-      <p:sp>
-        <p:nvSpPr>
-          <p:cNvPr id="4" name="Content Placeholder 3">
-            <a:extLst>
-              <a:ext uri="{FF2B5EF4-FFF2-40B4-BE49-F238E27FC236}">
-                <a16:creationId xmlns:a16="http://schemas.microsoft.com/office/drawing/2014/main" id="{DA4175C2-9639-4A84-8DA1-CAEF5DCF0D5A}"/>
-              </a:ext>
-            </a:extLst>
-          </p:cNvPr>
-          <p:cNvSpPr>
-            <a:spLocks noGrp="1"/>
-          </p:cNvSpPr>
-          <p:nvPr>
-            <p:ph sz="half" idx="1"/>
-          </p:nvPr>
-        </p:nvSpPr>
+          <a:bodyPr>
+            <a:noAutofit/>
+          </a:bodyPr>
+          <a:lstStyle/>
+          <a:p>
+            <a:pPr marL="0" indent="0">
+              <a:buNone/>
+            </a:pPr>
+            <a:r>
+              <a:rPr lang="en-US" sz="2000" b="1" dirty="0"/>
+              <a:t>Compilation of local sources</a:t>
+            </a:r>
+          </a:p>
+          <a:p>
+            <a:r>
+              <a:rPr lang="en-US" sz="2000" dirty="0"/>
+              <a:t>When external library dependencies are resolved cargo builds:</a:t>
+            </a:r>
+          </a:p>
+          <a:p>
+            <a:pPr lvl="1"/>
+            <a:r>
+              <a:rPr lang="en-US" sz="1800" dirty="0"/>
+              <a:t>The crate root in /</a:t>
+            </a:r>
+            <a:r>
+              <a:rPr lang="en-US" sz="1800" dirty="0" err="1"/>
+              <a:t>src</a:t>
+            </a:r>
+            <a:r>
+              <a:rPr lang="en-US" sz="1800" dirty="0"/>
+              <a:t>, main.rs or lib.rs</a:t>
+            </a:r>
+          </a:p>
+          <a:p>
+            <a:pPr lvl="1"/>
+            <a:r>
+              <a:rPr lang="en-US" sz="1800" dirty="0"/>
+              <a:t>Any modules that the crate root depends on – they reside in the same /</a:t>
+            </a:r>
+            <a:r>
+              <a:rPr lang="en-US" sz="1800" dirty="0" err="1"/>
+              <a:t>src</a:t>
+            </a:r>
+            <a:r>
+              <a:rPr lang="en-US" sz="1800" dirty="0"/>
+              <a:t> directory.</a:t>
+            </a:r>
+          </a:p>
+          <a:p>
+            <a:r>
+              <a:rPr lang="en-US" sz="2000" dirty="0"/>
+              <a:t>Cargo knows about these module dependencies:</a:t>
+            </a:r>
+          </a:p>
+          <a:p>
+            <a:pPr lvl="1"/>
+            <a:r>
+              <a:rPr lang="en-US" sz="1800" dirty="0"/>
+              <a:t>The crate root file declares modules it depends on with a</a:t>
+            </a:r>
+            <a:br>
+              <a:rPr lang="en-US" sz="1800" dirty="0"/>
+            </a:br>
+            <a:r>
+              <a:rPr lang="en-US" sz="1800" dirty="0"/>
+              <a:t>mod </a:t>
+            </a:r>
+            <a:r>
+              <a:rPr lang="en-US" sz="1800" dirty="0" err="1"/>
+              <a:t>file_name</a:t>
+            </a:r>
+            <a:r>
+              <a:rPr lang="en-US" sz="1800" dirty="0"/>
+              <a:t> declaration.</a:t>
+            </a:r>
+          </a:p>
+          <a:p>
+            <a:pPr lvl="1"/>
+            <a:r>
+              <a:rPr lang="en-US" sz="1800" dirty="0"/>
+              <a:t>Modules may declare dependencies on other modules in the same way.</a:t>
+            </a:r>
+          </a:p>
+        </p:txBody>
+      </p:sp>
+      <p:pic>
+        <p:nvPicPr>
+          <p:cNvPr id="6" name="Content Placeholder 8" descr="A screenshot of a cell phone&#10;&#10;Description automatically generated">
+            <a:extLst>
+              <a:ext uri="{FF2B5EF4-FFF2-40B4-BE49-F238E27FC236}">
+                <a16:creationId xmlns:a16="http://schemas.microsoft.com/office/drawing/2014/main" id="{382411A1-A149-4ABD-8802-80C87EBBABE7}"/>
+              </a:ext>
+            </a:extLst>
+          </p:cNvPr>
+          <p:cNvPicPr>
+            <a:picLocks noGrp="1" noChangeAspect="1"/>
+          </p:cNvPicPr>
+          <p:nvPr>
+            <p:ph sz="half" idx="2"/>
+          </p:nvPr>
+        </p:nvPicPr>
+        <p:blipFill>
+          <a:blip r:embed="rId2">
+            <a:extLst>
+              <a:ext uri="{28A0092B-C50C-407E-A947-70E740481C1C}">
+                <a14:useLocalDpi xmlns:a14="http://schemas.microsoft.com/office/drawing/2010/main" val="0"/>
+              </a:ext>
+            </a:extLst>
+          </a:blip>
+          <a:stretch>
+            <a:fillRect/>
+          </a:stretch>
+        </p:blipFill>
         <p:spPr>
           <a:xfrm>
-            <a:off x="838200" y="1532586"/>
-            <a:ext cx="10463011" cy="4644377"/>
+            <a:off x="630382" y="3470563"/>
+            <a:ext cx="5181600" cy="2338131"/>
           </a:xfrm>
         </p:spPr>
-        <p:txBody>
-          <a:bodyPr>
-            <a:normAutofit/>
-          </a:bodyPr>
-          <a:lstStyle/>
-          <a:p>
-            <a:r>
-              <a:rPr lang="en-US" sz="2400" dirty="0"/>
-              <a:t>There are three ways to execute code in a fully formed crate, using cargo:</a:t>
-            </a:r>
-          </a:p>
-          <a:p>
-            <a:pPr lvl="1"/>
-            <a:r>
-              <a:rPr lang="en-US" sz="2000" dirty="0"/>
-              <a:t>Execution of binaries:</a:t>
-            </a:r>
-            <a:br>
-              <a:rPr lang="en-US" sz="2000" dirty="0"/>
-            </a:br>
-            <a:r>
-              <a:rPr lang="en-US" sz="2000" dirty="0"/>
-              <a:t>If the crate root is a binary, e.g., main.rs, the command</a:t>
-            </a:r>
-            <a:br>
-              <a:rPr lang="en-US" sz="2000" dirty="0"/>
-            </a:br>
-            <a:r>
-              <a:rPr lang="en-US" sz="2000" dirty="0"/>
-              <a:t>	</a:t>
-            </a:r>
-            <a:r>
-              <a:rPr lang="en-US" sz="2000" b="1" dirty="0"/>
-              <a:t>cargo run</a:t>
-            </a:r>
-            <a:br>
-              <a:rPr lang="en-US" sz="2000" b="1" dirty="0"/>
-            </a:br>
-            <a:r>
-              <a:rPr lang="en-US" sz="2000" dirty="0"/>
-              <a:t>will execute the program</a:t>
-            </a:r>
-          </a:p>
-          <a:p>
-            <a:pPr lvl="1"/>
-            <a:r>
-              <a:rPr lang="en-US" sz="2000" dirty="0"/>
-              <a:t>Testing libraries:</a:t>
-            </a:r>
-            <a:br>
-              <a:rPr lang="en-US" sz="2000" dirty="0"/>
-            </a:br>
-            <a:r>
-              <a:rPr lang="en-US" sz="2000" dirty="0"/>
-              <a:t>If the crate root is a library, e.g., lib.rs, the command</a:t>
-            </a:r>
-            <a:br>
-              <a:rPr lang="en-US" sz="2000" dirty="0"/>
-            </a:br>
-            <a:r>
-              <a:rPr lang="en-US" sz="2000" dirty="0"/>
-              <a:t> 	</a:t>
-            </a:r>
-            <a:r>
-              <a:rPr lang="en-US" sz="2000" b="1" dirty="0"/>
-              <a:t>cargo test</a:t>
-            </a:r>
-            <a:br>
-              <a:rPr lang="en-US" sz="2000" b="1" dirty="0"/>
-            </a:br>
-            <a:r>
-              <a:rPr lang="en-US" sz="2000" dirty="0"/>
-              <a:t>will run any tests configured at the end of the library.  Tests pass if there are no assertions in the test code, and fail if there are.</a:t>
-            </a:r>
-          </a:p>
-          <a:p>
-            <a:pPr lvl="1"/>
-            <a:r>
-              <a:rPr lang="en-US" sz="2000" dirty="0"/>
-              <a:t>Running examples:</a:t>
-            </a:r>
-            <a:br>
-              <a:rPr lang="en-US" sz="2000" dirty="0"/>
-            </a:br>
-            <a:r>
-              <a:rPr lang="en-US" sz="2000" dirty="0"/>
-              <a:t>For library crates, if you create an /examples folder and put demonstration modules there, then the command</a:t>
-            </a:r>
-            <a:br>
-              <a:rPr lang="en-US" sz="2000" dirty="0"/>
-            </a:br>
-            <a:r>
-              <a:rPr lang="en-US" sz="2000" dirty="0"/>
-              <a:t> 	</a:t>
-            </a:r>
-            <a:r>
-              <a:rPr lang="en-US" sz="2000" b="1" dirty="0"/>
-              <a:t>cargo run –example </a:t>
-            </a:r>
-            <a:r>
-              <a:rPr lang="en-US" sz="2000" b="1" dirty="0" err="1"/>
-              <a:t>an_example</a:t>
-            </a:r>
-            <a:br>
-              <a:rPr lang="en-US" sz="2000" b="1" dirty="0"/>
-            </a:br>
-            <a:r>
-              <a:rPr lang="en-US" sz="2000" dirty="0"/>
-              <a:t>will run the code in an_example.rs, assuming that you’ve supplied a main function for that module. The user expects that this code will demonstrate use of library functionality.</a:t>
-            </a:r>
-          </a:p>
-        </p:txBody>
-      </p:sp>
-      <p:sp>
-        <p:nvSpPr>
-          <p:cNvPr id="3" name="Slide Number Placeholder 2">
-            <a:extLst>
-              <a:ext uri="{FF2B5EF4-FFF2-40B4-BE49-F238E27FC236}">
-                <a16:creationId xmlns:a16="http://schemas.microsoft.com/office/drawing/2014/main" id="{FAF681EF-8EC8-4290-A82D-F30E65913CC3}"/>
+      </p:pic>
+      <p:sp>
+        <p:nvSpPr>
+          <p:cNvPr id="5" name="Slide Number Placeholder 4">
+            <a:extLst>
+              <a:ext uri="{FF2B5EF4-FFF2-40B4-BE49-F238E27FC236}">
+                <a16:creationId xmlns:a16="http://schemas.microsoft.com/office/drawing/2014/main" id="{AAA88135-5CD4-4E72-8AE8-0A5A2BCE5D0A}"/>
               </a:ext>
             </a:extLst>
           </p:cNvPr>
@@ -18409,16 +18209,236 @@
           <a:p>
             <a:fld id="{519FA752-D1CF-498F-B0BD-05E47309CED3}" type="slidenum">
               <a:rPr lang="en-US" smtClean="0"/>
+              <a:pPr/>
               <a:t>53</a:t>
             </a:fld>
             <a:endParaRPr lang="en-US"/>
           </a:p>
         </p:txBody>
       </p:sp>
+      <p:sp>
+        <p:nvSpPr>
+          <p:cNvPr id="16" name="Content Placeholder 6">
+            <a:extLst>
+              <a:ext uri="{FF2B5EF4-FFF2-40B4-BE49-F238E27FC236}">
+                <a16:creationId xmlns:a16="http://schemas.microsoft.com/office/drawing/2014/main" id="{430C642C-FDD3-4C4E-8BC7-FA2075707F87}"/>
+              </a:ext>
+            </a:extLst>
+          </p:cNvPr>
+          <p:cNvSpPr txBox="1">
+            <a:spLocks/>
+          </p:cNvSpPr>
+          <p:nvPr/>
+        </p:nvSpPr>
+        <p:spPr>
+          <a:xfrm>
+            <a:off x="838200" y="1344974"/>
+            <a:ext cx="5181600" cy="4821809"/>
+          </a:xfrm>
+          <a:prstGeom prst="rect">
+            <a:avLst/>
+          </a:prstGeom>
+        </p:spPr>
+        <p:txBody>
+          <a:bodyPr vert="horz" lIns="91440" tIns="45720" rIns="91440" bIns="45720" rtlCol="0">
+            <a:noAutofit/>
+          </a:bodyPr>
+          <a:lstStyle>
+            <a:lvl1pPr marL="228600" indent="-228600" algn="l" defTabSz="914400" rtl="0" eaLnBrk="1" latinLnBrk="0" hangingPunct="1">
+              <a:lnSpc>
+                <a:spcPct val="90000"/>
+              </a:lnSpc>
+              <a:spcBef>
+                <a:spcPts val="1000"/>
+              </a:spcBef>
+              <a:buFont typeface="Arial" panose="020B0604020202020204" pitchFamily="34" charset="0"/>
+              <a:buChar char="•"/>
+              <a:defRPr sz="2800" kern="1200">
+                <a:solidFill>
+                  <a:schemeClr val="tx1"/>
+                </a:solidFill>
+                <a:latin typeface="+mn-lt"/>
+                <a:ea typeface="+mn-ea"/>
+                <a:cs typeface="+mn-cs"/>
+              </a:defRPr>
+            </a:lvl1pPr>
+            <a:lvl2pPr marL="685800" indent="-228600" algn="l" defTabSz="914400" rtl="0" eaLnBrk="1" latinLnBrk="0" hangingPunct="1">
+              <a:lnSpc>
+                <a:spcPct val="90000"/>
+              </a:lnSpc>
+              <a:spcBef>
+                <a:spcPts val="500"/>
+              </a:spcBef>
+              <a:buFont typeface="Arial" panose="020B0604020202020204" pitchFamily="34" charset="0"/>
+              <a:buChar char="•"/>
+              <a:defRPr sz="2400" kern="1200">
+                <a:solidFill>
+                  <a:schemeClr val="tx1"/>
+                </a:solidFill>
+                <a:latin typeface="+mn-lt"/>
+                <a:ea typeface="+mn-ea"/>
+                <a:cs typeface="+mn-cs"/>
+              </a:defRPr>
+            </a:lvl2pPr>
+            <a:lvl3pPr marL="1143000" indent="-228600" algn="l" defTabSz="914400" rtl="0" eaLnBrk="1" latinLnBrk="0" hangingPunct="1">
+              <a:lnSpc>
+                <a:spcPct val="90000"/>
+              </a:lnSpc>
+              <a:spcBef>
+                <a:spcPts val="500"/>
+              </a:spcBef>
+              <a:buFont typeface="Arial" panose="020B0604020202020204" pitchFamily="34" charset="0"/>
+              <a:buChar char="•"/>
+              <a:defRPr sz="2000" kern="1200">
+                <a:solidFill>
+                  <a:schemeClr val="tx1"/>
+                </a:solidFill>
+                <a:latin typeface="+mn-lt"/>
+                <a:ea typeface="+mn-ea"/>
+                <a:cs typeface="+mn-cs"/>
+              </a:defRPr>
+            </a:lvl3pPr>
+            <a:lvl4pPr marL="1600200" indent="-228600" algn="l" defTabSz="914400" rtl="0" eaLnBrk="1" latinLnBrk="0" hangingPunct="1">
+              <a:lnSpc>
+                <a:spcPct val="90000"/>
+              </a:lnSpc>
+              <a:spcBef>
+                <a:spcPts val="500"/>
+              </a:spcBef>
+              <a:buFont typeface="Arial" panose="020B0604020202020204" pitchFamily="34" charset="0"/>
+              <a:buChar char="•"/>
+              <a:defRPr sz="1800" kern="1200">
+                <a:solidFill>
+                  <a:schemeClr val="tx1"/>
+                </a:solidFill>
+                <a:latin typeface="+mn-lt"/>
+                <a:ea typeface="+mn-ea"/>
+                <a:cs typeface="+mn-cs"/>
+              </a:defRPr>
+            </a:lvl4pPr>
+            <a:lvl5pPr marL="2057400" indent="-228600" algn="l" defTabSz="914400" rtl="0" eaLnBrk="1" latinLnBrk="0" hangingPunct="1">
+              <a:lnSpc>
+                <a:spcPct val="90000"/>
+              </a:lnSpc>
+              <a:spcBef>
+                <a:spcPts val="500"/>
+              </a:spcBef>
+              <a:buFont typeface="Arial" panose="020B0604020202020204" pitchFamily="34" charset="0"/>
+              <a:buChar char="•"/>
+              <a:defRPr sz="1800" kern="1200">
+                <a:solidFill>
+                  <a:schemeClr val="tx1"/>
+                </a:solidFill>
+                <a:latin typeface="+mn-lt"/>
+                <a:ea typeface="+mn-ea"/>
+                <a:cs typeface="+mn-cs"/>
+              </a:defRPr>
+            </a:lvl5pPr>
+            <a:lvl6pPr marL="2514600" indent="-228600" algn="l" defTabSz="914400" rtl="0" eaLnBrk="1" latinLnBrk="0" hangingPunct="1">
+              <a:lnSpc>
+                <a:spcPct val="90000"/>
+              </a:lnSpc>
+              <a:spcBef>
+                <a:spcPts val="500"/>
+              </a:spcBef>
+              <a:buFont typeface="Arial" panose="020B0604020202020204" pitchFamily="34" charset="0"/>
+              <a:buChar char="•"/>
+              <a:defRPr sz="1800" kern="1200">
+                <a:solidFill>
+                  <a:schemeClr val="tx1"/>
+                </a:solidFill>
+                <a:latin typeface="+mn-lt"/>
+                <a:ea typeface="+mn-ea"/>
+                <a:cs typeface="+mn-cs"/>
+              </a:defRPr>
+            </a:lvl6pPr>
+            <a:lvl7pPr marL="2971800" indent="-228600" algn="l" defTabSz="914400" rtl="0" eaLnBrk="1" latinLnBrk="0" hangingPunct="1">
+              <a:lnSpc>
+                <a:spcPct val="90000"/>
+              </a:lnSpc>
+              <a:spcBef>
+                <a:spcPts val="500"/>
+              </a:spcBef>
+              <a:buFont typeface="Arial" panose="020B0604020202020204" pitchFamily="34" charset="0"/>
+              <a:buChar char="•"/>
+              <a:defRPr sz="1800" kern="1200">
+                <a:solidFill>
+                  <a:schemeClr val="tx1"/>
+                </a:solidFill>
+                <a:latin typeface="+mn-lt"/>
+                <a:ea typeface="+mn-ea"/>
+                <a:cs typeface="+mn-cs"/>
+              </a:defRPr>
+            </a:lvl7pPr>
+            <a:lvl8pPr marL="3429000" indent="-228600" algn="l" defTabSz="914400" rtl="0" eaLnBrk="1" latinLnBrk="0" hangingPunct="1">
+              <a:lnSpc>
+                <a:spcPct val="90000"/>
+              </a:lnSpc>
+              <a:spcBef>
+                <a:spcPts val="500"/>
+              </a:spcBef>
+              <a:buFont typeface="Arial" panose="020B0604020202020204" pitchFamily="34" charset="0"/>
+              <a:buChar char="•"/>
+              <a:defRPr sz="1800" kern="1200">
+                <a:solidFill>
+                  <a:schemeClr val="tx1"/>
+                </a:solidFill>
+                <a:latin typeface="+mn-lt"/>
+                <a:ea typeface="+mn-ea"/>
+                <a:cs typeface="+mn-cs"/>
+              </a:defRPr>
+            </a:lvl8pPr>
+            <a:lvl9pPr marL="3886200" indent="-228600" algn="l" defTabSz="914400" rtl="0" eaLnBrk="1" latinLnBrk="0" hangingPunct="1">
+              <a:lnSpc>
+                <a:spcPct val="90000"/>
+              </a:lnSpc>
+              <a:spcBef>
+                <a:spcPts val="500"/>
+              </a:spcBef>
+              <a:buFont typeface="Arial" panose="020B0604020202020204" pitchFamily="34" charset="0"/>
+              <a:buChar char="•"/>
+              <a:defRPr sz="1800" kern="1200">
+                <a:solidFill>
+                  <a:schemeClr val="tx1"/>
+                </a:solidFill>
+                <a:latin typeface="+mn-lt"/>
+                <a:ea typeface="+mn-ea"/>
+                <a:cs typeface="+mn-cs"/>
+              </a:defRPr>
+            </a:lvl9pPr>
+          </a:lstStyle>
+          <a:p>
+            <a:pPr marL="0" indent="0">
+              <a:buFont typeface="Arial" panose="020B0604020202020204" pitchFamily="34" charset="0"/>
+              <a:buNone/>
+            </a:pPr>
+            <a:r>
+              <a:rPr lang="en-US" sz="2000" b="1" dirty="0"/>
+              <a:t>Compilation of external libraries</a:t>
+            </a:r>
+          </a:p>
+          <a:p>
+            <a:r>
+              <a:rPr lang="en-US" sz="2000" dirty="0" err="1"/>
+              <a:t>Cargo.toml</a:t>
+            </a:r>
+            <a:r>
+              <a:rPr lang="en-US" sz="2000" dirty="0"/>
+              <a:t> lists dependencies on external libraries.  These are loaded and built or retrieved from the build cache.</a:t>
+            </a:r>
+          </a:p>
+          <a:p>
+            <a:r>
+              <a:rPr lang="en-US" sz="2000" dirty="0"/>
+              <a:t>This is a transitive process, that walks the crate’s dependency tree.</a:t>
+            </a:r>
+          </a:p>
+        </p:txBody>
+      </p:sp>
     </p:spTree>
     <p:extLst>
       <p:ext uri="{BB962C8B-B14F-4D97-AF65-F5344CB8AC3E}">
-        <p14:creationId xmlns:p14="http://schemas.microsoft.com/office/powerpoint/2010/main" val="1439186960"/>
+        <p14:creationId xmlns:p14="http://schemas.microsoft.com/office/powerpoint/2010/main" val="2788948145"/>
       </p:ext>
     </p:extLst>
   </p:cSld>
@@ -18463,11 +18483,11 @@
         </p:nvSpPr>
         <p:spPr>
           <a:xfrm>
-            <a:off x="838200" y="365125"/>
+            <a:off x="838200" y="337416"/>
             <a:ext cx="10515600" cy="897005"/>
           </a:xfrm>
           <a:solidFill>
-            <a:schemeClr val="bg1"/>
+            <a:schemeClr val="bg2"/>
           </a:solidFill>
         </p:spPr>
         <p:txBody>
@@ -18476,7 +18496,7 @@
           <a:p>
             <a:r>
               <a:rPr lang="en-US" dirty="0"/>
-              <a:t>Program Execution </a:t>
+              <a:t>Program Execution	</a:t>
             </a:r>
           </a:p>
         </p:txBody>
@@ -18500,7 +18520,7 @@
         <p:spPr>
           <a:xfrm>
             <a:off x="838200" y="1532586"/>
-            <a:ext cx="4435699" cy="4644377"/>
+            <a:ext cx="10463011" cy="4644377"/>
           </a:xfrm>
         </p:spPr>
         <p:txBody>
@@ -18511,34 +18531,107 @@
           <a:p>
             <a:r>
               <a:rPr lang="en-US" sz="2400" dirty="0"/>
-              <a:t>When the executable for a program is loaded:</a:t>
+              <a:t>There are three ways to execute code in a fully formed crate, using cargo:</a:t>
             </a:r>
           </a:p>
           <a:p>
             <a:pPr lvl="1"/>
             <a:r>
               <a:rPr lang="en-US" sz="2000" dirty="0"/>
-              <a:t>Initialization code provided by the compiler executes</a:t>
+              <a:t>Execution of binaries:</a:t>
+            </a:r>
+            <a:br>
+              <a:rPr lang="en-US" sz="2000" dirty="0"/>
+            </a:br>
+            <a:r>
+              <a:rPr lang="en-US" sz="2000" dirty="0"/>
+              <a:t>If the crate root is a binary, e.g., main.rs, the command</a:t>
+            </a:r>
+            <a:br>
+              <a:rPr lang="en-US" sz="2000" dirty="0"/>
+            </a:br>
+            <a:r>
+              <a:rPr lang="en-US" sz="2000" dirty="0"/>
+              <a:t>	</a:t>
+            </a:r>
+            <a:r>
+              <a:rPr lang="en-US" sz="2000" b="1" dirty="0"/>
+              <a:t>cargo run</a:t>
+            </a:r>
+            <a:br>
+              <a:rPr lang="en-US" sz="2000" b="1" dirty="0"/>
+            </a:br>
+            <a:r>
+              <a:rPr lang="en-US" sz="2000" dirty="0"/>
+              <a:t>will execute the program</a:t>
             </a:r>
           </a:p>
           <a:p>
             <a:pPr lvl="1"/>
             <a:r>
               <a:rPr lang="en-US" sz="2000" dirty="0"/>
-              <a:t>Then the function main is entered.</a:t>
-            </a:r>
-          </a:p>
-          <a:p>
-            <a:pPr lvl="2"/>
-            <a:r>
-              <a:rPr lang="en-US" sz="1800" dirty="0"/>
-              <a:t>main is just a function that is defined to the linker as the entry point for processing.</a:t>
-            </a:r>
-          </a:p>
-          <a:p>
-            <a:r>
-              <a:rPr lang="en-US" sz="2600" dirty="0"/>
-              <a:t>Any function may call other functions within the executable.</a:t>
+              <a:t>Testing libraries:</a:t>
+            </a:r>
+            <a:br>
+              <a:rPr lang="en-US" sz="2000" dirty="0"/>
+            </a:br>
+            <a:r>
+              <a:rPr lang="en-US" sz="2000" dirty="0"/>
+              <a:t>If the crate root is a library, e.g., lib.rs, the command</a:t>
+            </a:r>
+            <a:br>
+              <a:rPr lang="en-US" sz="2000" dirty="0"/>
+            </a:br>
+            <a:r>
+              <a:rPr lang="en-US" sz="2000" dirty="0"/>
+              <a:t> 	</a:t>
+            </a:r>
+            <a:r>
+              <a:rPr lang="en-US" sz="2000" b="1" dirty="0"/>
+              <a:t>cargo test</a:t>
+            </a:r>
+            <a:br>
+              <a:rPr lang="en-US" sz="2000" b="1" dirty="0"/>
+            </a:br>
+            <a:r>
+              <a:rPr lang="en-US" sz="2000" dirty="0"/>
+              <a:t>will run any tests configured at the end of the library.  Tests pass if there are no assertions in the test code, and fail if there are.</a:t>
+            </a:r>
+          </a:p>
+          <a:p>
+            <a:pPr lvl="1"/>
+            <a:r>
+              <a:rPr lang="en-US" sz="2000" dirty="0"/>
+              <a:t>Running examples:</a:t>
+            </a:r>
+            <a:br>
+              <a:rPr lang="en-US" sz="2000" dirty="0"/>
+            </a:br>
+            <a:r>
+              <a:rPr lang="en-US" sz="2000" dirty="0"/>
+              <a:t>For library crates, if you create an /examples folder and put demonstration modules there, then the command</a:t>
+            </a:r>
+            <a:br>
+              <a:rPr lang="en-US" sz="2000" dirty="0"/>
+            </a:br>
+            <a:r>
+              <a:rPr lang="en-US" sz="2000" dirty="0"/>
+              <a:t> 	</a:t>
+            </a:r>
+            <a:r>
+              <a:rPr lang="en-US" sz="2000" b="1" dirty="0"/>
+              <a:t>cargo run –example </a:t>
+            </a:r>
+            <a:r>
+              <a:rPr lang="en-US" sz="2000" b="1" dirty="0" err="1"/>
+              <a:t>an_example</a:t>
+            </a:r>
+            <a:br>
+              <a:rPr lang="en-US" sz="2000" b="1" dirty="0"/>
+            </a:br>
+            <a:r>
+              <a:rPr lang="en-US" sz="2000" dirty="0"/>
+              <a:t>will run the code in an_example.rs, assuming that you’ve supplied a main function for that module. The user expects that this code will demonstrate use of library functionality.</a:t>
             </a:r>
           </a:p>
         </p:txBody>
@@ -18572,45 +18665,10 @@
           </a:p>
         </p:txBody>
       </p:sp>
-      <p:pic>
-        <p:nvPicPr>
-          <p:cNvPr id="9" name="Content Placeholder 8" descr="A screenshot of a cell phone&#10;&#10;Description automatically generated">
-            <a:extLst>
-              <a:ext uri="{FF2B5EF4-FFF2-40B4-BE49-F238E27FC236}">
-                <a16:creationId xmlns:a16="http://schemas.microsoft.com/office/drawing/2014/main" id="{CF6A22A4-491B-4A80-BE37-435088515301}"/>
-              </a:ext>
-            </a:extLst>
-          </p:cNvPr>
-          <p:cNvPicPr>
-            <a:picLocks noGrp="1" noChangeAspect="1"/>
-          </p:cNvPicPr>
-          <p:nvPr>
-            <p:ph sz="half" idx="2"/>
-          </p:nvPr>
-        </p:nvPicPr>
-        <p:blipFill>
-          <a:blip r:embed="rId2">
-            <a:extLst>
-              <a:ext uri="{28A0092B-C50C-407E-A947-70E740481C1C}">
-                <a14:useLocalDpi xmlns:a14="http://schemas.microsoft.com/office/drawing/2010/main" val="0"/>
-              </a:ext>
-            </a:extLst>
-          </a:blip>
-          <a:stretch>
-            <a:fillRect/>
-          </a:stretch>
-        </p:blipFill>
-        <p:spPr>
-          <a:xfrm>
-            <a:off x="6390842" y="1633571"/>
-            <a:ext cx="4757196" cy="4351338"/>
-          </a:xfrm>
-        </p:spPr>
-      </p:pic>
     </p:spTree>
     <p:extLst>
       <p:ext uri="{BB962C8B-B14F-4D97-AF65-F5344CB8AC3E}">
-        <p14:creationId xmlns:p14="http://schemas.microsoft.com/office/powerpoint/2010/main" val="1595780000"/>
+        <p14:creationId xmlns:p14="http://schemas.microsoft.com/office/powerpoint/2010/main" val="1439186960"/>
       </p:ext>
     </p:extLst>
   </p:cSld>
@@ -18642,6 +18700,198 @@
           <p:cNvPr id="2" name="Title 1">
             <a:extLst>
               <a:ext uri="{FF2B5EF4-FFF2-40B4-BE49-F238E27FC236}">
+                <a16:creationId xmlns:a16="http://schemas.microsoft.com/office/drawing/2014/main" id="{0B150BC5-9B8A-41C1-B718-6852A96A3C68}"/>
+              </a:ext>
+            </a:extLst>
+          </p:cNvPr>
+          <p:cNvSpPr>
+            <a:spLocks noGrp="1"/>
+          </p:cNvSpPr>
+          <p:nvPr>
+            <p:ph type="title"/>
+          </p:nvPr>
+        </p:nvSpPr>
+        <p:spPr>
+          <a:xfrm>
+            <a:off x="838200" y="365125"/>
+            <a:ext cx="10515600" cy="897005"/>
+          </a:xfrm>
+          <a:solidFill>
+            <a:schemeClr val="bg1"/>
+          </a:solidFill>
+        </p:spPr>
+        <p:txBody>
+          <a:bodyPr/>
+          <a:lstStyle/>
+          <a:p>
+            <a:r>
+              <a:rPr lang="en-US" dirty="0"/>
+              <a:t>Program Execution </a:t>
+            </a:r>
+          </a:p>
+        </p:txBody>
+      </p:sp>
+      <p:sp>
+        <p:nvSpPr>
+          <p:cNvPr id="4" name="Content Placeholder 3">
+            <a:extLst>
+              <a:ext uri="{FF2B5EF4-FFF2-40B4-BE49-F238E27FC236}">
+                <a16:creationId xmlns:a16="http://schemas.microsoft.com/office/drawing/2014/main" id="{DA4175C2-9639-4A84-8DA1-CAEF5DCF0D5A}"/>
+              </a:ext>
+            </a:extLst>
+          </p:cNvPr>
+          <p:cNvSpPr>
+            <a:spLocks noGrp="1"/>
+          </p:cNvSpPr>
+          <p:nvPr>
+            <p:ph sz="half" idx="1"/>
+          </p:nvPr>
+        </p:nvSpPr>
+        <p:spPr>
+          <a:xfrm>
+            <a:off x="838200" y="1532586"/>
+            <a:ext cx="4435699" cy="4644377"/>
+          </a:xfrm>
+        </p:spPr>
+        <p:txBody>
+          <a:bodyPr>
+            <a:normAutofit/>
+          </a:bodyPr>
+          <a:lstStyle/>
+          <a:p>
+            <a:r>
+              <a:rPr lang="en-US" sz="2400" dirty="0"/>
+              <a:t>When the executable for a program is loaded:</a:t>
+            </a:r>
+          </a:p>
+          <a:p>
+            <a:pPr lvl="1"/>
+            <a:r>
+              <a:rPr lang="en-US" sz="2000" dirty="0"/>
+              <a:t>Initialization code provided by the compiler executes</a:t>
+            </a:r>
+          </a:p>
+          <a:p>
+            <a:pPr lvl="1"/>
+            <a:r>
+              <a:rPr lang="en-US" sz="2000" dirty="0"/>
+              <a:t>Then the function main is entered.</a:t>
+            </a:r>
+          </a:p>
+          <a:p>
+            <a:pPr lvl="2"/>
+            <a:r>
+              <a:rPr lang="en-US" sz="1800" dirty="0"/>
+              <a:t>main is just a function that is defined to the linker as the entry point for processing.</a:t>
+            </a:r>
+          </a:p>
+          <a:p>
+            <a:r>
+              <a:rPr lang="en-US" sz="2600" dirty="0"/>
+              <a:t>Any function may call other functions within the executable.</a:t>
+            </a:r>
+          </a:p>
+        </p:txBody>
+      </p:sp>
+      <p:sp>
+        <p:nvSpPr>
+          <p:cNvPr id="3" name="Slide Number Placeholder 2">
+            <a:extLst>
+              <a:ext uri="{FF2B5EF4-FFF2-40B4-BE49-F238E27FC236}">
+                <a16:creationId xmlns:a16="http://schemas.microsoft.com/office/drawing/2014/main" id="{FAF681EF-8EC8-4290-A82D-F30E65913CC3}"/>
+              </a:ext>
+            </a:extLst>
+          </p:cNvPr>
+          <p:cNvSpPr>
+            <a:spLocks noGrp="1"/>
+          </p:cNvSpPr>
+          <p:nvPr>
+            <p:ph type="sldNum" sz="quarter" idx="12"/>
+          </p:nvPr>
+        </p:nvSpPr>
+        <p:spPr/>
+        <p:txBody>
+          <a:bodyPr/>
+          <a:lstStyle/>
+          <a:p>
+            <a:fld id="{519FA752-D1CF-498F-B0BD-05E47309CED3}" type="slidenum">
+              <a:rPr lang="en-US" smtClean="0"/>
+              <a:t>55</a:t>
+            </a:fld>
+            <a:endParaRPr lang="en-US"/>
+          </a:p>
+        </p:txBody>
+      </p:sp>
+      <p:pic>
+        <p:nvPicPr>
+          <p:cNvPr id="9" name="Content Placeholder 8" descr="A screenshot of a cell phone&#10;&#10;Description automatically generated">
+            <a:extLst>
+              <a:ext uri="{FF2B5EF4-FFF2-40B4-BE49-F238E27FC236}">
+                <a16:creationId xmlns:a16="http://schemas.microsoft.com/office/drawing/2014/main" id="{CF6A22A4-491B-4A80-BE37-435088515301}"/>
+              </a:ext>
+            </a:extLst>
+          </p:cNvPr>
+          <p:cNvPicPr>
+            <a:picLocks noGrp="1" noChangeAspect="1"/>
+          </p:cNvPicPr>
+          <p:nvPr>
+            <p:ph sz="half" idx="2"/>
+          </p:nvPr>
+        </p:nvPicPr>
+        <p:blipFill>
+          <a:blip r:embed="rId2">
+            <a:extLst>
+              <a:ext uri="{28A0092B-C50C-407E-A947-70E740481C1C}">
+                <a14:useLocalDpi xmlns:a14="http://schemas.microsoft.com/office/drawing/2010/main" val="0"/>
+              </a:ext>
+            </a:extLst>
+          </a:blip>
+          <a:stretch>
+            <a:fillRect/>
+          </a:stretch>
+        </p:blipFill>
+        <p:spPr>
+          <a:xfrm>
+            <a:off x="6390842" y="1633571"/>
+            <a:ext cx="4757196" cy="4351338"/>
+          </a:xfrm>
+        </p:spPr>
+      </p:pic>
+    </p:spTree>
+    <p:extLst>
+      <p:ext uri="{BB962C8B-B14F-4D97-AF65-F5344CB8AC3E}">
+        <p14:creationId xmlns:p14="http://schemas.microsoft.com/office/powerpoint/2010/main" val="1595780000"/>
+      </p:ext>
+    </p:extLst>
+  </p:cSld>
+  <p:clrMapOvr>
+    <a:masterClrMapping/>
+  </p:clrMapOvr>
+</p:sld>
+</file>
+
+<file path=ppt/slides/slide56.xml><?xml version="1.0" encoding="utf-8"?>
+<p:sld xmlns:a="http://schemas.openxmlformats.org/drawingml/2006/main" xmlns:r="http://schemas.openxmlformats.org/officeDocument/2006/relationships" xmlns:p="http://schemas.openxmlformats.org/presentationml/2006/main">
+  <p:cSld>
+    <p:spTree>
+      <p:nvGrpSpPr>
+        <p:cNvPr id="1" name=""/>
+        <p:cNvGrpSpPr/>
+        <p:nvPr/>
+      </p:nvGrpSpPr>
+      <p:grpSpPr>
+        <a:xfrm>
+          <a:off x="0" y="0"/>
+          <a:ext cx="0" cy="0"/>
+          <a:chOff x="0" y="0"/>
+          <a:chExt cx="0" cy="0"/>
+        </a:xfrm>
+      </p:grpSpPr>
+      <p:sp>
+        <p:nvSpPr>
+          <p:cNvPr id="2" name="Title 1">
+            <a:extLst>
+              <a:ext uri="{FF2B5EF4-FFF2-40B4-BE49-F238E27FC236}">
                 <a16:creationId xmlns:a16="http://schemas.microsoft.com/office/drawing/2014/main" id="{034F8C90-58C4-4DF1-86E7-6F50F6D967EA}"/>
               </a:ext>
             </a:extLst>
@@ -18747,7 +18997,7 @@
           <a:p>
             <a:fld id="{519FA752-D1CF-498F-B0BD-05E47309CED3}" type="slidenum">
               <a:rPr lang="en-US" smtClean="0"/>
-              <a:t>55</a:t>
+              <a:t>56</a:t>
             </a:fld>
             <a:endParaRPr lang="en-US"/>
           </a:p>
@@ -18802,7 +19052,7 @@
 </p:sld>
 </file>
 
-<file path=ppt/slides/slide56.xml><?xml version="1.0" encoding="utf-8"?>
+<file path=ppt/slides/slide57.xml><?xml version="1.0" encoding="utf-8"?>
 <p:sld xmlns:a="http://schemas.openxmlformats.org/drawingml/2006/main" xmlns:r="http://schemas.openxmlformats.org/officeDocument/2006/relationships" xmlns:p="http://schemas.openxmlformats.org/presentationml/2006/main">
   <p:cSld>
     <p:spTree>
@@ -18976,7 +19226,7 @@
           <a:p>
             <a:fld id="{519FA752-D1CF-498F-B0BD-05E47309CED3}" type="slidenum">
               <a:rPr lang="en-US" smtClean="0"/>
-              <a:t>56</a:t>
+              <a:t>57</a:t>
             </a:fld>
             <a:endParaRPr lang="en-US"/>
           </a:p>
@@ -19031,116 +19281,6 @@
 </p:sld>
 </file>
 
-<file path=ppt/slides/slide57.xml><?xml version="1.0" encoding="utf-8"?>
-<p:sld xmlns:a="http://schemas.openxmlformats.org/drawingml/2006/main" xmlns:r="http://schemas.openxmlformats.org/officeDocument/2006/relationships" xmlns:p="http://schemas.openxmlformats.org/presentationml/2006/main">
-  <p:cSld>
-    <p:spTree>
-      <p:nvGrpSpPr>
-        <p:cNvPr id="1" name=""/>
-        <p:cNvGrpSpPr/>
-        <p:nvPr/>
-      </p:nvGrpSpPr>
-      <p:grpSpPr>
-        <a:xfrm>
-          <a:off x="0" y="0"/>
-          <a:ext cx="0" cy="0"/>
-          <a:chOff x="0" y="0"/>
-          <a:chExt cx="0" cy="0"/>
-        </a:xfrm>
-      </p:grpSpPr>
-      <p:sp>
-        <p:nvSpPr>
-          <p:cNvPr id="2" name="Title 1">
-            <a:extLst>
-              <a:ext uri="{FF2B5EF4-FFF2-40B4-BE49-F238E27FC236}">
-                <a16:creationId xmlns:a16="http://schemas.microsoft.com/office/drawing/2014/main" id="{7931F950-B483-4831-A37F-784D41C54C0E}"/>
-              </a:ext>
-            </a:extLst>
-          </p:cNvPr>
-          <p:cNvSpPr>
-            <a:spLocks noGrp="1"/>
-          </p:cNvSpPr>
-          <p:nvPr>
-            <p:ph type="ctrTitle"/>
-          </p:nvPr>
-        </p:nvSpPr>
-        <p:spPr>
-          <a:xfrm>
-            <a:off x="1524000" y="1122363"/>
-            <a:ext cx="9144000" cy="2155310"/>
-          </a:xfrm>
-        </p:spPr>
-        <p:txBody>
-          <a:bodyPr/>
-          <a:lstStyle/>
-          <a:p>
-            <a:r>
-              <a:rPr lang="en-US" dirty="0"/>
-              <a:t>Epilog</a:t>
-            </a:r>
-          </a:p>
-        </p:txBody>
-      </p:sp>
-      <p:sp>
-        <p:nvSpPr>
-          <p:cNvPr id="3" name="Subtitle 2">
-            <a:extLst>
-              <a:ext uri="{FF2B5EF4-FFF2-40B4-BE49-F238E27FC236}">
-                <a16:creationId xmlns:a16="http://schemas.microsoft.com/office/drawing/2014/main" id="{D9CD4FAC-1FAC-470C-A1D5-392002A7D018}"/>
-              </a:ext>
-            </a:extLst>
-          </p:cNvPr>
-          <p:cNvSpPr>
-            <a:spLocks noGrp="1"/>
-          </p:cNvSpPr>
-          <p:nvPr>
-            <p:ph type="subTitle" idx="1"/>
-          </p:nvPr>
-        </p:nvSpPr>
-        <p:spPr>
-          <a:xfrm>
-            <a:off x="1524000" y="3981450"/>
-            <a:ext cx="9144000" cy="1276349"/>
-          </a:xfrm>
-        </p:spPr>
-        <p:txBody>
-          <a:bodyPr>
-            <a:normAutofit/>
-          </a:bodyPr>
-          <a:lstStyle/>
-          <a:p>
-            <a:r>
-              <a:rPr lang="en-US" sz="2000" dirty="0">
-                <a:hlinkClick r:id="rId2"/>
-              </a:rPr>
-              <a:t>https://jimfawcett.github.io/RustStory_Models.html#epilogue</a:t>
-            </a:r>
-            <a:r>
-              <a:rPr lang="en-US" sz="2000" dirty="0"/>
-              <a:t> </a:t>
-            </a:r>
-          </a:p>
-          <a:p>
-            <a:endParaRPr lang="en-US" sz="2000" dirty="0"/>
-          </a:p>
-          <a:p>
-            <a:endParaRPr lang="en-US" sz="2000" dirty="0"/>
-          </a:p>
-        </p:txBody>
-      </p:sp>
-    </p:spTree>
-    <p:extLst>
-      <p:ext uri="{BB962C8B-B14F-4D97-AF65-F5344CB8AC3E}">
-        <p14:creationId xmlns:p14="http://schemas.microsoft.com/office/powerpoint/2010/main" val="4090748651"/>
-      </p:ext>
-    </p:extLst>
-  </p:cSld>
-  <p:clrMapOvr>
-    <a:masterClrMapping/>
-  </p:clrMapOvr>
-</p:sld>
-</file>
-
 <file path=ppt/slides/slide58.xml><?xml version="1.0" encoding="utf-8"?>
 <p:sld xmlns:a="http://schemas.openxmlformats.org/drawingml/2006/main" xmlns:r="http://schemas.openxmlformats.org/officeDocument/2006/relationships" xmlns:p="http://schemas.openxmlformats.org/presentationml/2006/main">
   <p:cSld>
@@ -19163,25 +19303,22 @@
           <p:cNvPr id="2" name="Title 1">
             <a:extLst>
               <a:ext uri="{FF2B5EF4-FFF2-40B4-BE49-F238E27FC236}">
-                <a16:creationId xmlns:a16="http://schemas.microsoft.com/office/drawing/2014/main" id="{6575B597-9CE0-4BDE-8DBF-14DEFB696DB3}"/>
-              </a:ext>
-            </a:extLst>
-          </p:cNvPr>
-          <p:cNvSpPr>
-            <a:spLocks noGrp="1"/>
-          </p:cNvSpPr>
-          <p:nvPr>
-            <p:ph type="title"/>
+                <a16:creationId xmlns:a16="http://schemas.microsoft.com/office/drawing/2014/main" id="{7931F950-B483-4831-A37F-784D41C54C0E}"/>
+              </a:ext>
+            </a:extLst>
+          </p:cNvPr>
+          <p:cNvSpPr>
+            <a:spLocks noGrp="1"/>
+          </p:cNvSpPr>
+          <p:nvPr>
+            <p:ph type="ctrTitle"/>
           </p:nvPr>
         </p:nvSpPr>
         <p:spPr>
           <a:xfrm>
-            <a:off x="838200" y="337415"/>
-            <a:ext cx="10515600" cy="961399"/>
+            <a:off x="1524000" y="1122363"/>
+            <a:ext cx="9144000" cy="2155310"/>
           </a:xfrm>
-          <a:solidFill>
-            <a:schemeClr val="bg1"/>
-          </a:solidFill>
         </p:spPr>
         <p:txBody>
           <a:bodyPr/>
@@ -19189,122 +19326,62 @@
           <a:p>
             <a:r>
               <a:rPr lang="en-US" dirty="0"/>
-              <a:t>Conclusions</a:t>
-            </a:r>
-          </a:p>
-        </p:txBody>
-      </p:sp>
-      <p:sp>
-        <p:nvSpPr>
-          <p:cNvPr id="3" name="Content Placeholder 2">
-            <a:extLst>
-              <a:ext uri="{FF2B5EF4-FFF2-40B4-BE49-F238E27FC236}">
-                <a16:creationId xmlns:a16="http://schemas.microsoft.com/office/drawing/2014/main" id="{510D5770-03A0-448C-A291-CB10F9B55D66}"/>
-              </a:ext>
-            </a:extLst>
-          </p:cNvPr>
-          <p:cNvSpPr>
-            <a:spLocks noGrp="1"/>
-          </p:cNvSpPr>
-          <p:nvPr>
-            <p:ph idx="1"/>
+              <a:t>Epilog</a:t>
+            </a:r>
+          </a:p>
+        </p:txBody>
+      </p:sp>
+      <p:sp>
+        <p:nvSpPr>
+          <p:cNvPr id="3" name="Subtitle 2">
+            <a:extLst>
+              <a:ext uri="{FF2B5EF4-FFF2-40B4-BE49-F238E27FC236}">
+                <a16:creationId xmlns:a16="http://schemas.microsoft.com/office/drawing/2014/main" id="{D9CD4FAC-1FAC-470C-A1D5-392002A7D018}"/>
+              </a:ext>
+            </a:extLst>
+          </p:cNvPr>
+          <p:cNvSpPr>
+            <a:spLocks noGrp="1"/>
+          </p:cNvSpPr>
+          <p:nvPr>
+            <p:ph type="subTitle" idx="1"/>
           </p:nvPr>
         </p:nvSpPr>
         <p:spPr>
           <a:xfrm>
-            <a:off x="838200" y="1440874"/>
-            <a:ext cx="10515600" cy="4736090"/>
+            <a:off x="1524000" y="3981450"/>
+            <a:ext cx="9144000" cy="1276349"/>
           </a:xfrm>
         </p:spPr>
         <p:txBody>
           <a:bodyPr>
-            <a:noAutofit/>
+            <a:normAutofit/>
           </a:bodyPr>
           <a:lstStyle/>
           <a:p>
-            <a:r>
-              <a:rPr lang="en-US" sz="2400" dirty="0"/>
-              <a:t>If you understand the models, we’ve covered, I think you will find Rust syntax and semantics to be convenient and sensible.</a:t>
-            </a:r>
-          </a:p>
-          <a:p>
-            <a:r>
-              <a:rPr lang="en-US" sz="2400" dirty="0"/>
-              <a:t>Some particular parts of the language discussed in the Rust Story but not here are intricate and require some study to master:</a:t>
-            </a:r>
-          </a:p>
-          <a:p>
-            <a:pPr lvl="1"/>
-            <a:r>
-              <a:rPr lang="en-US" sz="2000" dirty="0"/>
-              <a:t>String syntax and semantics because the only character type Rust recognizes in its native strings, String and Str, is utf-8, which uses multi-byte characters of varying sizes.</a:t>
-            </a:r>
-          </a:p>
-          <a:p>
-            <a:pPr lvl="1"/>
-            <a:r>
-              <a:rPr lang="en-US" sz="2000" dirty="0"/>
-              <a:t>Life-time annotation needed for some scenarios using generics.</a:t>
-            </a:r>
-          </a:p>
-          <a:p>
-            <a:pPr lvl="1"/>
-            <a:r>
-              <a:rPr lang="en-US" sz="2000" dirty="0"/>
-              <a:t>Many crates in </a:t>
-            </a:r>
             <a:r>
               <a:rPr lang="en-US" sz="2000" dirty="0">
                 <a:hlinkClick r:id="rId2"/>
               </a:rPr>
-              <a:t>https://crates.io</a:t>
+              <a:t>https://jimfawcett.github.io/RustStory_Models.html#epilogue</a:t>
             </a:r>
             <a:r>
               <a:rPr lang="en-US" sz="2000" dirty="0"/>
-              <a:t> are used routinely by knowledgeable Rust developers, but some take significant amounts of time and effort to use effectively.</a:t>
-            </a:r>
-          </a:p>
-          <a:p>
-            <a:r>
-              <a:rPr lang="en-US" sz="2400" dirty="0"/>
-              <a:t>Rust avoids undefined behavior by incorporating a safe type system.  That is based on the ownership rules we’ve discussed.  It takes a while to get use to the rules, but compiler error messages are usually very good.</a:t>
-            </a:r>
-          </a:p>
-        </p:txBody>
-      </p:sp>
-      <p:sp>
-        <p:nvSpPr>
-          <p:cNvPr id="4" name="Slide Number Placeholder 3">
-            <a:extLst>
-              <a:ext uri="{FF2B5EF4-FFF2-40B4-BE49-F238E27FC236}">
-                <a16:creationId xmlns:a16="http://schemas.microsoft.com/office/drawing/2014/main" id="{5303FFBC-A3BA-4CD9-9623-2D9E837E32E7}"/>
-              </a:ext>
-            </a:extLst>
-          </p:cNvPr>
-          <p:cNvSpPr>
-            <a:spLocks noGrp="1"/>
-          </p:cNvSpPr>
-          <p:nvPr>
-            <p:ph type="sldNum" sz="quarter" idx="12"/>
-          </p:nvPr>
-        </p:nvSpPr>
-        <p:spPr/>
-        <p:txBody>
-          <a:bodyPr/>
-          <a:lstStyle/>
-          <a:p>
-            <a:fld id="{519FA752-D1CF-498F-B0BD-05E47309CED3}" type="slidenum">
-              <a:rPr lang="en-US" smtClean="0"/>
-              <a:t>58</a:t>
-            </a:fld>
-            <a:endParaRPr lang="en-US"/>
+              <a:t> </a:t>
+            </a:r>
+          </a:p>
+          <a:p>
+            <a:endParaRPr lang="en-US" sz="2000" dirty="0"/>
+          </a:p>
+          <a:p>
+            <a:endParaRPr lang="en-US" sz="2000" dirty="0"/>
           </a:p>
         </p:txBody>
       </p:sp>
     </p:spTree>
     <p:extLst>
       <p:ext uri="{BB962C8B-B14F-4D97-AF65-F5344CB8AC3E}">
-        <p14:creationId xmlns:p14="http://schemas.microsoft.com/office/powerpoint/2010/main" val="1695196908"/>
+        <p14:creationId xmlns:p14="http://schemas.microsoft.com/office/powerpoint/2010/main" val="4090748651"/>
       </p:ext>
     </p:extLst>
   </p:cSld>
@@ -19336,7 +19413,7 @@
           <p:cNvPr id="2" name="Title 1">
             <a:extLst>
               <a:ext uri="{FF2B5EF4-FFF2-40B4-BE49-F238E27FC236}">
-                <a16:creationId xmlns:a16="http://schemas.microsoft.com/office/drawing/2014/main" id="{AE2C4E24-F41A-43B6-8514-8753B0BF4B56}"/>
+                <a16:creationId xmlns:a16="http://schemas.microsoft.com/office/drawing/2014/main" id="{6575B597-9CE0-4BDE-8DBF-14DEFB696DB3}"/>
               </a:ext>
             </a:extLst>
           </p:cNvPr>
@@ -19349,147 +19426,99 @@
         </p:nvSpPr>
         <p:spPr>
           <a:xfrm>
-            <a:off x="838200" y="365126"/>
-            <a:ext cx="10515600" cy="780922"/>
+            <a:off x="838200" y="337415"/>
+            <a:ext cx="10515600" cy="961399"/>
+          </a:xfrm>
+          <a:solidFill>
+            <a:schemeClr val="bg1"/>
+          </a:solidFill>
+        </p:spPr>
+        <p:txBody>
+          <a:bodyPr/>
+          <a:lstStyle/>
+          <a:p>
+            <a:r>
+              <a:rPr lang="en-US" dirty="0"/>
+              <a:t>Conclusions</a:t>
+            </a:r>
+          </a:p>
+        </p:txBody>
+      </p:sp>
+      <p:sp>
+        <p:nvSpPr>
+          <p:cNvPr id="3" name="Content Placeholder 2">
+            <a:extLst>
+              <a:ext uri="{FF2B5EF4-FFF2-40B4-BE49-F238E27FC236}">
+                <a16:creationId xmlns:a16="http://schemas.microsoft.com/office/drawing/2014/main" id="{510D5770-03A0-448C-A291-CB10F9B55D66}"/>
+              </a:ext>
+            </a:extLst>
+          </p:cNvPr>
+          <p:cNvSpPr>
+            <a:spLocks noGrp="1"/>
+          </p:cNvSpPr>
+          <p:nvPr>
+            <p:ph idx="1"/>
+          </p:nvPr>
+        </p:nvSpPr>
+        <p:spPr>
+          <a:xfrm>
+            <a:off x="838200" y="1440874"/>
+            <a:ext cx="10515600" cy="4736090"/>
           </a:xfrm>
         </p:spPr>
         <p:txBody>
-          <a:bodyPr/>
-          <a:lstStyle/>
-          <a:p>
-            <a:r>
-              <a:rPr lang="en-US" dirty="0"/>
-              <a:t>Presentation Resources</a:t>
-            </a:r>
-          </a:p>
-        </p:txBody>
-      </p:sp>
-      <p:sp>
-        <p:nvSpPr>
-          <p:cNvPr id="3" name="Content Placeholder 2">
-            <a:extLst>
-              <a:ext uri="{FF2B5EF4-FFF2-40B4-BE49-F238E27FC236}">
-                <a16:creationId xmlns:a16="http://schemas.microsoft.com/office/drawing/2014/main" id="{63C3A9C2-6490-47D7-8E43-D14728254FDB}"/>
-              </a:ext>
-            </a:extLst>
-          </p:cNvPr>
-          <p:cNvSpPr>
-            <a:spLocks noGrp="1"/>
-          </p:cNvSpPr>
-          <p:nvPr>
-            <p:ph idx="1"/>
-          </p:nvPr>
-        </p:nvSpPr>
-        <p:spPr>
-          <a:xfrm>
-            <a:off x="838200" y="1304544"/>
-            <a:ext cx="10515600" cy="4872419"/>
-          </a:xfrm>
-        </p:spPr>
-        <p:txBody>
-          <a:bodyPr/>
-          <a:lstStyle/>
-          <a:p>
-            <a:r>
-              <a:rPr lang="en-US" dirty="0"/>
-              <a:t>The ideas discussed in this presentation are drawn from a web page: </a:t>
-            </a:r>
-            <a:br>
-              <a:rPr lang="en-US" dirty="0"/>
-            </a:br>
-            <a:r>
-              <a:rPr lang="en-US" dirty="0"/>
-              <a:t>	</a:t>
-            </a:r>
-            <a:r>
-              <a:rPr lang="en-US" dirty="0">
+          <a:bodyPr>
+            <a:noAutofit/>
+          </a:bodyPr>
+          <a:lstStyle/>
+          <a:p>
+            <a:r>
+              <a:rPr lang="en-US" sz="2400" dirty="0"/>
+              <a:t>If you understand the models, we’ve covered, I think you will find Rust syntax and semantics to be convenient and sensible.</a:t>
+            </a:r>
+          </a:p>
+          <a:p>
+            <a:r>
+              <a:rPr lang="en-US" sz="2400" dirty="0"/>
+              <a:t>Some particular parts of the language discussed in the Rust Story but not here are intricate and require some study to master:</a:t>
+            </a:r>
+          </a:p>
+          <a:p>
+            <a:pPr lvl="1"/>
+            <a:r>
+              <a:rPr lang="en-US" sz="2000" dirty="0"/>
+              <a:t>String syntax and semantics because the only character type Rust recognizes in its native strings, String and Str, is utf-8, which uses multi-byte characters of varying sizes.</a:t>
+            </a:r>
+          </a:p>
+          <a:p>
+            <a:pPr lvl="1"/>
+            <a:r>
+              <a:rPr lang="en-US" sz="2000" dirty="0"/>
+              <a:t>Life-time annotation needed for some scenarios using generics.</a:t>
+            </a:r>
+          </a:p>
+          <a:p>
+            <a:pPr lvl="1"/>
+            <a:r>
+              <a:rPr lang="en-US" sz="2000" dirty="0"/>
+              <a:t>Many crates in </a:t>
+            </a:r>
+            <a:r>
+              <a:rPr lang="en-US" sz="2000" dirty="0">
                 <a:hlinkClick r:id="rId2"/>
               </a:rPr>
-              <a:t>https://jimfawcett.github.io/RustStory_Models.html</a:t>
-            </a:r>
-            <a:br>
-              <a:rPr lang="en-US" dirty="0"/>
-            </a:br>
-            <a:br>
-              <a:rPr lang="en-US" dirty="0"/>
-            </a:br>
-            <a:r>
-              <a:rPr lang="en-US" dirty="0"/>
-              <a:t>which is part of the Rust Story:</a:t>
-            </a:r>
-            <a:br>
-              <a:rPr lang="en-US" dirty="0"/>
-            </a:br>
-            <a:r>
-              <a:rPr lang="en-US" dirty="0"/>
-              <a:t>	</a:t>
-            </a:r>
-            <a:r>
-              <a:rPr lang="en-US" dirty="0">
-                <a:hlinkClick r:id="rId3"/>
-              </a:rPr>
-              <a:t>https://jimfawcett.github.io/RustStory_Prologue.html</a:t>
-            </a:r>
-            <a:r>
-              <a:rPr lang="en-US" dirty="0"/>
-              <a:t>   </a:t>
-            </a:r>
-            <a:br>
-              <a:rPr lang="en-US" dirty="0"/>
-            </a:br>
-            <a:endParaRPr lang="en-US" dirty="0"/>
-          </a:p>
-          <a:p>
-            <a:r>
-              <a:rPr lang="en-US" dirty="0"/>
-              <a:t>And code examples for the story are documented here:</a:t>
-            </a:r>
-            <a:br>
-              <a:rPr lang="en-US" dirty="0"/>
-            </a:br>
-            <a:r>
-              <a:rPr lang="en-US" dirty="0"/>
-              <a:t>	</a:t>
-            </a:r>
-            <a:r>
-              <a:rPr lang="en-US" dirty="0">
-                <a:hlinkClick r:id="rId4"/>
-              </a:rPr>
-              <a:t>https://jimfawcett.github.io/RustBasicDemos.html</a:t>
-            </a:r>
-            <a:br>
-              <a:rPr lang="en-US" dirty="0"/>
-            </a:br>
-            <a:endParaRPr lang="en-US" dirty="0"/>
-          </a:p>
-          <a:p>
-            <a:r>
-              <a:rPr lang="en-US" dirty="0"/>
-              <a:t>These slides are available here:</a:t>
-            </a:r>
-            <a:br>
-              <a:rPr lang="en-US" dirty="0"/>
-            </a:br>
-            <a:r>
-              <a:rPr lang="en-US" dirty="0"/>
-              <a:t>	</a:t>
-            </a:r>
-            <a:r>
-              <a:rPr lang="en-US" dirty="0">
-                <a:hlinkClick r:id="rId5"/>
-              </a:rPr>
-              <a:t>https://jimfawcett.github.io/Resources/RustModels.pdf</a:t>
-            </a:r>
-            <a:r>
-              <a:rPr lang="en-US" dirty="0"/>
-              <a:t> </a:t>
-            </a:r>
-          </a:p>
-          <a:p>
-            <a:pPr marL="0" indent="0">
-              <a:buNone/>
-            </a:pPr>
-            <a:endParaRPr lang="en-US" dirty="0"/>
+              <a:t>https://crates.io</a:t>
+            </a:r>
+            <a:r>
+              <a:rPr lang="en-US" sz="2000" dirty="0"/>
+              <a:t> are used routinely by knowledgeable Rust developers, but some take significant amounts of time and effort to use effectively.</a:t>
+            </a:r>
+          </a:p>
+          <a:p>
+            <a:r>
+              <a:rPr lang="en-US" sz="2400" dirty="0"/>
+              <a:t>Rust avoids undefined behavior by incorporating a safe type system.  That is based on the ownership rules we’ve discussed.  It takes a while to get use to the rules, but compiler error messages are usually very good.</a:t>
+            </a:r>
           </a:p>
         </p:txBody>
       </p:sp>
@@ -19498,7 +19527,7 @@
           <p:cNvPr id="4" name="Slide Number Placeholder 3">
             <a:extLst>
               <a:ext uri="{FF2B5EF4-FFF2-40B4-BE49-F238E27FC236}">
-                <a16:creationId xmlns:a16="http://schemas.microsoft.com/office/drawing/2014/main" id="{65DE1FCB-5689-4E10-A416-328ED633A2EE}"/>
+                <a16:creationId xmlns:a16="http://schemas.microsoft.com/office/drawing/2014/main" id="{5303FFBC-A3BA-4CD9-9623-2D9E837E32E7}"/>
               </a:ext>
             </a:extLst>
           </p:cNvPr>
@@ -19525,7 +19554,7 @@
     </p:spTree>
     <p:extLst>
       <p:ext uri="{BB962C8B-B14F-4D97-AF65-F5344CB8AC3E}">
-        <p14:creationId xmlns:p14="http://schemas.microsoft.com/office/powerpoint/2010/main" val="4015714117"/>
+        <p14:creationId xmlns:p14="http://schemas.microsoft.com/office/powerpoint/2010/main" val="1695196908"/>
       </p:ext>
     </p:extLst>
   </p:cSld>
@@ -19705,7 +19734,7 @@
           <p:cNvPr id="2" name="Title 1">
             <a:extLst>
               <a:ext uri="{FF2B5EF4-FFF2-40B4-BE49-F238E27FC236}">
-                <a16:creationId xmlns:a16="http://schemas.microsoft.com/office/drawing/2014/main" id="{5D569161-EBD9-48DC-ABCC-6F0F71A6E502}"/>
+                <a16:creationId xmlns:a16="http://schemas.microsoft.com/office/drawing/2014/main" id="{AE2C4E24-F41A-43B6-8514-8753B0BF4B56}"/>
               </a:ext>
             </a:extLst>
           </p:cNvPr>
@@ -19719,7 +19748,7 @@
         <p:spPr>
           <a:xfrm>
             <a:off x="838200" y="365126"/>
-            <a:ext cx="10515600" cy="967838"/>
+            <a:ext cx="10515600" cy="780922"/>
           </a:xfrm>
         </p:spPr>
         <p:txBody>
@@ -19728,7 +19757,7 @@
           <a:p>
             <a:r>
               <a:rPr lang="en-US" dirty="0"/>
-              <a:t>Background</a:t>
+              <a:t>Presentation Resources</a:t>
             </a:r>
           </a:p>
         </p:txBody>
@@ -19738,7 +19767,7 @@
           <p:cNvPr id="3" name="Content Placeholder 2">
             <a:extLst>
               <a:ext uri="{FF2B5EF4-FFF2-40B4-BE49-F238E27FC236}">
-                <a16:creationId xmlns:a16="http://schemas.microsoft.com/office/drawing/2014/main" id="{FD515C14-773F-4136-9CA3-6874C6634792}"/>
+                <a16:creationId xmlns:a16="http://schemas.microsoft.com/office/drawing/2014/main" id="{63C3A9C2-6490-47D7-8E43-D14728254FDB}"/>
               </a:ext>
             </a:extLst>
           </p:cNvPr>
@@ -19751,105 +19780,113 @@
         </p:nvSpPr>
         <p:spPr>
           <a:xfrm>
-            <a:off x="838200" y="1384479"/>
-            <a:ext cx="10515600" cy="4792484"/>
+            <a:off x="838200" y="1304544"/>
+            <a:ext cx="10515600" cy="4872419"/>
           </a:xfrm>
         </p:spPr>
         <p:txBody>
-          <a:bodyPr>
-            <a:normAutofit/>
-          </a:bodyPr>
-          <a:lstStyle/>
-          <a:p>
-            <a:r>
-              <a:rPr lang="en-US" dirty="0"/>
-              <a:t>The material for this presentation comes from the </a:t>
-            </a:r>
-            <a:r>
-              <a:rPr lang="en-US" dirty="0" err="1"/>
-              <a:t>github</a:t>
-            </a:r>
-            <a:r>
-              <a:rPr lang="en-US" dirty="0"/>
-              <a:t> website:</a:t>
-            </a:r>
-          </a:p>
-          <a:p>
-            <a:pPr lvl="1"/>
+          <a:bodyPr/>
+          <a:lstStyle/>
+          <a:p>
+            <a:r>
+              <a:rPr lang="en-US" dirty="0"/>
+              <a:t>The ideas discussed in this presentation are drawn from a web page: </a:t>
+            </a:r>
+            <a:br>
+              <a:rPr lang="en-US" dirty="0"/>
+            </a:br>
+            <a:r>
+              <a:rPr lang="en-US" dirty="0"/>
+              <a:t>	</a:t>
+            </a:r>
             <a:r>
               <a:rPr lang="en-US" dirty="0">
                 <a:hlinkClick r:id="rId2"/>
               </a:rPr>
-              <a:t>https://JimFawcett.github.io</a:t>
-            </a:r>
-            <a:r>
-              <a:rPr lang="en-US"/>
-              <a:t>, </a:t>
-            </a:r>
-            <a:r>
-              <a:rPr lang="en-US">
+              <a:t>https://jimfawcett.github.io/RustStory_Models.html</a:t>
+            </a:r>
+            <a:br>
+              <a:rPr lang="en-US" dirty="0"/>
+            </a:br>
+            <a:br>
+              <a:rPr lang="en-US" dirty="0"/>
+            </a:br>
+            <a:r>
+              <a:rPr lang="en-US" dirty="0"/>
+              <a:t>which is part of the Rust Story:</a:t>
+            </a:r>
+            <a:br>
+              <a:rPr lang="en-US" dirty="0"/>
+            </a:br>
+            <a:r>
+              <a:rPr lang="en-US" dirty="0"/>
+              <a:t>	</a:t>
+            </a:r>
+            <a:r>
+              <a:rPr lang="en-US" dirty="0">
                 <a:hlinkClick r:id="rId3"/>
               </a:rPr>
-              <a:t>https://jimfawcett.github.io/Resources/RustModels.pdf</a:t>
-            </a:r>
-            <a:r>
-              <a:rPr lang="en-US"/>
-              <a:t> </a:t>
-            </a:r>
+              <a:t>https://jimfawcett.github.io/RustStory_Prologue.html</a:t>
+            </a:r>
+            <a:r>
+              <a:rPr lang="en-US" dirty="0"/>
+              <a:t>   </a:t>
+            </a:r>
+            <a:br>
+              <a:rPr lang="en-US" dirty="0"/>
+            </a:br>
             <a:endParaRPr lang="en-US" dirty="0"/>
           </a:p>
           <a:p>
             <a:r>
               <a:rPr lang="en-US" dirty="0"/>
-              <a:t>The site provides a curated selection of code developed for graduate software design courses at Syracuse University</a:t>
-            </a:r>
-          </a:p>
-          <a:p>
-            <a:r>
-              <a:rPr lang="en-US" dirty="0"/>
-              <a:t>It also contains tutorial and reference materials related to that code.</a:t>
-            </a:r>
-          </a:p>
-          <a:p>
-            <a:r>
-              <a:rPr lang="en-US" dirty="0"/>
-              <a:t>Some of that is presented in the form of “stories”</a:t>
-            </a:r>
-          </a:p>
-          <a:p>
-            <a:r>
-              <a:rPr lang="en-US" dirty="0"/>
-              <a:t>Rust Models is the title of the first chapter of a “</a:t>
+              <a:t>And code examples for the story are documented here:</a:t>
+            </a:r>
+            <a:br>
+              <a:rPr lang="en-US" dirty="0"/>
+            </a:br>
+            <a:r>
+              <a:rPr lang="en-US" dirty="0"/>
+              <a:t>	</a:t>
             </a:r>
             <a:r>
               <a:rPr lang="en-US" dirty="0">
                 <a:hlinkClick r:id="rId4"/>
               </a:rPr>
-              <a:t>Rust Story</a:t>
-            </a:r>
-            <a:r>
-              <a:rPr lang="en-US" dirty="0"/>
-              <a:t>”</a:t>
-            </a:r>
-          </a:p>
-          <a:p>
-            <a:pPr lvl="1"/>
-            <a:r>
-              <a:rPr lang="en-US" dirty="0"/>
-              <a:t>The story is a detailed walk-through of the Rust programming language.  It provides reference material for a set of </a:t>
+              <a:t>https://jimfawcett.github.io/RustBasicDemos.html</a:t>
+            </a:r>
+            <a:br>
+              <a:rPr lang="en-US" dirty="0"/>
+            </a:br>
+            <a:endParaRPr lang="en-US" dirty="0"/>
+          </a:p>
+          <a:p>
+            <a:r>
+              <a:rPr lang="en-US" dirty="0"/>
+              <a:t>These slides are available here:</a:t>
+            </a:r>
+            <a:br>
+              <a:rPr lang="en-US" dirty="0"/>
+            </a:br>
+            <a:r>
+              <a:rPr lang="en-US" dirty="0"/>
+              <a:t>	</a:t>
             </a:r>
             <a:r>
               <a:rPr lang="en-US" dirty="0">
                 <a:hlinkClick r:id="rId5"/>
               </a:rPr>
-              <a:t>repositories</a:t>
-            </a:r>
-            <a:r>
-              <a:rPr lang="en-US" dirty="0"/>
-              <a:t> that hold source code for utilities, tools, components, and demonstrations.</a:t>
-            </a:r>
-          </a:p>
-          <a:p>
+              <a:t>https://jimfawcett.github.io/Resources/RustModels.pdf</a:t>
+            </a:r>
+            <a:r>
+              <a:rPr lang="en-US" dirty="0"/>
+              <a:t> </a:t>
+            </a:r>
+          </a:p>
+          <a:p>
+            <a:pPr marL="0" indent="0">
+              <a:buNone/>
+            </a:pPr>
             <a:endParaRPr lang="en-US" dirty="0"/>
           </a:p>
         </p:txBody>
@@ -19859,7 +19896,7 @@
           <p:cNvPr id="4" name="Slide Number Placeholder 3">
             <a:extLst>
               <a:ext uri="{FF2B5EF4-FFF2-40B4-BE49-F238E27FC236}">
-                <a16:creationId xmlns:a16="http://schemas.microsoft.com/office/drawing/2014/main" id="{A735D70F-936F-44E6-B768-ED85D723DCF8}"/>
+                <a16:creationId xmlns:a16="http://schemas.microsoft.com/office/drawing/2014/main" id="{65DE1FCB-5689-4E10-A416-328ED633A2EE}"/>
               </a:ext>
             </a:extLst>
           </p:cNvPr>
@@ -19886,7 +19923,7 @@
     </p:spTree>
     <p:extLst>
       <p:ext uri="{BB962C8B-B14F-4D97-AF65-F5344CB8AC3E}">
-        <p14:creationId xmlns:p14="http://schemas.microsoft.com/office/powerpoint/2010/main" val="3387348113"/>
+        <p14:creationId xmlns:p14="http://schemas.microsoft.com/office/powerpoint/2010/main" val="4015714117"/>
       </p:ext>
     </p:extLst>
   </p:cSld>
@@ -19897,7 +19934,7 @@
 </file>
 
 <file path=ppt/slides/slide61.xml><?xml version="1.0" encoding="utf-8"?>
-<p:sld xmlns:a="http://schemas.openxmlformats.org/drawingml/2006/main" xmlns:r="http://schemas.openxmlformats.org/officeDocument/2006/relationships" xmlns:p="http://schemas.openxmlformats.org/presentationml/2006/main" show="0">
+<p:sld xmlns:a="http://schemas.openxmlformats.org/drawingml/2006/main" xmlns:r="http://schemas.openxmlformats.org/officeDocument/2006/relationships" xmlns:p="http://schemas.openxmlformats.org/presentationml/2006/main">
   <p:cSld>
     <p:spTree>
       <p:nvGrpSpPr>
@@ -19915,24 +19952,57 @@
       </p:grpSpPr>
       <p:sp>
         <p:nvSpPr>
-          <p:cNvPr id="3" name="Content Placeholder 2">
-            <a:extLst>
-              <a:ext uri="{FF2B5EF4-FFF2-40B4-BE49-F238E27FC236}">
-                <a16:creationId xmlns:a16="http://schemas.microsoft.com/office/drawing/2014/main" id="{DA6C7AA0-849A-46D3-9084-A9B3B65B0F42}"/>
-              </a:ext>
-            </a:extLst>
-          </p:cNvPr>
-          <p:cNvSpPr>
-            <a:spLocks noGrp="1"/>
-          </p:cNvSpPr>
-          <p:nvPr>
-            <p:ph sz="half" idx="1"/>
+          <p:cNvPr id="2" name="Title 1">
+            <a:extLst>
+              <a:ext uri="{FF2B5EF4-FFF2-40B4-BE49-F238E27FC236}">
+                <a16:creationId xmlns:a16="http://schemas.microsoft.com/office/drawing/2014/main" id="{5D569161-EBD9-48DC-ABCC-6F0F71A6E502}"/>
+              </a:ext>
+            </a:extLst>
+          </p:cNvPr>
+          <p:cNvSpPr>
+            <a:spLocks noGrp="1"/>
+          </p:cNvSpPr>
+          <p:nvPr>
+            <p:ph type="title"/>
           </p:nvPr>
         </p:nvSpPr>
         <p:spPr>
           <a:xfrm>
-            <a:off x="602672" y="1519518"/>
-            <a:ext cx="6345383" cy="4657445"/>
+            <a:off x="838200" y="365126"/>
+            <a:ext cx="10515600" cy="967838"/>
+          </a:xfrm>
+        </p:spPr>
+        <p:txBody>
+          <a:bodyPr/>
+          <a:lstStyle/>
+          <a:p>
+            <a:r>
+              <a:rPr lang="en-US" dirty="0"/>
+              <a:t>Background</a:t>
+            </a:r>
+          </a:p>
+        </p:txBody>
+      </p:sp>
+      <p:sp>
+        <p:nvSpPr>
+          <p:cNvPr id="3" name="Content Placeholder 2">
+            <a:extLst>
+              <a:ext uri="{FF2B5EF4-FFF2-40B4-BE49-F238E27FC236}">
+                <a16:creationId xmlns:a16="http://schemas.microsoft.com/office/drawing/2014/main" id="{FD515C14-773F-4136-9CA3-6874C6634792}"/>
+              </a:ext>
+            </a:extLst>
+          </p:cNvPr>
+          <p:cNvSpPr>
+            <a:spLocks noGrp="1"/>
+          </p:cNvSpPr>
+          <p:nvPr>
+            <p:ph idx="1"/>
+          </p:nvPr>
+        </p:nvSpPr>
+        <p:spPr>
+          <a:xfrm>
+            <a:off x="838200" y="1384479"/>
+            <a:ext cx="10515600" cy="4792484"/>
           </a:xfrm>
         </p:spPr>
         <p:txBody>
@@ -19943,181 +20013,90 @@
           <a:p>
             <a:r>
               <a:rPr lang="en-US" dirty="0"/>
-              <a:t>Prevent dangling references:</a:t>
+              <a:t>The material for this presentation comes from the </a:t>
+            </a:r>
+            <a:r>
+              <a:rPr lang="en-US" dirty="0" err="1"/>
+              <a:t>github</a:t>
+            </a:r>
+            <a:r>
+              <a:rPr lang="en-US" dirty="0"/>
+              <a:t> website:</a:t>
             </a:r>
           </a:p>
           <a:p>
             <a:pPr lvl="1"/>
             <a:r>
-              <a:rPr lang="en-US" sz="2000" dirty="0">
-                <a:solidFill>
-                  <a:srgbClr val="C00000"/>
-                </a:solidFill>
-                <a:latin typeface="Consolas" panose="020B0609020204030204" pitchFamily="49" charset="0"/>
-              </a:rPr>
-              <a:t>let mut v = </a:t>
-            </a:r>
-            <a:r>
-              <a:rPr lang="en-US" sz="2000" dirty="0" err="1">
-                <a:solidFill>
-                  <a:srgbClr val="C00000"/>
-                </a:solidFill>
-                <a:latin typeface="Consolas" panose="020B0609020204030204" pitchFamily="49" charset="0"/>
-              </a:rPr>
-              <a:t>Vec</a:t>
-            </a:r>
-            <a:r>
-              <a:rPr lang="en-US" sz="2000" dirty="0">
-                <a:solidFill>
-                  <a:srgbClr val="C00000"/>
-                </a:solidFill>
-                <a:latin typeface="Consolas" panose="020B0609020204030204" pitchFamily="49" charset="0"/>
-              </a:rPr>
-              <a:t>::&lt;f64&gt;::new();</a:t>
+              <a:rPr lang="en-US" dirty="0">
+                <a:hlinkClick r:id="rId2"/>
+              </a:rPr>
+              <a:t>https://JimFawcett.github.io</a:t>
+            </a:r>
+            <a:r>
+              <a:rPr lang="en-US"/>
+              <a:t>, </a:t>
+            </a:r>
+            <a:r>
+              <a:rPr lang="en-US">
+                <a:hlinkClick r:id="rId3"/>
+              </a:rPr>
+              <a:t>https://jimfawcett.github.io/Resources/RustModels.pdf</a:t>
+            </a:r>
+            <a:r>
+              <a:rPr lang="en-US"/>
+              <a:t> </a:t>
+            </a:r>
+            <a:endParaRPr lang="en-US" dirty="0"/>
+          </a:p>
+          <a:p>
+            <a:r>
+              <a:rPr lang="en-US" dirty="0"/>
+              <a:t>The site provides a curated selection of code developed for graduate software design courses at Syracuse University</a:t>
+            </a:r>
+          </a:p>
+          <a:p>
+            <a:r>
+              <a:rPr lang="en-US" dirty="0"/>
+              <a:t>It also contains tutorial and reference materials related to that code.</a:t>
+            </a:r>
+          </a:p>
+          <a:p>
+            <a:r>
+              <a:rPr lang="en-US" dirty="0"/>
+              <a:t>Some of that is presented in the form of “stories”</a:t>
+            </a:r>
+          </a:p>
+          <a:p>
+            <a:r>
+              <a:rPr lang="en-US" dirty="0"/>
+              <a:t>Rust Models is the title of the first chapter of a “</a:t>
+            </a:r>
+            <a:r>
+              <a:rPr lang="en-US" dirty="0">
+                <a:hlinkClick r:id="rId4"/>
+              </a:rPr>
+              <a:t>Rust Story</a:t>
+            </a:r>
+            <a:r>
+              <a:rPr lang="en-US" dirty="0"/>
+              <a:t>”</a:t>
             </a:r>
           </a:p>
           <a:p>
             <a:pPr lvl="1"/>
             <a:r>
-              <a:rPr lang="en-US" sz="2000" dirty="0" err="1">
-                <a:solidFill>
-                  <a:srgbClr val="C00000"/>
-                </a:solidFill>
-                <a:latin typeface="Consolas" panose="020B0609020204030204" pitchFamily="49" charset="0"/>
-              </a:rPr>
-              <a:t>v.push</a:t>
-            </a:r>
-            <a:r>
-              <a:rPr lang="en-US" sz="2000" dirty="0">
-                <a:solidFill>
-                  <a:srgbClr val="C00000"/>
-                </a:solidFill>
-                <a:latin typeface="Consolas" panose="020B0609020204030204" pitchFamily="49" charset="0"/>
-              </a:rPr>
-              <a:t>(1.0); </a:t>
-            </a:r>
-            <a:r>
-              <a:rPr lang="en-US" sz="2000" dirty="0" err="1">
-                <a:solidFill>
-                  <a:srgbClr val="C00000"/>
-                </a:solidFill>
-                <a:latin typeface="Consolas" panose="020B0609020204030204" pitchFamily="49" charset="0"/>
-              </a:rPr>
-              <a:t>v.push</a:t>
-            </a:r>
-            <a:r>
-              <a:rPr lang="en-US" sz="2000" dirty="0">
-                <a:solidFill>
-                  <a:srgbClr val="C00000"/>
-                </a:solidFill>
-                <a:latin typeface="Consolas" panose="020B0609020204030204" pitchFamily="49" charset="0"/>
-              </a:rPr>
-              <a:t>(2.0), </a:t>
-            </a:r>
-            <a:r>
-              <a:rPr lang="en-US" sz="2000" dirty="0" err="1">
-                <a:solidFill>
-                  <a:srgbClr val="C00000"/>
-                </a:solidFill>
-                <a:latin typeface="Consolas" panose="020B0609020204030204" pitchFamily="49" charset="0"/>
-              </a:rPr>
-              <a:t>v.push</a:t>
-            </a:r>
-            <a:r>
-              <a:rPr lang="en-US" sz="2000" dirty="0">
-                <a:solidFill>
-                  <a:srgbClr val="C00000"/>
-                </a:solidFill>
-                <a:latin typeface="Consolas" panose="020B0609020204030204" pitchFamily="49" charset="0"/>
-              </a:rPr>
-              <a:t>(3.0);</a:t>
-            </a:r>
-          </a:p>
-          <a:p>
-            <a:pPr lvl="1"/>
-            <a:r>
-              <a:rPr lang="en-US" sz="2000" dirty="0">
-                <a:solidFill>
-                  <a:srgbClr val="C00000"/>
-                </a:solidFill>
-                <a:latin typeface="Consolas" panose="020B0609020204030204" pitchFamily="49" charset="0"/>
-              </a:rPr>
-              <a:t>let r1 = &amp;v[1];</a:t>
-            </a:r>
-          </a:p>
-          <a:p>
-            <a:pPr lvl="1"/>
-            <a:r>
-              <a:rPr lang="en-US" sz="2000" dirty="0">
-                <a:solidFill>
-                  <a:srgbClr val="C00000"/>
-                </a:solidFill>
-                <a:latin typeface="Consolas" panose="020B0609020204030204" pitchFamily="49" charset="0"/>
-              </a:rPr>
-              <a:t>// </a:t>
-            </a:r>
-            <a:r>
-              <a:rPr lang="en-US" sz="2000" dirty="0" err="1">
-                <a:solidFill>
-                  <a:srgbClr val="C00000"/>
-                </a:solidFill>
-                <a:latin typeface="Consolas" panose="020B0609020204030204" pitchFamily="49" charset="0"/>
-              </a:rPr>
-              <a:t>v.push</a:t>
-            </a:r>
-            <a:r>
-              <a:rPr lang="en-US" sz="2000" dirty="0">
-                <a:solidFill>
-                  <a:srgbClr val="C00000"/>
-                </a:solidFill>
-                <a:latin typeface="Consolas" panose="020B0609020204030204" pitchFamily="49" charset="0"/>
-              </a:rPr>
-              <a:t>(4.0);  // fails to compile</a:t>
-            </a:r>
-          </a:p>
-          <a:p>
-            <a:pPr lvl="1"/>
-            <a:r>
-              <a:rPr lang="en-US" sz="2000" dirty="0">
-                <a:solidFill>
-                  <a:srgbClr val="C00000"/>
-                </a:solidFill>
-                <a:latin typeface="Consolas" panose="020B0609020204030204" pitchFamily="49" charset="0"/>
-              </a:rPr>
-              <a:t>Print!(“\n  r1 = {?:}”, r1);</a:t>
-            </a:r>
-          </a:p>
-          <a:p>
-            <a:pPr lvl="1"/>
-            <a:r>
-              <a:rPr lang="en-US" sz="2000" dirty="0">
-                <a:solidFill>
-                  <a:srgbClr val="C00000"/>
-                </a:solidFill>
-                <a:latin typeface="Consolas" panose="020B0609020204030204" pitchFamily="49" charset="0"/>
-              </a:rPr>
-              <a:t>drop(r1);</a:t>
-            </a:r>
-          </a:p>
-          <a:p>
-            <a:pPr lvl="1"/>
-            <a:r>
-              <a:rPr lang="en-US" sz="2000" dirty="0" err="1">
-                <a:solidFill>
-                  <a:srgbClr val="C00000"/>
-                </a:solidFill>
-                <a:latin typeface="Consolas" panose="020B0609020204030204" pitchFamily="49" charset="0"/>
-              </a:rPr>
-              <a:t>v.push</a:t>
-            </a:r>
-            <a:r>
-              <a:rPr lang="en-US" sz="2000" dirty="0">
-                <a:solidFill>
-                  <a:srgbClr val="C00000"/>
-                </a:solidFill>
-                <a:latin typeface="Consolas" panose="020B0609020204030204" pitchFamily="49" charset="0"/>
-              </a:rPr>
-              <a:t>(4.0);  // ok</a:t>
+              <a:rPr lang="en-US" dirty="0"/>
+              <a:t>The story is a detailed walk-through of the Rust programming language.  It provides reference material for a set of </a:t>
+            </a:r>
+            <a:r>
+              <a:rPr lang="en-US" dirty="0">
+                <a:hlinkClick r:id="rId5"/>
+              </a:rPr>
+              <a:t>repositories</a:t>
+            </a:r>
+            <a:r>
+              <a:rPr lang="en-US" dirty="0"/>
+              <a:t> that hold source code for utilities, tools, components, and demonstrations.</a:t>
             </a:r>
           </a:p>
           <a:p>
@@ -20127,69 +20106,10 @@
       </p:sp>
       <p:sp>
         <p:nvSpPr>
-          <p:cNvPr id="5" name="Content Placeholder 4">
-            <a:extLst>
-              <a:ext uri="{FF2B5EF4-FFF2-40B4-BE49-F238E27FC236}">
-                <a16:creationId xmlns:a16="http://schemas.microsoft.com/office/drawing/2014/main" id="{E7C2D5BC-F263-4257-BD7E-4A2B3A83581A}"/>
-              </a:ext>
-            </a:extLst>
-          </p:cNvPr>
-          <p:cNvSpPr>
-            <a:spLocks noGrp="1"/>
-          </p:cNvSpPr>
-          <p:nvPr>
-            <p:ph sz="half" idx="2"/>
-          </p:nvPr>
-        </p:nvSpPr>
-        <p:spPr>
-          <a:xfrm>
-            <a:off x="7148944" y="1902759"/>
-            <a:ext cx="4204855" cy="4274204"/>
-          </a:xfrm>
-        </p:spPr>
-        <p:txBody>
-          <a:bodyPr>
-            <a:normAutofit/>
-          </a:bodyPr>
-          <a:lstStyle/>
-          <a:p>
-            <a:r>
-              <a:rPr lang="en-US" sz="2400" dirty="0"/>
-              <a:t>v owns vector</a:t>
-            </a:r>
-          </a:p>
-          <a:p>
-            <a:r>
-              <a:rPr lang="en-US" sz="2400" dirty="0"/>
-              <a:t>r1 borrows ownership</a:t>
-            </a:r>
-          </a:p>
-          <a:p>
-            <a:r>
-              <a:rPr lang="en-US" sz="2400" dirty="0"/>
-              <a:t>v can’t mutate until r1 is dropped or goes out of scope</a:t>
-            </a:r>
-          </a:p>
-          <a:p>
-            <a:r>
-              <a:rPr lang="en-US" sz="2400" dirty="0"/>
-              <a:t>Going out of scope calls drop implicitly</a:t>
-            </a:r>
-          </a:p>
-          <a:p>
-            <a:pPr marL="0" indent="0">
-              <a:buNone/>
-            </a:pPr>
-            <a:endParaRPr lang="en-US" sz="2400" dirty="0"/>
-          </a:p>
-        </p:txBody>
-      </p:sp>
-      <p:sp>
-        <p:nvSpPr>
           <p:cNvPr id="4" name="Slide Number Placeholder 3">
             <a:extLst>
               <a:ext uri="{FF2B5EF4-FFF2-40B4-BE49-F238E27FC236}">
-                <a16:creationId xmlns:a16="http://schemas.microsoft.com/office/drawing/2014/main" id="{8B6ABC81-EF6D-4585-A81B-B0BFC98DB572}"/>
+                <a16:creationId xmlns:a16="http://schemas.microsoft.com/office/drawing/2014/main" id="{A735D70F-936F-44E6-B768-ED85D723DCF8}"/>
               </a:ext>
             </a:extLst>
           </p:cNvPr>
@@ -20213,605 +20133,10 @@
           </a:p>
         </p:txBody>
       </p:sp>
-      <p:sp>
-        <p:nvSpPr>
-          <p:cNvPr id="8" name="Title 1">
-            <a:extLst>
-              <a:ext uri="{FF2B5EF4-FFF2-40B4-BE49-F238E27FC236}">
-                <a16:creationId xmlns:a16="http://schemas.microsoft.com/office/drawing/2014/main" id="{69F629D5-24C0-49BF-B9D3-2AB393C38C9B}"/>
-              </a:ext>
-            </a:extLst>
-          </p:cNvPr>
-          <p:cNvSpPr txBox="1">
-            <a:spLocks/>
-          </p:cNvSpPr>
-          <p:nvPr/>
-        </p:nvSpPr>
-        <p:spPr>
-          <a:xfrm>
-            <a:off x="838200" y="428213"/>
-            <a:ext cx="10515600" cy="858369"/>
-          </a:xfrm>
-          <a:prstGeom prst="rect">
-            <a:avLst/>
-          </a:prstGeom>
-          <a:solidFill>
-            <a:schemeClr val="bg1"/>
-          </a:solidFill>
-        </p:spPr>
-        <p:txBody>
-          <a:bodyPr vert="horz" lIns="91440" tIns="45720" rIns="91440" bIns="45720" rtlCol="0" anchor="ctr">
-            <a:normAutofit/>
-          </a:bodyPr>
-          <a:lstStyle>
-            <a:lvl1pPr algn="l" defTabSz="914400" rtl="0" eaLnBrk="1" latinLnBrk="0" hangingPunct="1">
-              <a:lnSpc>
-                <a:spcPct val="90000"/>
-              </a:lnSpc>
-              <a:spcBef>
-                <a:spcPct val="0"/>
-              </a:spcBef>
-              <a:buNone/>
-              <a:defRPr sz="4400" kern="1200">
-                <a:solidFill>
-                  <a:schemeClr val="tx1"/>
-                </a:solidFill>
-                <a:latin typeface="+mj-lt"/>
-                <a:ea typeface="+mj-ea"/>
-                <a:cs typeface="+mj-cs"/>
-              </a:defRPr>
-            </a:lvl1pPr>
-          </a:lstStyle>
-          <a:p>
-            <a:r>
-              <a:rPr lang="en-US" dirty="0"/>
-              <a:t>Rust Safe Type System - Review	</a:t>
-            </a:r>
-          </a:p>
-        </p:txBody>
-      </p:sp>
     </p:spTree>
     <p:extLst>
       <p:ext uri="{BB962C8B-B14F-4D97-AF65-F5344CB8AC3E}">
-        <p14:creationId xmlns:p14="http://schemas.microsoft.com/office/powerpoint/2010/main" val="3551667554"/>
-      </p:ext>
-    </p:extLst>
-  </p:cSld>
-  <p:clrMapOvr>
-    <a:masterClrMapping/>
-  </p:clrMapOvr>
-</p:sld>
-</file>
-
-<file path=ppt/slides/slide62.xml><?xml version="1.0" encoding="utf-8"?>
-<p:sld xmlns:a="http://schemas.openxmlformats.org/drawingml/2006/main" xmlns:r="http://schemas.openxmlformats.org/officeDocument/2006/relationships" xmlns:p="http://schemas.openxmlformats.org/presentationml/2006/main" show="0">
-  <p:cSld>
-    <p:spTree>
-      <p:nvGrpSpPr>
-        <p:cNvPr id="1" name=""/>
-        <p:cNvGrpSpPr/>
-        <p:nvPr/>
-      </p:nvGrpSpPr>
-      <p:grpSpPr>
-        <a:xfrm>
-          <a:off x="0" y="0"/>
-          <a:ext cx="0" cy="0"/>
-          <a:chOff x="0" y="0"/>
-          <a:chExt cx="0" cy="0"/>
-        </a:xfrm>
-      </p:grpSpPr>
-      <p:sp>
-        <p:nvSpPr>
-          <p:cNvPr id="3" name="Content Placeholder 2">
-            <a:extLst>
-              <a:ext uri="{FF2B5EF4-FFF2-40B4-BE49-F238E27FC236}">
-                <a16:creationId xmlns:a16="http://schemas.microsoft.com/office/drawing/2014/main" id="{DA6C7AA0-849A-46D3-9084-A9B3B65B0F42}"/>
-              </a:ext>
-            </a:extLst>
-          </p:cNvPr>
-          <p:cNvSpPr>
-            <a:spLocks noGrp="1"/>
-          </p:cNvSpPr>
-          <p:nvPr>
-            <p:ph sz="half" idx="1"/>
-          </p:nvPr>
-        </p:nvSpPr>
-        <p:spPr>
-          <a:xfrm>
-            <a:off x="838199" y="1519518"/>
-            <a:ext cx="5881256" cy="4657445"/>
-          </a:xfrm>
-        </p:spPr>
-        <p:txBody>
-          <a:bodyPr>
-            <a:normAutofit/>
-          </a:bodyPr>
-          <a:lstStyle/>
-          <a:p>
-            <a:r>
-              <a:rPr lang="en-US" dirty="0"/>
-              <a:t>Prevent access to unowned memory:</a:t>
-            </a:r>
-          </a:p>
-          <a:p>
-            <a:pPr lvl="1"/>
-            <a:r>
-              <a:rPr lang="en-US" sz="2000" dirty="0">
-                <a:solidFill>
-                  <a:srgbClr val="C00000"/>
-                </a:solidFill>
-                <a:latin typeface="Consolas" panose="020B0609020204030204" pitchFamily="49" charset="0"/>
-              </a:rPr>
-              <a:t>let mut v = </a:t>
-            </a:r>
-            <a:r>
-              <a:rPr lang="en-US" sz="2000" dirty="0" err="1">
-                <a:solidFill>
-                  <a:srgbClr val="C00000"/>
-                </a:solidFill>
-                <a:latin typeface="Consolas" panose="020B0609020204030204" pitchFamily="49" charset="0"/>
-              </a:rPr>
-              <a:t>Vec</a:t>
-            </a:r>
-            <a:r>
-              <a:rPr lang="en-US" sz="2000" dirty="0">
-                <a:solidFill>
-                  <a:srgbClr val="C00000"/>
-                </a:solidFill>
-                <a:latin typeface="Consolas" panose="020B0609020204030204" pitchFamily="49" charset="0"/>
-              </a:rPr>
-              <a:t>::&lt;f64&gt;::new();</a:t>
-            </a:r>
-          </a:p>
-          <a:p>
-            <a:pPr lvl="1"/>
-            <a:r>
-              <a:rPr lang="en-US" sz="2000" dirty="0" err="1">
-                <a:solidFill>
-                  <a:srgbClr val="C00000"/>
-                </a:solidFill>
-                <a:latin typeface="Consolas" panose="020B0609020204030204" pitchFamily="49" charset="0"/>
-              </a:rPr>
-              <a:t>v.push</a:t>
-            </a:r>
-            <a:r>
-              <a:rPr lang="en-US" sz="2000" dirty="0">
-                <a:solidFill>
-                  <a:srgbClr val="C00000"/>
-                </a:solidFill>
-                <a:latin typeface="Consolas" panose="020B0609020204030204" pitchFamily="49" charset="0"/>
-              </a:rPr>
-              <a:t>(1.0), …</a:t>
-            </a:r>
-          </a:p>
-          <a:p>
-            <a:pPr lvl="1"/>
-            <a:r>
-              <a:rPr lang="en-US" sz="2000" dirty="0">
-                <a:solidFill>
-                  <a:srgbClr val="C00000"/>
-                </a:solidFill>
-                <a:latin typeface="Consolas" panose="020B0609020204030204" pitchFamily="49" charset="0"/>
-              </a:rPr>
-              <a:t>for x in v {</a:t>
-            </a:r>
-            <a:br>
-              <a:rPr lang="en-US" sz="2000" dirty="0">
-                <a:solidFill>
-                  <a:srgbClr val="C00000"/>
-                </a:solidFill>
-                <a:latin typeface="Consolas" panose="020B0609020204030204" pitchFamily="49" charset="0"/>
-              </a:rPr>
-            </a:br>
-            <a:r>
-              <a:rPr lang="en-US" sz="2000" dirty="0">
-                <a:solidFill>
-                  <a:srgbClr val="C00000"/>
-                </a:solidFill>
-                <a:latin typeface="Consolas" panose="020B0609020204030204" pitchFamily="49" charset="0"/>
-              </a:rPr>
-              <a:t>	print!(“\n  {}”, x)</a:t>
-            </a:r>
-            <a:br>
-              <a:rPr lang="en-US" sz="2000" dirty="0">
-                <a:solidFill>
-                  <a:srgbClr val="C00000"/>
-                </a:solidFill>
-                <a:latin typeface="Consolas" panose="020B0609020204030204" pitchFamily="49" charset="0"/>
-              </a:rPr>
-            </a:br>
-            <a:r>
-              <a:rPr lang="en-US" sz="2000" dirty="0">
-                <a:solidFill>
-                  <a:srgbClr val="C00000"/>
-                </a:solidFill>
-                <a:latin typeface="Consolas" panose="020B0609020204030204" pitchFamily="49" charset="0"/>
-              </a:rPr>
-              <a:t>}</a:t>
-            </a:r>
-          </a:p>
-          <a:p>
-            <a:pPr lvl="1"/>
-            <a:r>
-              <a:rPr lang="en-US" sz="2000" dirty="0">
-                <a:solidFill>
-                  <a:srgbClr val="C00000"/>
-                </a:solidFill>
-                <a:latin typeface="Consolas" panose="020B0609020204030204" pitchFamily="49" charset="0"/>
-              </a:rPr>
-              <a:t>for i in 0…3 {</a:t>
-            </a:r>
-            <a:br>
-              <a:rPr lang="en-US" sz="2000" dirty="0">
-                <a:solidFill>
-                  <a:srgbClr val="C00000"/>
-                </a:solidFill>
-                <a:latin typeface="Consolas" panose="020B0609020204030204" pitchFamily="49" charset="0"/>
-              </a:rPr>
-            </a:br>
-            <a:r>
-              <a:rPr lang="en-US" sz="2000" dirty="0">
-                <a:solidFill>
-                  <a:srgbClr val="C00000"/>
-                </a:solidFill>
-                <a:latin typeface="Consolas" panose="020B0609020204030204" pitchFamily="49" charset="0"/>
-              </a:rPr>
-              <a:t>	print!(“\n  {}”, v[i]);</a:t>
-            </a:r>
-            <a:br>
-              <a:rPr lang="en-US" sz="2000" dirty="0">
-                <a:solidFill>
-                  <a:srgbClr val="C00000"/>
-                </a:solidFill>
-                <a:latin typeface="Consolas" panose="020B0609020204030204" pitchFamily="49" charset="0"/>
-              </a:rPr>
-            </a:br>
-            <a:r>
-              <a:rPr lang="en-US" sz="2000" dirty="0">
-                <a:solidFill>
-                  <a:srgbClr val="C00000"/>
-                </a:solidFill>
-                <a:latin typeface="Consolas" panose="020B0609020204030204" pitchFamily="49" charset="0"/>
-              </a:rPr>
-              <a:t>}</a:t>
-            </a:r>
-          </a:p>
-          <a:p>
-            <a:r>
-              <a:rPr lang="en-US" dirty="0"/>
-              <a:t>If bound 3 is incorrect, will panic, not allowing access to unowned memory.</a:t>
-            </a:r>
-          </a:p>
-        </p:txBody>
-      </p:sp>
-      <p:sp>
-        <p:nvSpPr>
-          <p:cNvPr id="5" name="Content Placeholder 4">
-            <a:extLst>
-              <a:ext uri="{FF2B5EF4-FFF2-40B4-BE49-F238E27FC236}">
-                <a16:creationId xmlns:a16="http://schemas.microsoft.com/office/drawing/2014/main" id="{E7C2D5BC-F263-4257-BD7E-4A2B3A83581A}"/>
-              </a:ext>
-            </a:extLst>
-          </p:cNvPr>
-          <p:cNvSpPr>
-            <a:spLocks noGrp="1"/>
-          </p:cNvSpPr>
-          <p:nvPr>
-            <p:ph sz="half" idx="2"/>
-          </p:nvPr>
-        </p:nvSpPr>
-        <p:spPr>
-          <a:xfrm>
-            <a:off x="6553200" y="2028057"/>
-            <a:ext cx="4443132" cy="3435723"/>
-          </a:xfrm>
-        </p:spPr>
-        <p:txBody>
-          <a:bodyPr/>
-          <a:lstStyle/>
-          <a:p>
-            <a:pPr lvl="1"/>
-            <a:r>
-              <a:rPr lang="en-US" dirty="0"/>
-              <a:t>Rust knows the size of almost all values, and uses that in for loops like the first.</a:t>
-            </a:r>
-          </a:p>
-          <a:p>
-            <a:pPr lvl="1"/>
-            <a:r>
-              <a:rPr lang="en-US" dirty="0"/>
-              <a:t>We can cause access to unowned memory, but that results in aborting the program without allowing access to unowned memory.</a:t>
-            </a:r>
-          </a:p>
-        </p:txBody>
-      </p:sp>
-      <p:sp>
-        <p:nvSpPr>
-          <p:cNvPr id="4" name="Slide Number Placeholder 3">
-            <a:extLst>
-              <a:ext uri="{FF2B5EF4-FFF2-40B4-BE49-F238E27FC236}">
-                <a16:creationId xmlns:a16="http://schemas.microsoft.com/office/drawing/2014/main" id="{8B6ABC81-EF6D-4585-A81B-B0BFC98DB572}"/>
-              </a:ext>
-            </a:extLst>
-          </p:cNvPr>
-          <p:cNvSpPr>
-            <a:spLocks noGrp="1"/>
-          </p:cNvSpPr>
-          <p:nvPr>
-            <p:ph type="sldNum" sz="quarter" idx="12"/>
-          </p:nvPr>
-        </p:nvSpPr>
-        <p:spPr/>
-        <p:txBody>
-          <a:bodyPr/>
-          <a:lstStyle/>
-          <a:p>
-            <a:fld id="{519FA752-D1CF-498F-B0BD-05E47309CED3}" type="slidenum">
-              <a:rPr lang="en-US" smtClean="0"/>
-              <a:t>62</a:t>
-            </a:fld>
-            <a:endParaRPr lang="en-US"/>
-          </a:p>
-        </p:txBody>
-      </p:sp>
-      <p:sp>
-        <p:nvSpPr>
-          <p:cNvPr id="8" name="Title 1">
-            <a:extLst>
-              <a:ext uri="{FF2B5EF4-FFF2-40B4-BE49-F238E27FC236}">
-                <a16:creationId xmlns:a16="http://schemas.microsoft.com/office/drawing/2014/main" id="{69F629D5-24C0-49BF-B9D3-2AB393C38C9B}"/>
-              </a:ext>
-            </a:extLst>
-          </p:cNvPr>
-          <p:cNvSpPr txBox="1">
-            <a:spLocks/>
-          </p:cNvSpPr>
-          <p:nvPr/>
-        </p:nvSpPr>
-        <p:spPr>
-          <a:xfrm>
-            <a:off x="838199" y="406879"/>
-            <a:ext cx="10515600" cy="858369"/>
-          </a:xfrm>
-          <a:prstGeom prst="rect">
-            <a:avLst/>
-          </a:prstGeom>
-          <a:solidFill>
-            <a:schemeClr val="bg1"/>
-          </a:solidFill>
-        </p:spPr>
-        <p:txBody>
-          <a:bodyPr vert="horz" lIns="91440" tIns="45720" rIns="91440" bIns="45720" rtlCol="0" anchor="ctr">
-            <a:normAutofit/>
-          </a:bodyPr>
-          <a:lstStyle>
-            <a:lvl1pPr algn="l" defTabSz="914400" rtl="0" eaLnBrk="1" latinLnBrk="0" hangingPunct="1">
-              <a:lnSpc>
-                <a:spcPct val="90000"/>
-              </a:lnSpc>
-              <a:spcBef>
-                <a:spcPct val="0"/>
-              </a:spcBef>
-              <a:buNone/>
-              <a:defRPr sz="4400" kern="1200">
-                <a:solidFill>
-                  <a:schemeClr val="tx1"/>
-                </a:solidFill>
-                <a:latin typeface="+mj-lt"/>
-                <a:ea typeface="+mj-ea"/>
-                <a:cs typeface="+mj-cs"/>
-              </a:defRPr>
-            </a:lvl1pPr>
-          </a:lstStyle>
-          <a:p>
-            <a:r>
-              <a:rPr lang="en-US" dirty="0"/>
-              <a:t>Rust Safe Type System - Review	</a:t>
-            </a:r>
-          </a:p>
-        </p:txBody>
-      </p:sp>
-    </p:spTree>
-    <p:extLst>
-      <p:ext uri="{BB962C8B-B14F-4D97-AF65-F5344CB8AC3E}">
-        <p14:creationId xmlns:p14="http://schemas.microsoft.com/office/powerpoint/2010/main" val="908016828"/>
-      </p:ext>
-    </p:extLst>
-  </p:cSld>
-  <p:clrMapOvr>
-    <a:masterClrMapping/>
-  </p:clrMapOvr>
-</p:sld>
-</file>
-
-<file path=ppt/slides/slide63.xml><?xml version="1.0" encoding="utf-8"?>
-<p:sld xmlns:a="http://schemas.openxmlformats.org/drawingml/2006/main" xmlns:r="http://schemas.openxmlformats.org/officeDocument/2006/relationships" xmlns:p="http://schemas.openxmlformats.org/presentationml/2006/main" show="0">
-  <p:cSld>
-    <p:spTree>
-      <p:nvGrpSpPr>
-        <p:cNvPr id="1" name=""/>
-        <p:cNvGrpSpPr/>
-        <p:nvPr/>
-      </p:nvGrpSpPr>
-      <p:grpSpPr>
-        <a:xfrm>
-          <a:off x="0" y="0"/>
-          <a:ext cx="0" cy="0"/>
-          <a:chOff x="0" y="0"/>
-          <a:chExt cx="0" cy="0"/>
-        </a:xfrm>
-      </p:grpSpPr>
-      <p:sp>
-        <p:nvSpPr>
-          <p:cNvPr id="3" name="Content Placeholder 2">
-            <a:extLst>
-              <a:ext uri="{FF2B5EF4-FFF2-40B4-BE49-F238E27FC236}">
-                <a16:creationId xmlns:a16="http://schemas.microsoft.com/office/drawing/2014/main" id="{DA6C7AA0-849A-46D3-9084-A9B3B65B0F42}"/>
-              </a:ext>
-            </a:extLst>
-          </p:cNvPr>
-          <p:cNvSpPr>
-            <a:spLocks noGrp="1"/>
-          </p:cNvSpPr>
-          <p:nvPr>
-            <p:ph idx="1"/>
-          </p:nvPr>
-        </p:nvSpPr>
-        <p:spPr>
-          <a:xfrm>
-            <a:off x="838200" y="1566582"/>
-            <a:ext cx="10515600" cy="4641670"/>
-          </a:xfrm>
-        </p:spPr>
-        <p:txBody>
-          <a:bodyPr>
-            <a:normAutofit/>
-          </a:bodyPr>
-          <a:lstStyle/>
-          <a:p>
-            <a:pPr>
-              <a:lnSpc>
-                <a:spcPct val="100000"/>
-              </a:lnSpc>
-            </a:pPr>
-            <a:r>
-              <a:rPr lang="en-US" sz="3200" dirty="0"/>
-              <a:t>Rust is a type safe language, avoiding undefined behavior.</a:t>
-            </a:r>
-          </a:p>
-          <a:p>
-            <a:pPr>
-              <a:lnSpc>
-                <a:spcPct val="100000"/>
-              </a:lnSpc>
-            </a:pPr>
-            <a:r>
-              <a:rPr lang="en-US" sz="3200" dirty="0"/>
-              <a:t>Rust’s type system prevents data races in multi-threaded programs, based on its ownership model.</a:t>
-            </a:r>
-          </a:p>
-          <a:p>
-            <a:pPr lvl="1">
-              <a:lnSpc>
-                <a:spcPct val="100000"/>
-              </a:lnSpc>
-            </a:pPr>
-            <a:r>
-              <a:rPr lang="en-US" sz="2800" dirty="0"/>
-              <a:t>We won’t discuss data races further in these notes.</a:t>
-            </a:r>
-          </a:p>
-          <a:p>
-            <a:pPr>
-              <a:lnSpc>
-                <a:spcPct val="100000"/>
-              </a:lnSpc>
-            </a:pPr>
-            <a:r>
-              <a:rPr lang="en-US" sz="3200" dirty="0"/>
-              <a:t>It provides level of performance and access to machine resources needed for system programming.</a:t>
-            </a:r>
-          </a:p>
-          <a:p>
-            <a:pPr>
-              <a:lnSpc>
-                <a:spcPct val="100000"/>
-              </a:lnSpc>
-            </a:pPr>
-            <a:endParaRPr lang="en-US" sz="3200" dirty="0"/>
-          </a:p>
-        </p:txBody>
-      </p:sp>
-      <p:sp>
-        <p:nvSpPr>
-          <p:cNvPr id="4" name="Slide Number Placeholder 3">
-            <a:extLst>
-              <a:ext uri="{FF2B5EF4-FFF2-40B4-BE49-F238E27FC236}">
-                <a16:creationId xmlns:a16="http://schemas.microsoft.com/office/drawing/2014/main" id="{8B6ABC81-EF6D-4585-A81B-B0BFC98DB572}"/>
-              </a:ext>
-            </a:extLst>
-          </p:cNvPr>
-          <p:cNvSpPr>
-            <a:spLocks noGrp="1"/>
-          </p:cNvSpPr>
-          <p:nvPr>
-            <p:ph type="sldNum" sz="quarter" idx="12"/>
-          </p:nvPr>
-        </p:nvSpPr>
-        <p:spPr/>
-        <p:txBody>
-          <a:bodyPr/>
-          <a:lstStyle/>
-          <a:p>
-            <a:fld id="{519FA752-D1CF-498F-B0BD-05E47309CED3}" type="slidenum">
-              <a:rPr lang="en-US" smtClean="0"/>
-              <a:t>63</a:t>
-            </a:fld>
-            <a:endParaRPr lang="en-US"/>
-          </a:p>
-        </p:txBody>
-      </p:sp>
-      <p:sp>
-        <p:nvSpPr>
-          <p:cNvPr id="8" name="Title 1">
-            <a:extLst>
-              <a:ext uri="{FF2B5EF4-FFF2-40B4-BE49-F238E27FC236}">
-                <a16:creationId xmlns:a16="http://schemas.microsoft.com/office/drawing/2014/main" id="{69F629D5-24C0-49BF-B9D3-2AB393C38C9B}"/>
-              </a:ext>
-            </a:extLst>
-          </p:cNvPr>
-          <p:cNvSpPr txBox="1">
-            <a:spLocks/>
-          </p:cNvSpPr>
-          <p:nvPr/>
-        </p:nvSpPr>
-        <p:spPr>
-          <a:xfrm>
-            <a:off x="838200" y="429519"/>
-            <a:ext cx="10515600" cy="858369"/>
-          </a:xfrm>
-          <a:prstGeom prst="rect">
-            <a:avLst/>
-          </a:prstGeom>
-          <a:solidFill>
-            <a:schemeClr val="bg1"/>
-          </a:solidFill>
-        </p:spPr>
-        <p:txBody>
-          <a:bodyPr vert="horz" lIns="91440" tIns="45720" rIns="91440" bIns="45720" rtlCol="0" anchor="ctr">
-            <a:normAutofit/>
-          </a:bodyPr>
-          <a:lstStyle>
-            <a:lvl1pPr algn="l" defTabSz="914400" rtl="0" eaLnBrk="1" latinLnBrk="0" hangingPunct="1">
-              <a:lnSpc>
-                <a:spcPct val="90000"/>
-              </a:lnSpc>
-              <a:spcBef>
-                <a:spcPct val="0"/>
-              </a:spcBef>
-              <a:buNone/>
-              <a:defRPr sz="4400" kern="1200">
-                <a:solidFill>
-                  <a:schemeClr val="tx1"/>
-                </a:solidFill>
-                <a:latin typeface="+mj-lt"/>
-                <a:ea typeface="+mj-ea"/>
-                <a:cs typeface="+mj-cs"/>
-              </a:defRPr>
-            </a:lvl1pPr>
-          </a:lstStyle>
-          <a:p>
-            <a:r>
-              <a:rPr lang="en-US" dirty="0"/>
-              <a:t>Rust Safe Type System – Summary	</a:t>
-            </a:r>
-          </a:p>
-        </p:txBody>
-      </p:sp>
-    </p:spTree>
-    <p:extLst>
-      <p:ext uri="{BB962C8B-B14F-4D97-AF65-F5344CB8AC3E}">
-        <p14:creationId xmlns:p14="http://schemas.microsoft.com/office/powerpoint/2010/main" val="3757406520"/>
+        <p14:creationId xmlns:p14="http://schemas.microsoft.com/office/powerpoint/2010/main" val="3387348113"/>
       </p:ext>
     </p:extLst>
   </p:cSld>

--- a/Resources/RustModels.pptx
+++ b/Resources/RustModels.pptx
@@ -257,7 +257,7 @@
           <a:p>
             <a:fld id="{8B9DEAE6-0538-4445-AC69-E9546F37B6FF}" type="datetimeFigureOut">
               <a:rPr lang="en-US" smtClean="0"/>
-              <a:t>4/4/2020</a:t>
+              <a:t>4/13/2020</a:t>
             </a:fld>
             <a:endParaRPr lang="en-US"/>
           </a:p>
@@ -671,7 +671,7 @@
           <a:p>
             <a:fld id="{F59BA8CD-9D66-40F3-B663-5AE3FCC8E640}" type="datetime1">
               <a:rPr lang="en-US" smtClean="0"/>
-              <a:t>4/4/2020</a:t>
+              <a:t>4/13/2020</a:t>
             </a:fld>
             <a:endParaRPr lang="en-US"/>
           </a:p>
@@ -869,7 +869,7 @@
           <a:p>
             <a:fld id="{AE815081-8781-4CE2-BA8A-F30EB62592DB}" type="datetime1">
               <a:rPr lang="en-US" smtClean="0"/>
-              <a:t>4/4/2020</a:t>
+              <a:t>4/13/2020</a:t>
             </a:fld>
             <a:endParaRPr lang="en-US"/>
           </a:p>
@@ -1077,7 +1077,7 @@
           <a:p>
             <a:fld id="{1436B19E-3845-4454-9B00-81A37311B2DB}" type="datetime1">
               <a:rPr lang="en-US" smtClean="0"/>
-              <a:t>4/4/2020</a:t>
+              <a:t>4/13/2020</a:t>
             </a:fld>
             <a:endParaRPr lang="en-US"/>
           </a:p>
@@ -1285,7 +1285,7 @@
           <a:p>
             <a:fld id="{51BD0182-F02D-41FA-88F8-DAAE45FECD96}" type="datetime1">
               <a:rPr lang="en-US" smtClean="0"/>
-              <a:t>4/4/2020</a:t>
+              <a:t>4/13/2020</a:t>
             </a:fld>
             <a:endParaRPr lang="en-US"/>
           </a:p>
@@ -1565,7 +1565,7 @@
           <a:p>
             <a:fld id="{97DD5E3A-970B-45DB-AC65-C654B1C83769}" type="datetime1">
               <a:rPr lang="en-US" smtClean="0"/>
-              <a:t>4/4/2020</a:t>
+              <a:t>4/13/2020</a:t>
             </a:fld>
             <a:endParaRPr lang="en-US"/>
           </a:p>
@@ -1835,7 +1835,7 @@
           <a:p>
             <a:fld id="{A0C75F36-CE33-4D01-AEC1-8AE85EBDD5C0}" type="datetime1">
               <a:rPr lang="en-US" smtClean="0"/>
-              <a:t>4/4/2020</a:t>
+              <a:t>4/13/2020</a:t>
             </a:fld>
             <a:endParaRPr lang="en-US"/>
           </a:p>
@@ -2252,7 +2252,7 @@
           <a:p>
             <a:fld id="{2F12ED4E-FBDA-4929-861C-48D0B255396D}" type="datetime1">
               <a:rPr lang="en-US" smtClean="0"/>
-              <a:t>4/4/2020</a:t>
+              <a:t>4/13/2020</a:t>
             </a:fld>
             <a:endParaRPr lang="en-US"/>
           </a:p>
@@ -2398,7 +2398,7 @@
           <a:p>
             <a:fld id="{71274C8E-8698-45E5-8BD5-3125D835571A}" type="datetime1">
               <a:rPr lang="en-US" smtClean="0"/>
-              <a:t>4/4/2020</a:t>
+              <a:t>4/13/2020</a:t>
             </a:fld>
             <a:endParaRPr lang="en-US"/>
           </a:p>
@@ -2516,7 +2516,7 @@
           <a:p>
             <a:fld id="{EAAEADE5-9122-4DD1-9AF9-D9EE601260DA}" type="datetime1">
               <a:rPr lang="en-US" smtClean="0"/>
-              <a:t>4/4/2020</a:t>
+              <a:t>4/13/2020</a:t>
             </a:fld>
             <a:endParaRPr lang="en-US"/>
           </a:p>
@@ -2827,7 +2827,7 @@
           <a:p>
             <a:fld id="{AF0EE2CB-ACA5-4190-BF2E-27B23A7D63ED}" type="datetime1">
               <a:rPr lang="en-US" smtClean="0"/>
-              <a:t>4/4/2020</a:t>
+              <a:t>4/13/2020</a:t>
             </a:fld>
             <a:endParaRPr lang="en-US"/>
           </a:p>
@@ -3115,7 +3115,7 @@
           <a:p>
             <a:fld id="{8071D197-35A9-4BC6-A7E3-13AE8964F43E}" type="datetime1">
               <a:rPr lang="en-US" smtClean="0"/>
-              <a:t>4/4/2020</a:t>
+              <a:t>4/13/2020</a:t>
             </a:fld>
             <a:endParaRPr lang="en-US"/>
           </a:p>
@@ -3356,7 +3356,7 @@
           <a:p>
             <a:fld id="{A6174D4B-69CC-457D-9299-B97313C54882}" type="datetime1">
               <a:rPr lang="en-US" smtClean="0"/>
-              <a:t>4/4/2020</a:t>
+              <a:t>4/13/2020</a:t>
             </a:fld>
             <a:endParaRPr lang="en-US"/>
           </a:p>
@@ -7826,7 +7826,7 @@
                 </a:solidFill>
                 <a:latin typeface="Consolas" panose="020B0609020204030204" pitchFamily="49" charset="0"/>
               </a:rPr>
-              <a:t>// mutation ok, &amp;t when out of scope</a:t>
+              <a:t>// mutation ok, left &amp;t’s scope, e.g. show function exit</a:t>
             </a:r>
           </a:p>
           <a:p>

--- a/Resources/RustModels.pptx
+++ b/Resources/RustModels.pptx
@@ -257,7 +257,7 @@
           <a:p>
             <a:fld id="{8B9DEAE6-0538-4445-AC69-E9546F37B6FF}" type="datetimeFigureOut">
               <a:rPr lang="en-US" smtClean="0"/>
-              <a:t>4/13/2020</a:t>
+              <a:t>4/18/2020</a:t>
             </a:fld>
             <a:endParaRPr lang="en-US"/>
           </a:p>
@@ -671,7 +671,7 @@
           <a:p>
             <a:fld id="{F59BA8CD-9D66-40F3-B663-5AE3FCC8E640}" type="datetime1">
               <a:rPr lang="en-US" smtClean="0"/>
-              <a:t>4/13/2020</a:t>
+              <a:t>4/18/2020</a:t>
             </a:fld>
             <a:endParaRPr lang="en-US"/>
           </a:p>
@@ -869,7 +869,7 @@
           <a:p>
             <a:fld id="{AE815081-8781-4CE2-BA8A-F30EB62592DB}" type="datetime1">
               <a:rPr lang="en-US" smtClean="0"/>
-              <a:t>4/13/2020</a:t>
+              <a:t>4/18/2020</a:t>
             </a:fld>
             <a:endParaRPr lang="en-US"/>
           </a:p>
@@ -1077,7 +1077,7 @@
           <a:p>
             <a:fld id="{1436B19E-3845-4454-9B00-81A37311B2DB}" type="datetime1">
               <a:rPr lang="en-US" smtClean="0"/>
-              <a:t>4/13/2020</a:t>
+              <a:t>4/18/2020</a:t>
             </a:fld>
             <a:endParaRPr lang="en-US"/>
           </a:p>
@@ -1285,7 +1285,7 @@
           <a:p>
             <a:fld id="{51BD0182-F02D-41FA-88F8-DAAE45FECD96}" type="datetime1">
               <a:rPr lang="en-US" smtClean="0"/>
-              <a:t>4/13/2020</a:t>
+              <a:t>4/18/2020</a:t>
             </a:fld>
             <a:endParaRPr lang="en-US"/>
           </a:p>
@@ -1565,7 +1565,7 @@
           <a:p>
             <a:fld id="{97DD5E3A-970B-45DB-AC65-C654B1C83769}" type="datetime1">
               <a:rPr lang="en-US" smtClean="0"/>
-              <a:t>4/13/2020</a:t>
+              <a:t>4/18/2020</a:t>
             </a:fld>
             <a:endParaRPr lang="en-US"/>
           </a:p>
@@ -1835,7 +1835,7 @@
           <a:p>
             <a:fld id="{A0C75F36-CE33-4D01-AEC1-8AE85EBDD5C0}" type="datetime1">
               <a:rPr lang="en-US" smtClean="0"/>
-              <a:t>4/13/2020</a:t>
+              <a:t>4/18/2020</a:t>
             </a:fld>
             <a:endParaRPr lang="en-US"/>
           </a:p>
@@ -2252,7 +2252,7 @@
           <a:p>
             <a:fld id="{2F12ED4E-FBDA-4929-861C-48D0B255396D}" type="datetime1">
               <a:rPr lang="en-US" smtClean="0"/>
-              <a:t>4/13/2020</a:t>
+              <a:t>4/18/2020</a:t>
             </a:fld>
             <a:endParaRPr lang="en-US"/>
           </a:p>
@@ -2398,7 +2398,7 @@
           <a:p>
             <a:fld id="{71274C8E-8698-45E5-8BD5-3125D835571A}" type="datetime1">
               <a:rPr lang="en-US" smtClean="0"/>
-              <a:t>4/13/2020</a:t>
+              <a:t>4/18/2020</a:t>
             </a:fld>
             <a:endParaRPr lang="en-US"/>
           </a:p>
@@ -2516,7 +2516,7 @@
           <a:p>
             <a:fld id="{EAAEADE5-9122-4DD1-9AF9-D9EE601260DA}" type="datetime1">
               <a:rPr lang="en-US" smtClean="0"/>
-              <a:t>4/13/2020</a:t>
+              <a:t>4/18/2020</a:t>
             </a:fld>
             <a:endParaRPr lang="en-US"/>
           </a:p>
@@ -2827,7 +2827,7 @@
           <a:p>
             <a:fld id="{AF0EE2CB-ACA5-4190-BF2E-27B23A7D63ED}" type="datetime1">
               <a:rPr lang="en-US" smtClean="0"/>
-              <a:t>4/13/2020</a:t>
+              <a:t>4/18/2020</a:t>
             </a:fld>
             <a:endParaRPr lang="en-US"/>
           </a:p>
@@ -3115,7 +3115,7 @@
           <a:p>
             <a:fld id="{8071D197-35A9-4BC6-A7E3-13AE8964F43E}" type="datetime1">
               <a:rPr lang="en-US" smtClean="0"/>
-              <a:t>4/13/2020</a:t>
+              <a:t>4/18/2020</a:t>
             </a:fld>
             <a:endParaRPr lang="en-US"/>
           </a:p>
@@ -3356,7 +3356,7 @@
           <a:p>
             <a:fld id="{A6174D4B-69CC-457D-9299-B97313C54882}" type="datetime1">
               <a:rPr lang="en-US" smtClean="0"/>
-              <a:t>4/13/2020</a:t>
+              <a:t>4/18/2020</a:t>
             </a:fld>
             <a:endParaRPr lang="en-US"/>
           </a:p>
@@ -8366,7 +8366,7 @@
                 </a:solidFill>
                 <a:latin typeface="Consolas" panose="020B0609020204030204" pitchFamily="49" charset="0"/>
               </a:rPr>
-              <a:t>let r1: &amp;mut String = &amp;mut s;</a:t>
+              <a:t>let mut r1: &amp;String = &amp;s;</a:t>
             </a:r>
           </a:p>
           <a:p>
@@ -8378,7 +8378,7 @@
                 </a:solidFill>
                 <a:latin typeface="Consolas" panose="020B0609020204030204" pitchFamily="49" charset="0"/>
               </a:rPr>
-              <a:t>// let r2: &amp;mut String = &amp;mut s;    // won’t compile</a:t>
+              <a:t>// let mut r2: &amp;String = &amp;s;    // won’t compile</a:t>
             </a:r>
           </a:p>
           <a:p>
@@ -8390,7 +8390,7 @@
                 </a:solidFill>
                 <a:latin typeface="Consolas" panose="020B0609020204030204" pitchFamily="49" charset="0"/>
               </a:rPr>
-              <a:t>// let r3 = &amp;s;                     // won’t compile</a:t>
+              <a:t>// let r3 = &amp;s;                 // won’t compile</a:t>
             </a:r>
           </a:p>
           <a:p>
@@ -8665,7 +8665,7 @@
                 </a:solidFill>
                 <a:latin typeface="Consolas" panose="020B0609020204030204" pitchFamily="49" charset="0"/>
               </a:rPr>
-              <a:t>Let r3 = &amp;mut z;  </a:t>
+              <a:t>Let mut r3 = &amp;z;  </a:t>
             </a:r>
             <a:r>
               <a:rPr lang="en-US" dirty="0"/>

--- a/Resources/RustModels.pptx
+++ b/Resources/RustModels.pptx
@@ -257,7 +257,7 @@
           <a:p>
             <a:fld id="{8B9DEAE6-0538-4445-AC69-E9546F37B6FF}" type="datetimeFigureOut">
               <a:rPr lang="en-US" smtClean="0"/>
-              <a:t>4/18/2020</a:t>
+              <a:t>6/16/2020</a:t>
             </a:fld>
             <a:endParaRPr lang="en-US"/>
           </a:p>
@@ -671,7 +671,7 @@
           <a:p>
             <a:fld id="{F59BA8CD-9D66-40F3-B663-5AE3FCC8E640}" type="datetime1">
               <a:rPr lang="en-US" smtClean="0"/>
-              <a:t>4/18/2020</a:t>
+              <a:t>6/16/2020</a:t>
             </a:fld>
             <a:endParaRPr lang="en-US"/>
           </a:p>
@@ -869,7 +869,7 @@
           <a:p>
             <a:fld id="{AE815081-8781-4CE2-BA8A-F30EB62592DB}" type="datetime1">
               <a:rPr lang="en-US" smtClean="0"/>
-              <a:t>4/18/2020</a:t>
+              <a:t>6/16/2020</a:t>
             </a:fld>
             <a:endParaRPr lang="en-US"/>
           </a:p>
@@ -1077,7 +1077,7 @@
           <a:p>
             <a:fld id="{1436B19E-3845-4454-9B00-81A37311B2DB}" type="datetime1">
               <a:rPr lang="en-US" smtClean="0"/>
-              <a:t>4/18/2020</a:t>
+              <a:t>6/16/2020</a:t>
             </a:fld>
             <a:endParaRPr lang="en-US"/>
           </a:p>
@@ -1285,7 +1285,7 @@
           <a:p>
             <a:fld id="{51BD0182-F02D-41FA-88F8-DAAE45FECD96}" type="datetime1">
               <a:rPr lang="en-US" smtClean="0"/>
-              <a:t>4/18/2020</a:t>
+              <a:t>6/16/2020</a:t>
             </a:fld>
             <a:endParaRPr lang="en-US"/>
           </a:p>
@@ -1565,7 +1565,7 @@
           <a:p>
             <a:fld id="{97DD5E3A-970B-45DB-AC65-C654B1C83769}" type="datetime1">
               <a:rPr lang="en-US" smtClean="0"/>
-              <a:t>4/18/2020</a:t>
+              <a:t>6/16/2020</a:t>
             </a:fld>
             <a:endParaRPr lang="en-US"/>
           </a:p>
@@ -1835,7 +1835,7 @@
           <a:p>
             <a:fld id="{A0C75F36-CE33-4D01-AEC1-8AE85EBDD5C0}" type="datetime1">
               <a:rPr lang="en-US" smtClean="0"/>
-              <a:t>4/18/2020</a:t>
+              <a:t>6/16/2020</a:t>
             </a:fld>
             <a:endParaRPr lang="en-US"/>
           </a:p>
@@ -2252,7 +2252,7 @@
           <a:p>
             <a:fld id="{2F12ED4E-FBDA-4929-861C-48D0B255396D}" type="datetime1">
               <a:rPr lang="en-US" smtClean="0"/>
-              <a:t>4/18/2020</a:t>
+              <a:t>6/16/2020</a:t>
             </a:fld>
             <a:endParaRPr lang="en-US"/>
           </a:p>
@@ -2398,7 +2398,7 @@
           <a:p>
             <a:fld id="{71274C8E-8698-45E5-8BD5-3125D835571A}" type="datetime1">
               <a:rPr lang="en-US" smtClean="0"/>
-              <a:t>4/18/2020</a:t>
+              <a:t>6/16/2020</a:t>
             </a:fld>
             <a:endParaRPr lang="en-US"/>
           </a:p>
@@ -2516,7 +2516,7 @@
           <a:p>
             <a:fld id="{EAAEADE5-9122-4DD1-9AF9-D9EE601260DA}" type="datetime1">
               <a:rPr lang="en-US" smtClean="0"/>
-              <a:t>4/18/2020</a:t>
+              <a:t>6/16/2020</a:t>
             </a:fld>
             <a:endParaRPr lang="en-US"/>
           </a:p>
@@ -2827,7 +2827,7 @@
           <a:p>
             <a:fld id="{AF0EE2CB-ACA5-4190-BF2E-27B23A7D63ED}" type="datetime1">
               <a:rPr lang="en-US" smtClean="0"/>
-              <a:t>4/18/2020</a:t>
+              <a:t>6/16/2020</a:t>
             </a:fld>
             <a:endParaRPr lang="en-US"/>
           </a:p>
@@ -3115,7 +3115,7 @@
           <a:p>
             <a:fld id="{8071D197-35A9-4BC6-A7E3-13AE8964F43E}" type="datetime1">
               <a:rPr lang="en-US" smtClean="0"/>
-              <a:t>4/18/2020</a:t>
+              <a:t>6/16/2020</a:t>
             </a:fld>
             <a:endParaRPr lang="en-US"/>
           </a:p>
@@ -3356,7 +3356,7 @@
           <a:p>
             <a:fld id="{A6174D4B-69CC-457D-9299-B97313C54882}" type="datetime1">
               <a:rPr lang="en-US" smtClean="0"/>
-              <a:t>4/18/2020</a:t>
+              <a:t>6/16/2020</a:t>
             </a:fld>
             <a:endParaRPr lang="en-US"/>
           </a:p>
@@ -6870,7 +6870,7 @@
             </a:r>
             <a:r>
               <a:rPr lang="en-US" sz="2400" dirty="0"/>
-              <a:t>, non-mutable references – creating reference inhibits </a:t>
+              <a:t>, non-mutable references – using reference inhibits </a:t>
             </a:r>
             <a:r>
               <a:rPr lang="en-US" sz="2400" dirty="0" err="1"/>
@@ -6934,7 +6934,7 @@
             <a:pPr lvl="1"/>
             <a:r>
               <a:rPr lang="en-US" sz="2000" dirty="0"/>
-              <a:t>Borrows end when they go out of scope or are dropped, drop(r1);</a:t>
+              <a:t>Borrows end when they go out of scope;</a:t>
             </a:r>
             <a:br>
               <a:rPr lang="en-US" sz="2000" dirty="0"/>
@@ -7419,7 +7419,7 @@
             <a:pPr lvl="2"/>
             <a:r>
               <a:rPr lang="en-US" dirty="0"/>
-              <a:t>Borrowing ends when reference goes out of scope or is dropped</a:t>
+              <a:t>Borrowing ends when reference goes out of scope</a:t>
             </a:r>
           </a:p>
           <a:p>
@@ -7743,7 +7743,7 @@
           <a:p>
             <a:r>
               <a:rPr lang="en-US" dirty="0"/>
-              <a:t>The original owner can not mutate until all active references are dropped or go out of scope:</a:t>
+              <a:t>The original owner can not mutate until all active references go out of scope:</a:t>
             </a:r>
           </a:p>
           <a:p>
@@ -7830,7 +7830,28 @@
             </a:r>
           </a:p>
           <a:p>
-            <a:endParaRPr lang="en-US" dirty="0"/>
+            <a:r>
+              <a:rPr lang="en-US" dirty="0">
+                <a:solidFill>
+                  <a:schemeClr val="bg2">
+                    <a:lumMod val="10000"/>
+                  </a:schemeClr>
+                </a:solidFill>
+                <a:latin typeface="Calibri" panose="020F0502020204030204" pitchFamily="34" charset="0"/>
+                <a:cs typeface="Calibri" panose="020F0502020204030204" pitchFamily="34" charset="0"/>
+              </a:rPr>
+              <a:t>After the last reference use owner can mutate.</a:t>
+            </a:r>
+            <a:endParaRPr lang="en-US" dirty="0">
+              <a:solidFill>
+                <a:schemeClr val="tx1">
+                  <a:lumMod val="95000"/>
+                  <a:lumOff val="5000"/>
+                </a:schemeClr>
+              </a:solidFill>
+              <a:latin typeface="Calibri" panose="020F0502020204030204" pitchFamily="34" charset="0"/>
+              <a:cs typeface="Calibri" panose="020F0502020204030204" pitchFamily="34" charset="0"/>
+            </a:endParaRPr>
           </a:p>
         </p:txBody>
       </p:sp>
@@ -8396,7 +8417,7 @@
           <a:p>
             <a:r>
               <a:rPr lang="en-US" dirty="0"/>
-              <a:t>The original owner can not mutate until active reference is dropped or goes out of scope (same as before):</a:t>
+              <a:t>The original owner can not mutate until active reference goes out of scope (same as before):</a:t>
             </a:r>
           </a:p>
           <a:p>
@@ -8675,20 +8696,14 @@
           <a:p>
             <a:r>
               <a:rPr lang="en-US" dirty="0"/>
-              <a:t>References become inactive when they go out of scope or are dropped:</a:t>
-            </a:r>
-          </a:p>
-          <a:p>
-            <a:pPr lvl="1"/>
-            <a:r>
-              <a:rPr lang="en-US" sz="2000" dirty="0">
-                <a:solidFill>
-                  <a:srgbClr val="C00000"/>
-                </a:solidFill>
-                <a:latin typeface="Consolas" panose="020B0609020204030204" pitchFamily="49" charset="0"/>
-              </a:rPr>
-              <a:t>drop(r3);</a:t>
-            </a:r>
+              <a:t>References become inactive when they go out of scope.</a:t>
+            </a:r>
+            <a:endParaRPr lang="en-US" sz="2000" dirty="0">
+              <a:solidFill>
+                <a:srgbClr val="C00000"/>
+              </a:solidFill>
+              <a:latin typeface="Consolas" panose="020B0609020204030204" pitchFamily="49" charset="0"/>
+            </a:endParaRPr>
           </a:p>
           <a:p>
             <a:r>

--- a/Resources/RustModels.pptx
+++ b/Resources/RustModels.pptx
@@ -257,7 +257,7 @@
           <a:p>
             <a:fld id="{8B9DEAE6-0538-4445-AC69-E9546F37B6FF}" type="datetimeFigureOut">
               <a:rPr lang="en-US" smtClean="0"/>
-              <a:t>6/16/2020</a:t>
+              <a:t>10/9/2024</a:t>
             </a:fld>
             <a:endParaRPr lang="en-US"/>
           </a:p>
@@ -671,7 +671,7 @@
           <a:p>
             <a:fld id="{F59BA8CD-9D66-40F3-B663-5AE3FCC8E640}" type="datetime1">
               <a:rPr lang="en-US" smtClean="0"/>
-              <a:t>6/16/2020</a:t>
+              <a:t>10/9/2024</a:t>
             </a:fld>
             <a:endParaRPr lang="en-US"/>
           </a:p>
@@ -869,7 +869,7 @@
           <a:p>
             <a:fld id="{AE815081-8781-4CE2-BA8A-F30EB62592DB}" type="datetime1">
               <a:rPr lang="en-US" smtClean="0"/>
-              <a:t>6/16/2020</a:t>
+              <a:t>10/9/2024</a:t>
             </a:fld>
             <a:endParaRPr lang="en-US"/>
           </a:p>
@@ -1077,7 +1077,7 @@
           <a:p>
             <a:fld id="{1436B19E-3845-4454-9B00-81A37311B2DB}" type="datetime1">
               <a:rPr lang="en-US" smtClean="0"/>
-              <a:t>6/16/2020</a:t>
+              <a:t>10/9/2024</a:t>
             </a:fld>
             <a:endParaRPr lang="en-US"/>
           </a:p>
@@ -1285,7 +1285,7 @@
           <a:p>
             <a:fld id="{51BD0182-F02D-41FA-88F8-DAAE45FECD96}" type="datetime1">
               <a:rPr lang="en-US" smtClean="0"/>
-              <a:t>6/16/2020</a:t>
+              <a:t>10/9/2024</a:t>
             </a:fld>
             <a:endParaRPr lang="en-US"/>
           </a:p>
@@ -1565,7 +1565,7 @@
           <a:p>
             <a:fld id="{97DD5E3A-970B-45DB-AC65-C654B1C83769}" type="datetime1">
               <a:rPr lang="en-US" smtClean="0"/>
-              <a:t>6/16/2020</a:t>
+              <a:t>10/9/2024</a:t>
             </a:fld>
             <a:endParaRPr lang="en-US"/>
           </a:p>
@@ -1835,7 +1835,7 @@
           <a:p>
             <a:fld id="{A0C75F36-CE33-4D01-AEC1-8AE85EBDD5C0}" type="datetime1">
               <a:rPr lang="en-US" smtClean="0"/>
-              <a:t>6/16/2020</a:t>
+              <a:t>10/9/2024</a:t>
             </a:fld>
             <a:endParaRPr lang="en-US"/>
           </a:p>
@@ -2252,7 +2252,7 @@
           <a:p>
             <a:fld id="{2F12ED4E-FBDA-4929-861C-48D0B255396D}" type="datetime1">
               <a:rPr lang="en-US" smtClean="0"/>
-              <a:t>6/16/2020</a:t>
+              <a:t>10/9/2024</a:t>
             </a:fld>
             <a:endParaRPr lang="en-US"/>
           </a:p>
@@ -2398,7 +2398,7 @@
           <a:p>
             <a:fld id="{71274C8E-8698-45E5-8BD5-3125D835571A}" type="datetime1">
               <a:rPr lang="en-US" smtClean="0"/>
-              <a:t>6/16/2020</a:t>
+              <a:t>10/9/2024</a:t>
             </a:fld>
             <a:endParaRPr lang="en-US"/>
           </a:p>
@@ -2516,7 +2516,7 @@
           <a:p>
             <a:fld id="{EAAEADE5-9122-4DD1-9AF9-D9EE601260DA}" type="datetime1">
               <a:rPr lang="en-US" smtClean="0"/>
-              <a:t>6/16/2020</a:t>
+              <a:t>10/9/2024</a:t>
             </a:fld>
             <a:endParaRPr lang="en-US"/>
           </a:p>
@@ -2827,7 +2827,7 @@
           <a:p>
             <a:fld id="{AF0EE2CB-ACA5-4190-BF2E-27B23A7D63ED}" type="datetime1">
               <a:rPr lang="en-US" smtClean="0"/>
-              <a:t>6/16/2020</a:t>
+              <a:t>10/9/2024</a:t>
             </a:fld>
             <a:endParaRPr lang="en-US"/>
           </a:p>
@@ -3115,7 +3115,7 @@
           <a:p>
             <a:fld id="{8071D197-35A9-4BC6-A7E3-13AE8964F43E}" type="datetime1">
               <a:rPr lang="en-US" smtClean="0"/>
-              <a:t>6/16/2020</a:t>
+              <a:t>10/9/2024</a:t>
             </a:fld>
             <a:endParaRPr lang="en-US"/>
           </a:p>
@@ -3356,7 +3356,7 @@
           <a:p>
             <a:fld id="{A6174D4B-69CC-457D-9299-B97313C54882}" type="datetime1">
               <a:rPr lang="en-US" smtClean="0"/>
-              <a:t>6/16/2020</a:t>
+              <a:t>10/9/2024</a:t>
             </a:fld>
             <a:endParaRPr lang="en-US"/>
           </a:p>
@@ -5647,7 +5647,7 @@
                 </a:solidFill>
                 <a:latin typeface="Consolas" panose="020B0609020204030204" pitchFamily="49" charset="0"/>
               </a:rPr>
-              <a:t>let mut r = &amp;s;</a:t>
+              <a:t>let r = &amp;mut s;</a:t>
             </a:r>
           </a:p>
         </p:txBody>
@@ -8387,7 +8387,7 @@
                 </a:solidFill>
                 <a:latin typeface="Consolas" panose="020B0609020204030204" pitchFamily="49" charset="0"/>
               </a:rPr>
-              <a:t>let mut r1: &amp;String = &amp;s;</a:t>
+              <a:t>let r1: &amp;mut String = &amp;mut s;</a:t>
             </a:r>
           </a:p>
           <a:p>
@@ -8399,7 +8399,7 @@
                 </a:solidFill>
                 <a:latin typeface="Consolas" panose="020B0609020204030204" pitchFamily="49" charset="0"/>
               </a:rPr>
-              <a:t>// let mut r2: &amp;String = &amp;s;    // won’t compile</a:t>
+              <a:t>// let r2: &amp;mut String = &amp;mut s;    // won’t compile</a:t>
             </a:r>
           </a:p>
           <a:p>
@@ -8411,7 +8411,7 @@
                 </a:solidFill>
                 <a:latin typeface="Consolas" panose="020B0609020204030204" pitchFamily="49" charset="0"/>
               </a:rPr>
-              <a:t>// let r3 = &amp;s;                 // won’t compile</a:t>
+              <a:t>// let r3 = &amp;s;                     // won’t compile</a:t>
             </a:r>
           </a:p>
           <a:p>
@@ -8696,7 +8696,7 @@
           <a:p>
             <a:r>
               <a:rPr lang="en-US" dirty="0"/>
-              <a:t>References become inactive when they go out of scope.</a:t>
+              <a:t>Mutable references become inactive when they go out of scope.</a:t>
             </a:r>
             <a:endParaRPr lang="en-US" sz="2000" dirty="0">
               <a:solidFill>
@@ -8831,7 +8831,9 @@
           </a:xfrm>
         </p:spPr>
         <p:txBody>
-          <a:bodyPr/>
+          <a:bodyPr>
+            <a:normAutofit lnSpcReduction="10000"/>
+          </a:bodyPr>
           <a:lstStyle/>
           <a:p>
             <a:r>
@@ -8923,6 +8925,13 @@
             <a:r>
               <a:rPr lang="en-US" dirty="0"/>
               <a:t>.</a:t>
+            </a:r>
+          </a:p>
+          <a:p>
+            <a:pPr lvl="2"/>
+            <a:r>
+              <a:rPr lang="en-US" dirty="0"/>
+              <a:t>Explicitly passed as first argument</a:t>
             </a:r>
           </a:p>
           <a:p>
@@ -20048,25 +20057,24 @@
               <a:t>https://JimFawcett.github.io</a:t>
             </a:r>
             <a:r>
-              <a:rPr lang="en-US"/>
+              <a:rPr lang="en-US" dirty="0"/>
               <a:t>, </a:t>
             </a:r>
             <a:r>
-              <a:rPr lang="en-US">
+              <a:rPr lang="en-US" dirty="0">
                 <a:hlinkClick r:id="rId3"/>
               </a:rPr>
               <a:t>https://jimfawcett.github.io/Resources/RustModels.pdf</a:t>
             </a:r>
             <a:r>
-              <a:rPr lang="en-US"/>
+              <a:rPr lang="en-US" dirty="0"/>
               <a:t> </a:t>
             </a:r>
-            <a:endParaRPr lang="en-US" dirty="0"/>
-          </a:p>
-          <a:p>
-            <a:r>
-              <a:rPr lang="en-US" dirty="0"/>
-              <a:t>The site provides a curated selection of code developed for graduate software design courses at Syracuse University</a:t>
+          </a:p>
+          <a:p>
+            <a:r>
+              <a:rPr lang="en-US" dirty="0"/>
+              <a:t>The site provides a curated selection of code, some developed for graduate software design courses at Syracuse University</a:t>
             </a:r>
           </a:p>
           <a:p>
